--- a/Apresentacao_Editado.pptx
+++ b/Apresentacao_Editado.pptx
@@ -28,17 +28,16 @@
     <p:sldId id="278" r:id="rId22"/>
     <p:sldId id="279" r:id="rId23"/>
     <p:sldId id="280" r:id="rId24"/>
-    <p:sldId id="281" r:id="rId25"/>
-    <p:sldId id="282" r:id="rId26"/>
-    <p:sldId id="283" r:id="rId27"/>
-    <p:sldId id="284" r:id="rId28"/>
-    <p:sldId id="285" r:id="rId29"/>
-    <p:sldId id="286" r:id="rId30"/>
-    <p:sldId id="287" r:id="rId31"/>
-    <p:sldId id="288" r:id="rId32"/>
-    <p:sldId id="289" r:id="rId33"/>
-    <p:sldId id="290" r:id="rId34"/>
-    <p:sldId id="291" r:id="rId35"/>
+    <p:sldId id="282" r:id="rId25"/>
+    <p:sldId id="283" r:id="rId26"/>
+    <p:sldId id="284" r:id="rId27"/>
+    <p:sldId id="285" r:id="rId28"/>
+    <p:sldId id="286" r:id="rId29"/>
+    <p:sldId id="287" r:id="rId30"/>
+    <p:sldId id="288" r:id="rId31"/>
+    <p:sldId id="289" r:id="rId32"/>
+    <p:sldId id="290" r:id="rId33"/>
+    <p:sldId id="291" r:id="rId34"/>
   </p:sldIdLst>
   <p:sldSz cx="12192000" cy="6858000"/>
   <p:notesSz cx="6858000" cy="9144000"/>
@@ -849,39 +848,100 @@
         <p:spPr/>
         <p:txBody>
           <a:bodyPr/>
-          <a:lstStyle/>
+          <a:lstStyle>
+            <a:lvl1pPr>
+              <a:lnSpc>
+                <a:spcPct val="100000"/>
+              </a:lnSpc>
+              <a:spcBef>
+                <a:spcPts val="600"/>
+              </a:spcBef>
+              <a:spcAft>
+                <a:spcPts val="1200"/>
+              </a:spcAft>
+              <a:defRPr/>
+            </a:lvl1pPr>
+            <a:lvl2pPr>
+              <a:lnSpc>
+                <a:spcPct val="100000"/>
+              </a:lnSpc>
+              <a:spcBef>
+                <a:spcPts val="0"/>
+              </a:spcBef>
+              <a:spcAft>
+                <a:spcPts val="1200"/>
+              </a:spcAft>
+              <a:defRPr/>
+            </a:lvl2pPr>
+            <a:lvl3pPr>
+              <a:lnSpc>
+                <a:spcPct val="100000"/>
+              </a:lnSpc>
+              <a:spcBef>
+                <a:spcPts val="0"/>
+              </a:spcBef>
+              <a:spcAft>
+                <a:spcPts val="1200"/>
+              </a:spcAft>
+              <a:defRPr/>
+            </a:lvl3pPr>
+            <a:lvl4pPr>
+              <a:lnSpc>
+                <a:spcPct val="100000"/>
+              </a:lnSpc>
+              <a:spcBef>
+                <a:spcPts val="0"/>
+              </a:spcBef>
+              <a:spcAft>
+                <a:spcPts val="1200"/>
+              </a:spcAft>
+              <a:defRPr/>
+            </a:lvl4pPr>
+            <a:lvl5pPr>
+              <a:lnSpc>
+                <a:spcPct val="100000"/>
+              </a:lnSpc>
+              <a:spcBef>
+                <a:spcPts val="0"/>
+              </a:spcBef>
+              <a:spcAft>
+                <a:spcPts val="1200"/>
+              </a:spcAft>
+              <a:defRPr/>
+            </a:lvl5pPr>
+          </a:lstStyle>
           <a:p>
             <a:pPr lvl="0"/>
             <a:r>
-              <a:rPr lang="pt-BR"/>
+              <a:rPr lang="pt-BR" dirty="0"/>
               <a:t>Clique para editar os estilos de texto Mestres</a:t>
             </a:r>
           </a:p>
           <a:p>
             <a:pPr lvl="1"/>
             <a:r>
-              <a:rPr lang="pt-BR"/>
+              <a:rPr lang="pt-BR" dirty="0"/>
               <a:t>Segundo nível</a:t>
             </a:r>
           </a:p>
           <a:p>
             <a:pPr lvl="2"/>
             <a:r>
-              <a:rPr lang="pt-BR"/>
+              <a:rPr lang="pt-BR" dirty="0"/>
               <a:t>Terceiro nível</a:t>
             </a:r>
           </a:p>
           <a:p>
             <a:pPr lvl="3"/>
             <a:r>
-              <a:rPr lang="pt-BR"/>
+              <a:rPr lang="pt-BR" dirty="0"/>
               <a:t>Quarto nível</a:t>
             </a:r>
           </a:p>
           <a:p>
             <a:pPr lvl="4"/>
             <a:r>
-              <a:rPr lang="pt-BR"/>
+              <a:rPr lang="pt-BR" dirty="0"/>
               <a:t>Quinto nível</a:t>
             </a:r>
             <a:endParaRPr lang="en-US" dirty="0"/>
@@ -2869,35 +2929,35 @@
           <a:p>
             <a:pPr lvl="0"/>
             <a:r>
-              <a:rPr lang="pt-BR"/>
+              <a:rPr lang="pt-BR" dirty="0"/>
               <a:t>Clique para editar os estilos de texto Mestres</a:t>
             </a:r>
           </a:p>
           <a:p>
             <a:pPr lvl="1"/>
             <a:r>
-              <a:rPr lang="pt-BR"/>
+              <a:rPr lang="pt-BR" dirty="0"/>
               <a:t>Segundo nível</a:t>
             </a:r>
           </a:p>
           <a:p>
             <a:pPr lvl="2"/>
             <a:r>
-              <a:rPr lang="pt-BR"/>
+              <a:rPr lang="pt-BR" dirty="0"/>
               <a:t>Terceiro nível</a:t>
             </a:r>
           </a:p>
           <a:p>
             <a:pPr lvl="3"/>
             <a:r>
-              <a:rPr lang="pt-BR"/>
+              <a:rPr lang="pt-BR" dirty="0"/>
               <a:t>Quarto nível</a:t>
             </a:r>
           </a:p>
           <a:p>
             <a:pPr lvl="4"/>
             <a:r>
-              <a:rPr lang="pt-BR"/>
+              <a:rPr lang="pt-BR" dirty="0"/>
               <a:t>Quinto nível</a:t>
             </a:r>
             <a:endParaRPr lang="en-US" dirty="0"/>
@@ -3040,7 +3100,7 @@
   </p:sldLayoutIdLst>
   <p:txStyles>
     <p:titleStyle>
-      <a:lvl1pPr algn="l" defTabSz="914400" rtl="0" eaLnBrk="1" latinLnBrk="0" hangingPunct="1">
+      <a:lvl1pPr algn="ctr" defTabSz="914400" rtl="0" eaLnBrk="1" latinLnBrk="0" hangingPunct="1">
         <a:lnSpc>
           <a:spcPct val="85000"/>
         </a:lnSpc>
@@ -3059,21 +3119,21 @@
       </a:lvl1pPr>
     </p:titleStyle>
     <p:bodyStyle>
-      <a:lvl1pPr marL="182880" indent="-182880" algn="l" defTabSz="914400" rtl="0" eaLnBrk="1" latinLnBrk="0" hangingPunct="1">
+      <a:lvl1pPr marL="182880" indent="-182880" algn="just" defTabSz="914400" rtl="0" eaLnBrk="1" latinLnBrk="0" hangingPunct="1">
         <a:lnSpc>
-          <a:spcPct val="90000"/>
+          <a:spcPct val="100000"/>
         </a:lnSpc>
         <a:spcBef>
-          <a:spcPts val="1200"/>
+          <a:spcPts val="600"/>
         </a:spcBef>
         <a:spcAft>
-          <a:spcPts val="200"/>
+          <a:spcPts val="800"/>
         </a:spcAft>
         <a:buClr>
           <a:schemeClr val="tx1"/>
         </a:buClr>
-        <a:buFont typeface="Wingdings" pitchFamily="2" charset="2"/>
-        <a:buChar char=""/>
+        <a:buFont typeface="Arial" panose="020B0604020202020204" pitchFamily="34" charset="0"/>
+        <a:buChar char="•"/>
         <a:defRPr sz="2200" kern="1200">
           <a:solidFill>
             <a:schemeClr val="tx1"/>
@@ -3083,21 +3143,21 @@
           <a:cs typeface="+mn-cs"/>
         </a:defRPr>
       </a:lvl1pPr>
-      <a:lvl2pPr marL="411480" indent="-182880" algn="l" defTabSz="914400" rtl="0" eaLnBrk="1" latinLnBrk="0" hangingPunct="1">
+      <a:lvl2pPr marL="411480" indent="-180000" algn="just" defTabSz="914400" rtl="0" eaLnBrk="1" latinLnBrk="0" hangingPunct="1">
         <a:lnSpc>
-          <a:spcPct val="90000"/>
+          <a:spcPct val="100000"/>
         </a:lnSpc>
         <a:spcBef>
-          <a:spcPts val="200"/>
+          <a:spcPts val="0"/>
         </a:spcBef>
         <a:spcAft>
-          <a:spcPts val="400"/>
+          <a:spcPts val="800"/>
         </a:spcAft>
         <a:buClr>
           <a:schemeClr val="tx1"/>
         </a:buClr>
-        <a:buFont typeface="Wingdings" pitchFamily="2" charset="2"/>
-        <a:buChar char=""/>
+        <a:buFont typeface="Arial" panose="020B0604020202020204" pitchFamily="34" charset="0"/>
+        <a:buChar char="•"/>
         <a:defRPr sz="2000" kern="1200">
           <a:solidFill>
             <a:schemeClr val="tx1"/>
@@ -3107,21 +3167,21 @@
           <a:cs typeface="+mn-cs"/>
         </a:defRPr>
       </a:lvl2pPr>
-      <a:lvl3pPr marL="640080" indent="-182880" algn="l" defTabSz="914400" rtl="0" eaLnBrk="1" latinLnBrk="0" hangingPunct="1">
+      <a:lvl3pPr marL="640080" indent="-180000" algn="just" defTabSz="914400" rtl="0" eaLnBrk="1" latinLnBrk="0" hangingPunct="1">
         <a:lnSpc>
-          <a:spcPct val="90000"/>
+          <a:spcPct val="100000"/>
         </a:lnSpc>
         <a:spcBef>
-          <a:spcPts val="200"/>
+          <a:spcPts val="0"/>
         </a:spcBef>
         <a:spcAft>
-          <a:spcPts val="400"/>
+          <a:spcPts val="800"/>
         </a:spcAft>
         <a:buClr>
           <a:schemeClr val="tx1"/>
         </a:buClr>
-        <a:buFont typeface="Wingdings" pitchFamily="2" charset="2"/>
-        <a:buChar char=""/>
+        <a:buFont typeface="Arial" panose="020B0604020202020204" pitchFamily="34" charset="0"/>
+        <a:buChar char="•"/>
         <a:defRPr sz="1800" kern="1200">
           <a:solidFill>
             <a:schemeClr val="tx1"/>
@@ -3131,21 +3191,21 @@
           <a:cs typeface="+mn-cs"/>
         </a:defRPr>
       </a:lvl3pPr>
-      <a:lvl4pPr marL="868680" indent="-182880" algn="l" defTabSz="914400" rtl="0" eaLnBrk="1" latinLnBrk="0" hangingPunct="1">
+      <a:lvl4pPr marL="868680" indent="-180000" algn="just" defTabSz="914400" rtl="0" eaLnBrk="1" latinLnBrk="0" hangingPunct="1">
         <a:lnSpc>
-          <a:spcPct val="90000"/>
+          <a:spcPct val="100000"/>
         </a:lnSpc>
         <a:spcBef>
-          <a:spcPts val="200"/>
+          <a:spcPts val="0"/>
         </a:spcBef>
         <a:spcAft>
-          <a:spcPts val="400"/>
+          <a:spcPts val="800"/>
         </a:spcAft>
         <a:buClr>
           <a:schemeClr val="tx1"/>
         </a:buClr>
-        <a:buFont typeface="Wingdings" pitchFamily="2" charset="2"/>
-        <a:buChar char=""/>
+        <a:buFont typeface="Arial" panose="020B0604020202020204" pitchFamily="34" charset="0"/>
+        <a:buChar char="•"/>
         <a:defRPr sz="1600" kern="1200">
           <a:solidFill>
             <a:schemeClr val="tx1"/>
@@ -3155,21 +3215,21 @@
           <a:cs typeface="+mn-cs"/>
         </a:defRPr>
       </a:lvl4pPr>
-      <a:lvl5pPr marL="1097280" indent="-182880" algn="l" defTabSz="914400" rtl="0" eaLnBrk="1" latinLnBrk="0" hangingPunct="1">
+      <a:lvl5pPr marL="1097280" indent="-180000" algn="just" defTabSz="914400" rtl="0" eaLnBrk="1" latinLnBrk="0" hangingPunct="1">
         <a:lnSpc>
-          <a:spcPct val="90000"/>
+          <a:spcPct val="100000"/>
         </a:lnSpc>
         <a:spcBef>
-          <a:spcPts val="200"/>
+          <a:spcPts val="0"/>
         </a:spcBef>
         <a:spcAft>
-          <a:spcPts val="400"/>
+          <a:spcPts val="800"/>
         </a:spcAft>
         <a:buClr>
           <a:schemeClr val="tx1"/>
         </a:buClr>
-        <a:buFont typeface="Wingdings" pitchFamily="2" charset="2"/>
-        <a:buChar char=""/>
+        <a:buFont typeface="Arial" panose="020B0604020202020204" pitchFamily="34" charset="0"/>
+        <a:buChar char="•"/>
         <a:defRPr sz="1600" kern="1200">
           <a:solidFill>
             <a:schemeClr val="tx1"/>
@@ -3464,7 +3524,7 @@
         </p:spPr>
         <p:txBody>
           <a:bodyPr>
-            <a:normAutofit/>
+            <a:normAutofit lnSpcReduction="10000"/>
           </a:bodyPr>
           <a:lstStyle/>
           <a:p>
@@ -3494,15 +3554,7 @@
           <a:p>
             <a:r>
               <a:rPr lang="pt-BR" dirty="0"/>
-              <a:t>Orientadora: Juliana </a:t>
-            </a:r>
-            <a:r>
-              <a:rPr lang="pt-BR" dirty="0" err="1"/>
-              <a:t>Feritar</a:t>
-            </a:r>
-            <a:r>
-              <a:rPr lang="pt-BR" dirty="0"/>
-              <a:t> de Melo e Silva</a:t>
+              <a:t>Orientadora: Juliana Freitas de Melo e Silva</a:t>
             </a:r>
             <a:endParaRPr dirty="0"/>
           </a:p>
@@ -3530,7 +3582,7 @@
           <a:p>
             <a:pPr algn="ctr"/>
             <a:r>
-              <a:rPr dirty="0" err="1"/>
+              <a:rPr lang="pt-BR" dirty="0"/>
               <a:t>Universidade</a:t>
             </a:r>
             <a:r>
@@ -3586,312 +3638,500 @@
           </a:p>
         </p:txBody>
       </p:sp>
-      <p:sp>
-        <p:nvSpPr>
-          <p:cNvPr id="3" name="Content Placeholder 2"/>
-          <p:cNvSpPr>
-            <a:spLocks noGrp="1"/>
-          </p:cNvSpPr>
-          <p:nvPr>
-            <p:ph idx="1"/>
-          </p:nvPr>
-        </p:nvSpPr>
-        <p:spPr/>
-        <p:txBody>
-          <a:bodyPr/>
-          <a:lstStyle/>
-          <a:p>
-            <a:pPr marL="0" indent="0">
-              <a:buNone/>
-            </a:pPr>
-            <a:r>
-              <a:t>Função de risco do modelo de sobrevivência com o componente longitudinal:</a:t>
-            </a:r>
-          </a:p>
-          <a:p>
-            <a:pPr lvl="1"/>
-            <a14:m xmlns:a14="http://schemas.microsoft.com/office/drawing/2010/main">
-              <m:oMath xmlns:m="http://schemas.openxmlformats.org/officeDocument/2006/math">
-                <m:r>
-                  <a:rPr>
-                    <a:latin typeface="Cambria Math" panose="02040503050406030204" pitchFamily="18" charset="0"/>
+      <mc:AlternateContent xmlns:mc="http://schemas.openxmlformats.org/markup-compatibility/2006">
+        <mc:Choice xmlns:a14="http://schemas.microsoft.com/office/drawing/2010/main" Requires="a14">
+          <p:sp>
+            <p:nvSpPr>
+              <p:cNvPr id="3" name="Content Placeholder 2"/>
+              <p:cNvSpPr>
+                <a:spLocks noGrp="1"/>
+              </p:cNvSpPr>
+              <p:nvPr>
+                <p:ph idx="1"/>
+              </p:nvPr>
+            </p:nvSpPr>
+            <p:spPr/>
+            <p:txBody>
+              <a:bodyPr/>
+              <a:lstStyle/>
+              <a:p>
+                <a:pPr marL="0" indent="0">
+                  <a:buNone/>
+                </a:pPr>
+                <a:r>
+                  <a:rPr dirty="0" err="1"/>
+                  <a:t>Função</a:t>
+                </a:r>
+                <a:r>
+                  <a:rPr dirty="0"/>
+                  <a:t> de </a:t>
+                </a:r>
+                <a:r>
+                  <a:rPr dirty="0" err="1"/>
+                  <a:t>risco</a:t>
+                </a:r>
+                <a:r>
+                  <a:rPr dirty="0"/>
+                  <a:t> do </a:t>
+                </a:r>
+                <a:r>
+                  <a:rPr dirty="0" err="1"/>
+                  <a:t>modelo</a:t>
+                </a:r>
+                <a:r>
+                  <a:rPr dirty="0"/>
+                  <a:t> de </a:t>
+                </a:r>
+                <a:r>
+                  <a:rPr dirty="0" err="1"/>
+                  <a:t>sobrevivência</a:t>
+                </a:r>
+                <a:r>
+                  <a:rPr dirty="0"/>
+                  <a:t> com o </a:t>
+                </a:r>
+                <a:r>
+                  <a:rPr dirty="0" err="1"/>
+                  <a:t>componente</a:t>
+                </a:r>
+                <a:r>
+                  <a:rPr dirty="0"/>
+                  <a:t> longitudinal:</a:t>
+                </a:r>
+              </a:p>
+              <a:p>
+                <a:pPr lvl="1"/>
+                <a14:m>
+                  <m:oMath xmlns:m="http://schemas.openxmlformats.org/officeDocument/2006/math">
+                    <m:r>
+                      <a:rPr>
+                        <a:latin typeface="Cambria Math" panose="02040503050406030204" pitchFamily="18" charset="0"/>
+                      </a:rPr>
+                      <m:t>h</m:t>
+                    </m:r>
+                    <m:r>
+                      <a:rPr>
+                        <a:latin typeface="Cambria Math" panose="02040503050406030204" pitchFamily="18" charset="0"/>
+                      </a:rPr>
+                      <m:t>(</m:t>
+                    </m:r>
+                    <m:r>
+                      <a:rPr>
+                        <a:latin typeface="Cambria Math" panose="02040503050406030204" pitchFamily="18" charset="0"/>
+                      </a:rPr>
+                      <m:t>𝑡</m:t>
+                    </m:r>
+                    <m:r>
+                      <a:rPr>
+                        <a:latin typeface="Cambria Math" panose="02040503050406030204" pitchFamily="18" charset="0"/>
+                      </a:rPr>
+                      <m:t>)=</m:t>
+                    </m:r>
+                    <m:sSub>
+                      <m:sSubPr>
+                        <m:ctrlPr>
+                          <a:rPr i="1">
+                            <a:latin typeface="Cambria Math" panose="02040503050406030204" pitchFamily="18" charset="0"/>
+                          </a:rPr>
+                        </m:ctrlPr>
+                      </m:sSubPr>
+                      <m:e>
+                        <m:r>
+                          <a:rPr>
+                            <a:latin typeface="Cambria Math" panose="02040503050406030204" pitchFamily="18" charset="0"/>
+                          </a:rPr>
+                          <m:t>h</m:t>
+                        </m:r>
+                      </m:e>
+                      <m:sub>
+                        <m:r>
+                          <a:rPr>
+                            <a:latin typeface="Cambria Math" panose="02040503050406030204" pitchFamily="18" charset="0"/>
+                          </a:rPr>
+                          <m:t>𝑜</m:t>
+                        </m:r>
+                      </m:sub>
+                    </m:sSub>
+                    <m:r>
+                      <a:rPr>
+                        <a:latin typeface="Cambria Math" panose="02040503050406030204" pitchFamily="18" charset="0"/>
+                      </a:rPr>
+                      <m:t>(</m:t>
+                    </m:r>
+                    <m:r>
+                      <a:rPr>
+                        <a:latin typeface="Cambria Math" panose="02040503050406030204" pitchFamily="18" charset="0"/>
+                      </a:rPr>
+                      <m:t>𝑡</m:t>
+                    </m:r>
+                    <m:r>
+                      <a:rPr>
+                        <a:latin typeface="Cambria Math" panose="02040503050406030204" pitchFamily="18" charset="0"/>
+                      </a:rPr>
+                      <m:t>)</m:t>
+                    </m:r>
+                    <m:r>
+                      <a:rPr>
+                        <a:latin typeface="Cambria Math" panose="02040503050406030204" pitchFamily="18" charset="0"/>
+                      </a:rPr>
+                      <m:t>𝑒𝑥𝑝</m:t>
+                    </m:r>
+                    <m:r>
+                      <a:rPr>
+                        <a:latin typeface="Cambria Math" panose="02040503050406030204" pitchFamily="18" charset="0"/>
+                      </a:rPr>
+                      <m:t>(</m:t>
+                    </m:r>
+                    <m:r>
+                      <a:rPr>
+                        <a:latin typeface="Cambria Math" panose="02040503050406030204" pitchFamily="18" charset="0"/>
+                      </a:rPr>
+                      <m:t>𝛽</m:t>
+                    </m:r>
+                    <m:sSub>
+                      <m:sSubPr>
+                        <m:ctrlPr>
+                          <a:rPr i="1">
+                            <a:latin typeface="Cambria Math" panose="02040503050406030204" pitchFamily="18" charset="0"/>
+                          </a:rPr>
+                        </m:ctrlPr>
+                      </m:sSubPr>
+                      <m:e>
+                        <m:r>
+                          <a:rPr>
+                            <a:latin typeface="Cambria Math" panose="02040503050406030204" pitchFamily="18" charset="0"/>
+                          </a:rPr>
+                          <m:t>𝑋</m:t>
+                        </m:r>
+                      </m:e>
+                      <m:sub>
+                        <m:r>
+                          <a:rPr>
+                            <a:latin typeface="Cambria Math" panose="02040503050406030204" pitchFamily="18" charset="0"/>
+                          </a:rPr>
+                          <m:t>𝑖𝑗</m:t>
+                        </m:r>
+                      </m:sub>
+                    </m:sSub>
+                    <m:r>
+                      <a:rPr>
+                        <a:latin typeface="Cambria Math" panose="02040503050406030204" pitchFamily="18" charset="0"/>
+                      </a:rPr>
+                      <m:t>+</m:t>
+                    </m:r>
+                    <m:r>
+                      <a:rPr>
+                        <a:latin typeface="Cambria Math" panose="02040503050406030204" pitchFamily="18" charset="0"/>
+                      </a:rPr>
+                      <m:t>𝛼</m:t>
+                    </m:r>
+                    <m:sSub>
+                      <m:sSubPr>
+                        <m:ctrlPr>
+                          <a:rPr i="1">
+                            <a:latin typeface="Cambria Math" panose="02040503050406030204" pitchFamily="18" charset="0"/>
+                          </a:rPr>
+                        </m:ctrlPr>
+                      </m:sSubPr>
+                      <m:e>
+                        <m:r>
+                          <a:rPr>
+                            <a:latin typeface="Cambria Math" panose="02040503050406030204" pitchFamily="18" charset="0"/>
+                          </a:rPr>
+                          <m:t>𝑍</m:t>
+                        </m:r>
+                      </m:e>
+                      <m:sub>
+                        <m:r>
+                          <a:rPr>
+                            <a:latin typeface="Cambria Math" panose="02040503050406030204" pitchFamily="18" charset="0"/>
+                          </a:rPr>
+                          <m:t>𝑖</m:t>
+                        </m:r>
+                      </m:sub>
+                    </m:sSub>
+                    <m:r>
+                      <a:rPr>
+                        <a:latin typeface="Cambria Math" panose="02040503050406030204" pitchFamily="18" charset="0"/>
+                      </a:rPr>
+                      <m:t>)</m:t>
+                    </m:r>
+                  </m:oMath>
+                </a14:m>
+                <a:r>
+                  <a:rPr dirty="0"/>
+                  <a:t>;</a:t>
+                </a:r>
+              </a:p>
+              <a:p>
+                <a:pPr lvl="2"/>
+                <a14:m>
+                  <m:oMath xmlns:m="http://schemas.openxmlformats.org/officeDocument/2006/math">
+                    <m:r>
+                      <a:rPr>
+                        <a:latin typeface="Cambria Math" panose="02040503050406030204" pitchFamily="18" charset="0"/>
+                      </a:rPr>
+                      <m:t>h</m:t>
+                    </m:r>
+                    <m:r>
+                      <a:rPr>
+                        <a:latin typeface="Cambria Math" panose="02040503050406030204" pitchFamily="18" charset="0"/>
+                      </a:rPr>
+                      <m:t>(</m:t>
+                    </m:r>
+                    <m:r>
+                      <a:rPr>
+                        <a:latin typeface="Cambria Math" panose="02040503050406030204" pitchFamily="18" charset="0"/>
+                      </a:rPr>
+                      <m:t>𝑡</m:t>
+                    </m:r>
+                    <m:r>
+                      <a:rPr>
+                        <a:latin typeface="Cambria Math" panose="02040503050406030204" pitchFamily="18" charset="0"/>
+                      </a:rPr>
+                      <m:t>)</m:t>
+                    </m:r>
+                  </m:oMath>
+                </a14:m>
+                <a:r>
+                  <a:rPr dirty="0"/>
+                  <a:t> é a taxa </a:t>
+                </a:r>
+                <a:r>
+                  <a:rPr dirty="0" err="1"/>
+                  <a:t>instantânea</a:t>
+                </a:r>
+                <a:r>
+                  <a:rPr dirty="0"/>
+                  <a:t> de </a:t>
+                </a:r>
+                <a:r>
+                  <a:rPr dirty="0" err="1"/>
+                  <a:t>ocorrência</a:t>
+                </a:r>
+                <a:r>
+                  <a:rPr dirty="0"/>
+                  <a:t> do </a:t>
+                </a:r>
+                <a:r>
+                  <a:rPr dirty="0" err="1"/>
+                  <a:t>evento</a:t>
+                </a:r>
+                <a:r>
+                  <a:rPr dirty="0"/>
+                  <a:t> (</a:t>
+                </a:r>
+                <a:r>
+                  <a:rPr dirty="0" err="1"/>
+                  <a:t>função</a:t>
+                </a:r>
+                <a:r>
+                  <a:rPr dirty="0"/>
+                  <a:t> de </a:t>
+                </a:r>
+                <a:r>
+                  <a:rPr dirty="0" err="1"/>
+                  <a:t>risco</a:t>
+                </a:r>
+                <a:r>
+                  <a:rPr dirty="0"/>
+                  <a:t>);</a:t>
+                </a:r>
+              </a:p>
+              <a:p>
+                <a:pPr lvl="2"/>
+                <a14:m>
+                  <m:oMath xmlns:m="http://schemas.openxmlformats.org/officeDocument/2006/math">
+                    <m:sSub>
+                      <m:sSubPr>
+                        <m:ctrlPr>
+                          <a:rPr i="1">
+                            <a:latin typeface="Cambria Math" panose="02040503050406030204" pitchFamily="18" charset="0"/>
+                          </a:rPr>
+                        </m:ctrlPr>
+                      </m:sSubPr>
+                      <m:e>
+                        <m:r>
+                          <a:rPr>
+                            <a:latin typeface="Cambria Math" panose="02040503050406030204" pitchFamily="18" charset="0"/>
+                          </a:rPr>
+                          <m:t>h</m:t>
+                        </m:r>
+                      </m:e>
+                      <m:sub>
+                        <m:r>
+                          <a:rPr>
+                            <a:latin typeface="Cambria Math" panose="02040503050406030204" pitchFamily="18" charset="0"/>
+                          </a:rPr>
+                          <m:t>𝑜</m:t>
+                        </m:r>
+                      </m:sub>
+                    </m:sSub>
+                    <m:r>
+                      <a:rPr>
+                        <a:latin typeface="Cambria Math" panose="02040503050406030204" pitchFamily="18" charset="0"/>
+                      </a:rPr>
+                      <m:t>(</m:t>
+                    </m:r>
+                    <m:r>
+                      <a:rPr>
+                        <a:latin typeface="Cambria Math" panose="02040503050406030204" pitchFamily="18" charset="0"/>
+                      </a:rPr>
+                      <m:t>𝑡</m:t>
+                    </m:r>
+                    <m:r>
+                      <a:rPr>
+                        <a:latin typeface="Cambria Math" panose="02040503050406030204" pitchFamily="18" charset="0"/>
+                      </a:rPr>
+                      <m:t>)</m:t>
+                    </m:r>
+                  </m:oMath>
+                </a14:m>
+                <a:r>
+                  <a:rPr dirty="0"/>
+                  <a:t> é a </a:t>
+                </a:r>
+                <a:r>
+                  <a:rPr dirty="0" err="1"/>
+                  <a:t>função</a:t>
+                </a:r>
+                <a:r>
+                  <a:rPr dirty="0"/>
+                  <a:t> de </a:t>
+                </a:r>
+                <a:r>
+                  <a:rPr dirty="0" err="1"/>
+                  <a:t>risco</a:t>
+                </a:r>
+                <a:r>
+                  <a:rPr dirty="0"/>
+                  <a:t> de base</a:t>
+                </a:r>
+                <a:r>
+                  <a:rPr lang="pt-BR" dirty="0"/>
+                  <a:t>;</a:t>
+                </a:r>
+                <a:endParaRPr dirty="0"/>
+              </a:p>
+              <a:p>
+                <a:pPr lvl="2"/>
+                <a14:m>
+                  <m:oMath xmlns:m="http://schemas.openxmlformats.org/officeDocument/2006/math">
+                    <m:r>
+                      <a:rPr>
+                        <a:latin typeface="Cambria Math" panose="02040503050406030204" pitchFamily="18" charset="0"/>
+                      </a:rPr>
+                      <m:t>𝛼</m:t>
+                    </m:r>
+                  </m:oMath>
+                </a14:m>
+                <a:r>
+                  <a:rPr dirty="0"/>
+                  <a:t> é o </a:t>
+                </a:r>
+                <a:r>
+                  <a:rPr dirty="0" err="1"/>
+                  <a:t>efeito</a:t>
+                </a:r>
+                <a:r>
+                  <a:rPr dirty="0"/>
+                  <a:t> do </a:t>
+                </a:r>
+                <a:r>
+                  <a:rPr dirty="0" err="1"/>
+                  <a:t>tratamento</a:t>
+                </a:r>
+                <a:r>
+                  <a:rPr dirty="0"/>
+                  <a:t> no tempo </a:t>
+                </a:r>
+                <a:r>
+                  <a:rPr dirty="0" err="1"/>
+                  <a:t>até</a:t>
+                </a:r>
+                <a:r>
+                  <a:rPr dirty="0"/>
+                  <a:t> o </a:t>
+                </a:r>
+                <a:r>
+                  <a:rPr dirty="0" err="1"/>
+                  <a:t>evento</a:t>
+                </a:r>
+                <a:r>
+                  <a:rPr dirty="0"/>
+                  <a:t>;</a:t>
+                </a:r>
+              </a:p>
+              <a:p>
+                <a:pPr lvl="2"/>
+                <a14:m>
+                  <m:oMath xmlns:m="http://schemas.openxmlformats.org/officeDocument/2006/math">
+                    <m:r>
+                      <a:rPr>
+                        <a:latin typeface="Cambria Math" panose="02040503050406030204" pitchFamily="18" charset="0"/>
+                      </a:rPr>
+                      <m:t>𝛽</m:t>
+                    </m:r>
+                  </m:oMath>
+                </a14:m>
+                <a:r>
+                  <a:rPr dirty="0"/>
+                  <a:t> é o </a:t>
+                </a:r>
+                <a:r>
+                  <a:rPr dirty="0" err="1"/>
+                  <a:t>efeito</a:t>
+                </a:r>
+                <a:r>
+                  <a:rPr dirty="0"/>
+                  <a:t> do </a:t>
+                </a:r>
+                <a:r>
+                  <a:rPr dirty="0" err="1"/>
+                  <a:t>processo</a:t>
+                </a:r>
+                <a:r>
+                  <a:rPr dirty="0"/>
+                  <a:t> longitudinal.</a:t>
+                </a:r>
+              </a:p>
+            </p:txBody>
+          </p:sp>
+        </mc:Choice>
+        <mc:Fallback>
+          <p:sp>
+            <p:nvSpPr>
+              <p:cNvPr id="3" name="Content Placeholder 2"/>
+              <p:cNvSpPr>
+                <a:spLocks noGrp="1" noRot="1" noChangeAspect="1" noMove="1" noResize="1" noEditPoints="1" noAdjustHandles="1" noChangeArrowheads="1" noChangeShapeType="1" noTextEdit="1"/>
+              </p:cNvSpPr>
+              <p:nvPr>
+                <p:ph idx="1"/>
+              </p:nvPr>
+            </p:nvSpPr>
+            <p:spPr>
+              <a:blipFill>
+                <a:blip r:embed="rId2"/>
+                <a:stretch>
+                  <a:fillRect l="-810" t="-1014"/>
+                </a:stretch>
+              </a:blipFill>
+            </p:spPr>
+            <p:txBody>
+              <a:bodyPr/>
+              <a:lstStyle/>
+              <a:p>
+                <a:r>
+                  <a:rPr lang="pt-BR">
+                    <a:noFill/>
                   </a:rPr>
-                  <m:t>h</m:t>
-                </m:r>
-                <m:r>
-                  <a:rPr>
-                    <a:latin typeface="Cambria Math" panose="02040503050406030204" pitchFamily="18" charset="0"/>
-                  </a:rPr>
-                  <m:t>(</m:t>
-                </m:r>
-                <m:r>
-                  <a:rPr>
-                    <a:latin typeface="Cambria Math" panose="02040503050406030204" pitchFamily="18" charset="0"/>
-                  </a:rPr>
-                  <m:t>𝑡</m:t>
-                </m:r>
-                <m:r>
-                  <a:rPr>
-                    <a:latin typeface="Cambria Math" panose="02040503050406030204" pitchFamily="18" charset="0"/>
-                  </a:rPr>
-                  <m:t>)=</m:t>
-                </m:r>
-                <m:sSub>
-                  <m:sSubPr>
-                    <m:ctrlPr>
-                      <a:rPr i="1">
-                        <a:latin typeface="Cambria Math" panose="02040503050406030204" pitchFamily="18" charset="0"/>
-                      </a:rPr>
-                    </m:ctrlPr>
-                  </m:sSubPr>
-                  <m:e>
-                    <m:r>
-                      <a:rPr>
-                        <a:latin typeface="Cambria Math" panose="02040503050406030204" pitchFamily="18" charset="0"/>
-                      </a:rPr>
-                      <m:t>h</m:t>
-                    </m:r>
-                  </m:e>
-                  <m:sub>
-                    <m:r>
-                      <a:rPr>
-                        <a:latin typeface="Cambria Math" panose="02040503050406030204" pitchFamily="18" charset="0"/>
-                      </a:rPr>
-                      <m:t>𝑜</m:t>
-                    </m:r>
-                  </m:sub>
-                </m:sSub>
-                <m:r>
-                  <a:rPr>
-                    <a:latin typeface="Cambria Math" panose="02040503050406030204" pitchFamily="18" charset="0"/>
-                  </a:rPr>
-                  <m:t>(</m:t>
-                </m:r>
-                <m:r>
-                  <a:rPr>
-                    <a:latin typeface="Cambria Math" panose="02040503050406030204" pitchFamily="18" charset="0"/>
-                  </a:rPr>
-                  <m:t>𝑡</m:t>
-                </m:r>
-                <m:r>
-                  <a:rPr>
-                    <a:latin typeface="Cambria Math" panose="02040503050406030204" pitchFamily="18" charset="0"/>
-                  </a:rPr>
-                  <m:t>)</m:t>
-                </m:r>
-                <m:r>
-                  <a:rPr>
-                    <a:latin typeface="Cambria Math" panose="02040503050406030204" pitchFamily="18" charset="0"/>
-                  </a:rPr>
-                  <m:t>𝑒𝑥𝑝</m:t>
-                </m:r>
-                <m:r>
-                  <a:rPr>
-                    <a:latin typeface="Cambria Math" panose="02040503050406030204" pitchFamily="18" charset="0"/>
-                  </a:rPr>
-                  <m:t>(</m:t>
-                </m:r>
-                <m:r>
-                  <a:rPr>
-                    <a:latin typeface="Cambria Math" panose="02040503050406030204" pitchFamily="18" charset="0"/>
-                  </a:rPr>
-                  <m:t>𝛽</m:t>
-                </m:r>
-                <m:sSub>
-                  <m:sSubPr>
-                    <m:ctrlPr>
-                      <a:rPr i="1">
-                        <a:latin typeface="Cambria Math" panose="02040503050406030204" pitchFamily="18" charset="0"/>
-                      </a:rPr>
-                    </m:ctrlPr>
-                  </m:sSubPr>
-                  <m:e>
-                    <m:r>
-                      <a:rPr>
-                        <a:latin typeface="Cambria Math" panose="02040503050406030204" pitchFamily="18" charset="0"/>
-                      </a:rPr>
-                      <m:t>𝑋</m:t>
-                    </m:r>
-                  </m:e>
-                  <m:sub>
-                    <m:r>
-                      <a:rPr>
-                        <a:latin typeface="Cambria Math" panose="02040503050406030204" pitchFamily="18" charset="0"/>
-                      </a:rPr>
-                      <m:t>𝑖𝑗</m:t>
-                    </m:r>
-                  </m:sub>
-                </m:sSub>
-                <m:r>
-                  <a:rPr>
-                    <a:latin typeface="Cambria Math" panose="02040503050406030204" pitchFamily="18" charset="0"/>
-                  </a:rPr>
-                  <m:t>+</m:t>
-                </m:r>
-                <m:r>
-                  <a:rPr>
-                    <a:latin typeface="Cambria Math" panose="02040503050406030204" pitchFamily="18" charset="0"/>
-                  </a:rPr>
-                  <m:t>𝛼</m:t>
-                </m:r>
-                <m:sSub>
-                  <m:sSubPr>
-                    <m:ctrlPr>
-                      <a:rPr i="1">
-                        <a:latin typeface="Cambria Math" panose="02040503050406030204" pitchFamily="18" charset="0"/>
-                      </a:rPr>
-                    </m:ctrlPr>
-                  </m:sSubPr>
-                  <m:e>
-                    <m:r>
-                      <a:rPr>
-                        <a:latin typeface="Cambria Math" panose="02040503050406030204" pitchFamily="18" charset="0"/>
-                      </a:rPr>
-                      <m:t>𝑍</m:t>
-                    </m:r>
-                  </m:e>
-                  <m:sub>
-                    <m:r>
-                      <a:rPr>
-                        <a:latin typeface="Cambria Math" panose="02040503050406030204" pitchFamily="18" charset="0"/>
-                      </a:rPr>
-                      <m:t>𝑖</m:t>
-                    </m:r>
-                  </m:sub>
-                </m:sSub>
-                <m:r>
-                  <a:rPr>
-                    <a:latin typeface="Cambria Math" panose="02040503050406030204" pitchFamily="18" charset="0"/>
-                  </a:rPr>
-                  <m:t>)</m:t>
-                </m:r>
-              </m:oMath>
-            </a14:m>
-            <a:r>
-              <a:t>;</a:t>
-            </a:r>
-          </a:p>
-          <a:p>
-            <a:pPr lvl="2"/>
-            <a14:m xmlns:a14="http://schemas.microsoft.com/office/drawing/2010/main">
-              <m:oMath xmlns:m="http://schemas.openxmlformats.org/officeDocument/2006/math">
-                <m:r>
-                  <a:rPr>
-                    <a:latin typeface="Cambria Math" panose="02040503050406030204" pitchFamily="18" charset="0"/>
-                  </a:rPr>
-                  <m:t>h</m:t>
-                </m:r>
-                <m:r>
-                  <a:rPr>
-                    <a:latin typeface="Cambria Math" panose="02040503050406030204" pitchFamily="18" charset="0"/>
-                  </a:rPr>
-                  <m:t>(</m:t>
-                </m:r>
-                <m:r>
-                  <a:rPr>
-                    <a:latin typeface="Cambria Math" panose="02040503050406030204" pitchFamily="18" charset="0"/>
-                  </a:rPr>
-                  <m:t>𝑡</m:t>
-                </m:r>
-                <m:r>
-                  <a:rPr>
-                    <a:latin typeface="Cambria Math" panose="02040503050406030204" pitchFamily="18" charset="0"/>
-                  </a:rPr>
-                  <m:t>)</m:t>
-                </m:r>
-              </m:oMath>
-            </a14:m>
-            <a:r>
-              <a:t> é a taxa instantânea de ocorrência do evento (função de risco);</a:t>
-            </a:r>
-          </a:p>
-          <a:p>
-            <a:pPr lvl="2"/>
-            <a14:m xmlns:a14="http://schemas.microsoft.com/office/drawing/2010/main">
-              <m:oMath xmlns:m="http://schemas.openxmlformats.org/officeDocument/2006/math">
-                <m:sSub>
-                  <m:sSubPr>
-                    <m:ctrlPr>
-                      <a:rPr>
-                        <a:latin typeface="Cambria Math" panose="02040503050406030204" pitchFamily="18" charset="0"/>
-                      </a:rPr>
-                    </m:ctrlPr>
-                  </m:sSubPr>
-                  <m:e>
-                    <m:r>
-                      <a:rPr>
-                        <a:latin typeface="Cambria Math" panose="02040503050406030204" pitchFamily="18" charset="0"/>
-                      </a:rPr>
-                      <m:t>h</m:t>
-                    </m:r>
-                  </m:e>
-                  <m:sub>
-                    <m:r>
-                      <a:rPr>
-                        <a:latin typeface="Cambria Math" panose="02040503050406030204" pitchFamily="18" charset="0"/>
-                      </a:rPr>
-                      <m:t>𝑜</m:t>
-                    </m:r>
-                  </m:sub>
-                </m:sSub>
-                <m:r>
-                  <a:rPr>
-                    <a:latin typeface="Cambria Math" panose="02040503050406030204" pitchFamily="18" charset="0"/>
-                  </a:rPr>
-                  <m:t>(</m:t>
-                </m:r>
-                <m:r>
-                  <a:rPr>
-                    <a:latin typeface="Cambria Math" panose="02040503050406030204" pitchFamily="18" charset="0"/>
-                  </a:rPr>
-                  <m:t>𝑡</m:t>
-                </m:r>
-                <m:r>
-                  <a:rPr>
-                    <a:latin typeface="Cambria Math" panose="02040503050406030204" pitchFamily="18" charset="0"/>
-                  </a:rPr>
-                  <m:t>)</m:t>
-                </m:r>
-              </m:oMath>
-            </a14:m>
-            <a:r>
-              <a:t> é a função de risco de base.</a:t>
-            </a:r>
-          </a:p>
-          <a:p>
-            <a:pPr lvl="2"/>
-            <a14:m xmlns:a14="http://schemas.microsoft.com/office/drawing/2010/main">
-              <m:oMath xmlns:m="http://schemas.openxmlformats.org/officeDocument/2006/math">
-                <m:r>
-                  <a:rPr>
-                    <a:latin typeface="Cambria Math" panose="02040503050406030204" pitchFamily="18" charset="0"/>
-                  </a:rPr>
-                  <m:t>𝛼</m:t>
-                </m:r>
-              </m:oMath>
-            </a14:m>
-            <a:r>
-              <a:t> é o efeito do tratamento no tempo até o evento;</a:t>
-            </a:r>
-          </a:p>
-          <a:p>
-            <a:pPr lvl="2"/>
-            <a14:m xmlns:a14="http://schemas.microsoft.com/office/drawing/2010/main">
-              <m:oMath xmlns:m="http://schemas.openxmlformats.org/officeDocument/2006/math">
-                <m:r>
-                  <a:rPr>
-                    <a:latin typeface="Cambria Math" panose="02040503050406030204" pitchFamily="18" charset="0"/>
-                  </a:rPr>
-                  <m:t>𝛽</m:t>
-                </m:r>
-              </m:oMath>
-            </a14:m>
-            <a:r>
-              <a:t> é o efeito do processo longitudinal.</a:t>
-            </a:r>
-          </a:p>
-        </p:txBody>
-      </p:sp>
+                  <a:t> </a:t>
+                </a:r>
+              </a:p>
+            </p:txBody>
+          </p:sp>
+        </mc:Fallback>
+      </mc:AlternateContent>
     </p:spTree>
   </p:cSld>
   <p:clrMapOvr>
@@ -3938,110 +4178,265 @@
           </a:p>
         </p:txBody>
       </p:sp>
-      <p:sp>
-        <p:nvSpPr>
-          <p:cNvPr id="3" name="Content Placeholder 2"/>
-          <p:cNvSpPr>
-            <a:spLocks noGrp="1"/>
-          </p:cNvSpPr>
-          <p:nvPr>
-            <p:ph idx="1"/>
-          </p:nvPr>
-        </p:nvSpPr>
-        <p:spPr/>
-        <p:txBody>
-          <a:bodyPr/>
-          <a:lstStyle/>
-          <a:p>
-            <a:pPr lvl="1"/>
-            <a:r>
-              <a:t>Três diferentes efeitos:</a:t>
-            </a:r>
-          </a:p>
-          <a:p>
-            <a:pPr lvl="2"/>
-            <a14:m xmlns:a14="http://schemas.microsoft.com/office/drawing/2010/main">
-              <m:oMath xmlns:m="http://schemas.openxmlformats.org/officeDocument/2006/math">
-                <m:r>
-                  <a:rPr>
-                    <a:latin typeface="Cambria Math" panose="02040503050406030204" pitchFamily="18" charset="0"/>
+      <mc:AlternateContent xmlns:mc="http://schemas.openxmlformats.org/markup-compatibility/2006">
+        <mc:Choice xmlns:a14="http://schemas.microsoft.com/office/drawing/2010/main" Requires="a14">
+          <p:sp>
+            <p:nvSpPr>
+              <p:cNvPr id="3" name="Content Placeholder 2"/>
+              <p:cNvSpPr>
+                <a:spLocks noGrp="1"/>
+              </p:cNvSpPr>
+              <p:nvPr>
+                <p:ph idx="1"/>
+              </p:nvPr>
+            </p:nvSpPr>
+            <p:spPr/>
+            <p:txBody>
+              <a:bodyPr/>
+              <a:lstStyle/>
+              <a:p>
+                <a:pPr lvl="1"/>
+                <a:r>
+                  <a:rPr dirty="0" err="1"/>
+                  <a:t>Três</a:t>
+                </a:r>
+                <a:r>
+                  <a:rPr dirty="0"/>
+                  <a:t> </a:t>
+                </a:r>
+                <a:r>
+                  <a:rPr dirty="0" err="1"/>
+                  <a:t>diferentes</a:t>
+                </a:r>
+                <a:r>
+                  <a:rPr dirty="0"/>
+                  <a:t> </a:t>
+                </a:r>
+                <a:r>
+                  <a:rPr dirty="0" err="1"/>
+                  <a:t>efeitos</a:t>
+                </a:r>
+                <a:r>
+                  <a:rPr dirty="0"/>
+                  <a:t>:</a:t>
+                </a:r>
+              </a:p>
+              <a:p>
+                <a:pPr lvl="2"/>
+                <a14:m>
+                  <m:oMath xmlns:m="http://schemas.openxmlformats.org/officeDocument/2006/math">
+                    <m:r>
+                      <a:rPr>
+                        <a:latin typeface="Cambria Math" panose="02040503050406030204" pitchFamily="18" charset="0"/>
+                      </a:rPr>
+                      <m:t>𝛼</m:t>
+                    </m:r>
+                  </m:oMath>
+                </a14:m>
+                <a:r>
+                  <a:rPr dirty="0"/>
+                  <a:t> é o </a:t>
+                </a:r>
+                <a:r>
+                  <a:rPr dirty="0" err="1"/>
+                  <a:t>efeito</a:t>
+                </a:r>
+                <a:r>
+                  <a:rPr dirty="0"/>
+                  <a:t> do </a:t>
+                </a:r>
+                <a:r>
+                  <a:rPr dirty="0" err="1"/>
+                  <a:t>tratamento</a:t>
+                </a:r>
+                <a:r>
+                  <a:rPr dirty="0"/>
+                  <a:t> no tempo </a:t>
+                </a:r>
+                <a:r>
+                  <a:rPr dirty="0" err="1"/>
+                  <a:t>até</a:t>
+                </a:r>
+                <a:r>
+                  <a:rPr dirty="0"/>
+                  <a:t> o </a:t>
+                </a:r>
+                <a:r>
+                  <a:rPr dirty="0" err="1"/>
+                  <a:t>evento</a:t>
+                </a:r>
+                <a:r>
+                  <a:rPr dirty="0"/>
+                  <a:t>;</a:t>
+                </a:r>
+              </a:p>
+              <a:p>
+                <a:pPr lvl="2"/>
+                <a14:m>
+                  <m:oMath xmlns:m="http://schemas.openxmlformats.org/officeDocument/2006/math">
+                    <m:r>
+                      <a:rPr>
+                        <a:latin typeface="Cambria Math" panose="02040503050406030204" pitchFamily="18" charset="0"/>
+                      </a:rPr>
+                      <m:t>𝛽</m:t>
+                    </m:r>
+                  </m:oMath>
+                </a14:m>
+                <a:r>
+                  <a:rPr dirty="0"/>
+                  <a:t> é o </a:t>
+                </a:r>
+                <a:r>
+                  <a:rPr dirty="0" err="1"/>
+                  <a:t>efeito</a:t>
+                </a:r>
+                <a:r>
+                  <a:rPr dirty="0"/>
+                  <a:t> do </a:t>
+                </a:r>
+                <a:r>
+                  <a:rPr dirty="0" err="1"/>
+                  <a:t>processo</a:t>
+                </a:r>
+                <a:r>
+                  <a:rPr dirty="0"/>
+                  <a:t> longitudinal;</a:t>
+                </a:r>
+              </a:p>
+              <a:p>
+                <a:pPr lvl="2"/>
+                <a14:m>
+                  <m:oMath xmlns:m="http://schemas.openxmlformats.org/officeDocument/2006/math">
+                    <m:r>
+                      <a:rPr>
+                        <a:latin typeface="Cambria Math" panose="02040503050406030204" pitchFamily="18" charset="0"/>
+                      </a:rPr>
+                      <m:t>𝛾</m:t>
+                    </m:r>
+                  </m:oMath>
+                </a14:m>
+                <a:r>
+                  <a:rPr dirty="0"/>
+                  <a:t> é o </a:t>
+                </a:r>
+                <a:r>
+                  <a:rPr dirty="0" err="1"/>
+                  <a:t>efeito</a:t>
+                </a:r>
+                <a:r>
+                  <a:rPr dirty="0"/>
+                  <a:t> do </a:t>
+                </a:r>
+                <a:r>
+                  <a:rPr dirty="0" err="1"/>
+                  <a:t>tratamento</a:t>
+                </a:r>
+                <a:r>
+                  <a:rPr dirty="0"/>
+                  <a:t> no </a:t>
+                </a:r>
+                <a:r>
+                  <a:rPr dirty="0" err="1"/>
+                  <a:t>processo</a:t>
+                </a:r>
+                <a:r>
+                  <a:rPr dirty="0"/>
+                  <a:t> longitudinal.</a:t>
+                </a:r>
+              </a:p>
+              <a:p>
+                <a:pPr lvl="1"/>
+                <a:r>
+                  <a:rPr dirty="0" err="1"/>
+                  <a:t>Efeito</a:t>
+                </a:r>
+                <a:r>
+                  <a:rPr dirty="0"/>
+                  <a:t> </a:t>
+                </a:r>
+                <a:r>
+                  <a:rPr dirty="0" err="1"/>
+                  <a:t>geral</a:t>
+                </a:r>
+                <a:r>
+                  <a:rPr dirty="0"/>
+                  <a:t> do </a:t>
+                </a:r>
+                <a:r>
+                  <a:rPr dirty="0" err="1"/>
+                  <a:t>tratamento</a:t>
+                </a:r>
+                <a:r>
+                  <a:rPr dirty="0"/>
+                  <a:t>:</a:t>
+                </a:r>
+              </a:p>
+              <a:p>
+                <a:pPr lvl="2"/>
+                <a14:m>
+                  <m:oMath xmlns:m="http://schemas.openxmlformats.org/officeDocument/2006/math">
+                    <m:r>
+                      <a:rPr>
+                        <a:latin typeface="Cambria Math" panose="02040503050406030204" pitchFamily="18" charset="0"/>
+                      </a:rPr>
+                      <m:t>𝛽𝛾</m:t>
+                    </m:r>
+                    <m:r>
+                      <a:rPr>
+                        <a:latin typeface="Cambria Math" panose="02040503050406030204" pitchFamily="18" charset="0"/>
+                      </a:rPr>
+                      <m:t>+</m:t>
+                    </m:r>
+                    <m:r>
+                      <a:rPr>
+                        <a:latin typeface="Cambria Math" panose="02040503050406030204" pitchFamily="18" charset="0"/>
+                      </a:rPr>
+                      <m:t>𝛼</m:t>
+                    </m:r>
+                  </m:oMath>
+                </a14:m>
+                <a:r>
+                  <a:rPr dirty="0"/>
+                  <a:t>.</a:t>
+                </a:r>
+              </a:p>
+            </p:txBody>
+          </p:sp>
+        </mc:Choice>
+        <mc:Fallback>
+          <p:sp>
+            <p:nvSpPr>
+              <p:cNvPr id="3" name="Content Placeholder 2"/>
+              <p:cNvSpPr>
+                <a:spLocks noGrp="1" noRot="1" noChangeAspect="1" noMove="1" noResize="1" noEditPoints="1" noAdjustHandles="1" noChangeArrowheads="1" noChangeShapeType="1" noTextEdit="1"/>
+              </p:cNvSpPr>
+              <p:nvPr>
+                <p:ph idx="1"/>
+              </p:nvPr>
+            </p:nvSpPr>
+            <p:spPr>
+              <a:blipFill>
+                <a:blip r:embed="rId2"/>
+                <a:stretch>
+                  <a:fillRect t="-725"/>
+                </a:stretch>
+              </a:blipFill>
+            </p:spPr>
+            <p:txBody>
+              <a:bodyPr/>
+              <a:lstStyle/>
+              <a:p>
+                <a:r>
+                  <a:rPr lang="pt-BR">
+                    <a:noFill/>
                   </a:rPr>
-                  <m:t>𝛼</m:t>
-                </m:r>
-              </m:oMath>
-            </a14:m>
-            <a:r>
-              <a:t> é o efeito do tratamento no tempo até o evento;</a:t>
-            </a:r>
-          </a:p>
-          <a:p>
-            <a:pPr lvl="2"/>
-            <a14:m xmlns:a14="http://schemas.microsoft.com/office/drawing/2010/main">
-              <m:oMath xmlns:m="http://schemas.openxmlformats.org/officeDocument/2006/math">
-                <m:r>
-                  <a:rPr>
-                    <a:latin typeface="Cambria Math" panose="02040503050406030204" pitchFamily="18" charset="0"/>
-                  </a:rPr>
-                  <m:t>𝛽</m:t>
-                </m:r>
-              </m:oMath>
-            </a14:m>
-            <a:r>
-              <a:t> é o efeito do processo longitudinal;</a:t>
-            </a:r>
-          </a:p>
-          <a:p>
-            <a:pPr lvl="2"/>
-            <a14:m xmlns:a14="http://schemas.microsoft.com/office/drawing/2010/main">
-              <m:oMath xmlns:m="http://schemas.openxmlformats.org/officeDocument/2006/math">
-                <m:r>
-                  <a:rPr>
-                    <a:latin typeface="Cambria Math" panose="02040503050406030204" pitchFamily="18" charset="0"/>
-                  </a:rPr>
-                  <m:t>𝛾</m:t>
-                </m:r>
-              </m:oMath>
-            </a14:m>
-            <a:r>
-              <a:t> é o efeito do tratamento no processo longitudinal.</a:t>
-            </a:r>
-          </a:p>
-          <a:p>
-            <a:pPr lvl="1"/>
-            <a:r>
-              <a:t>Efeito geral do tratamento:</a:t>
-            </a:r>
-          </a:p>
-          <a:p>
-            <a:pPr lvl="2"/>
-            <a14:m xmlns:a14="http://schemas.microsoft.com/office/drawing/2010/main">
-              <m:oMath xmlns:m="http://schemas.openxmlformats.org/officeDocument/2006/math">
-                <m:r>
-                  <a:rPr>
-                    <a:latin typeface="Cambria Math" panose="02040503050406030204" pitchFamily="18" charset="0"/>
-                  </a:rPr>
-                  <m:t>𝛽𝛾</m:t>
-                </m:r>
-                <m:r>
-                  <a:rPr>
-                    <a:latin typeface="Cambria Math" panose="02040503050406030204" pitchFamily="18" charset="0"/>
-                  </a:rPr>
-                  <m:t>+</m:t>
-                </m:r>
-                <m:r>
-                  <a:rPr>
-                    <a:latin typeface="Cambria Math" panose="02040503050406030204" pitchFamily="18" charset="0"/>
-                  </a:rPr>
-                  <m:t>𝛼</m:t>
-                </m:r>
-              </m:oMath>
-            </a14:m>
-            <a:r>
-              <a:t>.</a:t>
-            </a:r>
-          </a:p>
-        </p:txBody>
-      </p:sp>
+                  <a:t> </a:t>
+                </a:r>
+              </a:p>
+            </p:txBody>
+          </p:sp>
+        </mc:Fallback>
+      </mc:AlternateContent>
       <p:pic>
         <p:nvPicPr>
           <p:cNvPr id="5" name="Picture 1" descr="C:/Users/Particular/Desktop/2020-1;2/Seminarios/2/Seminarios2/figuras/figura1.png">
@@ -4057,15 +4452,15 @@
           <p:nvPr/>
         </p:nvPicPr>
         <p:blipFill>
-          <a:blip r:embed="rId2"/>
+          <a:blip r:embed="rId3"/>
           <a:stretch>
             <a:fillRect/>
           </a:stretch>
         </p:blipFill>
         <p:spPr bwMode="auto">
           <a:xfrm>
-            <a:off x="3214895" y="4185824"/>
-            <a:ext cx="5760128" cy="2222272"/>
+            <a:off x="5961414" y="4634941"/>
+            <a:ext cx="5025585" cy="1938883"/>
           </a:xfrm>
           <a:prstGeom prst="rect">
             <a:avLst/>
@@ -4124,497 +4519,526 @@
           </a:p>
         </p:txBody>
       </p:sp>
-      <p:sp>
-        <p:nvSpPr>
-          <p:cNvPr id="3" name="Content Placeholder 2"/>
-          <p:cNvSpPr>
-            <a:spLocks noGrp="1"/>
-          </p:cNvSpPr>
-          <p:nvPr>
-            <p:ph idx="1"/>
-          </p:nvPr>
-        </p:nvSpPr>
-        <p:spPr/>
-        <p:txBody>
-          <a:bodyPr/>
-          <a:lstStyle/>
-          <a:p>
-            <a:pPr lvl="1"/>
-            <a14:m xmlns:a14="http://schemas.microsoft.com/office/drawing/2010/main">
-              <m:oMath xmlns:m="http://schemas.openxmlformats.org/officeDocument/2006/math">
-                <m:r>
-                  <a:rPr>
-                    <a:latin typeface="Cambria Math" panose="02040503050406030204" pitchFamily="18" charset="0"/>
+      <mc:AlternateContent xmlns:mc="http://schemas.openxmlformats.org/markup-compatibility/2006">
+        <mc:Choice xmlns:a14="http://schemas.microsoft.com/office/drawing/2010/main" Requires="a14">
+          <p:sp>
+            <p:nvSpPr>
+              <p:cNvPr id="3" name="Content Placeholder 2"/>
+              <p:cNvSpPr>
+                <a:spLocks noGrp="1"/>
+              </p:cNvSpPr>
+              <p:nvPr>
+                <p:ph idx="1"/>
+              </p:nvPr>
+            </p:nvSpPr>
+            <p:spPr/>
+            <p:txBody>
+              <a:bodyPr/>
+              <a:lstStyle/>
+              <a:p>
+                <a:pPr lvl="1"/>
+                <a14:m>
+                  <m:oMath xmlns:m="http://schemas.openxmlformats.org/officeDocument/2006/math">
+                    <m:r>
+                      <a:rPr>
+                        <a:latin typeface="Cambria Math" panose="02040503050406030204" pitchFamily="18" charset="0"/>
+                      </a:rPr>
+                      <m:t>𝛽</m:t>
+                    </m:r>
+                    <m:r>
+                      <a:rPr>
+                        <a:latin typeface="Cambria Math" panose="02040503050406030204" pitchFamily="18" charset="0"/>
+                      </a:rPr>
+                      <m:t>=0</m:t>
+                    </m:r>
+                  </m:oMath>
+                </a14:m>
+                <a:r>
+                  <a:rPr dirty="0"/>
+                  <a:t>: </a:t>
+                </a:r>
+                <a:endParaRPr lang="pt-BR" dirty="0"/>
+              </a:p>
+              <a:p>
+                <a:pPr lvl="2"/>
+                <a:r>
+                  <a:rPr lang="pt-BR" dirty="0"/>
+                  <a:t>A</a:t>
+                </a:r>
+                <a:r>
+                  <a:rPr dirty="0"/>
+                  <a:t>s </a:t>
+                </a:r>
+                <a:r>
+                  <a:rPr dirty="0" err="1"/>
+                  <a:t>observações</a:t>
+                </a:r>
+                <a:r>
+                  <a:rPr dirty="0"/>
+                  <a:t> </a:t>
+                </a:r>
+                <a:r>
+                  <a:rPr dirty="0" err="1"/>
+                  <a:t>longitudinais</a:t>
+                </a:r>
+                <a:r>
+                  <a:rPr dirty="0"/>
+                  <a:t> </a:t>
+                </a:r>
+                <a:r>
+                  <a:rPr dirty="0" err="1"/>
+                  <a:t>não</a:t>
+                </a:r>
+                <a:r>
+                  <a:rPr dirty="0"/>
+                  <a:t> </a:t>
+                </a:r>
+                <a:r>
+                  <a:rPr dirty="0" err="1"/>
+                  <a:t>têm</a:t>
+                </a:r>
+                <a:r>
+                  <a:rPr dirty="0"/>
+                  <a:t> </a:t>
+                </a:r>
+                <a:r>
+                  <a:rPr dirty="0" err="1"/>
+                  <a:t>associação</a:t>
+                </a:r>
+                <a:r>
+                  <a:rPr dirty="0"/>
+                  <a:t> com o tempo </a:t>
+                </a:r>
+                <a:r>
+                  <a:rPr dirty="0" err="1"/>
+                  <a:t>até</a:t>
+                </a:r>
+                <a:r>
+                  <a:rPr dirty="0"/>
+                  <a:t> o </a:t>
+                </a:r>
+                <a:r>
+                  <a:rPr dirty="0" err="1"/>
+                  <a:t>evento</a:t>
+                </a:r>
+                <a:r>
+                  <a:rPr dirty="0"/>
+                  <a:t>;</a:t>
+                </a:r>
+              </a:p>
+              <a:p>
+                <a:pPr lvl="1"/>
+                <a14:m>
+                  <m:oMath xmlns:m="http://schemas.openxmlformats.org/officeDocument/2006/math">
+                    <m:r>
+                      <a:rPr>
+                        <a:latin typeface="Cambria Math" panose="02040503050406030204" pitchFamily="18" charset="0"/>
+                      </a:rPr>
+                      <m:t>𝛽</m:t>
+                    </m:r>
+                    <m:r>
+                      <a:rPr>
+                        <a:latin typeface="Cambria Math" panose="02040503050406030204" pitchFamily="18" charset="0"/>
+                      </a:rPr>
+                      <m:t>=0.5</m:t>
+                    </m:r>
+                  </m:oMath>
+                </a14:m>
+                <a:r>
+                  <a:rPr dirty="0"/>
+                  <a:t>: </a:t>
+                </a:r>
+                <a:endParaRPr lang="pt-BR" dirty="0"/>
+              </a:p>
+              <a:p>
+                <a:pPr lvl="2"/>
+                <a:r>
+                  <a:rPr lang="pt-BR" dirty="0"/>
+                  <a:t>R</a:t>
+                </a:r>
+                <a:r>
+                  <a:rPr dirty="0" err="1"/>
+                  <a:t>isco</a:t>
+                </a:r>
+                <a:r>
+                  <a:rPr dirty="0"/>
+                  <a:t> </a:t>
+                </a:r>
+                <a:r>
+                  <a:rPr dirty="0" err="1"/>
+                  <a:t>aumenta</a:t>
+                </a:r>
+                <a:r>
+                  <a:rPr dirty="0"/>
+                  <a:t> </a:t>
+                </a:r>
+                <a:r>
+                  <a:rPr dirty="0" err="1"/>
+                  <a:t>em</a:t>
+                </a:r>
+                <a:r>
+                  <a:rPr dirty="0"/>
+                  <a:t> 0.5 para </a:t>
+                </a:r>
+                <a:r>
+                  <a:rPr dirty="0" err="1"/>
+                  <a:t>cada</a:t>
+                </a:r>
+                <a:r>
+                  <a:rPr dirty="0"/>
+                  <a:t> </a:t>
+                </a:r>
+                <a:r>
+                  <a:rPr dirty="0" err="1"/>
+                  <a:t>unidade</a:t>
+                </a:r>
+                <a:r>
+                  <a:rPr dirty="0"/>
+                  <a:t> </a:t>
+                </a:r>
+                <a:r>
+                  <a:rPr dirty="0" err="1"/>
+                  <a:t>aumentada</a:t>
+                </a:r>
+                <a:r>
+                  <a:rPr dirty="0"/>
+                  <a:t> </a:t>
+                </a:r>
+                <a:r>
+                  <a:rPr dirty="0" err="1"/>
+                  <a:t>em</a:t>
+                </a:r>
+                <a:r>
+                  <a:rPr dirty="0"/>
+                  <a:t> </a:t>
+                </a:r>
+                <a14:m>
+                  <m:oMath xmlns:m="http://schemas.openxmlformats.org/officeDocument/2006/math">
+                    <m:sSub>
+                      <m:sSubPr>
+                        <m:ctrlPr>
+                          <a:rPr i="1">
+                            <a:latin typeface="Cambria Math" panose="02040503050406030204" pitchFamily="18" charset="0"/>
+                          </a:rPr>
+                        </m:ctrlPr>
+                      </m:sSubPr>
+                      <m:e>
+                        <m:r>
+                          <a:rPr>
+                            <a:latin typeface="Cambria Math" panose="02040503050406030204" pitchFamily="18" charset="0"/>
+                          </a:rPr>
+                          <m:t>𝑋</m:t>
+                        </m:r>
+                      </m:e>
+                      <m:sub>
+                        <m:r>
+                          <a:rPr>
+                            <a:latin typeface="Cambria Math" panose="02040503050406030204" pitchFamily="18" charset="0"/>
+                          </a:rPr>
+                          <m:t>𝑖𝑗</m:t>
+                        </m:r>
+                      </m:sub>
+                    </m:sSub>
+                  </m:oMath>
+                </a14:m>
+                <a:r>
+                  <a:rPr dirty="0"/>
+                  <a:t>;</a:t>
+                </a:r>
+              </a:p>
+              <a:p>
+                <a:pPr lvl="1"/>
+                <a14:m>
+                  <m:oMath xmlns:m="http://schemas.openxmlformats.org/officeDocument/2006/math">
+                    <m:r>
+                      <a:rPr>
+                        <a:latin typeface="Cambria Math" panose="02040503050406030204" pitchFamily="18" charset="0"/>
+                      </a:rPr>
+                      <m:t>𝛼</m:t>
+                    </m:r>
+                    <m:r>
+                      <a:rPr>
+                        <a:latin typeface="Cambria Math" panose="02040503050406030204" pitchFamily="18" charset="0"/>
+                      </a:rPr>
+                      <m:t>&lt;0</m:t>
+                    </m:r>
+                  </m:oMath>
+                </a14:m>
+                <a:r>
+                  <a:rPr dirty="0"/>
+                  <a:t>: </a:t>
+                </a:r>
+                <a:endParaRPr lang="pt-BR" dirty="0"/>
+              </a:p>
+              <a:p>
+                <a:pPr lvl="2"/>
+                <a:r>
+                  <a:rPr lang="pt-BR" dirty="0"/>
+                  <a:t>R</a:t>
+                </a:r>
+                <a:r>
+                  <a:rPr dirty="0" err="1"/>
+                  <a:t>isco</a:t>
+                </a:r>
+                <a:r>
+                  <a:rPr dirty="0"/>
+                  <a:t> de </a:t>
+                </a:r>
+                <a:r>
+                  <a:rPr dirty="0" err="1"/>
+                  <a:t>quem</a:t>
+                </a:r>
+                <a:r>
+                  <a:rPr dirty="0"/>
+                  <a:t> </a:t>
+                </a:r>
+                <a:r>
+                  <a:rPr dirty="0" err="1"/>
+                  <a:t>recebe</a:t>
+                </a:r>
+                <a:r>
+                  <a:rPr dirty="0"/>
+                  <a:t> </a:t>
+                </a:r>
+                <a:r>
+                  <a:rPr dirty="0" err="1"/>
+                  <a:t>tratamento</a:t>
+                </a:r>
+                <a:r>
+                  <a:rPr dirty="0"/>
+                  <a:t> </a:t>
+                </a:r>
+                <a14:m>
+                  <m:oMath xmlns:m="http://schemas.openxmlformats.org/officeDocument/2006/math">
+                    <m:sSub>
+                      <m:sSubPr>
+                        <m:ctrlPr>
+                          <a:rPr i="1">
+                            <a:latin typeface="Cambria Math" panose="02040503050406030204" pitchFamily="18" charset="0"/>
+                          </a:rPr>
+                        </m:ctrlPr>
+                      </m:sSubPr>
+                      <m:e>
+                        <m:r>
+                          <a:rPr>
+                            <a:latin typeface="Cambria Math" panose="02040503050406030204" pitchFamily="18" charset="0"/>
+                          </a:rPr>
+                          <m:t>𝑍</m:t>
+                        </m:r>
+                      </m:e>
+                      <m:sub>
+                        <m:r>
+                          <a:rPr>
+                            <a:latin typeface="Cambria Math" panose="02040503050406030204" pitchFamily="18" charset="0"/>
+                          </a:rPr>
+                          <m:t>𝑖</m:t>
+                        </m:r>
+                      </m:sub>
+                    </m:sSub>
+                    <m:r>
+                      <a:rPr>
+                        <a:latin typeface="Cambria Math" panose="02040503050406030204" pitchFamily="18" charset="0"/>
+                      </a:rPr>
+                      <m:t>=1</m:t>
+                    </m:r>
+                  </m:oMath>
+                </a14:m>
+                <a:r>
+                  <a:rPr dirty="0"/>
+                  <a:t> é </a:t>
+                </a:r>
+                <a:r>
+                  <a:rPr dirty="0" err="1"/>
+                  <a:t>menor</a:t>
+                </a:r>
+                <a:r>
+                  <a:rPr dirty="0"/>
+                  <a:t> de </a:t>
+                </a:r>
+                <a:r>
+                  <a:rPr dirty="0" err="1"/>
+                  <a:t>quem</a:t>
+                </a:r>
+                <a:r>
+                  <a:rPr dirty="0"/>
+                  <a:t> </a:t>
+                </a:r>
+                <a:r>
+                  <a:rPr dirty="0" err="1"/>
+                  <a:t>não</a:t>
+                </a:r>
+                <a:r>
+                  <a:rPr dirty="0"/>
+                  <a:t> </a:t>
+                </a:r>
+                <a:r>
+                  <a:rPr dirty="0" err="1"/>
+                  <a:t>recebe</a:t>
+                </a:r>
+                <a:r>
+                  <a:rPr dirty="0"/>
+                  <a:t> </a:t>
+                </a:r>
+                <a14:m>
+                  <m:oMath xmlns:m="http://schemas.openxmlformats.org/officeDocument/2006/math">
+                    <m:sSub>
+                      <m:sSubPr>
+                        <m:ctrlPr>
+                          <a:rPr i="1">
+                            <a:latin typeface="Cambria Math" panose="02040503050406030204" pitchFamily="18" charset="0"/>
+                          </a:rPr>
+                        </m:ctrlPr>
+                      </m:sSubPr>
+                      <m:e>
+                        <m:r>
+                          <a:rPr>
+                            <a:latin typeface="Cambria Math" panose="02040503050406030204" pitchFamily="18" charset="0"/>
+                          </a:rPr>
+                          <m:t>𝑍</m:t>
+                        </m:r>
+                      </m:e>
+                      <m:sub>
+                        <m:r>
+                          <a:rPr>
+                            <a:latin typeface="Cambria Math" panose="02040503050406030204" pitchFamily="18" charset="0"/>
+                          </a:rPr>
+                          <m:t>𝑖</m:t>
+                        </m:r>
+                      </m:sub>
+                    </m:sSub>
+                    <m:r>
+                      <a:rPr>
+                        <a:latin typeface="Cambria Math" panose="02040503050406030204" pitchFamily="18" charset="0"/>
+                      </a:rPr>
+                      <m:t>=0</m:t>
+                    </m:r>
+                  </m:oMath>
+                </a14:m>
+                <a:r>
+                  <a:rPr dirty="0"/>
+                  <a:t>;</a:t>
+                </a:r>
+              </a:p>
+              <a:p>
+                <a:pPr lvl="1"/>
+                <a14:m>
+                  <m:oMath xmlns:m="http://schemas.openxmlformats.org/officeDocument/2006/math">
+                    <m:r>
+                      <a:rPr>
+                        <a:latin typeface="Cambria Math" panose="02040503050406030204" pitchFamily="18" charset="0"/>
+                      </a:rPr>
+                      <m:t>𝛾</m:t>
+                    </m:r>
+                    <m:r>
+                      <a:rPr>
+                        <a:latin typeface="Cambria Math" panose="02040503050406030204" pitchFamily="18" charset="0"/>
+                      </a:rPr>
+                      <m:t>=0</m:t>
+                    </m:r>
+                  </m:oMath>
+                </a14:m>
+                <a:r>
+                  <a:rPr dirty="0"/>
+                  <a:t>: </a:t>
+                </a:r>
+                <a:endParaRPr lang="pt-BR" dirty="0"/>
+              </a:p>
+              <a:p>
+                <a:pPr lvl="2"/>
+                <a:r>
+                  <a:rPr lang="pt-BR" dirty="0"/>
+                  <a:t>O</a:t>
+                </a:r>
+                <a:r>
+                  <a:rPr dirty="0"/>
+                  <a:t> </a:t>
+                </a:r>
+                <a:r>
+                  <a:rPr dirty="0" err="1"/>
+                  <a:t>tratamento</a:t>
+                </a:r>
+                <a:r>
+                  <a:rPr dirty="0"/>
+                  <a:t> </a:t>
+                </a:r>
+                <a:r>
+                  <a:rPr dirty="0" err="1"/>
+                  <a:t>não</a:t>
+                </a:r>
+                <a:r>
+                  <a:rPr dirty="0"/>
+                  <a:t> </a:t>
+                </a:r>
+                <a:r>
+                  <a:rPr dirty="0" err="1"/>
+                  <a:t>influencia</a:t>
+                </a:r>
+                <a:r>
+                  <a:rPr dirty="0"/>
+                  <a:t> </a:t>
+                </a:r>
+                <a:r>
+                  <a:rPr dirty="0" err="1"/>
+                  <a:t>os</a:t>
+                </a:r>
+                <a:r>
+                  <a:rPr dirty="0"/>
+                  <a:t> </a:t>
+                </a:r>
+                <a:r>
+                  <a:rPr dirty="0" err="1"/>
+                  <a:t>valores</a:t>
+                </a:r>
+                <a:r>
+                  <a:rPr dirty="0"/>
+                  <a:t> dos dados </a:t>
+                </a:r>
+                <a:r>
+                  <a:rPr dirty="0" err="1"/>
+                  <a:t>longitudinais</a:t>
+                </a:r>
+                <a:r>
+                  <a:rPr dirty="0"/>
+                  <a:t>.</a:t>
+                </a:r>
+              </a:p>
+            </p:txBody>
+          </p:sp>
+        </mc:Choice>
+        <mc:Fallback>
+          <p:sp>
+            <p:nvSpPr>
+              <p:cNvPr id="3" name="Content Placeholder 2"/>
+              <p:cNvSpPr>
+                <a:spLocks noGrp="1" noRot="1" noChangeAspect="1" noMove="1" noResize="1" noEditPoints="1" noAdjustHandles="1" noChangeArrowheads="1" noChangeShapeType="1" noTextEdit="1"/>
+              </p:cNvSpPr>
+              <p:nvPr>
+                <p:ph idx="1"/>
+              </p:nvPr>
+            </p:nvSpPr>
+            <p:spPr>
+              <a:blipFill>
+                <a:blip r:embed="rId2"/>
+                <a:stretch>
+                  <a:fillRect t="-725"/>
+                </a:stretch>
+              </a:blipFill>
+            </p:spPr>
+            <p:txBody>
+              <a:bodyPr/>
+              <a:lstStyle/>
+              <a:p>
+                <a:r>
+                  <a:rPr lang="pt-BR">
+                    <a:noFill/>
                   </a:rPr>
-                  <m:t>𝛽</m:t>
-                </m:r>
-                <m:r>
-                  <a:rPr>
-                    <a:latin typeface="Cambria Math" panose="02040503050406030204" pitchFamily="18" charset="0"/>
-                  </a:rPr>
-                  <m:t>=</m:t>
-                </m:r>
-                <m:r>
-                  <a:rPr>
-                    <a:latin typeface="Cambria Math" panose="02040503050406030204" pitchFamily="18" charset="0"/>
-                  </a:rPr>
-                  <m:t>0</m:t>
-                </m:r>
-              </m:oMath>
-            </a14:m>
-            <a:r>
-              <a:rPr dirty="0"/>
-              <a:t>: as </a:t>
-            </a:r>
-            <a:r>
-              <a:rPr dirty="0" err="1"/>
-              <a:t>observações</a:t>
-            </a:r>
-            <a:r>
-              <a:rPr dirty="0"/>
-              <a:t> </a:t>
-            </a:r>
-            <a:r>
-              <a:rPr dirty="0" err="1"/>
-              <a:t>longitudinais</a:t>
-            </a:r>
-            <a:r>
-              <a:rPr dirty="0"/>
-              <a:t> </a:t>
-            </a:r>
-            <a:r>
-              <a:rPr dirty="0" err="1"/>
-              <a:t>não</a:t>
-            </a:r>
-            <a:r>
-              <a:rPr dirty="0"/>
-              <a:t> </a:t>
-            </a:r>
-            <a:r>
-              <a:rPr dirty="0" err="1"/>
-              <a:t>têm</a:t>
-            </a:r>
-            <a:r>
-              <a:rPr dirty="0"/>
-              <a:t> </a:t>
-            </a:r>
-            <a:r>
-              <a:rPr dirty="0" err="1"/>
-              <a:t>associação</a:t>
-            </a:r>
-            <a:r>
-              <a:rPr dirty="0"/>
-              <a:t> com o tempo </a:t>
-            </a:r>
-            <a:r>
-              <a:rPr dirty="0" err="1"/>
-              <a:t>até</a:t>
-            </a:r>
-            <a:r>
-              <a:rPr dirty="0"/>
-              <a:t> o </a:t>
-            </a:r>
-            <a:r>
-              <a:rPr dirty="0" err="1"/>
-              <a:t>evento</a:t>
-            </a:r>
-            <a:r>
-              <a:rPr dirty="0"/>
-              <a:t>;</a:t>
-            </a:r>
-          </a:p>
-          <a:p>
-            <a:pPr lvl="1"/>
-            <a14:m xmlns:a14="http://schemas.microsoft.com/office/drawing/2010/main">
-              <m:oMath xmlns:m="http://schemas.openxmlformats.org/officeDocument/2006/math">
-                <m:r>
-                  <a:rPr>
-                    <a:latin typeface="Cambria Math" panose="02040503050406030204" pitchFamily="18" charset="0"/>
-                  </a:rPr>
-                  <m:t>𝛽</m:t>
-                </m:r>
-                <m:r>
-                  <a:rPr>
-                    <a:latin typeface="Cambria Math" panose="02040503050406030204" pitchFamily="18" charset="0"/>
-                  </a:rPr>
-                  <m:t>=</m:t>
-                </m:r>
-                <m:r>
-                  <a:rPr>
-                    <a:latin typeface="Cambria Math" panose="02040503050406030204" pitchFamily="18" charset="0"/>
-                  </a:rPr>
-                  <m:t>0</m:t>
-                </m:r>
-                <m:r>
-                  <a:rPr>
-                    <a:latin typeface="Cambria Math" panose="02040503050406030204" pitchFamily="18" charset="0"/>
-                  </a:rPr>
-                  <m:t>.</m:t>
-                </m:r>
-                <m:r>
-                  <a:rPr>
-                    <a:latin typeface="Cambria Math" panose="02040503050406030204" pitchFamily="18" charset="0"/>
-                  </a:rPr>
-                  <m:t>5</m:t>
-                </m:r>
-              </m:oMath>
-            </a14:m>
-            <a:r>
-              <a:rPr dirty="0"/>
-              <a:t>: </a:t>
-            </a:r>
-            <a:r>
-              <a:rPr dirty="0" err="1"/>
-              <a:t>risco</a:t>
-            </a:r>
-            <a:r>
-              <a:rPr dirty="0"/>
-              <a:t> </a:t>
-            </a:r>
-            <a:r>
-              <a:rPr dirty="0" err="1"/>
-              <a:t>aumenta</a:t>
-            </a:r>
-            <a:r>
-              <a:rPr dirty="0"/>
-              <a:t> </a:t>
-            </a:r>
-            <a:r>
-              <a:rPr dirty="0" err="1"/>
-              <a:t>em</a:t>
-            </a:r>
-            <a:r>
-              <a:rPr dirty="0"/>
-              <a:t> 0.5 para </a:t>
-            </a:r>
-            <a:r>
-              <a:rPr dirty="0" err="1"/>
-              <a:t>cada</a:t>
-            </a:r>
-            <a:r>
-              <a:rPr dirty="0"/>
-              <a:t> </a:t>
-            </a:r>
-            <a:r>
-              <a:rPr dirty="0" err="1"/>
-              <a:t>unidade</a:t>
-            </a:r>
-            <a:r>
-              <a:rPr dirty="0"/>
-              <a:t> </a:t>
-            </a:r>
-            <a:r>
-              <a:rPr dirty="0" err="1"/>
-              <a:t>aumentada</a:t>
-            </a:r>
-            <a:r>
-              <a:rPr dirty="0"/>
-              <a:t> </a:t>
-            </a:r>
-            <a:r>
-              <a:rPr dirty="0" err="1"/>
-              <a:t>em</a:t>
-            </a:r>
-            <a:r>
-              <a:rPr dirty="0"/>
-              <a:t> </a:t>
-            </a:r>
-            <a14:m xmlns:a14="http://schemas.microsoft.com/office/drawing/2010/main">
-              <m:oMath xmlns:m="http://schemas.openxmlformats.org/officeDocument/2006/math">
-                <m:sSub>
-                  <m:sSubPr>
-                    <m:ctrlPr>
-                      <a:rPr>
-                        <a:latin typeface="Cambria Math" panose="02040503050406030204" pitchFamily="18" charset="0"/>
-                      </a:rPr>
-                    </m:ctrlPr>
-                  </m:sSubPr>
-                  <m:e>
-                    <m:r>
-                      <a:rPr>
-                        <a:latin typeface="Cambria Math" panose="02040503050406030204" pitchFamily="18" charset="0"/>
-                      </a:rPr>
-                      <m:t>𝑋</m:t>
-                    </m:r>
-                  </m:e>
-                  <m:sub>
-                    <m:r>
-                      <a:rPr>
-                        <a:latin typeface="Cambria Math" panose="02040503050406030204" pitchFamily="18" charset="0"/>
-                      </a:rPr>
-                      <m:t>𝑖𝑗</m:t>
-                    </m:r>
-                  </m:sub>
-                </m:sSub>
-              </m:oMath>
-            </a14:m>
-            <a:r>
-              <a:rPr dirty="0"/>
-              <a:t>;</a:t>
-            </a:r>
-          </a:p>
-          <a:p>
-            <a:pPr lvl="1"/>
-            <a14:m xmlns:a14="http://schemas.microsoft.com/office/drawing/2010/main">
-              <m:oMath xmlns:m="http://schemas.openxmlformats.org/officeDocument/2006/math">
-                <m:r>
-                  <a:rPr>
-                    <a:latin typeface="Cambria Math" panose="02040503050406030204" pitchFamily="18" charset="0"/>
-                  </a:rPr>
-                  <m:t>𝛼</m:t>
-                </m:r>
-                <m:r>
-                  <a:rPr>
-                    <a:latin typeface="Cambria Math" panose="02040503050406030204" pitchFamily="18" charset="0"/>
-                  </a:rPr>
-                  <m:t>&lt;</m:t>
-                </m:r>
-                <m:r>
-                  <a:rPr>
-                    <a:latin typeface="Cambria Math" panose="02040503050406030204" pitchFamily="18" charset="0"/>
-                  </a:rPr>
-                  <m:t>0</m:t>
-                </m:r>
-              </m:oMath>
-            </a14:m>
-            <a:r>
-              <a:rPr dirty="0"/>
-              <a:t>: </a:t>
-            </a:r>
-            <a:r>
-              <a:rPr dirty="0" err="1"/>
-              <a:t>risco</a:t>
-            </a:r>
-            <a:r>
-              <a:rPr dirty="0"/>
-              <a:t> de </a:t>
-            </a:r>
-            <a:r>
-              <a:rPr dirty="0" err="1"/>
-              <a:t>quem</a:t>
-            </a:r>
-            <a:r>
-              <a:rPr dirty="0"/>
-              <a:t> </a:t>
-            </a:r>
-            <a:r>
-              <a:rPr dirty="0" err="1"/>
-              <a:t>recebe</a:t>
-            </a:r>
-            <a:r>
-              <a:rPr dirty="0"/>
-              <a:t> </a:t>
-            </a:r>
-            <a:r>
-              <a:rPr dirty="0" err="1"/>
-              <a:t>tratamento</a:t>
-            </a:r>
-            <a:r>
-              <a:rPr dirty="0"/>
-              <a:t> </a:t>
-            </a:r>
-            <a14:m xmlns:a14="http://schemas.microsoft.com/office/drawing/2010/main">
-              <m:oMath xmlns:m="http://schemas.openxmlformats.org/officeDocument/2006/math">
-                <m:sSub>
-                  <m:sSubPr>
-                    <m:ctrlPr>
-                      <a:rPr>
-                        <a:latin typeface="Cambria Math" panose="02040503050406030204" pitchFamily="18" charset="0"/>
-                      </a:rPr>
-                    </m:ctrlPr>
-                  </m:sSubPr>
-                  <m:e>
-                    <m:r>
-                      <a:rPr>
-                        <a:latin typeface="Cambria Math" panose="02040503050406030204" pitchFamily="18" charset="0"/>
-                      </a:rPr>
-                      <m:t>𝑍</m:t>
-                    </m:r>
-                  </m:e>
-                  <m:sub>
-                    <m:r>
-                      <a:rPr>
-                        <a:latin typeface="Cambria Math" panose="02040503050406030204" pitchFamily="18" charset="0"/>
-                      </a:rPr>
-                      <m:t>𝑖</m:t>
-                    </m:r>
-                  </m:sub>
-                </m:sSub>
-                <m:r>
-                  <a:rPr>
-                    <a:latin typeface="Cambria Math" panose="02040503050406030204" pitchFamily="18" charset="0"/>
-                  </a:rPr>
-                  <m:t>=</m:t>
-                </m:r>
-                <m:r>
-                  <a:rPr>
-                    <a:latin typeface="Cambria Math" panose="02040503050406030204" pitchFamily="18" charset="0"/>
-                  </a:rPr>
-                  <m:t>1</m:t>
-                </m:r>
-              </m:oMath>
-            </a14:m>
-            <a:r>
-              <a:rPr dirty="0"/>
-              <a:t> é </a:t>
-            </a:r>
-            <a:r>
-              <a:rPr dirty="0" err="1"/>
-              <a:t>menor</a:t>
-            </a:r>
-            <a:r>
-              <a:rPr dirty="0"/>
-              <a:t> de </a:t>
-            </a:r>
-            <a:r>
-              <a:rPr dirty="0" err="1"/>
-              <a:t>quem</a:t>
-            </a:r>
-            <a:r>
-              <a:rPr dirty="0"/>
-              <a:t> </a:t>
-            </a:r>
-            <a:r>
-              <a:rPr dirty="0" err="1"/>
-              <a:t>não</a:t>
-            </a:r>
-            <a:r>
-              <a:rPr dirty="0"/>
-              <a:t> </a:t>
-            </a:r>
-            <a:r>
-              <a:rPr dirty="0" err="1"/>
-              <a:t>recebe</a:t>
-            </a:r>
-            <a:r>
-              <a:rPr dirty="0"/>
-              <a:t> </a:t>
-            </a:r>
-            <a14:m xmlns:a14="http://schemas.microsoft.com/office/drawing/2010/main">
-              <m:oMath xmlns:m="http://schemas.openxmlformats.org/officeDocument/2006/math">
-                <m:sSub>
-                  <m:sSubPr>
-                    <m:ctrlPr>
-                      <a:rPr>
-                        <a:latin typeface="Cambria Math" panose="02040503050406030204" pitchFamily="18" charset="0"/>
-                      </a:rPr>
-                    </m:ctrlPr>
-                  </m:sSubPr>
-                  <m:e>
-                    <m:r>
-                      <a:rPr>
-                        <a:latin typeface="Cambria Math" panose="02040503050406030204" pitchFamily="18" charset="0"/>
-                      </a:rPr>
-                      <m:t>𝑍</m:t>
-                    </m:r>
-                  </m:e>
-                  <m:sub>
-                    <m:r>
-                      <a:rPr>
-                        <a:latin typeface="Cambria Math" panose="02040503050406030204" pitchFamily="18" charset="0"/>
-                      </a:rPr>
-                      <m:t>𝑖</m:t>
-                    </m:r>
-                  </m:sub>
-                </m:sSub>
-                <m:r>
-                  <a:rPr>
-                    <a:latin typeface="Cambria Math" panose="02040503050406030204" pitchFamily="18" charset="0"/>
-                  </a:rPr>
-                  <m:t>=</m:t>
-                </m:r>
-                <m:r>
-                  <a:rPr>
-                    <a:latin typeface="Cambria Math" panose="02040503050406030204" pitchFamily="18" charset="0"/>
-                  </a:rPr>
-                  <m:t>0</m:t>
-                </m:r>
-              </m:oMath>
-            </a14:m>
-            <a:r>
-              <a:rPr dirty="0"/>
-              <a:t>;</a:t>
-            </a:r>
-          </a:p>
-          <a:p>
-            <a:pPr lvl="1"/>
-            <a14:m xmlns:a14="http://schemas.microsoft.com/office/drawing/2010/main">
-              <m:oMath xmlns:m="http://schemas.openxmlformats.org/officeDocument/2006/math">
-                <m:r>
-                  <a:rPr>
-                    <a:latin typeface="Cambria Math" panose="02040503050406030204" pitchFamily="18" charset="0"/>
-                  </a:rPr>
-                  <m:t>𝛾</m:t>
-                </m:r>
-                <m:r>
-                  <a:rPr>
-                    <a:latin typeface="Cambria Math" panose="02040503050406030204" pitchFamily="18" charset="0"/>
-                  </a:rPr>
-                  <m:t>=</m:t>
-                </m:r>
-                <m:r>
-                  <a:rPr>
-                    <a:latin typeface="Cambria Math" panose="02040503050406030204" pitchFamily="18" charset="0"/>
-                  </a:rPr>
-                  <m:t>0</m:t>
-                </m:r>
-              </m:oMath>
-            </a14:m>
-            <a:r>
-              <a:rPr dirty="0"/>
-              <a:t>: o </a:t>
-            </a:r>
-            <a:r>
-              <a:rPr dirty="0" err="1"/>
-              <a:t>tratamento</a:t>
-            </a:r>
-            <a:r>
-              <a:rPr dirty="0"/>
-              <a:t> </a:t>
-            </a:r>
-            <a:r>
-              <a:rPr dirty="0" err="1"/>
-              <a:t>não</a:t>
-            </a:r>
-            <a:r>
-              <a:rPr dirty="0"/>
-              <a:t> </a:t>
-            </a:r>
-            <a:r>
-              <a:rPr dirty="0" err="1"/>
-              <a:t>influencia</a:t>
-            </a:r>
-            <a:r>
-              <a:rPr dirty="0"/>
-              <a:t> </a:t>
-            </a:r>
-            <a:r>
-              <a:rPr dirty="0" err="1"/>
-              <a:t>os</a:t>
-            </a:r>
-            <a:r>
-              <a:rPr dirty="0"/>
-              <a:t> </a:t>
-            </a:r>
-            <a:r>
-              <a:rPr dirty="0" err="1"/>
-              <a:t>valores</a:t>
-            </a:r>
-            <a:r>
-              <a:rPr dirty="0"/>
-              <a:t> dos dados </a:t>
-            </a:r>
-            <a:r>
-              <a:rPr dirty="0" err="1"/>
-              <a:t>longitudinais</a:t>
-            </a:r>
-            <a:r>
-              <a:rPr dirty="0"/>
-              <a:t>.</a:t>
-            </a:r>
-          </a:p>
-        </p:txBody>
-      </p:sp>
+                  <a:t> </a:t>
+                </a:r>
+              </a:p>
+            </p:txBody>
+          </p:sp>
+        </mc:Fallback>
+      </mc:AlternateContent>
     </p:spTree>
   </p:cSld>
   <p:clrMapOvr>
@@ -4729,26 +5153,45 @@
           <a:p>
             <a:pPr lvl="1"/>
             <a:r>
-              <a:t>Qualidade-de-vida (QDV);</a:t>
+              <a:rPr dirty="0" err="1"/>
+              <a:t>Qualidade</a:t>
+            </a:r>
+            <a:r>
+              <a:rPr dirty="0"/>
+              <a:t>-de-</a:t>
+            </a:r>
+            <a:r>
+              <a:rPr dirty="0" err="1"/>
+              <a:t>vida</a:t>
+            </a:r>
+            <a:r>
+              <a:rPr dirty="0"/>
+              <a:t> (QDV);</a:t>
             </a:r>
           </a:p>
           <a:p>
             <a:pPr lvl="2"/>
             <a:r>
+              <a:rPr dirty="0"/>
               <a:t>E1193;</a:t>
             </a:r>
           </a:p>
           <a:p>
             <a:pPr lvl="1"/>
             <a:r>
-              <a:t>Simulação.</a:t>
+              <a:rPr dirty="0" err="1"/>
+              <a:t>Simulação</a:t>
+            </a:r>
+            <a:r>
+              <a:rPr dirty="0"/>
+              <a:t>.</a:t>
             </a:r>
           </a:p>
           <a:p>
             <a:pPr marL="0" indent="0">
               <a:buNone/>
             </a:pPr>
-            <a:endParaRPr/>
+            <a:endParaRPr dirty="0"/>
           </a:p>
         </p:txBody>
       </p:sp>
@@ -4906,7 +5349,7 @@
         <p:spPr/>
         <p:txBody>
           <a:bodyPr>
-            <a:normAutofit/>
+            <a:normAutofit lnSpcReduction="10000"/>
           </a:bodyPr>
           <a:lstStyle/>
           <a:p>
@@ -5118,90 +5561,127 @@
           </a:p>
         </p:txBody>
       </p:sp>
-      <p:sp>
-        <p:nvSpPr>
-          <p:cNvPr id="3" name="Content Placeholder 2"/>
-          <p:cNvSpPr>
-            <a:spLocks noGrp="1"/>
-          </p:cNvSpPr>
-          <p:nvPr>
-            <p:ph idx="1"/>
-          </p:nvPr>
-        </p:nvSpPr>
-        <p:spPr/>
-        <p:txBody>
-          <a:bodyPr/>
-          <a:lstStyle/>
-          <a:p>
-            <a:pPr lvl="1"/>
-            <a:r>
-              <a:t>252 pacientes tiveram pelo menos uma medição de QDV realizada.</a:t>
-            </a:r>
-          </a:p>
-          <a:p>
-            <a:pPr lvl="1"/>
-            <a:r>
-              <a:t>124 pacientes: paclitaxel </a:t>
-            </a:r>
-            <a14:m xmlns:a14="http://schemas.microsoft.com/office/drawing/2010/main">
-              <m:oMath xmlns:m="http://schemas.openxmlformats.org/officeDocument/2006/math">
-                <m:r>
-                  <a:rPr>
-                    <a:latin typeface="Cambria Math" panose="02040503050406030204" pitchFamily="18" charset="0"/>
+      <mc:AlternateContent xmlns:mc="http://schemas.openxmlformats.org/markup-compatibility/2006">
+        <mc:Choice xmlns:a14="http://schemas.microsoft.com/office/drawing/2010/main" Requires="a14">
+          <p:sp>
+            <p:nvSpPr>
+              <p:cNvPr id="3" name="Content Placeholder 2"/>
+              <p:cNvSpPr>
+                <a:spLocks noGrp="1"/>
+              </p:cNvSpPr>
+              <p:nvPr>
+                <p:ph idx="1"/>
+              </p:nvPr>
+            </p:nvSpPr>
+            <p:spPr/>
+            <p:txBody>
+              <a:bodyPr/>
+              <a:lstStyle/>
+              <a:p>
+                <a:pPr lvl="1"/>
+                <a:r>
+                  <a:t>252 pacientes tiveram pelo menos uma medição de QDV realizada.</a:t>
+                </a:r>
+              </a:p>
+              <a:p>
+                <a:pPr lvl="1"/>
+                <a:r>
+                  <a:t>124 pacientes: paclitaxel </a:t>
+                </a:r>
+                <a14:m>
+                  <m:oMath xmlns:m="http://schemas.openxmlformats.org/officeDocument/2006/math">
+                    <m:r>
+                      <a:rPr>
+                        <a:latin typeface="Cambria Math" panose="02040503050406030204" pitchFamily="18" charset="0"/>
+                      </a:rPr>
+                      <m:t>→</m:t>
+                    </m:r>
+                  </m:oMath>
+                </a14:m>
+                <a:r>
+                  <a:t> doxorubicin;</a:t>
+                </a:r>
+              </a:p>
+              <a:p>
+                <a:pPr lvl="2"/>
+                <a:r>
+                  <a:t>Tempo de vida mediano: 13 meses;</a:t>
+                </a:r>
+              </a:p>
+              <a:p>
+                <a:pPr lvl="2"/>
+                <a:r>
+                  <a:t>2 censuras.</a:t>
+                </a:r>
+              </a:p>
+              <a:p>
+                <a:pPr lvl="1"/>
+                <a:r>
+                  <a:t>128 pacientes: doxorubicin </a:t>
+                </a:r>
+                <a14:m>
+                  <m:oMath xmlns:m="http://schemas.openxmlformats.org/officeDocument/2006/math">
+                    <m:r>
+                      <a:rPr>
+                        <a:latin typeface="Cambria Math" panose="02040503050406030204" pitchFamily="18" charset="0"/>
+                      </a:rPr>
+                      <m:t>→</m:t>
+                    </m:r>
+                  </m:oMath>
+                </a14:m>
+                <a:r>
+                  <a:t> paclitaxel;</a:t>
+                </a:r>
+              </a:p>
+              <a:p>
+                <a:pPr lvl="2"/>
+                <a:r>
+                  <a:t>Tempo de vida mediano: 14.9 meses;</a:t>
+                </a:r>
+              </a:p>
+              <a:p>
+                <a:pPr lvl="2"/>
+                <a:r>
+                  <a:t>6 censuras.</a:t>
+                </a:r>
+              </a:p>
+            </p:txBody>
+          </p:sp>
+        </mc:Choice>
+        <mc:Fallback>
+          <p:sp>
+            <p:nvSpPr>
+              <p:cNvPr id="3" name="Content Placeholder 2"/>
+              <p:cNvSpPr>
+                <a:spLocks noGrp="1" noRot="1" noChangeAspect="1" noMove="1" noResize="1" noEditPoints="1" noAdjustHandles="1" noChangeArrowheads="1" noChangeShapeType="1" noTextEdit="1"/>
+              </p:cNvSpPr>
+              <p:nvPr>
+                <p:ph idx="1"/>
+              </p:nvPr>
+            </p:nvSpPr>
+            <p:spPr>
+              <a:blipFill>
+                <a:blip r:embed="rId2"/>
+                <a:stretch>
+                  <a:fillRect t="-725"/>
+                </a:stretch>
+              </a:blipFill>
+            </p:spPr>
+            <p:txBody>
+              <a:bodyPr/>
+              <a:lstStyle/>
+              <a:p>
+                <a:r>
+                  <a:rPr lang="pt-BR">
+                    <a:noFill/>
                   </a:rPr>
-                  <m:t>→</m:t>
-                </m:r>
-              </m:oMath>
-            </a14:m>
-            <a:r>
-              <a:t> doxorubicin;</a:t>
-            </a:r>
-          </a:p>
-          <a:p>
-            <a:pPr lvl="2"/>
-            <a:r>
-              <a:t>Tempo de vida mediano: 13 meses;</a:t>
-            </a:r>
-          </a:p>
-          <a:p>
-            <a:pPr lvl="2"/>
-            <a:r>
-              <a:t>2 censuras.</a:t>
-            </a:r>
-          </a:p>
-          <a:p>
-            <a:pPr lvl="1"/>
-            <a:r>
-              <a:t>128 pacientes: doxorubicin </a:t>
-            </a:r>
-            <a14:m xmlns:a14="http://schemas.microsoft.com/office/drawing/2010/main">
-              <m:oMath xmlns:m="http://schemas.openxmlformats.org/officeDocument/2006/math">
-                <m:r>
-                  <a:rPr>
-                    <a:latin typeface="Cambria Math" panose="02040503050406030204" pitchFamily="18" charset="0"/>
-                  </a:rPr>
-                  <m:t>→</m:t>
-                </m:r>
-              </m:oMath>
-            </a14:m>
-            <a:r>
-              <a:t> paclitaxel;</a:t>
-            </a:r>
-          </a:p>
-          <a:p>
-            <a:pPr lvl="2"/>
-            <a:r>
-              <a:t>Tempo de vida mediano: 14.9 meses;</a:t>
-            </a:r>
-          </a:p>
-          <a:p>
-            <a:pPr lvl="2"/>
-            <a:r>
-              <a:t>6 censuras.</a:t>
-            </a:r>
-          </a:p>
-        </p:txBody>
-      </p:sp>
+                  <a:t> </a:t>
+                </a:r>
+              </a:p>
+            </p:txBody>
+          </p:sp>
+        </mc:Fallback>
+      </mc:AlternateContent>
     </p:spTree>
   </p:cSld>
   <p:clrMapOvr>
@@ -5407,48 +5887,270 @@
           <a:p>
             <a:pPr lvl="1"/>
             <a:r>
-              <a:t>Modelo de Cox apenas com a covariável do tratamento;</a:t>
+              <a:rPr dirty="0" err="1"/>
+              <a:t>Modelo</a:t>
+            </a:r>
+            <a:r>
+              <a:rPr dirty="0"/>
+              <a:t> de Cox </a:t>
+            </a:r>
+            <a:r>
+              <a:rPr dirty="0" err="1"/>
+              <a:t>apenas</a:t>
+            </a:r>
+            <a:r>
+              <a:rPr dirty="0"/>
+              <a:t> com a </a:t>
+            </a:r>
+            <a:r>
+              <a:rPr dirty="0" err="1"/>
+              <a:t>covariável</a:t>
+            </a:r>
+            <a:r>
+              <a:rPr dirty="0"/>
+              <a:t> do </a:t>
+            </a:r>
+            <a:r>
+              <a:rPr dirty="0" err="1"/>
+              <a:t>tratamento</a:t>
+            </a:r>
+            <a:r>
+              <a:rPr dirty="0"/>
+              <a:t>;</a:t>
             </a:r>
           </a:p>
           <a:p>
             <a:pPr lvl="1"/>
             <a:r>
-              <a:t>Modelo de dois estágios com as duas medidas de QDV:</a:t>
+              <a:rPr dirty="0" err="1"/>
+              <a:t>Modelo</a:t>
+            </a:r>
+            <a:r>
+              <a:rPr dirty="0"/>
+              <a:t> de </a:t>
+            </a:r>
+            <a:r>
+              <a:rPr dirty="0" err="1"/>
+              <a:t>dois</a:t>
+            </a:r>
+            <a:r>
+              <a:rPr dirty="0"/>
+              <a:t> </a:t>
+            </a:r>
+            <a:r>
+              <a:rPr dirty="0" err="1"/>
+              <a:t>estágios</a:t>
+            </a:r>
+            <a:r>
+              <a:rPr dirty="0"/>
+              <a:t> com as </a:t>
+            </a:r>
+            <a:r>
+              <a:rPr dirty="0" err="1"/>
+              <a:t>duas</a:t>
+            </a:r>
+            <a:r>
+              <a:rPr dirty="0"/>
+              <a:t> </a:t>
+            </a:r>
+            <a:r>
+              <a:rPr dirty="0" err="1"/>
+              <a:t>medidas</a:t>
+            </a:r>
+            <a:r>
+              <a:rPr dirty="0"/>
+              <a:t> de QDV:</a:t>
             </a:r>
           </a:p>
           <a:p>
             <a:pPr lvl="2"/>
             <a:r>
-              <a:rPr i="1"/>
-              <a:t>Tsiatis et al</a:t>
-            </a:r>
-            <a:r>
+              <a:rPr i="1" dirty="0" err="1"/>
+              <a:t>Tsiatis</a:t>
+            </a:r>
+            <a:r>
+              <a:rPr i="1" dirty="0"/>
+              <a:t> et al</a:t>
+            </a:r>
+            <a:r>
+              <a:rPr dirty="0"/>
               <a:t>, 1995;</a:t>
             </a:r>
           </a:p>
           <a:p>
             <a:pPr lvl="2"/>
             <a:r>
-              <a:t>Ajusta um modelo linear misto nos dados longitudinais;</a:t>
+              <a:rPr dirty="0" err="1"/>
+              <a:t>Ajusta</a:t>
+            </a:r>
+            <a:r>
+              <a:rPr dirty="0"/>
+              <a:t> um </a:t>
+            </a:r>
+            <a:r>
+              <a:rPr dirty="0" err="1"/>
+              <a:t>modelo</a:t>
+            </a:r>
+            <a:r>
+              <a:rPr dirty="0"/>
+              <a:t> linear misto </a:t>
+            </a:r>
+            <a:r>
+              <a:rPr dirty="0" err="1"/>
+              <a:t>nos</a:t>
+            </a:r>
+            <a:r>
+              <a:rPr dirty="0"/>
+              <a:t> dados </a:t>
+            </a:r>
+            <a:r>
+              <a:rPr dirty="0" err="1"/>
+              <a:t>longitudinais</a:t>
+            </a:r>
+            <a:r>
+              <a:rPr dirty="0"/>
+              <a:t>;</a:t>
             </a:r>
           </a:p>
           <a:p>
             <a:pPr lvl="2"/>
             <a:r>
-              <a:t>Em seguida insere a função trajetória ajustada no modelo de Cox como variável tempo-dependente.</a:t>
+              <a:rPr dirty="0" err="1"/>
+              <a:t>Em</a:t>
+            </a:r>
+            <a:r>
+              <a:rPr dirty="0"/>
+              <a:t> </a:t>
+            </a:r>
+            <a:r>
+              <a:rPr dirty="0" err="1"/>
+              <a:t>seguida</a:t>
+            </a:r>
+            <a:r>
+              <a:rPr dirty="0"/>
+              <a:t> </a:t>
+            </a:r>
+            <a:r>
+              <a:rPr dirty="0" err="1"/>
+              <a:t>insere</a:t>
+            </a:r>
+            <a:r>
+              <a:rPr dirty="0"/>
+              <a:t> a </a:t>
+            </a:r>
+            <a:r>
+              <a:rPr dirty="0" err="1"/>
+              <a:t>função</a:t>
+            </a:r>
+            <a:r>
+              <a:rPr dirty="0"/>
+              <a:t> </a:t>
+            </a:r>
+            <a:r>
+              <a:rPr dirty="0" err="1"/>
+              <a:t>trajetória</a:t>
+            </a:r>
+            <a:r>
+              <a:rPr dirty="0"/>
+              <a:t> </a:t>
+            </a:r>
+            <a:r>
+              <a:rPr dirty="0" err="1"/>
+              <a:t>ajustada</a:t>
+            </a:r>
+            <a:r>
+              <a:rPr dirty="0"/>
+              <a:t> no </a:t>
+            </a:r>
+            <a:r>
+              <a:rPr dirty="0" err="1"/>
+              <a:t>modelo</a:t>
+            </a:r>
+            <a:r>
+              <a:rPr dirty="0"/>
+              <a:t> de Cox </a:t>
+            </a:r>
+            <a:r>
+              <a:rPr dirty="0" err="1"/>
+              <a:t>como</a:t>
+            </a:r>
+            <a:r>
+              <a:rPr dirty="0"/>
+              <a:t> </a:t>
+            </a:r>
+            <a:r>
+              <a:rPr dirty="0" err="1"/>
+              <a:t>variável</a:t>
+            </a:r>
+            <a:r>
+              <a:rPr dirty="0"/>
+              <a:t> tempo-</a:t>
+            </a:r>
+            <a:r>
+              <a:rPr dirty="0" err="1"/>
+              <a:t>dependente</a:t>
+            </a:r>
+            <a:r>
+              <a:rPr dirty="0"/>
+              <a:t>.</a:t>
             </a:r>
           </a:p>
           <a:p>
             <a:pPr lvl="1"/>
             <a:r>
-              <a:t>Modelo conjunto para examinar o efeito do tratamento e a associação entre QDV e a sobrevivência.</a:t>
+              <a:rPr dirty="0" err="1"/>
+              <a:t>Modelo</a:t>
+            </a:r>
+            <a:r>
+              <a:rPr dirty="0"/>
+              <a:t> conjunto para </a:t>
+            </a:r>
+            <a:r>
+              <a:rPr dirty="0" err="1"/>
+              <a:t>examinar</a:t>
+            </a:r>
+            <a:r>
+              <a:rPr dirty="0"/>
+              <a:t> o </a:t>
+            </a:r>
+            <a:r>
+              <a:rPr dirty="0" err="1"/>
+              <a:t>efeito</a:t>
+            </a:r>
+            <a:r>
+              <a:rPr dirty="0"/>
+              <a:t> do </a:t>
+            </a:r>
+            <a:r>
+              <a:rPr dirty="0" err="1"/>
+              <a:t>tratamento</a:t>
+            </a:r>
+            <a:r>
+              <a:rPr dirty="0"/>
+              <a:t> e a </a:t>
+            </a:r>
+            <a:r>
+              <a:rPr dirty="0" err="1"/>
+              <a:t>associação</a:t>
+            </a:r>
+            <a:r>
+              <a:rPr dirty="0"/>
+              <a:t> entre QDV e a </a:t>
+            </a:r>
+            <a:r>
+              <a:rPr dirty="0" err="1"/>
+              <a:t>sobrevivência</a:t>
+            </a:r>
+            <a:r>
+              <a:rPr dirty="0"/>
+              <a:t>.</a:t>
             </a:r>
           </a:p>
           <a:p>
             <a:pPr marL="0" indent="0">
               <a:buNone/>
             </a:pPr>
-            <a:endParaRPr/>
+            <a:endParaRPr dirty="0"/>
           </a:p>
         </p:txBody>
       </p:sp>
@@ -5671,271 +6373,308 @@
           </a:p>
         </p:txBody>
       </p:sp>
-      <p:sp>
-        <p:nvSpPr>
-          <p:cNvPr id="3" name="Content Placeholder 2"/>
-          <p:cNvSpPr>
-            <a:spLocks noGrp="1"/>
-          </p:cNvSpPr>
-          <p:nvPr>
-            <p:ph idx="1"/>
-          </p:nvPr>
-        </p:nvSpPr>
-        <p:spPr/>
-        <p:txBody>
-          <a:bodyPr/>
-          <a:lstStyle/>
-          <a:p>
-            <a:pPr lvl="1"/>
-            <a:r>
-              <a:t>A trajetória de QDV é uma função linear do tempo;</a:t>
-            </a:r>
-          </a:p>
-          <a:p>
-            <a:pPr lvl="2"/>
-            <a:r>
-              <a:t>Já que temos apenas 2 medidas de QDV.</a:t>
-            </a:r>
-          </a:p>
-          <a:p>
-            <a:pPr lvl="1"/>
-            <a:r>
-              <a:t>A transformação </a:t>
-            </a:r>
-            <a14:m xmlns:a14="http://schemas.microsoft.com/office/drawing/2010/main">
-              <m:oMath xmlns:m="http://schemas.openxmlformats.org/officeDocument/2006/math">
-                <m:r>
-                  <a:rPr>
-                    <a:latin typeface="Cambria Math" panose="02040503050406030204" pitchFamily="18" charset="0"/>
-                  </a:rPr>
-                  <m:t>𝑄𝐷</m:t>
-                </m:r>
-                <m:sSup>
-                  <m:sSupPr>
-                    <m:ctrlPr>
-                      <a:rPr i="1">
-                        <a:latin typeface="Cambria Math" panose="02040503050406030204" pitchFamily="18" charset="0"/>
-                      </a:rPr>
-                    </m:ctrlPr>
-                  </m:sSupPr>
-                  <m:e>
+      <mc:AlternateContent xmlns:mc="http://schemas.openxmlformats.org/markup-compatibility/2006">
+        <mc:Choice xmlns:a14="http://schemas.microsoft.com/office/drawing/2010/main" Requires="a14">
+          <p:sp>
+            <p:nvSpPr>
+              <p:cNvPr id="3" name="Content Placeholder 2"/>
+              <p:cNvSpPr>
+                <a:spLocks noGrp="1"/>
+              </p:cNvSpPr>
+              <p:nvPr>
+                <p:ph idx="1"/>
+              </p:nvPr>
+            </p:nvSpPr>
+            <p:spPr/>
+            <p:txBody>
+              <a:bodyPr/>
+              <a:lstStyle/>
+              <a:p>
+                <a:pPr lvl="1"/>
+                <a:r>
+                  <a:t>A trajetória de QDV é uma função linear do tempo;</a:t>
+                </a:r>
+              </a:p>
+              <a:p>
+                <a:pPr lvl="2"/>
+                <a:r>
+                  <a:t>Já que temos apenas 2 medidas de QDV.</a:t>
+                </a:r>
+              </a:p>
+              <a:p>
+                <a:pPr lvl="1"/>
+                <a:r>
+                  <a:t>A transformação </a:t>
+                </a:r>
+                <a14:m>
+                  <m:oMath xmlns:m="http://schemas.openxmlformats.org/officeDocument/2006/math">
                     <m:r>
                       <a:rPr>
                         <a:latin typeface="Cambria Math" panose="02040503050406030204" pitchFamily="18" charset="0"/>
                       </a:rPr>
-                      <m:t>𝑉</m:t>
-                    </m:r>
-                  </m:e>
-                  <m:sup>
-                    <m:f>
-                      <m:fPr>
+                      <m:t>𝑄𝐷</m:t>
+                    </m:r>
+                    <m:sSup>
+                      <m:sSupPr>
                         <m:ctrlPr>
                           <a:rPr i="1">
                             <a:latin typeface="Cambria Math" panose="02040503050406030204" pitchFamily="18" charset="0"/>
                           </a:rPr>
                         </m:ctrlPr>
-                      </m:fPr>
-                      <m:num>
+                      </m:sSupPr>
+                      <m:e>
                         <m:r>
                           <a:rPr>
                             <a:latin typeface="Cambria Math" panose="02040503050406030204" pitchFamily="18" charset="0"/>
                           </a:rPr>
+                          <m:t>𝑉</m:t>
+                        </m:r>
+                      </m:e>
+                      <m:sup>
+                        <m:f>
+                          <m:fPr>
+                            <m:ctrlPr>
+                              <a:rPr i="1">
+                                <a:latin typeface="Cambria Math" panose="02040503050406030204" pitchFamily="18" charset="0"/>
+                              </a:rPr>
+                            </m:ctrlPr>
+                          </m:fPr>
+                          <m:num>
+                            <m:r>
+                              <a:rPr>
+                                <a:latin typeface="Cambria Math" panose="02040503050406030204" pitchFamily="18" charset="0"/>
+                              </a:rPr>
+                              <m:t>1</m:t>
+                            </m:r>
+                          </m:num>
+                          <m:den>
+                            <m:r>
+                              <a:rPr>
+                                <a:latin typeface="Cambria Math" panose="02040503050406030204" pitchFamily="18" charset="0"/>
+                              </a:rPr>
+                              <m:t>2</m:t>
+                            </m:r>
+                          </m:den>
+                        </m:f>
+                      </m:sup>
+                    </m:sSup>
+                  </m:oMath>
+                </a14:m>
+                <a:r>
+                  <a:t> é normal.</a:t>
+                </a:r>
+              </a:p>
+              <a:p>
+                <a:pPr lvl="1"/>
+                <a:r>
+                  <a:t>A interação entre tratamento e tempo foi testada separadamente e foi não-significativa;</a:t>
+                </a:r>
+              </a:p>
+              <a:p>
+                <a:pPr lvl="2"/>
+                <a:r>
+                  <a:t>Podemos assumir que </a:t>
+                </a:r>
+                <a14:m>
+                  <m:oMath xmlns:m="http://schemas.openxmlformats.org/officeDocument/2006/math">
+                    <m:r>
+                      <a:rPr>
+                        <a:latin typeface="Cambria Math" panose="02040503050406030204" pitchFamily="18" charset="0"/>
+                      </a:rPr>
+                      <m:t>𝑄𝐷</m:t>
+                    </m:r>
+                    <m:sSup>
+                      <m:sSupPr>
+                        <m:ctrlPr>
+                          <a:rPr i="1">
+                            <a:latin typeface="Cambria Math" panose="02040503050406030204" pitchFamily="18" charset="0"/>
+                          </a:rPr>
+                        </m:ctrlPr>
+                      </m:sSupPr>
+                      <m:e>
+                        <m:r>
+                          <a:rPr>
+                            <a:latin typeface="Cambria Math" panose="02040503050406030204" pitchFamily="18" charset="0"/>
+                          </a:rPr>
+                          <m:t>𝑉</m:t>
+                        </m:r>
+                      </m:e>
+                      <m:sup>
+                        <m:f>
+                          <m:fPr>
+                            <m:ctrlPr>
+                              <a:rPr i="1">
+                                <a:latin typeface="Cambria Math" panose="02040503050406030204" pitchFamily="18" charset="0"/>
+                              </a:rPr>
+                            </m:ctrlPr>
+                          </m:fPr>
+                          <m:num>
+                            <m:r>
+                              <a:rPr>
+                                <a:latin typeface="Cambria Math" panose="02040503050406030204" pitchFamily="18" charset="0"/>
+                              </a:rPr>
+                              <m:t>1</m:t>
+                            </m:r>
+                          </m:num>
+                          <m:den>
+                            <m:r>
+                              <a:rPr>
+                                <a:latin typeface="Cambria Math" panose="02040503050406030204" pitchFamily="18" charset="0"/>
+                              </a:rPr>
+                              <m:t>2</m:t>
+                            </m:r>
+                          </m:den>
+                        </m:f>
+                      </m:sup>
+                    </m:sSup>
+                  </m:oMath>
+                </a14:m>
+                <a:r>
+                  <a:t> segue uma trajetória da forma </a:t>
+                </a:r>
+                <a14:m>
+                  <m:oMath xmlns:m="http://schemas.openxmlformats.org/officeDocument/2006/math">
+                    <m:sSub>
+                      <m:sSubPr>
+                        <m:ctrlPr>
+                          <a:rPr i="1">
+                            <a:latin typeface="Cambria Math" panose="02040503050406030204" pitchFamily="18" charset="0"/>
+                          </a:rPr>
+                        </m:ctrlPr>
+                      </m:sSubPr>
+                      <m:e>
+                        <m:r>
+                          <a:rPr>
+                            <a:latin typeface="Cambria Math" panose="02040503050406030204" pitchFamily="18" charset="0"/>
+                          </a:rPr>
+                          <m:t>𝜃</m:t>
+                        </m:r>
+                      </m:e>
+                      <m:sub>
+                        <m:r>
+                          <a:rPr>
+                            <a:latin typeface="Cambria Math" panose="02040503050406030204" pitchFamily="18" charset="0"/>
+                          </a:rPr>
+                          <m:t>0</m:t>
+                        </m:r>
+                        <m:r>
+                          <a:rPr>
+                            <a:latin typeface="Cambria Math" panose="02040503050406030204" pitchFamily="18" charset="0"/>
+                          </a:rPr>
+                          <m:t>𝑖</m:t>
+                        </m:r>
+                      </m:sub>
+                    </m:sSub>
+                    <m:r>
+                      <a:rPr>
+                        <a:latin typeface="Cambria Math" panose="02040503050406030204" pitchFamily="18" charset="0"/>
+                      </a:rPr>
+                      <m:t>+</m:t>
+                    </m:r>
+                    <m:sSub>
+                      <m:sSubPr>
+                        <m:ctrlPr>
+                          <a:rPr i="1">
+                            <a:latin typeface="Cambria Math" panose="02040503050406030204" pitchFamily="18" charset="0"/>
+                          </a:rPr>
+                        </m:ctrlPr>
+                      </m:sSubPr>
+                      <m:e>
+                        <m:r>
+                          <a:rPr>
+                            <a:latin typeface="Cambria Math" panose="02040503050406030204" pitchFamily="18" charset="0"/>
+                          </a:rPr>
+                          <m:t>𝜃</m:t>
+                        </m:r>
+                      </m:e>
+                      <m:sub>
+                        <m:r>
+                          <a:rPr>
+                            <a:latin typeface="Cambria Math" panose="02040503050406030204" pitchFamily="18" charset="0"/>
+                          </a:rPr>
                           <m:t>1</m:t>
                         </m:r>
-                      </m:num>
-                      <m:den>
                         <m:r>
                           <a:rPr>
                             <a:latin typeface="Cambria Math" panose="02040503050406030204" pitchFamily="18" charset="0"/>
                           </a:rPr>
-                          <m:t>2</m:t>
+                          <m:t>𝑖</m:t>
                         </m:r>
-                      </m:den>
-                    </m:f>
-                  </m:sup>
-                </m:sSup>
-              </m:oMath>
-            </a14:m>
-            <a:r>
-              <a:t> é normal.</a:t>
-            </a:r>
-          </a:p>
-          <a:p>
-            <a:pPr lvl="1"/>
-            <a:r>
-              <a:t>A interação entre tratamento e tempo foi testada separadamente e foi não-significativa;</a:t>
-            </a:r>
-          </a:p>
-          <a:p>
-            <a:pPr lvl="2"/>
-            <a:r>
-              <a:t>Podemos assumir que </a:t>
-            </a:r>
-            <a14:m xmlns:a14="http://schemas.microsoft.com/office/drawing/2010/main">
-              <m:oMath xmlns:m="http://schemas.openxmlformats.org/officeDocument/2006/math">
-                <m:r>
-                  <a:rPr>
-                    <a:latin typeface="Cambria Math" panose="02040503050406030204" pitchFamily="18" charset="0"/>
+                      </m:sub>
+                    </m:sSub>
+                    <m:r>
+                      <a:rPr>
+                        <a:latin typeface="Cambria Math" panose="02040503050406030204" pitchFamily="18" charset="0"/>
+                      </a:rPr>
+                      <m:t>𝑡</m:t>
+                    </m:r>
+                    <m:r>
+                      <a:rPr>
+                        <a:latin typeface="Cambria Math" panose="02040503050406030204" pitchFamily="18" charset="0"/>
+                      </a:rPr>
+                      <m:t>+</m:t>
+                    </m:r>
+                    <m:r>
+                      <a:rPr>
+                        <a:latin typeface="Cambria Math" panose="02040503050406030204" pitchFamily="18" charset="0"/>
+                      </a:rPr>
+                      <m:t>𝛾</m:t>
+                    </m:r>
+                    <m:r>
+                      <a:rPr>
+                        <a:latin typeface="Cambria Math" panose="02040503050406030204" pitchFamily="18" charset="0"/>
+                      </a:rPr>
+                      <m:t>𝑇𝑟𝑎𝑡𝑎𝑚𝑒𝑛𝑡𝑜</m:t>
+                    </m:r>
+                  </m:oMath>
+                </a14:m>
+                <a:r>
+                  <a:t>;</a:t>
+                </a:r>
+              </a:p>
+              <a:p>
+                <a:pPr lvl="3"/>
+                <a:r>
+                  <a:t>No modelo de dois estágios e no modelo conjunto.</a:t>
+                </a:r>
+              </a:p>
+            </p:txBody>
+          </p:sp>
+        </mc:Choice>
+        <mc:Fallback>
+          <p:sp>
+            <p:nvSpPr>
+              <p:cNvPr id="3" name="Content Placeholder 2"/>
+              <p:cNvSpPr>
+                <a:spLocks noGrp="1" noRot="1" noChangeAspect="1" noMove="1" noResize="1" noEditPoints="1" noAdjustHandles="1" noChangeArrowheads="1" noChangeShapeType="1" noTextEdit="1"/>
+              </p:cNvSpPr>
+              <p:nvPr>
+                <p:ph idx="1"/>
+              </p:nvPr>
+            </p:nvSpPr>
+            <p:spPr>
+              <a:blipFill>
+                <a:blip r:embed="rId2"/>
+                <a:stretch>
+                  <a:fillRect t="-725" r="-685"/>
+                </a:stretch>
+              </a:blipFill>
+            </p:spPr>
+            <p:txBody>
+              <a:bodyPr/>
+              <a:lstStyle/>
+              <a:p>
+                <a:r>
+                  <a:rPr lang="pt-BR">
+                    <a:noFill/>
                   </a:rPr>
-                  <m:t>𝑄𝐷</m:t>
-                </m:r>
-                <m:sSup>
-                  <m:sSupPr>
-                    <m:ctrlPr>
-                      <a:rPr i="1">
-                        <a:latin typeface="Cambria Math" panose="02040503050406030204" pitchFamily="18" charset="0"/>
-                      </a:rPr>
-                    </m:ctrlPr>
-                  </m:sSupPr>
-                  <m:e>
-                    <m:r>
-                      <a:rPr>
-                        <a:latin typeface="Cambria Math" panose="02040503050406030204" pitchFamily="18" charset="0"/>
-                      </a:rPr>
-                      <m:t>𝑉</m:t>
-                    </m:r>
-                  </m:e>
-                  <m:sup>
-                    <m:f>
-                      <m:fPr>
-                        <m:ctrlPr>
-                          <a:rPr i="1">
-                            <a:latin typeface="Cambria Math" panose="02040503050406030204" pitchFamily="18" charset="0"/>
-                          </a:rPr>
-                        </m:ctrlPr>
-                      </m:fPr>
-                      <m:num>
-                        <m:r>
-                          <a:rPr>
-                            <a:latin typeface="Cambria Math" panose="02040503050406030204" pitchFamily="18" charset="0"/>
-                          </a:rPr>
-                          <m:t>1</m:t>
-                        </m:r>
-                      </m:num>
-                      <m:den>
-                        <m:r>
-                          <a:rPr>
-                            <a:latin typeface="Cambria Math" panose="02040503050406030204" pitchFamily="18" charset="0"/>
-                          </a:rPr>
-                          <m:t>2</m:t>
-                        </m:r>
-                      </m:den>
-                    </m:f>
-                  </m:sup>
-                </m:sSup>
-              </m:oMath>
-            </a14:m>
-            <a:r>
-              <a:t> segue uma trajetória da forma </a:t>
-            </a:r>
-            <a14:m xmlns:a14="http://schemas.microsoft.com/office/drawing/2010/main">
-              <m:oMath xmlns:m="http://schemas.openxmlformats.org/officeDocument/2006/math">
-                <m:sSub>
-                  <m:sSubPr>
-                    <m:ctrlPr>
-                      <a:rPr>
-                        <a:latin typeface="Cambria Math" panose="02040503050406030204" pitchFamily="18" charset="0"/>
-                      </a:rPr>
-                    </m:ctrlPr>
-                  </m:sSubPr>
-                  <m:e>
-                    <m:r>
-                      <a:rPr>
-                        <a:latin typeface="Cambria Math" panose="02040503050406030204" pitchFamily="18" charset="0"/>
-                      </a:rPr>
-                      <m:t>𝜃</m:t>
-                    </m:r>
-                  </m:e>
-                  <m:sub>
-                    <m:r>
-                      <a:rPr>
-                        <a:latin typeface="Cambria Math" panose="02040503050406030204" pitchFamily="18" charset="0"/>
-                      </a:rPr>
-                      <m:t>0</m:t>
-                    </m:r>
-                    <m:r>
-                      <a:rPr>
-                        <a:latin typeface="Cambria Math" panose="02040503050406030204" pitchFamily="18" charset="0"/>
-                      </a:rPr>
-                      <m:t>𝑖</m:t>
-                    </m:r>
-                  </m:sub>
-                </m:sSub>
-                <m:r>
-                  <a:rPr>
-                    <a:latin typeface="Cambria Math" panose="02040503050406030204" pitchFamily="18" charset="0"/>
-                  </a:rPr>
-                  <m:t>+</m:t>
-                </m:r>
-                <m:sSub>
-                  <m:sSubPr>
-                    <m:ctrlPr>
-                      <a:rPr i="1">
-                        <a:latin typeface="Cambria Math" panose="02040503050406030204" pitchFamily="18" charset="0"/>
-                      </a:rPr>
-                    </m:ctrlPr>
-                  </m:sSubPr>
-                  <m:e>
-                    <m:r>
-                      <a:rPr>
-                        <a:latin typeface="Cambria Math" panose="02040503050406030204" pitchFamily="18" charset="0"/>
-                      </a:rPr>
-                      <m:t>𝜃</m:t>
-                    </m:r>
-                  </m:e>
-                  <m:sub>
-                    <m:r>
-                      <a:rPr>
-                        <a:latin typeface="Cambria Math" panose="02040503050406030204" pitchFamily="18" charset="0"/>
-                      </a:rPr>
-                      <m:t>1</m:t>
-                    </m:r>
-                    <m:r>
-                      <a:rPr>
-                        <a:latin typeface="Cambria Math" panose="02040503050406030204" pitchFamily="18" charset="0"/>
-                      </a:rPr>
-                      <m:t>𝑖</m:t>
-                    </m:r>
-                  </m:sub>
-                </m:sSub>
-                <m:r>
-                  <a:rPr>
-                    <a:latin typeface="Cambria Math" panose="02040503050406030204" pitchFamily="18" charset="0"/>
-                  </a:rPr>
-                  <m:t>𝑡</m:t>
-                </m:r>
-                <m:r>
-                  <a:rPr>
-                    <a:latin typeface="Cambria Math" panose="02040503050406030204" pitchFamily="18" charset="0"/>
-                  </a:rPr>
-                  <m:t>+</m:t>
-                </m:r>
-                <m:r>
-                  <a:rPr>
-                    <a:latin typeface="Cambria Math" panose="02040503050406030204" pitchFamily="18" charset="0"/>
-                  </a:rPr>
-                  <m:t>𝛾</m:t>
-                </m:r>
-                <m:r>
-                  <a:rPr>
-                    <a:latin typeface="Cambria Math" panose="02040503050406030204" pitchFamily="18" charset="0"/>
-                  </a:rPr>
-                  <m:t>𝑇𝑟𝑎𝑡𝑎𝑚𝑒𝑛𝑡𝑜</m:t>
-                </m:r>
-              </m:oMath>
-            </a14:m>
-            <a:r>
-              <a:t>;</a:t>
-            </a:r>
-          </a:p>
-          <a:p>
-            <a:pPr lvl="3"/>
-            <a:r>
-              <a:t>No modelo de dois estágios e no modelo conjunto.</a:t>
-            </a:r>
-          </a:p>
-        </p:txBody>
-      </p:sp>
+                  <a:t> </a:t>
+                </a:r>
+              </a:p>
+            </p:txBody>
+          </p:sp>
+        </mc:Fallback>
+      </mc:AlternateContent>
     </p:spTree>
   </p:cSld>
   <p:clrMapOvr>
@@ -5945,56 +6684,6 @@
 </file>
 
 <file path=ppt/slides/slide24.xml><?xml version="1.0" encoding="utf-8"?>
-<p:sld xmlns:a="http://schemas.openxmlformats.org/drawingml/2006/main" xmlns:r="http://schemas.openxmlformats.org/officeDocument/2006/relationships" xmlns:p="http://schemas.openxmlformats.org/presentationml/2006/main">
-  <p:cSld>
-    <p:spTree>
-      <p:nvGrpSpPr>
-        <p:cNvPr id="1" name=""/>
-        <p:cNvGrpSpPr/>
-        <p:nvPr/>
-      </p:nvGrpSpPr>
-      <p:grpSpPr>
-        <a:xfrm>
-          <a:off x="0" y="0"/>
-          <a:ext cx="0" cy="0"/>
-          <a:chOff x="0" y="0"/>
-          <a:chExt cx="0" cy="0"/>
-        </a:xfrm>
-      </p:grpSpPr>
-      <p:sp>
-        <p:nvSpPr>
-          <p:cNvPr id="4" name="Título 3">
-            <a:extLst>
-              <a:ext uri="{FF2B5EF4-FFF2-40B4-BE49-F238E27FC236}">
-                <a16:creationId xmlns:a16="http://schemas.microsoft.com/office/drawing/2014/main" id="{7C9451CB-A8A1-4A49-BFC4-C504DB58ABAF}"/>
-              </a:ext>
-            </a:extLst>
-          </p:cNvPr>
-          <p:cNvSpPr>
-            <a:spLocks noGrp="1"/>
-          </p:cNvSpPr>
-          <p:nvPr>
-            <p:ph type="title"/>
-          </p:nvPr>
-        </p:nvSpPr>
-        <p:spPr/>
-        <p:txBody>
-          <a:bodyPr/>
-          <a:lstStyle/>
-          <a:p>
-            <a:endParaRPr lang="pt-BR"/>
-          </a:p>
-        </p:txBody>
-      </p:sp>
-    </p:spTree>
-  </p:cSld>
-  <p:clrMapOvr>
-    <a:masterClrMapping/>
-  </p:clrMapOvr>
-</p:sld>
-</file>
-
-<file path=ppt/slides/slide25.xml><?xml version="1.0" encoding="utf-8"?>
 <p:sld xmlns:a="http://schemas.openxmlformats.org/drawingml/2006/main" xmlns:r="http://schemas.openxmlformats.org/officeDocument/2006/relationships" xmlns:p="http://schemas.openxmlformats.org/presentationml/2006/main">
   <p:cSld>
     <p:spTree>
@@ -6027,7 +6716,7 @@
         </p:blipFill>
         <p:spPr bwMode="auto">
           <a:xfrm>
-            <a:off x="2832100" y="2115103"/>
+            <a:off x="2832100" y="2079591"/>
             <a:ext cx="6540500" cy="4521200"/>
           </a:xfrm>
           <a:prstGeom prst="rect">
@@ -6091,7 +6780,7 @@
 </p:sld>
 </file>
 
-<file path=ppt/slides/slide26.xml><?xml version="1.0" encoding="utf-8"?>
+<file path=ppt/slides/slide25.xml><?xml version="1.0" encoding="utf-8"?>
 <p:sld xmlns:a="http://schemas.openxmlformats.org/drawingml/2006/main" xmlns:r="http://schemas.openxmlformats.org/officeDocument/2006/relationships" xmlns:p="http://schemas.openxmlformats.org/presentationml/2006/main">
   <p:cSld>
     <p:spTree>
@@ -6131,707 +6820,992 @@
           </a:p>
         </p:txBody>
       </p:sp>
-      <p:sp>
-        <p:nvSpPr>
-          <p:cNvPr id="3" name="Content Placeholder 2"/>
-          <p:cNvSpPr>
-            <a:spLocks noGrp="1"/>
-          </p:cNvSpPr>
-          <p:nvPr>
-            <p:ph idx="1"/>
-          </p:nvPr>
-        </p:nvSpPr>
-        <p:spPr/>
-        <p:txBody>
-          <a:bodyPr/>
-          <a:lstStyle/>
-          <a:p>
-            <a:pPr lvl="1"/>
-            <a:r>
-              <a:t>12 conjuntos de estudos de simulação com diferentes valores de </a:t>
-            </a:r>
-            <a14:m xmlns:a14="http://schemas.microsoft.com/office/drawing/2010/main">
-              <m:oMath xmlns:m="http://schemas.openxmlformats.org/officeDocument/2006/math">
-                <m:r>
-                  <a:rPr>
-                    <a:latin typeface="Cambria Math" panose="02040503050406030204" pitchFamily="18" charset="0"/>
+      <mc:AlternateContent xmlns:mc="http://schemas.openxmlformats.org/markup-compatibility/2006">
+        <mc:Choice xmlns:a14="http://schemas.microsoft.com/office/drawing/2010/main" Requires="a14">
+          <p:sp>
+            <p:nvSpPr>
+              <p:cNvPr id="3" name="Content Placeholder 2"/>
+              <p:cNvSpPr>
+                <a:spLocks noGrp="1"/>
+              </p:cNvSpPr>
+              <p:nvPr>
+                <p:ph idx="1"/>
+              </p:nvPr>
+            </p:nvSpPr>
+            <p:spPr/>
+            <p:txBody>
+              <a:bodyPr>
+                <a:normAutofit/>
+              </a:bodyPr>
+              <a:lstStyle/>
+              <a:p>
+                <a:pPr lvl="1"/>
+                <a:r>
+                  <a:rPr lang="pt-BR" dirty="0"/>
+                  <a:t>12 conjuntos de </a:t>
+                </a:r>
+                <a:r>
+                  <a:rPr lang="pt-BR" dirty="0" err="1"/>
+                  <a:t>estudos</a:t>
+                </a:r>
+                <a:r>
+                  <a:rPr lang="pt-BR" dirty="0"/>
+                  <a:t> de </a:t>
+                </a:r>
+                <a:r>
+                  <a:rPr lang="pt-BR" dirty="0" err="1"/>
+                  <a:t>simulação</a:t>
+                </a:r>
+                <a:r>
+                  <a:rPr lang="pt-BR" dirty="0"/>
+                  <a:t> com </a:t>
+                </a:r>
+                <a:r>
+                  <a:rPr lang="pt-BR" dirty="0" err="1"/>
+                  <a:t>diferentes</a:t>
+                </a:r>
+                <a:r>
+                  <a:rPr lang="pt-BR" dirty="0"/>
+                  <a:t> </a:t>
+                </a:r>
+                <a:r>
+                  <a:rPr lang="pt-BR" dirty="0" err="1"/>
+                  <a:t>valores</a:t>
+                </a:r>
+                <a:r>
+                  <a:rPr lang="pt-BR" dirty="0"/>
+                  <a:t> de </a:t>
+                </a:r>
+              </a:p>
+              <a:p>
+                <a:pPr lvl="2"/>
+                <a14:m>
+                  <m:oMath xmlns:m="http://schemas.openxmlformats.org/officeDocument/2006/math">
+                    <m:r>
+                      <a:rPr lang="pt-BR">
+                        <a:latin typeface="Cambria Math" panose="02040503050406030204" pitchFamily="18" charset="0"/>
+                      </a:rPr>
+                      <m:t>𝛼</m:t>
+                    </m:r>
+                    <m:r>
+                      <a:rPr lang="pt-BR">
+                        <a:latin typeface="Cambria Math" panose="02040503050406030204" pitchFamily="18" charset="0"/>
+                      </a:rPr>
+                      <m:t>=</m:t>
+                    </m:r>
+                    <m:d>
+                      <m:dPr>
+                        <m:ctrlPr>
+                          <a:rPr lang="pt-BR">
+                            <a:latin typeface="Cambria Math" panose="02040503050406030204" pitchFamily="18" charset="0"/>
+                          </a:rPr>
+                        </m:ctrlPr>
+                      </m:dPr>
+                      <m:e>
+                        <m:r>
+                          <a:rPr lang="pt-BR">
+                            <a:latin typeface="Cambria Math" panose="02040503050406030204" pitchFamily="18" charset="0"/>
+                          </a:rPr>
+                          <m:t>0</m:t>
+                        </m:r>
+                        <m:r>
+                          <a:rPr lang="pt-BR">
+                            <a:latin typeface="Cambria Math" panose="02040503050406030204" pitchFamily="18" charset="0"/>
+                          </a:rPr>
+                          <m:t>,</m:t>
+                        </m:r>
+                        <m:r>
+                          <a:rPr lang="pt-BR">
+                            <a:latin typeface="Cambria Math" panose="02040503050406030204" pitchFamily="18" charset="0"/>
+                          </a:rPr>
+                          <m:t>0</m:t>
+                        </m:r>
+                        <m:r>
+                          <a:rPr lang="pt-BR">
+                            <a:latin typeface="Cambria Math" panose="02040503050406030204" pitchFamily="18" charset="0"/>
+                          </a:rPr>
+                          <m:t>.</m:t>
+                        </m:r>
+                        <m:r>
+                          <a:rPr lang="pt-BR">
+                            <a:latin typeface="Cambria Math" panose="02040503050406030204" pitchFamily="18" charset="0"/>
+                          </a:rPr>
+                          <m:t>5</m:t>
+                        </m:r>
+                      </m:e>
+                    </m:d>
+                    <m:r>
+                      <a:rPr lang="pt-BR" b="0" i="0" smtClean="0">
+                        <a:latin typeface="Cambria Math" panose="02040503050406030204" pitchFamily="18" charset="0"/>
+                      </a:rPr>
+                      <m:t>;</m:t>
+                    </m:r>
+                  </m:oMath>
+                </a14:m>
+                <a:endParaRPr lang="pt-BR" dirty="0">
+                  <a:latin typeface="Cambria Math" panose="02040503050406030204" pitchFamily="18" charset="0"/>
+                </a:endParaRPr>
+              </a:p>
+              <a:p>
+                <a:pPr lvl="2"/>
+                <a14:m>
+                  <m:oMath xmlns:m="http://schemas.openxmlformats.org/officeDocument/2006/math">
+                    <m:r>
+                      <a:rPr lang="pt-BR">
+                        <a:latin typeface="Cambria Math" panose="02040503050406030204" pitchFamily="18" charset="0"/>
+                      </a:rPr>
+                      <m:t>𝛽</m:t>
+                    </m:r>
+                    <m:r>
+                      <a:rPr lang="pt-BR">
+                        <a:latin typeface="Cambria Math" panose="02040503050406030204" pitchFamily="18" charset="0"/>
+                      </a:rPr>
+                      <m:t>=</m:t>
+                    </m:r>
+                    <m:d>
+                      <m:dPr>
+                        <m:ctrlPr>
+                          <a:rPr lang="pt-BR">
+                            <a:latin typeface="Cambria Math" panose="02040503050406030204" pitchFamily="18" charset="0"/>
+                          </a:rPr>
+                        </m:ctrlPr>
+                      </m:dPr>
+                      <m:e>
+                        <m:r>
+                          <a:rPr lang="pt-BR">
+                            <a:latin typeface="Cambria Math" panose="02040503050406030204" pitchFamily="18" charset="0"/>
+                          </a:rPr>
+                          <m:t>0</m:t>
+                        </m:r>
+                        <m:r>
+                          <a:rPr lang="pt-BR">
+                            <a:latin typeface="Cambria Math" panose="02040503050406030204" pitchFamily="18" charset="0"/>
+                          </a:rPr>
+                          <m:t>,</m:t>
+                        </m:r>
+                        <m:r>
+                          <a:rPr lang="pt-BR">
+                            <a:latin typeface="Cambria Math" panose="02040503050406030204" pitchFamily="18" charset="0"/>
+                          </a:rPr>
+                          <m:t>0</m:t>
+                        </m:r>
+                        <m:r>
+                          <a:rPr lang="pt-BR">
+                            <a:latin typeface="Cambria Math" panose="02040503050406030204" pitchFamily="18" charset="0"/>
+                          </a:rPr>
+                          <m:t>.</m:t>
+                        </m:r>
+                        <m:r>
+                          <a:rPr lang="pt-BR">
+                            <a:latin typeface="Cambria Math" panose="02040503050406030204" pitchFamily="18" charset="0"/>
+                          </a:rPr>
+                          <m:t>25</m:t>
+                        </m:r>
+                        <m:r>
+                          <a:rPr lang="pt-BR">
+                            <a:latin typeface="Cambria Math" panose="02040503050406030204" pitchFamily="18" charset="0"/>
+                          </a:rPr>
+                          <m:t>,</m:t>
+                        </m:r>
+                        <m:r>
+                          <a:rPr lang="pt-BR">
+                            <a:latin typeface="Cambria Math" panose="02040503050406030204" pitchFamily="18" charset="0"/>
+                          </a:rPr>
+                          <m:t>0</m:t>
+                        </m:r>
+                        <m:r>
+                          <a:rPr lang="pt-BR">
+                            <a:latin typeface="Cambria Math" panose="02040503050406030204" pitchFamily="18" charset="0"/>
+                          </a:rPr>
+                          <m:t>.</m:t>
+                        </m:r>
+                        <m:r>
+                          <a:rPr lang="pt-BR">
+                            <a:latin typeface="Cambria Math" panose="02040503050406030204" pitchFamily="18" charset="0"/>
+                          </a:rPr>
+                          <m:t>5</m:t>
+                        </m:r>
+                      </m:e>
+                    </m:d>
+                  </m:oMath>
+                </a14:m>
+                <a:r>
+                  <a:rPr lang="pt-BR" dirty="0"/>
+                  <a:t>;</a:t>
+                </a:r>
+              </a:p>
+              <a:p>
+                <a:pPr lvl="2"/>
+                <a:r>
+                  <a:rPr lang="pt-BR" dirty="0"/>
+                  <a:t> </a:t>
+                </a:r>
+                <a14:m>
+                  <m:oMath xmlns:m="http://schemas.openxmlformats.org/officeDocument/2006/math">
+                    <m:r>
+                      <a:rPr lang="pt-BR">
+                        <a:latin typeface="Cambria Math" panose="02040503050406030204" pitchFamily="18" charset="0"/>
+                      </a:rPr>
+                      <m:t>𝛾</m:t>
+                    </m:r>
+                    <m:r>
+                      <a:rPr lang="pt-BR">
+                        <a:latin typeface="Cambria Math" panose="02040503050406030204" pitchFamily="18" charset="0"/>
+                      </a:rPr>
+                      <m:t>=</m:t>
+                    </m:r>
+                    <m:d>
+                      <m:dPr>
+                        <m:ctrlPr>
+                          <a:rPr lang="pt-BR">
+                            <a:latin typeface="Cambria Math" panose="02040503050406030204" pitchFamily="18" charset="0"/>
+                          </a:rPr>
+                        </m:ctrlPr>
+                      </m:dPr>
+                      <m:e>
+                        <m:r>
+                          <a:rPr lang="pt-BR">
+                            <a:latin typeface="Cambria Math" panose="02040503050406030204" pitchFamily="18" charset="0"/>
+                          </a:rPr>
+                          <m:t>0</m:t>
+                        </m:r>
+                        <m:r>
+                          <a:rPr lang="pt-BR">
+                            <a:latin typeface="Cambria Math" panose="02040503050406030204" pitchFamily="18" charset="0"/>
+                          </a:rPr>
+                          <m:t>,</m:t>
+                        </m:r>
+                        <m:r>
+                          <a:rPr lang="pt-BR">
+                            <a:latin typeface="Cambria Math" panose="02040503050406030204" pitchFamily="18" charset="0"/>
+                          </a:rPr>
+                          <m:t>0</m:t>
+                        </m:r>
+                        <m:r>
+                          <a:rPr lang="pt-BR">
+                            <a:latin typeface="Cambria Math" panose="02040503050406030204" pitchFamily="18" charset="0"/>
+                          </a:rPr>
+                          <m:t>.</m:t>
+                        </m:r>
+                        <m:r>
+                          <a:rPr lang="pt-BR">
+                            <a:latin typeface="Cambria Math" panose="02040503050406030204" pitchFamily="18" charset="0"/>
+                          </a:rPr>
+                          <m:t>5</m:t>
+                        </m:r>
+                      </m:e>
+                    </m:d>
+                    <m:r>
+                      <a:rPr lang="pt-BR" b="0" i="0" smtClean="0">
+                        <a:latin typeface="Cambria Math" panose="02040503050406030204" pitchFamily="18" charset="0"/>
+                      </a:rPr>
+                      <m:t>.</m:t>
+                    </m:r>
+                  </m:oMath>
+                </a14:m>
+                <a:endParaRPr lang="pt-BR" dirty="0"/>
+              </a:p>
+              <a:p>
+                <a:pPr lvl="1"/>
+                <a:r>
+                  <a:rPr lang="pt-BR" dirty="0"/>
+                  <a:t>Para </a:t>
+                </a:r>
+                <a:r>
+                  <a:rPr lang="pt-BR" dirty="0" err="1"/>
+                  <a:t>cada</a:t>
+                </a:r>
+                <a:r>
+                  <a:rPr lang="pt-BR" dirty="0"/>
+                  <a:t> </a:t>
+                </a:r>
+                <a:r>
+                  <a:rPr lang="pt-BR" dirty="0" err="1"/>
+                  <a:t>combinação</a:t>
+                </a:r>
+                <a:r>
+                  <a:rPr lang="pt-BR" dirty="0"/>
+                  <a:t> de </a:t>
+                </a:r>
+                <a:r>
+                  <a:rPr lang="pt-BR" dirty="0" err="1"/>
+                  <a:t>parâmetros</a:t>
+                </a:r>
+                <a:r>
+                  <a:rPr lang="pt-BR" dirty="0"/>
+                  <a:t> </a:t>
+                </a:r>
+                <a:r>
+                  <a:rPr lang="pt-BR" dirty="0" err="1"/>
+                  <a:t>foram</a:t>
+                </a:r>
+                <a:r>
+                  <a:rPr lang="pt-BR" dirty="0"/>
+                  <a:t> </a:t>
+                </a:r>
+                <a:r>
+                  <a:rPr lang="pt-BR" dirty="0" err="1"/>
+                  <a:t>usadas</a:t>
+                </a:r>
+                <a:r>
+                  <a:rPr lang="pt-BR" dirty="0"/>
+                  <a:t> 1000 </a:t>
+                </a:r>
+                <a:r>
+                  <a:rPr lang="pt-BR" dirty="0" err="1"/>
+                  <a:t>réplicas</a:t>
+                </a:r>
+                <a:r>
+                  <a:rPr lang="pt-BR" dirty="0"/>
+                  <a:t>;</a:t>
+                </a:r>
+              </a:p>
+              <a:p>
+                <a:pPr lvl="2"/>
+                <a:r>
+                  <a:rPr lang="pt-BR" dirty="0"/>
+                  <a:t>Para </a:t>
+                </a:r>
+                <a:r>
+                  <a:rPr lang="pt-BR" dirty="0" err="1"/>
+                  <a:t>cada</a:t>
+                </a:r>
+                <a:r>
+                  <a:rPr lang="pt-BR" dirty="0"/>
+                  <a:t> </a:t>
+                </a:r>
+                <a:r>
+                  <a:rPr lang="pt-BR" dirty="0" err="1"/>
+                  <a:t>réplica</a:t>
+                </a:r>
+                <a:r>
+                  <a:rPr lang="pt-BR" dirty="0"/>
+                  <a:t> </a:t>
+                </a:r>
+                <a:r>
+                  <a:rPr lang="pt-BR" dirty="0" err="1"/>
+                  <a:t>forama</a:t>
+                </a:r>
+                <a:r>
+                  <a:rPr lang="pt-BR" dirty="0"/>
+                  <a:t> </a:t>
+                </a:r>
+                <a:r>
+                  <a:rPr lang="pt-BR" dirty="0" err="1"/>
+                  <a:t>gerados</a:t>
+                </a:r>
+                <a:r>
+                  <a:rPr lang="pt-BR" dirty="0"/>
+                  <a:t> 400 </a:t>
+                </a:r>
+                <a:r>
+                  <a:rPr lang="pt-BR" dirty="0" err="1"/>
+                  <a:t>indivíduos</a:t>
+                </a:r>
+                <a:r>
+                  <a:rPr lang="pt-BR" dirty="0"/>
+                  <a:t> - 200 no </a:t>
+                </a:r>
+                <a:r>
+                  <a:rPr lang="pt-BR" dirty="0" err="1"/>
+                  <a:t>grupo</a:t>
+                </a:r>
+                <a:r>
+                  <a:rPr lang="pt-BR" dirty="0"/>
+                  <a:t> </a:t>
+                </a:r>
+                <a:r>
+                  <a:rPr lang="pt-BR" dirty="0" err="1"/>
+                  <a:t>controle</a:t>
+                </a:r>
+                <a:r>
+                  <a:rPr lang="pt-BR" dirty="0"/>
+                  <a:t> e 200 no </a:t>
+                </a:r>
+                <a:r>
+                  <a:rPr lang="pt-BR" dirty="0" err="1"/>
+                  <a:t>tratamento</a:t>
+                </a:r>
+                <a:r>
+                  <a:rPr lang="pt-BR" dirty="0"/>
+                  <a:t>.</a:t>
+                </a:r>
+              </a:p>
+              <a:p>
+                <a:pPr lvl="1"/>
+                <a:r>
+                  <a:rPr lang="pt-BR" dirty="0"/>
+                  <a:t>A </a:t>
+                </a:r>
+                <a:r>
+                  <a:rPr lang="pt-BR" dirty="0" err="1"/>
+                  <a:t>trajetória</a:t>
+                </a:r>
+                <a:r>
+                  <a:rPr lang="pt-BR" dirty="0"/>
+                  <a:t> longitudinal </a:t>
+                </a:r>
+                <a:r>
+                  <a:rPr lang="pt-BR" dirty="0" err="1"/>
+                  <a:t>verdadeira</a:t>
+                </a:r>
+                <a:r>
+                  <a:rPr lang="pt-BR" dirty="0"/>
+                  <a:t> </a:t>
+                </a:r>
+                <a:r>
+                  <a:rPr lang="pt-BR" dirty="0" err="1"/>
+                  <a:t>foi</a:t>
+                </a:r>
+                <a:r>
+                  <a:rPr lang="pt-BR" dirty="0"/>
+                  <a:t> </a:t>
+                </a:r>
+                <a:r>
+                  <a:rPr lang="pt-BR" dirty="0" err="1"/>
+                  <a:t>simulada</a:t>
+                </a:r>
+                <a:r>
+                  <a:rPr lang="pt-BR" dirty="0"/>
+                  <a:t> </a:t>
+                </a:r>
+                <a:r>
+                  <a:rPr lang="pt-BR" dirty="0" err="1"/>
+                  <a:t>como</a:t>
+                </a:r>
+                <a:r>
+                  <a:rPr lang="pt-BR" dirty="0"/>
+                  <a:t>:</a:t>
+                </a:r>
+              </a:p>
+              <a:p>
+                <a:pPr marL="228600" lvl="1" indent="0">
+                  <a:buNone/>
+                </a:pPr>
+                <a14:m>
+                  <m:oMathPara xmlns:m="http://schemas.openxmlformats.org/officeDocument/2006/math">
+                    <m:oMathParaPr>
+                      <m:jc m:val="center"/>
+                    </m:oMathParaPr>
+                    <m:oMath xmlns:m="http://schemas.openxmlformats.org/officeDocument/2006/math">
+                      <m:sSub>
+                        <m:sSubPr>
+                          <m:ctrlPr>
+                            <a:rPr lang="ar-AE" i="1">
+                              <a:latin typeface="Cambria Math" panose="02040503050406030204" pitchFamily="18" charset="0"/>
+                            </a:rPr>
+                          </m:ctrlPr>
+                        </m:sSubPr>
+                        <m:e>
+                          <m:r>
+                            <a:rPr lang="ar-AE">
+                              <a:latin typeface="Cambria Math" panose="02040503050406030204" pitchFamily="18" charset="0"/>
+                            </a:rPr>
+                            <m:t>𝑋</m:t>
+                          </m:r>
+                        </m:e>
+                        <m:sub>
+                          <m:r>
+                            <a:rPr lang="ar-AE">
+                              <a:latin typeface="Cambria Math" panose="02040503050406030204" pitchFamily="18" charset="0"/>
+                            </a:rPr>
+                            <m:t>𝑖𝑗</m:t>
+                          </m:r>
+                        </m:sub>
+                      </m:sSub>
+                      <m:r>
+                        <a:rPr lang="ar-AE">
+                          <a:latin typeface="Cambria Math" panose="02040503050406030204" pitchFamily="18" charset="0"/>
+                        </a:rPr>
+                        <m:t>=</m:t>
+                      </m:r>
+                      <m:sSub>
+                        <m:sSubPr>
+                          <m:ctrlPr>
+                            <a:rPr lang="ar-AE" i="1">
+                              <a:latin typeface="Cambria Math" panose="02040503050406030204" pitchFamily="18" charset="0"/>
+                            </a:rPr>
+                          </m:ctrlPr>
+                        </m:sSubPr>
+                        <m:e>
+                          <m:r>
+                            <a:rPr lang="ar-AE">
+                              <a:latin typeface="Cambria Math" panose="02040503050406030204" pitchFamily="18" charset="0"/>
+                            </a:rPr>
+                            <m:t>𝜃</m:t>
+                          </m:r>
+                        </m:e>
+                        <m:sub>
+                          <m:r>
+                            <a:rPr lang="ar-AE">
+                              <a:latin typeface="Cambria Math" panose="02040503050406030204" pitchFamily="18" charset="0"/>
+                            </a:rPr>
+                            <m:t>0</m:t>
+                          </m:r>
+                          <m:r>
+                            <a:rPr lang="ar-AE">
+                              <a:latin typeface="Cambria Math" panose="02040503050406030204" pitchFamily="18" charset="0"/>
+                            </a:rPr>
+                            <m:t>𝑖</m:t>
+                          </m:r>
+                        </m:sub>
+                      </m:sSub>
+                      <m:r>
+                        <a:rPr lang="ar-AE">
+                          <a:latin typeface="Cambria Math" panose="02040503050406030204" pitchFamily="18" charset="0"/>
+                        </a:rPr>
+                        <m:t>+</m:t>
+                      </m:r>
+                      <m:sSub>
+                        <m:sSubPr>
+                          <m:ctrlPr>
+                            <a:rPr lang="ar-AE" i="1">
+                              <a:latin typeface="Cambria Math" panose="02040503050406030204" pitchFamily="18" charset="0"/>
+                            </a:rPr>
+                          </m:ctrlPr>
+                        </m:sSubPr>
+                        <m:e>
+                          <m:r>
+                            <a:rPr lang="ar-AE">
+                              <a:latin typeface="Cambria Math" panose="02040503050406030204" pitchFamily="18" charset="0"/>
+                            </a:rPr>
+                            <m:t>𝜃</m:t>
+                          </m:r>
+                        </m:e>
+                        <m:sub>
+                          <m:r>
+                            <a:rPr lang="ar-AE">
+                              <a:latin typeface="Cambria Math" panose="02040503050406030204" pitchFamily="18" charset="0"/>
+                            </a:rPr>
+                            <m:t>1</m:t>
+                          </m:r>
+                          <m:r>
+                            <a:rPr lang="ar-AE">
+                              <a:latin typeface="Cambria Math" panose="02040503050406030204" pitchFamily="18" charset="0"/>
+                            </a:rPr>
+                            <m:t>𝑖</m:t>
+                          </m:r>
+                        </m:sub>
+                      </m:sSub>
+                      <m:r>
+                        <a:rPr lang="ar-AE">
+                          <a:latin typeface="Cambria Math" panose="02040503050406030204" pitchFamily="18" charset="0"/>
+                        </a:rPr>
+                        <m:t>×</m:t>
+                      </m:r>
+                      <m:sSub>
+                        <m:sSubPr>
+                          <m:ctrlPr>
+                            <a:rPr lang="ar-AE" i="1">
+                              <a:latin typeface="Cambria Math" panose="02040503050406030204" pitchFamily="18" charset="0"/>
+                            </a:rPr>
+                          </m:ctrlPr>
+                        </m:sSubPr>
+                        <m:e>
+                          <m:r>
+                            <a:rPr lang="ar-AE">
+                              <a:latin typeface="Cambria Math" panose="02040503050406030204" pitchFamily="18" charset="0"/>
+                            </a:rPr>
+                            <m:t>𝑡</m:t>
+                          </m:r>
+                        </m:e>
+                        <m:sub>
+                          <m:r>
+                            <a:rPr lang="ar-AE">
+                              <a:latin typeface="Cambria Math" panose="02040503050406030204" pitchFamily="18" charset="0"/>
+                            </a:rPr>
+                            <m:t>𝑖𝑗</m:t>
+                          </m:r>
+                        </m:sub>
+                      </m:sSub>
+                      <m:r>
+                        <a:rPr lang="ar-AE">
+                          <a:latin typeface="Cambria Math" panose="02040503050406030204" pitchFamily="18" charset="0"/>
+                        </a:rPr>
+                        <m:t>+</m:t>
+                      </m:r>
+                      <m:r>
+                        <a:rPr lang="ar-AE">
+                          <a:latin typeface="Cambria Math" panose="02040503050406030204" pitchFamily="18" charset="0"/>
+                        </a:rPr>
+                        <m:t>𝛾</m:t>
+                      </m:r>
+                      <m:sSub>
+                        <m:sSubPr>
+                          <m:ctrlPr>
+                            <a:rPr lang="ar-AE" i="1">
+                              <a:latin typeface="Cambria Math" panose="02040503050406030204" pitchFamily="18" charset="0"/>
+                            </a:rPr>
+                          </m:ctrlPr>
+                        </m:sSubPr>
+                        <m:e>
+                          <m:r>
+                            <a:rPr lang="ar-AE">
+                              <a:latin typeface="Cambria Math" panose="02040503050406030204" pitchFamily="18" charset="0"/>
+                            </a:rPr>
+                            <m:t>𝑍</m:t>
+                          </m:r>
+                        </m:e>
+                        <m:sub>
+                          <m:r>
+                            <a:rPr lang="ar-AE">
+                              <a:latin typeface="Cambria Math" panose="02040503050406030204" pitchFamily="18" charset="0"/>
+                            </a:rPr>
+                            <m:t>𝑖</m:t>
+                          </m:r>
+                        </m:sub>
+                      </m:sSub>
+                      <m:r>
+                        <a:rPr lang="ar-AE">
+                          <a:latin typeface="Cambria Math" panose="02040503050406030204" pitchFamily="18" charset="0"/>
+                        </a:rPr>
+                        <m:t>,</m:t>
+                      </m:r>
+                      <m:r>
+                        <a:rPr lang="ar-AE" b="0" i="0" smtClean="0">
+                          <a:latin typeface="Cambria Math" panose="02040503050406030204" pitchFamily="18" charset="0"/>
+                        </a:rPr>
+                        <m:t> </m:t>
+                      </m:r>
+                    </m:oMath>
+                  </m:oMathPara>
+                </a14:m>
+                <a:endParaRPr lang="pt-BR" b="0" dirty="0"/>
+              </a:p>
+              <a:p>
+                <a:pPr lvl="1"/>
+                <a:r>
+                  <a:rPr lang="pt-BR" dirty="0"/>
+                  <a:t>onde </a:t>
+                </a:r>
+                <a14:m>
+                  <m:oMath xmlns:m="http://schemas.openxmlformats.org/officeDocument/2006/math">
+                    <m:sSub>
+                      <m:sSubPr>
+                        <m:ctrlPr>
+                          <a:rPr lang="ar-AE" i="1">
+                            <a:latin typeface="Cambria Math" panose="02040503050406030204" pitchFamily="18" charset="0"/>
+                          </a:rPr>
+                        </m:ctrlPr>
+                      </m:sSubPr>
+                      <m:e>
+                        <m:r>
+                          <a:rPr lang="ar-AE">
+                            <a:latin typeface="Cambria Math" panose="02040503050406030204" pitchFamily="18" charset="0"/>
+                          </a:rPr>
+                          <m:t>𝜃</m:t>
+                        </m:r>
+                      </m:e>
+                      <m:sub>
+                        <m:r>
+                          <a:rPr lang="ar-AE">
+                            <a:latin typeface="Cambria Math" panose="02040503050406030204" pitchFamily="18" charset="0"/>
+                          </a:rPr>
+                          <m:t>0</m:t>
+                        </m:r>
+                        <m:r>
+                          <a:rPr lang="ar-AE">
+                            <a:latin typeface="Cambria Math" panose="02040503050406030204" pitchFamily="18" charset="0"/>
+                          </a:rPr>
+                          <m:t>𝑖</m:t>
+                        </m:r>
+                      </m:sub>
+                    </m:sSub>
+                    <m:r>
+                      <a:rPr lang="ar-AE">
+                        <a:latin typeface="Cambria Math" panose="02040503050406030204" pitchFamily="18" charset="0"/>
+                      </a:rPr>
+                      <m:t>∼</m:t>
+                    </m:r>
+                    <m:r>
+                      <a:rPr lang="ar-AE">
+                        <a:latin typeface="Cambria Math" panose="02040503050406030204" pitchFamily="18" charset="0"/>
+                      </a:rPr>
+                      <m:t>𝑁</m:t>
+                    </m:r>
+                    <m:r>
+                      <a:rPr lang="ar-AE">
+                        <a:latin typeface="Cambria Math" panose="02040503050406030204" pitchFamily="18" charset="0"/>
+                      </a:rPr>
+                      <m:t>(</m:t>
+                    </m:r>
+                    <m:r>
+                      <a:rPr lang="ar-AE">
+                        <a:latin typeface="Cambria Math" panose="02040503050406030204" pitchFamily="18" charset="0"/>
+                      </a:rPr>
+                      <m:t>0</m:t>
+                    </m:r>
+                    <m:r>
+                      <a:rPr lang="ar-AE">
+                        <a:latin typeface="Cambria Math" panose="02040503050406030204" pitchFamily="18" charset="0"/>
+                      </a:rPr>
+                      <m:t>,</m:t>
+                    </m:r>
+                    <m:r>
+                      <a:rPr lang="ar-AE">
+                        <a:latin typeface="Cambria Math" panose="02040503050406030204" pitchFamily="18" charset="0"/>
+                      </a:rPr>
+                      <m:t>1</m:t>
+                    </m:r>
+                    <m:r>
+                      <a:rPr lang="ar-AE">
+                        <a:latin typeface="Cambria Math" panose="02040503050406030204" pitchFamily="18" charset="0"/>
+                      </a:rPr>
+                      <m:t>),</m:t>
+                    </m:r>
+                    <m:sSub>
+                      <m:sSubPr>
+                        <m:ctrlPr>
+                          <a:rPr lang="ar-AE" i="1">
+                            <a:latin typeface="Cambria Math" panose="02040503050406030204" pitchFamily="18" charset="0"/>
+                          </a:rPr>
+                        </m:ctrlPr>
+                      </m:sSubPr>
+                      <m:e>
+                        <m:r>
+                          <a:rPr lang="ar-AE">
+                            <a:latin typeface="Cambria Math" panose="02040503050406030204" pitchFamily="18" charset="0"/>
+                          </a:rPr>
+                          <m:t>𝜃</m:t>
+                        </m:r>
+                      </m:e>
+                      <m:sub>
+                        <m:r>
+                          <a:rPr lang="ar-AE">
+                            <a:latin typeface="Cambria Math" panose="02040503050406030204" pitchFamily="18" charset="0"/>
+                          </a:rPr>
+                          <m:t>1</m:t>
+                        </m:r>
+                      </m:sub>
+                    </m:sSub>
+                    <m:r>
+                      <a:rPr lang="ar-AE">
+                        <a:latin typeface="Cambria Math" panose="02040503050406030204" pitchFamily="18" charset="0"/>
+                      </a:rPr>
+                      <m:t>∼</m:t>
+                    </m:r>
+                    <m:r>
+                      <a:rPr lang="ar-AE">
+                        <a:latin typeface="Cambria Math" panose="02040503050406030204" pitchFamily="18" charset="0"/>
+                      </a:rPr>
+                      <m:t>𝑁</m:t>
+                    </m:r>
+                    <m:r>
+                      <a:rPr lang="ar-AE">
+                        <a:latin typeface="Cambria Math" panose="02040503050406030204" pitchFamily="18" charset="0"/>
+                      </a:rPr>
+                      <m:t>(</m:t>
+                    </m:r>
+                    <m:r>
+                      <a:rPr lang="ar-AE">
+                        <a:latin typeface="Cambria Math" panose="02040503050406030204" pitchFamily="18" charset="0"/>
+                      </a:rPr>
+                      <m:t>0</m:t>
+                    </m:r>
+                    <m:r>
+                      <a:rPr lang="ar-AE">
+                        <a:latin typeface="Cambria Math" panose="02040503050406030204" pitchFamily="18" charset="0"/>
+                      </a:rPr>
+                      <m:t>,</m:t>
+                    </m:r>
+                    <m:sSup>
+                      <m:sSupPr>
+                        <m:ctrlPr>
+                          <a:rPr lang="ar-AE" i="1">
+                            <a:latin typeface="Cambria Math" panose="02040503050406030204" pitchFamily="18" charset="0"/>
+                          </a:rPr>
+                        </m:ctrlPr>
+                      </m:sSupPr>
+                      <m:e>
+                        <m:r>
+                          <a:rPr lang="ar-AE">
+                            <a:latin typeface="Cambria Math" panose="02040503050406030204" pitchFamily="18" charset="0"/>
+                          </a:rPr>
+                          <m:t>0</m:t>
+                        </m:r>
+                        <m:r>
+                          <a:rPr lang="ar-AE">
+                            <a:latin typeface="Cambria Math" panose="02040503050406030204" pitchFamily="18" charset="0"/>
+                          </a:rPr>
+                          <m:t>.</m:t>
+                        </m:r>
+                        <m:r>
+                          <a:rPr lang="ar-AE">
+                            <a:latin typeface="Cambria Math" panose="02040503050406030204" pitchFamily="18" charset="0"/>
+                          </a:rPr>
+                          <m:t>5</m:t>
+                        </m:r>
+                      </m:e>
+                      <m:sup>
+                        <m:r>
+                          <a:rPr lang="ar-AE">
+                            <a:latin typeface="Cambria Math" panose="02040503050406030204" pitchFamily="18" charset="0"/>
+                          </a:rPr>
+                          <m:t>2</m:t>
+                        </m:r>
+                      </m:sup>
+                    </m:sSup>
+                    <m:r>
+                      <a:rPr lang="ar-AE">
+                        <a:latin typeface="Cambria Math" panose="02040503050406030204" pitchFamily="18" charset="0"/>
+                      </a:rPr>
+                      <m:t>)</m:t>
+                    </m:r>
+                  </m:oMath>
+                </a14:m>
+                <a:r>
+                  <a:rPr lang="ar-AE" dirty="0"/>
+                  <a:t> </a:t>
+                </a:r>
+                <a:r>
+                  <a:rPr lang="pt-BR" dirty="0"/>
+                  <a:t>e </a:t>
+                </a:r>
+                <a14:m>
+                  <m:oMath xmlns:m="http://schemas.openxmlformats.org/officeDocument/2006/math">
+                    <m:r>
+                      <a:rPr lang="pt-BR">
+                        <a:latin typeface="Cambria Math" panose="02040503050406030204" pitchFamily="18" charset="0"/>
+                      </a:rPr>
+                      <m:t>𝐶𝑜𝑟</m:t>
+                    </m:r>
+                    <m:r>
+                      <a:rPr lang="pt-BR">
+                        <a:latin typeface="Cambria Math" panose="02040503050406030204" pitchFamily="18" charset="0"/>
+                      </a:rPr>
+                      <m:t>(</m:t>
+                    </m:r>
+                    <m:sSub>
+                      <m:sSubPr>
+                        <m:ctrlPr>
+                          <a:rPr lang="ar-AE" i="1">
+                            <a:latin typeface="Cambria Math" panose="02040503050406030204" pitchFamily="18" charset="0"/>
+                          </a:rPr>
+                        </m:ctrlPr>
+                      </m:sSubPr>
+                      <m:e>
+                        <m:r>
+                          <a:rPr lang="ar-AE">
+                            <a:latin typeface="Cambria Math" panose="02040503050406030204" pitchFamily="18" charset="0"/>
+                          </a:rPr>
+                          <m:t>𝜃</m:t>
+                        </m:r>
+                      </m:e>
+                      <m:sub>
+                        <m:r>
+                          <a:rPr lang="ar-AE">
+                            <a:latin typeface="Cambria Math" panose="02040503050406030204" pitchFamily="18" charset="0"/>
+                          </a:rPr>
+                          <m:t>0</m:t>
+                        </m:r>
+                        <m:r>
+                          <a:rPr lang="ar-AE">
+                            <a:latin typeface="Cambria Math" panose="02040503050406030204" pitchFamily="18" charset="0"/>
+                          </a:rPr>
+                          <m:t>𝑖</m:t>
+                        </m:r>
+                      </m:sub>
+                    </m:sSub>
+                    <m:r>
+                      <a:rPr lang="ar-AE">
+                        <a:latin typeface="Cambria Math" panose="02040503050406030204" pitchFamily="18" charset="0"/>
+                      </a:rPr>
+                      <m:t>,</m:t>
+                    </m:r>
+                    <m:sSub>
+                      <m:sSubPr>
+                        <m:ctrlPr>
+                          <a:rPr lang="ar-AE" i="1">
+                            <a:latin typeface="Cambria Math" panose="02040503050406030204" pitchFamily="18" charset="0"/>
+                          </a:rPr>
+                        </m:ctrlPr>
+                      </m:sSubPr>
+                      <m:e>
+                        <m:r>
+                          <a:rPr lang="ar-AE">
+                            <a:latin typeface="Cambria Math" panose="02040503050406030204" pitchFamily="18" charset="0"/>
+                          </a:rPr>
+                          <m:t>𝜃</m:t>
+                        </m:r>
+                      </m:e>
+                      <m:sub>
+                        <m:r>
+                          <a:rPr lang="ar-AE">
+                            <a:latin typeface="Cambria Math" panose="02040503050406030204" pitchFamily="18" charset="0"/>
+                          </a:rPr>
+                          <m:t>1</m:t>
+                        </m:r>
+                      </m:sub>
+                    </m:sSub>
+                    <m:r>
+                      <a:rPr lang="ar-AE">
+                        <a:latin typeface="Cambria Math" panose="02040503050406030204" pitchFamily="18" charset="0"/>
+                      </a:rPr>
+                      <m:t>)=</m:t>
+                    </m:r>
+                    <m:r>
+                      <a:rPr lang="ar-AE">
+                        <a:latin typeface="Cambria Math" panose="02040503050406030204" pitchFamily="18" charset="0"/>
+                      </a:rPr>
+                      <m:t>0</m:t>
+                    </m:r>
+                    <m:r>
+                      <a:rPr lang="ar-AE">
+                        <a:latin typeface="Cambria Math" panose="02040503050406030204" pitchFamily="18" charset="0"/>
+                      </a:rPr>
+                      <m:t>.</m:t>
+                    </m:r>
+                    <m:r>
+                      <a:rPr lang="ar-AE">
+                        <a:latin typeface="Cambria Math" panose="02040503050406030204" pitchFamily="18" charset="0"/>
+                      </a:rPr>
+                      <m:t>3</m:t>
+                    </m:r>
+                  </m:oMath>
+                </a14:m>
+                <a:r>
+                  <a:rPr lang="ar-AE" dirty="0"/>
+                  <a:t>.</a:t>
+                </a:r>
+                <a:endParaRPr dirty="0"/>
+              </a:p>
+            </p:txBody>
+          </p:sp>
+        </mc:Choice>
+        <mc:Fallback>
+          <p:sp>
+            <p:nvSpPr>
+              <p:cNvPr id="3" name="Content Placeholder 2"/>
+              <p:cNvSpPr>
+                <a:spLocks noGrp="1" noRot="1" noChangeAspect="1" noMove="1" noResize="1" noEditPoints="1" noAdjustHandles="1" noChangeArrowheads="1" noChangeShapeType="1" noTextEdit="1"/>
+              </p:cNvSpPr>
+              <p:nvPr>
+                <p:ph idx="1"/>
+              </p:nvPr>
+            </p:nvSpPr>
+            <p:spPr>
+              <a:blipFill>
+                <a:blip r:embed="rId2"/>
+                <a:stretch>
+                  <a:fillRect t="-725"/>
+                </a:stretch>
+              </a:blipFill>
+            </p:spPr>
+            <p:txBody>
+              <a:bodyPr/>
+              <a:lstStyle/>
+              <a:p>
+                <a:r>
+                  <a:rPr lang="pt-BR">
+                    <a:noFill/>
                   </a:rPr>
-                  <m:t>𝛼</m:t>
-                </m:r>
-                <m:r>
-                  <a:rPr>
-                    <a:latin typeface="Cambria Math" panose="02040503050406030204" pitchFamily="18" charset="0"/>
-                  </a:rPr>
-                  <m:t>=(</m:t>
-                </m:r>
-                <m:r>
-                  <a:rPr>
-                    <a:latin typeface="Cambria Math" panose="02040503050406030204" pitchFamily="18" charset="0"/>
-                  </a:rPr>
-                  <m:t>0</m:t>
-                </m:r>
-                <m:r>
-                  <a:rPr>
-                    <a:latin typeface="Cambria Math" panose="02040503050406030204" pitchFamily="18" charset="0"/>
-                  </a:rPr>
-                  <m:t>,</m:t>
-                </m:r>
-                <m:r>
-                  <a:rPr>
-                    <a:latin typeface="Cambria Math" panose="02040503050406030204" pitchFamily="18" charset="0"/>
-                  </a:rPr>
-                  <m:t>0</m:t>
-                </m:r>
-                <m:r>
-                  <a:rPr>
-                    <a:latin typeface="Cambria Math" panose="02040503050406030204" pitchFamily="18" charset="0"/>
-                  </a:rPr>
-                  <m:t>.</m:t>
-                </m:r>
-                <m:r>
-                  <a:rPr>
-                    <a:latin typeface="Cambria Math" panose="02040503050406030204" pitchFamily="18" charset="0"/>
-                  </a:rPr>
-                  <m:t>5</m:t>
-                </m:r>
-                <m:r>
-                  <a:rPr>
-                    <a:latin typeface="Cambria Math" panose="02040503050406030204" pitchFamily="18" charset="0"/>
-                  </a:rPr>
-                  <m:t>)</m:t>
-                </m:r>
-              </m:oMath>
-            </a14:m>
-            <a:r>
-              <a:t>, </a:t>
-            </a:r>
-            <a14:m xmlns:a14="http://schemas.microsoft.com/office/drawing/2010/main">
-              <m:oMath xmlns:m="http://schemas.openxmlformats.org/officeDocument/2006/math">
-                <m:r>
-                  <a:rPr>
-                    <a:latin typeface="Cambria Math" panose="02040503050406030204" pitchFamily="18" charset="0"/>
-                  </a:rPr>
-                  <m:t>𝛽</m:t>
-                </m:r>
-                <m:r>
-                  <a:rPr>
-                    <a:latin typeface="Cambria Math" panose="02040503050406030204" pitchFamily="18" charset="0"/>
-                  </a:rPr>
-                  <m:t>=(</m:t>
-                </m:r>
-                <m:r>
-                  <a:rPr>
-                    <a:latin typeface="Cambria Math" panose="02040503050406030204" pitchFamily="18" charset="0"/>
-                  </a:rPr>
-                  <m:t>0</m:t>
-                </m:r>
-                <m:r>
-                  <a:rPr>
-                    <a:latin typeface="Cambria Math" panose="02040503050406030204" pitchFamily="18" charset="0"/>
-                  </a:rPr>
-                  <m:t>,</m:t>
-                </m:r>
-                <m:r>
-                  <a:rPr>
-                    <a:latin typeface="Cambria Math" panose="02040503050406030204" pitchFamily="18" charset="0"/>
-                  </a:rPr>
-                  <m:t>0</m:t>
-                </m:r>
-                <m:r>
-                  <a:rPr>
-                    <a:latin typeface="Cambria Math" panose="02040503050406030204" pitchFamily="18" charset="0"/>
-                  </a:rPr>
-                  <m:t>.</m:t>
-                </m:r>
-                <m:r>
-                  <a:rPr>
-                    <a:latin typeface="Cambria Math" panose="02040503050406030204" pitchFamily="18" charset="0"/>
-                  </a:rPr>
-                  <m:t>25</m:t>
-                </m:r>
-                <m:r>
-                  <a:rPr>
-                    <a:latin typeface="Cambria Math" panose="02040503050406030204" pitchFamily="18" charset="0"/>
-                  </a:rPr>
-                  <m:t>,</m:t>
-                </m:r>
-                <m:r>
-                  <a:rPr>
-                    <a:latin typeface="Cambria Math" panose="02040503050406030204" pitchFamily="18" charset="0"/>
-                  </a:rPr>
-                  <m:t>0</m:t>
-                </m:r>
-                <m:r>
-                  <a:rPr>
-                    <a:latin typeface="Cambria Math" panose="02040503050406030204" pitchFamily="18" charset="0"/>
-                  </a:rPr>
-                  <m:t>.</m:t>
-                </m:r>
-                <m:r>
-                  <a:rPr>
-                    <a:latin typeface="Cambria Math" panose="02040503050406030204" pitchFamily="18" charset="0"/>
-                  </a:rPr>
-                  <m:t>5</m:t>
-                </m:r>
-                <m:r>
-                  <a:rPr>
-                    <a:latin typeface="Cambria Math" panose="02040503050406030204" pitchFamily="18" charset="0"/>
-                  </a:rPr>
-                  <m:t>)</m:t>
-                </m:r>
-              </m:oMath>
-            </a14:m>
-            <a:r>
-              <a:t> e </a:t>
-            </a:r>
-            <a14:m xmlns:a14="http://schemas.microsoft.com/office/drawing/2010/main">
-              <m:oMath xmlns:m="http://schemas.openxmlformats.org/officeDocument/2006/math">
-                <m:r>
-                  <a:rPr>
-                    <a:latin typeface="Cambria Math" panose="02040503050406030204" pitchFamily="18" charset="0"/>
-                  </a:rPr>
-                  <m:t>𝛾</m:t>
-                </m:r>
-                <m:r>
-                  <a:rPr>
-                    <a:latin typeface="Cambria Math" panose="02040503050406030204" pitchFamily="18" charset="0"/>
-                  </a:rPr>
-                  <m:t>=(</m:t>
-                </m:r>
-                <m:r>
-                  <a:rPr>
-                    <a:latin typeface="Cambria Math" panose="02040503050406030204" pitchFamily="18" charset="0"/>
-                  </a:rPr>
-                  <m:t>0</m:t>
-                </m:r>
-                <m:r>
-                  <a:rPr>
-                    <a:latin typeface="Cambria Math" panose="02040503050406030204" pitchFamily="18" charset="0"/>
-                  </a:rPr>
-                  <m:t>,</m:t>
-                </m:r>
-                <m:r>
-                  <a:rPr>
-                    <a:latin typeface="Cambria Math" panose="02040503050406030204" pitchFamily="18" charset="0"/>
-                  </a:rPr>
-                  <m:t>0</m:t>
-                </m:r>
-                <m:r>
-                  <a:rPr>
-                    <a:latin typeface="Cambria Math" panose="02040503050406030204" pitchFamily="18" charset="0"/>
-                  </a:rPr>
-                  <m:t>.</m:t>
-                </m:r>
-                <m:r>
-                  <a:rPr>
-                    <a:latin typeface="Cambria Math" panose="02040503050406030204" pitchFamily="18" charset="0"/>
-                  </a:rPr>
-                  <m:t>5</m:t>
-                </m:r>
-                <m:r>
-                  <a:rPr>
-                    <a:latin typeface="Cambria Math" panose="02040503050406030204" pitchFamily="18" charset="0"/>
-                  </a:rPr>
-                  <m:t>)</m:t>
-                </m:r>
-              </m:oMath>
-            </a14:m>
-            <a:r>
-              <a:t>;</a:t>
-            </a:r>
-          </a:p>
-          <a:p>
-            <a:pPr lvl="1"/>
-            <a:r>
-              <a:t>Para cada combinação de parâmetros foram usadas 1000 réplicas;</a:t>
-            </a:r>
-          </a:p>
-          <a:p>
-            <a:pPr lvl="2"/>
-            <a:r>
-              <a:t>Para cada réplica forama gerados 400 indivíduos - 200 no grupo controle e 200 no tratamento.</a:t>
-            </a:r>
-          </a:p>
-          <a:p>
-            <a:pPr lvl="1"/>
-            <a:r>
-              <a:t>A trajetória longitudinal verdadeira foi simulada como:</a:t>
-            </a:r>
-          </a:p>
-          <a:p>
-            <a:pPr lvl="1"/>
-            <a14:m xmlns:a14="http://schemas.microsoft.com/office/drawing/2010/main">
-              <m:oMath xmlns:m="http://schemas.openxmlformats.org/officeDocument/2006/math">
-                <m:sSub>
-                  <m:sSubPr>
-                    <m:ctrlPr>
-                      <a:rPr>
-                        <a:latin typeface="Cambria Math" panose="02040503050406030204" pitchFamily="18" charset="0"/>
-                      </a:rPr>
-                    </m:ctrlPr>
-                  </m:sSubPr>
-                  <m:e>
-                    <m:r>
-                      <a:rPr>
-                        <a:latin typeface="Cambria Math" panose="02040503050406030204" pitchFamily="18" charset="0"/>
-                      </a:rPr>
-                      <m:t>𝑋</m:t>
-                    </m:r>
-                  </m:e>
-                  <m:sub>
-                    <m:r>
-                      <a:rPr>
-                        <a:latin typeface="Cambria Math" panose="02040503050406030204" pitchFamily="18" charset="0"/>
-                      </a:rPr>
-                      <m:t>𝑖𝑗</m:t>
-                    </m:r>
-                  </m:sub>
-                </m:sSub>
-                <m:r>
-                  <a:rPr>
-                    <a:latin typeface="Cambria Math" panose="02040503050406030204" pitchFamily="18" charset="0"/>
-                  </a:rPr>
-                  <m:t>=</m:t>
-                </m:r>
-                <m:sSub>
-                  <m:sSubPr>
-                    <m:ctrlPr>
-                      <a:rPr i="1">
-                        <a:latin typeface="Cambria Math" panose="02040503050406030204" pitchFamily="18" charset="0"/>
-                      </a:rPr>
-                    </m:ctrlPr>
-                  </m:sSubPr>
-                  <m:e>
-                    <m:r>
-                      <a:rPr>
-                        <a:latin typeface="Cambria Math" panose="02040503050406030204" pitchFamily="18" charset="0"/>
-                      </a:rPr>
-                      <m:t>𝜃</m:t>
-                    </m:r>
-                  </m:e>
-                  <m:sub>
-                    <m:r>
-                      <a:rPr>
-                        <a:latin typeface="Cambria Math" panose="02040503050406030204" pitchFamily="18" charset="0"/>
-                      </a:rPr>
-                      <m:t>0</m:t>
-                    </m:r>
-                    <m:r>
-                      <a:rPr>
-                        <a:latin typeface="Cambria Math" panose="02040503050406030204" pitchFamily="18" charset="0"/>
-                      </a:rPr>
-                      <m:t>𝑖</m:t>
-                    </m:r>
-                  </m:sub>
-                </m:sSub>
-                <m:r>
-                  <a:rPr>
-                    <a:latin typeface="Cambria Math" panose="02040503050406030204" pitchFamily="18" charset="0"/>
-                  </a:rPr>
-                  <m:t>+</m:t>
-                </m:r>
-                <m:sSub>
-                  <m:sSubPr>
-                    <m:ctrlPr>
-                      <a:rPr i="1">
-                        <a:latin typeface="Cambria Math" panose="02040503050406030204" pitchFamily="18" charset="0"/>
-                      </a:rPr>
-                    </m:ctrlPr>
-                  </m:sSubPr>
-                  <m:e>
-                    <m:r>
-                      <a:rPr>
-                        <a:latin typeface="Cambria Math" panose="02040503050406030204" pitchFamily="18" charset="0"/>
-                      </a:rPr>
-                      <m:t>𝜃</m:t>
-                    </m:r>
-                  </m:e>
-                  <m:sub>
-                    <m:r>
-                      <a:rPr>
-                        <a:latin typeface="Cambria Math" panose="02040503050406030204" pitchFamily="18" charset="0"/>
-                      </a:rPr>
-                      <m:t>1</m:t>
-                    </m:r>
-                    <m:r>
-                      <a:rPr>
-                        <a:latin typeface="Cambria Math" panose="02040503050406030204" pitchFamily="18" charset="0"/>
-                      </a:rPr>
-                      <m:t>𝑖</m:t>
-                    </m:r>
-                  </m:sub>
-                </m:sSub>
-                <m:r>
-                  <a:rPr>
-                    <a:latin typeface="Cambria Math" panose="02040503050406030204" pitchFamily="18" charset="0"/>
-                  </a:rPr>
-                  <m:t>×</m:t>
-                </m:r>
-                <m:sSub>
-                  <m:sSubPr>
-                    <m:ctrlPr>
-                      <a:rPr i="1">
-                        <a:latin typeface="Cambria Math" panose="02040503050406030204" pitchFamily="18" charset="0"/>
-                      </a:rPr>
-                    </m:ctrlPr>
-                  </m:sSubPr>
-                  <m:e>
-                    <m:r>
-                      <a:rPr>
-                        <a:latin typeface="Cambria Math" panose="02040503050406030204" pitchFamily="18" charset="0"/>
-                      </a:rPr>
-                      <m:t>𝑡</m:t>
-                    </m:r>
-                  </m:e>
-                  <m:sub>
-                    <m:r>
-                      <a:rPr>
-                        <a:latin typeface="Cambria Math" panose="02040503050406030204" pitchFamily="18" charset="0"/>
-                      </a:rPr>
-                      <m:t>𝑖𝑗</m:t>
-                    </m:r>
-                  </m:sub>
-                </m:sSub>
-                <m:r>
-                  <a:rPr>
-                    <a:latin typeface="Cambria Math" panose="02040503050406030204" pitchFamily="18" charset="0"/>
-                  </a:rPr>
-                  <m:t>+</m:t>
-                </m:r>
-                <m:r>
-                  <a:rPr>
-                    <a:latin typeface="Cambria Math" panose="02040503050406030204" pitchFamily="18" charset="0"/>
-                  </a:rPr>
-                  <m:t>𝛾</m:t>
-                </m:r>
-                <m:sSub>
-                  <m:sSubPr>
-                    <m:ctrlPr>
-                      <a:rPr i="1">
-                        <a:latin typeface="Cambria Math" panose="02040503050406030204" pitchFamily="18" charset="0"/>
-                      </a:rPr>
-                    </m:ctrlPr>
-                  </m:sSubPr>
-                  <m:e>
-                    <m:r>
-                      <a:rPr>
-                        <a:latin typeface="Cambria Math" panose="02040503050406030204" pitchFamily="18" charset="0"/>
-                      </a:rPr>
-                      <m:t>𝑍</m:t>
-                    </m:r>
-                  </m:e>
-                  <m:sub>
-                    <m:r>
-                      <a:rPr>
-                        <a:latin typeface="Cambria Math" panose="02040503050406030204" pitchFamily="18" charset="0"/>
-                      </a:rPr>
-                      <m:t>𝑖</m:t>
-                    </m:r>
-                  </m:sub>
-                </m:sSub>
-                <m:r>
-                  <a:rPr>
-                    <a:latin typeface="Cambria Math" panose="02040503050406030204" pitchFamily="18" charset="0"/>
-                  </a:rPr>
-                  <m:t>,</m:t>
-                </m:r>
-              </m:oMath>
-            </a14:m>
-            <a:endParaRPr/>
-          </a:p>
-          <a:p>
-            <a:pPr marL="0" indent="0">
-              <a:buNone/>
-            </a:pPr>
-            <a:r>
-              <a:t>onde </a:t>
-            </a:r>
-            <a14:m xmlns:a14="http://schemas.microsoft.com/office/drawing/2010/main">
-              <m:oMath xmlns:m="http://schemas.openxmlformats.org/officeDocument/2006/math">
-                <m:sSub>
-                  <m:sSubPr>
-                    <m:ctrlPr>
-                      <a:rPr>
-                        <a:latin typeface="Cambria Math" panose="02040503050406030204" pitchFamily="18" charset="0"/>
-                      </a:rPr>
-                    </m:ctrlPr>
-                  </m:sSubPr>
-                  <m:e>
-                    <m:r>
-                      <a:rPr>
-                        <a:latin typeface="Cambria Math" panose="02040503050406030204" pitchFamily="18" charset="0"/>
-                      </a:rPr>
-                      <m:t>𝜃</m:t>
-                    </m:r>
-                  </m:e>
-                  <m:sub>
-                    <m:r>
-                      <a:rPr>
-                        <a:latin typeface="Cambria Math" panose="02040503050406030204" pitchFamily="18" charset="0"/>
-                      </a:rPr>
-                      <m:t>0</m:t>
-                    </m:r>
-                    <m:r>
-                      <a:rPr>
-                        <a:latin typeface="Cambria Math" panose="02040503050406030204" pitchFamily="18" charset="0"/>
-                      </a:rPr>
-                      <m:t>𝑖</m:t>
-                    </m:r>
-                  </m:sub>
-                </m:sSub>
-                <m:r>
-                  <a:rPr>
-                    <a:latin typeface="Cambria Math" panose="02040503050406030204" pitchFamily="18" charset="0"/>
-                  </a:rPr>
-                  <m:t>∼</m:t>
-                </m:r>
-                <m:r>
-                  <a:rPr>
-                    <a:latin typeface="Cambria Math" panose="02040503050406030204" pitchFamily="18" charset="0"/>
-                  </a:rPr>
-                  <m:t>𝑁</m:t>
-                </m:r>
-                <m:r>
-                  <a:rPr>
-                    <a:latin typeface="Cambria Math" panose="02040503050406030204" pitchFamily="18" charset="0"/>
-                  </a:rPr>
-                  <m:t>(</m:t>
-                </m:r>
-                <m:r>
-                  <a:rPr>
-                    <a:latin typeface="Cambria Math" panose="02040503050406030204" pitchFamily="18" charset="0"/>
-                  </a:rPr>
-                  <m:t>0</m:t>
-                </m:r>
-                <m:r>
-                  <a:rPr>
-                    <a:latin typeface="Cambria Math" panose="02040503050406030204" pitchFamily="18" charset="0"/>
-                  </a:rPr>
-                  <m:t>,</m:t>
-                </m:r>
-                <m:r>
-                  <a:rPr>
-                    <a:latin typeface="Cambria Math" panose="02040503050406030204" pitchFamily="18" charset="0"/>
-                  </a:rPr>
-                  <m:t>1</m:t>
-                </m:r>
-                <m:r>
-                  <a:rPr>
-                    <a:latin typeface="Cambria Math" panose="02040503050406030204" pitchFamily="18" charset="0"/>
-                  </a:rPr>
-                  <m:t>),</m:t>
-                </m:r>
-                <m:sSub>
-                  <m:sSubPr>
-                    <m:ctrlPr>
-                      <a:rPr i="1">
-                        <a:latin typeface="Cambria Math" panose="02040503050406030204" pitchFamily="18" charset="0"/>
-                      </a:rPr>
-                    </m:ctrlPr>
-                  </m:sSubPr>
-                  <m:e>
-                    <m:r>
-                      <a:rPr>
-                        <a:latin typeface="Cambria Math" panose="02040503050406030204" pitchFamily="18" charset="0"/>
-                      </a:rPr>
-                      <m:t>𝜃</m:t>
-                    </m:r>
-                  </m:e>
-                  <m:sub>
-                    <m:r>
-                      <a:rPr>
-                        <a:latin typeface="Cambria Math" panose="02040503050406030204" pitchFamily="18" charset="0"/>
-                      </a:rPr>
-                      <m:t>1</m:t>
-                    </m:r>
-                  </m:sub>
-                </m:sSub>
-                <m:r>
-                  <a:rPr>
-                    <a:latin typeface="Cambria Math" panose="02040503050406030204" pitchFamily="18" charset="0"/>
-                  </a:rPr>
-                  <m:t>∼</m:t>
-                </m:r>
-                <m:r>
-                  <a:rPr>
-                    <a:latin typeface="Cambria Math" panose="02040503050406030204" pitchFamily="18" charset="0"/>
-                  </a:rPr>
-                  <m:t>𝑁</m:t>
-                </m:r>
-                <m:r>
-                  <a:rPr>
-                    <a:latin typeface="Cambria Math" panose="02040503050406030204" pitchFamily="18" charset="0"/>
-                  </a:rPr>
-                  <m:t>(</m:t>
-                </m:r>
-                <m:r>
-                  <a:rPr>
-                    <a:latin typeface="Cambria Math" panose="02040503050406030204" pitchFamily="18" charset="0"/>
-                  </a:rPr>
-                  <m:t>0</m:t>
-                </m:r>
-                <m:r>
-                  <a:rPr>
-                    <a:latin typeface="Cambria Math" panose="02040503050406030204" pitchFamily="18" charset="0"/>
-                  </a:rPr>
-                  <m:t>,</m:t>
-                </m:r>
-                <m:sSup>
-                  <m:sSupPr>
-                    <m:ctrlPr>
-                      <a:rPr i="1">
-                        <a:latin typeface="Cambria Math" panose="02040503050406030204" pitchFamily="18" charset="0"/>
-                      </a:rPr>
-                    </m:ctrlPr>
-                  </m:sSupPr>
-                  <m:e>
-                    <m:r>
-                      <a:rPr>
-                        <a:latin typeface="Cambria Math" panose="02040503050406030204" pitchFamily="18" charset="0"/>
-                      </a:rPr>
-                      <m:t>0</m:t>
-                    </m:r>
-                    <m:r>
-                      <a:rPr>
-                        <a:latin typeface="Cambria Math" panose="02040503050406030204" pitchFamily="18" charset="0"/>
-                      </a:rPr>
-                      <m:t>.</m:t>
-                    </m:r>
-                    <m:r>
-                      <a:rPr>
-                        <a:latin typeface="Cambria Math" panose="02040503050406030204" pitchFamily="18" charset="0"/>
-                      </a:rPr>
-                      <m:t>5</m:t>
-                    </m:r>
-                  </m:e>
-                  <m:sup>
-                    <m:r>
-                      <a:rPr>
-                        <a:latin typeface="Cambria Math" panose="02040503050406030204" pitchFamily="18" charset="0"/>
-                      </a:rPr>
-                      <m:t>2</m:t>
-                    </m:r>
-                  </m:sup>
-                </m:sSup>
-                <m:r>
-                  <a:rPr>
-                    <a:latin typeface="Cambria Math" panose="02040503050406030204" pitchFamily="18" charset="0"/>
-                  </a:rPr>
-                  <m:t>)</m:t>
-                </m:r>
-              </m:oMath>
-            </a14:m>
-            <a:r>
-              <a:t> e </a:t>
-            </a:r>
-            <a14:m xmlns:a14="http://schemas.microsoft.com/office/drawing/2010/main">
-              <m:oMath xmlns:m="http://schemas.openxmlformats.org/officeDocument/2006/math">
-                <m:r>
-                  <a:rPr>
-                    <a:latin typeface="Cambria Math" panose="02040503050406030204" pitchFamily="18" charset="0"/>
-                  </a:rPr>
-                  <m:t>𝐶𝑜𝑟</m:t>
-                </m:r>
-                <m:r>
-                  <a:rPr>
-                    <a:latin typeface="Cambria Math" panose="02040503050406030204" pitchFamily="18" charset="0"/>
-                  </a:rPr>
-                  <m:t>(</m:t>
-                </m:r>
-                <m:sSub>
-                  <m:sSubPr>
-                    <m:ctrlPr>
-                      <a:rPr i="1">
-                        <a:latin typeface="Cambria Math" panose="02040503050406030204" pitchFamily="18" charset="0"/>
-                      </a:rPr>
-                    </m:ctrlPr>
-                  </m:sSubPr>
-                  <m:e>
-                    <m:r>
-                      <a:rPr>
-                        <a:latin typeface="Cambria Math" panose="02040503050406030204" pitchFamily="18" charset="0"/>
-                      </a:rPr>
-                      <m:t>𝜃</m:t>
-                    </m:r>
-                  </m:e>
-                  <m:sub>
-                    <m:r>
-                      <a:rPr>
-                        <a:latin typeface="Cambria Math" panose="02040503050406030204" pitchFamily="18" charset="0"/>
-                      </a:rPr>
-                      <m:t>0</m:t>
-                    </m:r>
-                    <m:r>
-                      <a:rPr>
-                        <a:latin typeface="Cambria Math" panose="02040503050406030204" pitchFamily="18" charset="0"/>
-                      </a:rPr>
-                      <m:t>𝑖</m:t>
-                    </m:r>
-                  </m:sub>
-                </m:sSub>
-                <m:r>
-                  <a:rPr>
-                    <a:latin typeface="Cambria Math" panose="02040503050406030204" pitchFamily="18" charset="0"/>
-                  </a:rPr>
-                  <m:t>,</m:t>
-                </m:r>
-                <m:sSub>
-                  <m:sSubPr>
-                    <m:ctrlPr>
-                      <a:rPr i="1">
-                        <a:latin typeface="Cambria Math" panose="02040503050406030204" pitchFamily="18" charset="0"/>
-                      </a:rPr>
-                    </m:ctrlPr>
-                  </m:sSubPr>
-                  <m:e>
-                    <m:r>
-                      <a:rPr>
-                        <a:latin typeface="Cambria Math" panose="02040503050406030204" pitchFamily="18" charset="0"/>
-                      </a:rPr>
-                      <m:t>𝜃</m:t>
-                    </m:r>
-                  </m:e>
-                  <m:sub>
-                    <m:r>
-                      <a:rPr>
-                        <a:latin typeface="Cambria Math" panose="02040503050406030204" pitchFamily="18" charset="0"/>
-                      </a:rPr>
-                      <m:t>1</m:t>
-                    </m:r>
-                  </m:sub>
-                </m:sSub>
-                <m:r>
-                  <a:rPr>
-                    <a:latin typeface="Cambria Math" panose="02040503050406030204" pitchFamily="18" charset="0"/>
-                  </a:rPr>
-                  <m:t>)=</m:t>
-                </m:r>
-                <m:r>
-                  <a:rPr>
-                    <a:latin typeface="Cambria Math" panose="02040503050406030204" pitchFamily="18" charset="0"/>
-                  </a:rPr>
-                  <m:t>0</m:t>
-                </m:r>
-                <m:r>
-                  <a:rPr>
-                    <a:latin typeface="Cambria Math" panose="02040503050406030204" pitchFamily="18" charset="0"/>
-                  </a:rPr>
-                  <m:t>.</m:t>
-                </m:r>
-                <m:r>
-                  <a:rPr>
-                    <a:latin typeface="Cambria Math" panose="02040503050406030204" pitchFamily="18" charset="0"/>
-                  </a:rPr>
-                  <m:t>3</m:t>
-                </m:r>
-              </m:oMath>
-            </a14:m>
-            <a:r>
-              <a:t>.</a:t>
-            </a:r>
-          </a:p>
-        </p:txBody>
-      </p:sp>
+                  <a:t> </a:t>
+                </a:r>
+              </a:p>
+            </p:txBody>
+          </p:sp>
+        </mc:Fallback>
+      </mc:AlternateContent>
     </p:spTree>
   </p:cSld>
   <p:clrMapOvr>
@@ -6840,7 +7814,7 @@
 </p:sld>
 </file>
 
-<file path=ppt/slides/slide27.xml><?xml version="1.0" encoding="utf-8"?>
+<file path=ppt/slides/slide26.xml><?xml version="1.0" encoding="utf-8"?>
 <p:sld xmlns:a="http://schemas.openxmlformats.org/drawingml/2006/main" xmlns:r="http://schemas.openxmlformats.org/officeDocument/2006/relationships" xmlns:p="http://schemas.openxmlformats.org/presentationml/2006/main">
   <p:cSld>
     <p:spTree>
@@ -6877,54 +7851,17 @@
                 <a:pPr lvl="1"/>
                 <a:r>
                   <a:rPr lang="pt-BR" dirty="0"/>
-                  <a:t>Os dados </a:t>
-                </a:r>
-                <a:r>
-                  <a:rPr lang="pt-BR" dirty="0" err="1"/>
-                  <a:t>longitudinais</a:t>
-                </a:r>
-                <a:r>
-                  <a:rPr lang="pt-BR" dirty="0"/>
-                  <a:t> </a:t>
-                </a:r>
-                <a:r>
-                  <a:rPr lang="pt-BR" dirty="0" err="1"/>
-                  <a:t>observados</a:t>
-                </a:r>
-                <a:r>
-                  <a:rPr lang="pt-BR" dirty="0"/>
-                  <a:t> </a:t>
-                </a:r>
-                <a:r>
-                  <a:rPr lang="pt-BR" dirty="0" err="1"/>
-                  <a:t>foram</a:t>
-                </a:r>
-                <a:r>
-                  <a:rPr lang="pt-BR" dirty="0"/>
-                  <a:t> </a:t>
-                </a:r>
-                <a:r>
-                  <a:rPr lang="pt-BR" dirty="0" err="1"/>
-                  <a:t>simulados</a:t>
-                </a:r>
-                <a:r>
-                  <a:rPr lang="pt-BR" dirty="0"/>
-                  <a:t> de um </a:t>
-                </a:r>
-                <a:r>
-                  <a:rPr lang="pt-BR" dirty="0" err="1"/>
-                  <a:t>modelo</a:t>
-                </a:r>
-                <a:endParaRPr lang="pt-BR" dirty="0"/>
+                  <a:t>Os dados longitudinais observados foram simulados de um modelo:</a:t>
+                </a:r>
               </a:p>
               <a:p>
-                <a:pPr lvl="1"/>
+                <a:pPr lvl="2"/>
                 <a14:m>
                   <m:oMath xmlns:m="http://schemas.openxmlformats.org/officeDocument/2006/math">
                     <m:sSub>
                       <m:sSubPr>
                         <m:ctrlPr>
-                          <a:rPr lang="ar-AE">
+                          <a:rPr lang="ar-AE" i="1">
                             <a:latin typeface="Cambria Math" panose="02040503050406030204" pitchFamily="18" charset="0"/>
                           </a:rPr>
                         </m:ctrlPr>
@@ -7128,7 +8065,7 @@
                     <m:sSubSup>
                       <m:sSubSupPr>
                         <m:ctrlPr>
-                          <a:rPr lang="ar-AE">
+                          <a:rPr lang="ar-AE" i="1">
                             <a:latin typeface="Cambria Math" panose="02040503050406030204" pitchFamily="18" charset="0"/>
                           </a:rPr>
                         </m:ctrlPr>
@@ -7259,7 +8196,7 @@
                     <m:sSub>
                       <m:sSubPr>
                         <m:ctrlPr>
-                          <a:rPr lang="ar-AE">
+                          <a:rPr lang="ar-AE" i="1">
                             <a:latin typeface="Cambria Math" panose="02040503050406030204" pitchFamily="18" charset="0"/>
                           </a:rPr>
                         </m:ctrlPr>
@@ -7477,7 +8414,7 @@
               <a:blipFill>
                 <a:blip r:embed="rId2"/>
                 <a:stretch>
-                  <a:fillRect t="-1449"/>
+                  <a:fillRect t="-725" r="-685"/>
                 </a:stretch>
               </a:blipFill>
             </p:spPr>
@@ -7530,6 +8467,436 @@
           </a:p>
         </p:txBody>
       </p:sp>
+    </p:spTree>
+  </p:cSld>
+  <p:clrMapOvr>
+    <a:masterClrMapping/>
+  </p:clrMapOvr>
+</p:sld>
+</file>
+
+<file path=ppt/slides/slide27.xml><?xml version="1.0" encoding="utf-8"?>
+<p:sld xmlns:a="http://schemas.openxmlformats.org/drawingml/2006/main" xmlns:r="http://schemas.openxmlformats.org/officeDocument/2006/relationships" xmlns:p="http://schemas.openxmlformats.org/presentationml/2006/main">
+  <p:cSld>
+    <p:spTree>
+      <p:nvGrpSpPr>
+        <p:cNvPr id="1" name=""/>
+        <p:cNvGrpSpPr/>
+        <p:nvPr/>
+      </p:nvGrpSpPr>
+      <p:grpSpPr>
+        <a:xfrm>
+          <a:off x="0" y="0"/>
+          <a:ext cx="0" cy="0"/>
+          <a:chOff x="0" y="0"/>
+          <a:chExt cx="0" cy="0"/>
+        </a:xfrm>
+      </p:grpSpPr>
+      <p:sp>
+        <p:nvSpPr>
+          <p:cNvPr id="2" name="Title 1"/>
+          <p:cNvSpPr>
+            <a:spLocks noGrp="1"/>
+          </p:cNvSpPr>
+          <p:nvPr>
+            <p:ph type="title"/>
+          </p:nvPr>
+        </p:nvSpPr>
+        <p:spPr/>
+        <p:txBody>
+          <a:bodyPr/>
+          <a:lstStyle/>
+          <a:p>
+            <a:r>
+              <a:t>Simulação</a:t>
+            </a:r>
+          </a:p>
+        </p:txBody>
+      </p:sp>
+      <mc:AlternateContent xmlns:mc="http://schemas.openxmlformats.org/markup-compatibility/2006" xmlns:a14="http://schemas.microsoft.com/office/drawing/2010/main">
+        <mc:Choice Requires="a14">
+          <p:sp>
+            <p:nvSpPr>
+              <p:cNvPr id="3" name="Content Placeholder 2"/>
+              <p:cNvSpPr>
+                <a:spLocks noGrp="1"/>
+              </p:cNvSpPr>
+              <p:nvPr>
+                <p:ph idx="1"/>
+              </p:nvPr>
+            </p:nvSpPr>
+            <p:spPr/>
+            <p:txBody>
+              <a:bodyPr/>
+              <a:lstStyle/>
+              <a:p>
+                <a:pPr lvl="1"/>
+                <a:r>
+                  <a:rPr dirty="0"/>
+                  <a:t>O tempo de </a:t>
+                </a:r>
+                <a:r>
+                  <a:rPr dirty="0" err="1"/>
+                  <a:t>sobrevivência</a:t>
+                </a:r>
+                <a:r>
+                  <a:rPr dirty="0"/>
+                  <a:t> é </a:t>
+                </a:r>
+                <a:r>
+                  <a:rPr dirty="0" err="1"/>
+                  <a:t>gerado</a:t>
+                </a:r>
+                <a:r>
+                  <a:rPr dirty="0"/>
+                  <a:t> pela </a:t>
+                </a:r>
+                <a:r>
+                  <a:rPr dirty="0" err="1"/>
+                  <a:t>equação</a:t>
+                </a:r>
+                <a:r>
+                  <a:rPr dirty="0"/>
+                  <a:t>:</a:t>
+                </a:r>
+              </a:p>
+              <a:p>
+                <a:pPr lvl="1"/>
+                <a14:m>
+                  <m:oMath xmlns:m="http://schemas.openxmlformats.org/officeDocument/2006/math">
+                    <m:r>
+                      <a:rPr>
+                        <a:latin typeface="Cambria Math" panose="02040503050406030204" pitchFamily="18" charset="0"/>
+                      </a:rPr>
+                      <m:t>h</m:t>
+                    </m:r>
+                    <m:r>
+                      <a:rPr>
+                        <a:latin typeface="Cambria Math" panose="02040503050406030204" pitchFamily="18" charset="0"/>
+                      </a:rPr>
+                      <m:t>(</m:t>
+                    </m:r>
+                    <m:r>
+                      <a:rPr>
+                        <a:latin typeface="Cambria Math" panose="02040503050406030204" pitchFamily="18" charset="0"/>
+                      </a:rPr>
+                      <m:t>𝑡</m:t>
+                    </m:r>
+                    <m:r>
+                      <a:rPr>
+                        <a:latin typeface="Cambria Math" panose="02040503050406030204" pitchFamily="18" charset="0"/>
+                      </a:rPr>
+                      <m:t>)=</m:t>
+                    </m:r>
+                    <m:sSub>
+                      <m:sSubPr>
+                        <m:ctrlPr>
+                          <a:rPr i="1">
+                            <a:latin typeface="Cambria Math" panose="02040503050406030204" pitchFamily="18" charset="0"/>
+                          </a:rPr>
+                        </m:ctrlPr>
+                      </m:sSubPr>
+                      <m:e>
+                        <m:r>
+                          <a:rPr>
+                            <a:latin typeface="Cambria Math" panose="02040503050406030204" pitchFamily="18" charset="0"/>
+                          </a:rPr>
+                          <m:t>h</m:t>
+                        </m:r>
+                      </m:e>
+                      <m:sub>
+                        <m:r>
+                          <a:rPr>
+                            <a:latin typeface="Cambria Math" panose="02040503050406030204" pitchFamily="18" charset="0"/>
+                          </a:rPr>
+                          <m:t>𝑜</m:t>
+                        </m:r>
+                      </m:sub>
+                    </m:sSub>
+                    <m:r>
+                      <a:rPr>
+                        <a:latin typeface="Cambria Math" panose="02040503050406030204" pitchFamily="18" charset="0"/>
+                      </a:rPr>
+                      <m:t>(</m:t>
+                    </m:r>
+                    <m:r>
+                      <a:rPr>
+                        <a:latin typeface="Cambria Math" panose="02040503050406030204" pitchFamily="18" charset="0"/>
+                      </a:rPr>
+                      <m:t>𝑡</m:t>
+                    </m:r>
+                    <m:r>
+                      <a:rPr>
+                        <a:latin typeface="Cambria Math" panose="02040503050406030204" pitchFamily="18" charset="0"/>
+                      </a:rPr>
+                      <m:t>)</m:t>
+                    </m:r>
+                    <m:r>
+                      <a:rPr>
+                        <a:latin typeface="Cambria Math" panose="02040503050406030204" pitchFamily="18" charset="0"/>
+                      </a:rPr>
+                      <m:t>𝑒𝑥𝑝</m:t>
+                    </m:r>
+                    <m:r>
+                      <a:rPr>
+                        <a:latin typeface="Cambria Math" panose="02040503050406030204" pitchFamily="18" charset="0"/>
+                      </a:rPr>
+                      <m:t>(</m:t>
+                    </m:r>
+                    <m:r>
+                      <a:rPr>
+                        <a:latin typeface="Cambria Math" panose="02040503050406030204" pitchFamily="18" charset="0"/>
+                      </a:rPr>
+                      <m:t>𝛽</m:t>
+                    </m:r>
+                    <m:sSub>
+                      <m:sSubPr>
+                        <m:ctrlPr>
+                          <a:rPr i="1">
+                            <a:latin typeface="Cambria Math" panose="02040503050406030204" pitchFamily="18" charset="0"/>
+                          </a:rPr>
+                        </m:ctrlPr>
+                      </m:sSubPr>
+                      <m:e>
+                        <m:r>
+                          <a:rPr>
+                            <a:latin typeface="Cambria Math" panose="02040503050406030204" pitchFamily="18" charset="0"/>
+                          </a:rPr>
+                          <m:t>𝑋</m:t>
+                        </m:r>
+                      </m:e>
+                      <m:sub>
+                        <m:r>
+                          <a:rPr>
+                            <a:latin typeface="Cambria Math" panose="02040503050406030204" pitchFamily="18" charset="0"/>
+                          </a:rPr>
+                          <m:t>𝑖𝑗</m:t>
+                        </m:r>
+                      </m:sub>
+                    </m:sSub>
+                    <m:r>
+                      <a:rPr>
+                        <a:latin typeface="Cambria Math" panose="02040503050406030204" pitchFamily="18" charset="0"/>
+                      </a:rPr>
+                      <m:t>+</m:t>
+                    </m:r>
+                    <m:r>
+                      <a:rPr>
+                        <a:latin typeface="Cambria Math" panose="02040503050406030204" pitchFamily="18" charset="0"/>
+                      </a:rPr>
+                      <m:t>𝛼</m:t>
+                    </m:r>
+                    <m:sSub>
+                      <m:sSubPr>
+                        <m:ctrlPr>
+                          <a:rPr i="1">
+                            <a:latin typeface="Cambria Math" panose="02040503050406030204" pitchFamily="18" charset="0"/>
+                          </a:rPr>
+                        </m:ctrlPr>
+                      </m:sSubPr>
+                      <m:e>
+                        <m:r>
+                          <a:rPr>
+                            <a:latin typeface="Cambria Math" panose="02040503050406030204" pitchFamily="18" charset="0"/>
+                          </a:rPr>
+                          <m:t>𝑍</m:t>
+                        </m:r>
+                      </m:e>
+                      <m:sub>
+                        <m:r>
+                          <a:rPr>
+                            <a:latin typeface="Cambria Math" panose="02040503050406030204" pitchFamily="18" charset="0"/>
+                          </a:rPr>
+                          <m:t>𝑖</m:t>
+                        </m:r>
+                      </m:sub>
+                    </m:sSub>
+                    <m:r>
+                      <a:rPr>
+                        <a:latin typeface="Cambria Math" panose="02040503050406030204" pitchFamily="18" charset="0"/>
+                      </a:rPr>
+                      <m:t>),</m:t>
+                    </m:r>
+                    <m:r>
+                      <a:rPr lang="pt-BR" i="1" smtClean="0">
+                        <a:latin typeface="Cambria Math" panose="02040503050406030204" pitchFamily="18" charset="0"/>
+                      </a:rPr>
+                      <m:t> </m:t>
+                    </m:r>
+                  </m:oMath>
+                </a14:m>
+                <a:r>
+                  <a:rPr dirty="0"/>
+                  <a:t>com </a:t>
+                </a:r>
+                <a14:m>
+                  <m:oMath xmlns:m="http://schemas.openxmlformats.org/officeDocument/2006/math">
+                    <m:r>
+                      <a:rPr>
+                        <a:latin typeface="Cambria Math" panose="02040503050406030204" pitchFamily="18" charset="0"/>
+                      </a:rPr>
+                      <m:t>𝜆</m:t>
+                    </m:r>
+                    <m:r>
+                      <a:rPr>
+                        <a:latin typeface="Cambria Math" panose="02040503050406030204" pitchFamily="18" charset="0"/>
+                      </a:rPr>
+                      <m:t>(</m:t>
+                    </m:r>
+                    <m:r>
+                      <a:rPr>
+                        <a:latin typeface="Cambria Math" panose="02040503050406030204" pitchFamily="18" charset="0"/>
+                      </a:rPr>
+                      <m:t>𝑡</m:t>
+                    </m:r>
+                    <m:r>
+                      <a:rPr>
+                        <a:latin typeface="Cambria Math" panose="02040503050406030204" pitchFamily="18" charset="0"/>
+                      </a:rPr>
+                      <m:t>)=0.25</m:t>
+                    </m:r>
+                  </m:oMath>
+                </a14:m>
+                <a:r>
+                  <a:rPr lang="pt-BR" dirty="0"/>
+                  <a:t>;</a:t>
+                </a:r>
+                <a:endParaRPr dirty="0"/>
+              </a:p>
+              <a:p>
+                <a:pPr lvl="2"/>
+                <a:r>
+                  <a:rPr dirty="0"/>
+                  <a:t>Tempo </a:t>
+                </a:r>
+                <a:r>
+                  <a:rPr dirty="0" err="1"/>
+                  <a:t>mediano</a:t>
+                </a:r>
+                <a:r>
+                  <a:rPr dirty="0"/>
+                  <a:t> de </a:t>
+                </a:r>
+                <a:r>
+                  <a:rPr dirty="0" err="1"/>
+                  <a:t>sobrevivência</a:t>
+                </a:r>
+                <a:r>
+                  <a:rPr dirty="0"/>
+                  <a:t> = 2.77 </a:t>
+                </a:r>
+                <a:r>
+                  <a:rPr dirty="0" err="1"/>
+                  <a:t>anos</a:t>
+                </a:r>
+                <a:r>
+                  <a:rPr dirty="0"/>
+                  <a:t>.</a:t>
+                </a:r>
+              </a:p>
+              <a:p>
+                <a:pPr lvl="1"/>
+                <a:r>
+                  <a:rPr dirty="0" err="1"/>
+                  <a:t>Suposição</a:t>
+                </a:r>
+                <a:r>
+                  <a:rPr dirty="0"/>
+                  <a:t> de </a:t>
+                </a:r>
+                <a:r>
+                  <a:rPr dirty="0" err="1"/>
+                  <a:t>censura</a:t>
+                </a:r>
+                <a:r>
+                  <a:rPr dirty="0"/>
+                  <a:t> à </a:t>
+                </a:r>
+                <a:r>
+                  <a:rPr dirty="0" err="1"/>
+                  <a:t>direita</a:t>
+                </a:r>
+                <a:r>
+                  <a:rPr dirty="0"/>
+                  <a:t> </a:t>
+                </a:r>
+                <a:r>
+                  <a:rPr dirty="0" err="1"/>
+                  <a:t>uniforme</a:t>
+                </a:r>
+                <a:r>
+                  <a:rPr dirty="0"/>
+                  <a:t>;</a:t>
+                </a:r>
+              </a:p>
+              <a:p>
+                <a:pPr lvl="2"/>
+                <a:r>
+                  <a:rPr dirty="0"/>
+                  <a:t>Tempo de </a:t>
+                </a:r>
+                <a:r>
+                  <a:rPr i="1" dirty="0"/>
+                  <a:t>follow-up</a:t>
+                </a:r>
+                <a:r>
+                  <a:rPr dirty="0"/>
+                  <a:t> </a:t>
+                </a:r>
+                <a:r>
+                  <a:rPr dirty="0" err="1"/>
+                  <a:t>mínimo</a:t>
+                </a:r>
+                <a:r>
+                  <a:rPr dirty="0"/>
+                  <a:t> de 1 </a:t>
+                </a:r>
+                <a:r>
+                  <a:rPr dirty="0" err="1"/>
+                  <a:t>ano</a:t>
+                </a:r>
+                <a:r>
+                  <a:rPr dirty="0"/>
+                  <a:t>.</a:t>
+                </a:r>
+              </a:p>
+            </p:txBody>
+          </p:sp>
+        </mc:Choice>
+        <mc:Fallback xmlns="">
+          <p:sp>
+            <p:nvSpPr>
+              <p:cNvPr id="3" name="Content Placeholder 2"/>
+              <p:cNvSpPr>
+                <a:spLocks noGrp="1" noRot="1" noChangeAspect="1" noMove="1" noResize="1" noEditPoints="1" noAdjustHandles="1" noChangeArrowheads="1" noChangeShapeType="1" noTextEdit="1"/>
+              </p:cNvSpPr>
+              <p:nvPr>
+                <p:ph idx="1"/>
+              </p:nvPr>
+            </p:nvSpPr>
+            <p:spPr>
+              <a:blipFill>
+                <a:blip r:embed="rId2"/>
+                <a:stretch>
+                  <a:fillRect t="-1449"/>
+                </a:stretch>
+              </a:blipFill>
+            </p:spPr>
+            <p:txBody>
+              <a:bodyPr/>
+              <a:lstStyle/>
+              <a:p>
+                <a:r>
+                  <a:rPr lang="pt-BR">
+                    <a:noFill/>
+                  </a:rPr>
+                  <a:t> </a:t>
+                </a:r>
+              </a:p>
+            </p:txBody>
+          </p:sp>
+        </mc:Fallback>
+      </mc:AlternateContent>
     </p:spTree>
   </p:cSld>
   <p:clrMapOvr>
@@ -7576,408 +8943,58 @@
           </a:p>
         </p:txBody>
       </p:sp>
-      <mc:AlternateContent xmlns:mc="http://schemas.openxmlformats.org/markup-compatibility/2006">
-        <mc:Choice xmlns:a14="http://schemas.microsoft.com/office/drawing/2010/main" Requires="a14">
-          <p:sp>
-            <p:nvSpPr>
-              <p:cNvPr id="3" name="Content Placeholder 2"/>
-              <p:cNvSpPr>
-                <a:spLocks noGrp="1"/>
-              </p:cNvSpPr>
-              <p:nvPr>
-                <p:ph idx="1"/>
-              </p:nvPr>
-            </p:nvSpPr>
-            <p:spPr/>
-            <p:txBody>
-              <a:bodyPr/>
-              <a:lstStyle/>
-              <a:p>
-                <a:pPr lvl="1"/>
-                <a:r>
-                  <a:rPr dirty="0"/>
-                  <a:t>O tempo de </a:t>
-                </a:r>
-                <a:r>
-                  <a:rPr dirty="0" err="1"/>
-                  <a:t>sobrevivência</a:t>
-                </a:r>
-                <a:r>
-                  <a:rPr dirty="0"/>
-                  <a:t> é </a:t>
-                </a:r>
-                <a:r>
-                  <a:rPr dirty="0" err="1"/>
-                  <a:t>gerado</a:t>
-                </a:r>
-                <a:r>
-                  <a:rPr dirty="0"/>
-                  <a:t> pela </a:t>
-                </a:r>
-                <a:r>
-                  <a:rPr dirty="0" err="1"/>
-                  <a:t>equação</a:t>
-                </a:r>
-                <a:r>
-                  <a:rPr dirty="0"/>
-                  <a:t>:</a:t>
-                </a:r>
-              </a:p>
-              <a:p>
-                <a:pPr lvl="1"/>
-                <a14:m>
-                  <m:oMath xmlns:m="http://schemas.openxmlformats.org/officeDocument/2006/math">
-                    <m:r>
-                      <a:rPr>
-                        <a:latin typeface="Cambria Math" panose="02040503050406030204" pitchFamily="18" charset="0"/>
-                      </a:rPr>
-                      <m:t>h</m:t>
-                    </m:r>
-                    <m:r>
-                      <a:rPr>
-                        <a:latin typeface="Cambria Math" panose="02040503050406030204" pitchFamily="18" charset="0"/>
-                      </a:rPr>
-                      <m:t>(</m:t>
-                    </m:r>
-                    <m:r>
-                      <a:rPr>
-                        <a:latin typeface="Cambria Math" panose="02040503050406030204" pitchFamily="18" charset="0"/>
-                      </a:rPr>
-                      <m:t>𝑡</m:t>
-                    </m:r>
-                    <m:r>
-                      <a:rPr>
-                        <a:latin typeface="Cambria Math" panose="02040503050406030204" pitchFamily="18" charset="0"/>
-                      </a:rPr>
-                      <m:t>)=</m:t>
-                    </m:r>
-                    <m:sSub>
-                      <m:sSubPr>
-                        <m:ctrlPr>
-                          <a:rPr i="1">
-                            <a:latin typeface="Cambria Math" panose="02040503050406030204" pitchFamily="18" charset="0"/>
-                          </a:rPr>
-                        </m:ctrlPr>
-                      </m:sSubPr>
-                      <m:e>
-                        <m:r>
-                          <a:rPr>
-                            <a:latin typeface="Cambria Math" panose="02040503050406030204" pitchFamily="18" charset="0"/>
-                          </a:rPr>
-                          <m:t>h</m:t>
-                        </m:r>
-                      </m:e>
-                      <m:sub>
-                        <m:r>
-                          <a:rPr>
-                            <a:latin typeface="Cambria Math" panose="02040503050406030204" pitchFamily="18" charset="0"/>
-                          </a:rPr>
-                          <m:t>𝑜</m:t>
-                        </m:r>
-                      </m:sub>
-                    </m:sSub>
-                    <m:r>
-                      <a:rPr>
-                        <a:latin typeface="Cambria Math" panose="02040503050406030204" pitchFamily="18" charset="0"/>
-                      </a:rPr>
-                      <m:t>(</m:t>
-                    </m:r>
-                    <m:r>
-                      <a:rPr>
-                        <a:latin typeface="Cambria Math" panose="02040503050406030204" pitchFamily="18" charset="0"/>
-                      </a:rPr>
-                      <m:t>𝑡</m:t>
-                    </m:r>
-                    <m:r>
-                      <a:rPr>
-                        <a:latin typeface="Cambria Math" panose="02040503050406030204" pitchFamily="18" charset="0"/>
-                      </a:rPr>
-                      <m:t>)</m:t>
-                    </m:r>
-                    <m:r>
-                      <a:rPr>
-                        <a:latin typeface="Cambria Math" panose="02040503050406030204" pitchFamily="18" charset="0"/>
-                      </a:rPr>
-                      <m:t>𝑒𝑥𝑝</m:t>
-                    </m:r>
-                    <m:r>
-                      <a:rPr>
-                        <a:latin typeface="Cambria Math" panose="02040503050406030204" pitchFamily="18" charset="0"/>
-                      </a:rPr>
-                      <m:t>(</m:t>
-                    </m:r>
-                    <m:r>
-                      <a:rPr>
-                        <a:latin typeface="Cambria Math" panose="02040503050406030204" pitchFamily="18" charset="0"/>
-                      </a:rPr>
-                      <m:t>𝛽</m:t>
-                    </m:r>
-                    <m:sSub>
-                      <m:sSubPr>
-                        <m:ctrlPr>
-                          <a:rPr i="1">
-                            <a:latin typeface="Cambria Math" panose="02040503050406030204" pitchFamily="18" charset="0"/>
-                          </a:rPr>
-                        </m:ctrlPr>
-                      </m:sSubPr>
-                      <m:e>
-                        <m:r>
-                          <a:rPr>
-                            <a:latin typeface="Cambria Math" panose="02040503050406030204" pitchFamily="18" charset="0"/>
-                          </a:rPr>
-                          <m:t>𝑋</m:t>
-                        </m:r>
-                      </m:e>
-                      <m:sub>
-                        <m:r>
-                          <a:rPr>
-                            <a:latin typeface="Cambria Math" panose="02040503050406030204" pitchFamily="18" charset="0"/>
-                          </a:rPr>
-                          <m:t>𝑖𝑗</m:t>
-                        </m:r>
-                      </m:sub>
-                    </m:sSub>
-                    <m:r>
-                      <a:rPr>
-                        <a:latin typeface="Cambria Math" panose="02040503050406030204" pitchFamily="18" charset="0"/>
-                      </a:rPr>
-                      <m:t>+</m:t>
-                    </m:r>
-                    <m:r>
-                      <a:rPr>
-                        <a:latin typeface="Cambria Math" panose="02040503050406030204" pitchFamily="18" charset="0"/>
-                      </a:rPr>
-                      <m:t>𝛼</m:t>
-                    </m:r>
-                    <m:sSub>
-                      <m:sSubPr>
-                        <m:ctrlPr>
-                          <a:rPr i="1">
-                            <a:latin typeface="Cambria Math" panose="02040503050406030204" pitchFamily="18" charset="0"/>
-                          </a:rPr>
-                        </m:ctrlPr>
-                      </m:sSubPr>
-                      <m:e>
-                        <m:r>
-                          <a:rPr>
-                            <a:latin typeface="Cambria Math" panose="02040503050406030204" pitchFamily="18" charset="0"/>
-                          </a:rPr>
-                          <m:t>𝑍</m:t>
-                        </m:r>
-                      </m:e>
-                      <m:sub>
-                        <m:r>
-                          <a:rPr>
-                            <a:latin typeface="Cambria Math" panose="02040503050406030204" pitchFamily="18" charset="0"/>
-                          </a:rPr>
-                          <m:t>𝑖</m:t>
-                        </m:r>
-                      </m:sub>
-                    </m:sSub>
-                    <m:r>
-                      <a:rPr>
-                        <a:latin typeface="Cambria Math" panose="02040503050406030204" pitchFamily="18" charset="0"/>
-                      </a:rPr>
-                      <m:t>),</m:t>
-                    </m:r>
-                    <m:r>
-                      <a:rPr lang="pt-BR" i="1" smtClean="0">
-                        <a:latin typeface="Cambria Math" panose="02040503050406030204" pitchFamily="18" charset="0"/>
-                      </a:rPr>
-                      <m:t> </m:t>
-                    </m:r>
-                  </m:oMath>
-                </a14:m>
-                <a:r>
-                  <a:rPr dirty="0"/>
-                  <a:t>com </a:t>
-                </a:r>
-                <a14:m>
-                  <m:oMath xmlns:m="http://schemas.openxmlformats.org/officeDocument/2006/math">
-                    <m:r>
-                      <a:rPr>
-                        <a:latin typeface="Cambria Math" panose="02040503050406030204" pitchFamily="18" charset="0"/>
-                      </a:rPr>
-                      <m:t>𝜆</m:t>
-                    </m:r>
-                    <m:r>
-                      <a:rPr>
-                        <a:latin typeface="Cambria Math" panose="02040503050406030204" pitchFamily="18" charset="0"/>
-                      </a:rPr>
-                      <m:t>(</m:t>
-                    </m:r>
-                    <m:r>
-                      <a:rPr>
-                        <a:latin typeface="Cambria Math" panose="02040503050406030204" pitchFamily="18" charset="0"/>
-                      </a:rPr>
-                      <m:t>𝑡</m:t>
-                    </m:r>
-                    <m:r>
-                      <a:rPr>
-                        <a:latin typeface="Cambria Math" panose="02040503050406030204" pitchFamily="18" charset="0"/>
-                      </a:rPr>
-                      <m:t>)=</m:t>
-                    </m:r>
-                    <m:r>
-                      <a:rPr>
-                        <a:latin typeface="Cambria Math" panose="02040503050406030204" pitchFamily="18" charset="0"/>
-                      </a:rPr>
-                      <m:t>0</m:t>
-                    </m:r>
-                    <m:r>
-                      <a:rPr>
-                        <a:latin typeface="Cambria Math" panose="02040503050406030204" pitchFamily="18" charset="0"/>
-                      </a:rPr>
-                      <m:t>.</m:t>
-                    </m:r>
-                    <m:r>
-                      <a:rPr>
-                        <a:latin typeface="Cambria Math" panose="02040503050406030204" pitchFamily="18" charset="0"/>
-                      </a:rPr>
-                      <m:t>25</m:t>
-                    </m:r>
-                  </m:oMath>
-                </a14:m>
-                <a:r>
-                  <a:rPr lang="pt-BR" dirty="0"/>
-                  <a:t>;</a:t>
-                </a:r>
-                <a:endParaRPr dirty="0"/>
-              </a:p>
-              <a:p>
-                <a:pPr lvl="2"/>
-                <a:r>
-                  <a:rPr dirty="0"/>
-                  <a:t>Tempo </a:t>
-                </a:r>
-                <a:r>
-                  <a:rPr dirty="0" err="1"/>
-                  <a:t>mediano</a:t>
-                </a:r>
-                <a:r>
-                  <a:rPr dirty="0"/>
-                  <a:t> de </a:t>
-                </a:r>
-                <a:r>
-                  <a:rPr dirty="0" err="1"/>
-                  <a:t>sobrevivência</a:t>
-                </a:r>
-                <a:r>
-                  <a:rPr dirty="0"/>
-                  <a:t> = 2.77 </a:t>
-                </a:r>
-                <a:r>
-                  <a:rPr dirty="0" err="1"/>
-                  <a:t>anos</a:t>
-                </a:r>
-                <a:r>
-                  <a:rPr dirty="0"/>
-                  <a:t>.</a:t>
-                </a:r>
-              </a:p>
-              <a:p>
-                <a:pPr lvl="1"/>
-                <a:r>
-                  <a:rPr dirty="0" err="1"/>
-                  <a:t>Suposição</a:t>
-                </a:r>
-                <a:r>
-                  <a:rPr dirty="0"/>
-                  <a:t> de </a:t>
-                </a:r>
-                <a:r>
-                  <a:rPr dirty="0" err="1"/>
-                  <a:t>censura</a:t>
-                </a:r>
-                <a:r>
-                  <a:rPr dirty="0"/>
-                  <a:t> à </a:t>
-                </a:r>
-                <a:r>
-                  <a:rPr dirty="0" err="1"/>
-                  <a:t>direita</a:t>
-                </a:r>
-                <a:r>
-                  <a:rPr dirty="0"/>
-                  <a:t> </a:t>
-                </a:r>
-                <a:r>
-                  <a:rPr dirty="0" err="1"/>
-                  <a:t>uniforme</a:t>
-                </a:r>
-                <a:r>
-                  <a:rPr dirty="0"/>
-                  <a:t>;</a:t>
-                </a:r>
-              </a:p>
-              <a:p>
-                <a:pPr lvl="2"/>
-                <a:r>
-                  <a:rPr dirty="0"/>
-                  <a:t>Tempo de </a:t>
-                </a:r>
-                <a:r>
-                  <a:rPr i="1" dirty="0"/>
-                  <a:t>follow-up</a:t>
-                </a:r>
-                <a:r>
-                  <a:rPr dirty="0"/>
-                  <a:t> </a:t>
-                </a:r>
-                <a:r>
-                  <a:rPr dirty="0" err="1"/>
-                  <a:t>mínimo</a:t>
-                </a:r>
-                <a:r>
-                  <a:rPr dirty="0"/>
-                  <a:t> de 1 </a:t>
-                </a:r>
-                <a:r>
-                  <a:rPr dirty="0" err="1"/>
-                  <a:t>ano</a:t>
-                </a:r>
-                <a:r>
-                  <a:rPr dirty="0"/>
-                  <a:t>.</a:t>
-                </a:r>
-              </a:p>
-            </p:txBody>
-          </p:sp>
-        </mc:Choice>
-        <mc:Fallback>
-          <p:sp>
-            <p:nvSpPr>
-              <p:cNvPr id="3" name="Content Placeholder 2"/>
-              <p:cNvSpPr>
-                <a:spLocks noGrp="1" noRot="1" noChangeAspect="1" noMove="1" noResize="1" noEditPoints="1" noAdjustHandles="1" noChangeArrowheads="1" noChangeShapeType="1" noTextEdit="1"/>
-              </p:cNvSpPr>
-              <p:nvPr>
-                <p:ph idx="1"/>
-              </p:nvPr>
-            </p:nvSpPr>
-            <p:spPr>
-              <a:blipFill>
-                <a:blip r:embed="rId2"/>
-                <a:stretch>
-                  <a:fillRect t="-1449"/>
-                </a:stretch>
-              </a:blipFill>
-            </p:spPr>
-            <p:txBody>
-              <a:bodyPr/>
-              <a:lstStyle/>
-              <a:p>
-                <a:r>
-                  <a:rPr lang="pt-BR">
-                    <a:noFill/>
-                  </a:rPr>
-                  <a:t> </a:t>
-                </a:r>
-              </a:p>
-            </p:txBody>
-          </p:sp>
-        </mc:Fallback>
-      </mc:AlternateContent>
+      <p:sp>
+        <p:nvSpPr>
+          <p:cNvPr id="3" name="Content Placeholder 2"/>
+          <p:cNvSpPr>
+            <a:spLocks noGrp="1"/>
+          </p:cNvSpPr>
+          <p:nvPr>
+            <p:ph idx="1"/>
+          </p:nvPr>
+        </p:nvSpPr>
+        <p:spPr/>
+        <p:txBody>
+          <a:bodyPr/>
+          <a:lstStyle/>
+          <a:p>
+            <a:pPr lvl="1"/>
+            <a:r>
+              <a:t>Ajustaram 3 modelos:</a:t>
+            </a:r>
+          </a:p>
+          <a:p>
+            <a:pPr lvl="2"/>
+            <a:r>
+              <a:rPr b="1"/>
+              <a:t>A</a:t>
+            </a:r>
+            <a:r>
+              <a:t>: Modelo de Cox sem trajetória longitudinal;</a:t>
+            </a:r>
+          </a:p>
+          <a:p>
+            <a:pPr lvl="2"/>
+            <a:r>
+              <a:rPr b="1"/>
+              <a:t>B</a:t>
+            </a:r>
+            <a:r>
+              <a:t>: Modelo de Cox usando dado longitudinal como variável tempo-dependente;</a:t>
+            </a:r>
+          </a:p>
+          <a:p>
+            <a:pPr lvl="2"/>
+            <a:r>
+              <a:rPr b="1"/>
+              <a:t>C</a:t>
+            </a:r>
+            <a:r>
+              <a:t>: Modelo conjunto.</a:t>
+            </a:r>
+          </a:p>
+        </p:txBody>
+      </p:sp>
     </p:spTree>
   </p:cSld>
   <p:clrMapOvr>
@@ -8024,58 +9041,36 @@
           </a:p>
         </p:txBody>
       </p:sp>
-      <p:sp>
-        <p:nvSpPr>
-          <p:cNvPr id="3" name="Content Placeholder 2"/>
-          <p:cNvSpPr>
-            <a:spLocks noGrp="1"/>
-          </p:cNvSpPr>
-          <p:nvPr>
-            <p:ph idx="1"/>
-          </p:nvPr>
-        </p:nvSpPr>
-        <p:spPr/>
-        <p:txBody>
-          <a:bodyPr/>
-          <a:lstStyle/>
-          <a:p>
-            <a:pPr lvl="1"/>
-            <a:r>
-              <a:t>Ajustaram 3 modelos:</a:t>
-            </a:r>
-          </a:p>
-          <a:p>
-            <a:pPr lvl="2"/>
-            <a:r>
-              <a:rPr b="1"/>
-              <a:t>A</a:t>
-            </a:r>
-            <a:r>
-              <a:t>: Modelo de Cox sem trajetória longitudinal;</a:t>
-            </a:r>
-          </a:p>
-          <a:p>
-            <a:pPr lvl="2"/>
-            <a:r>
-              <a:rPr b="1"/>
-              <a:t>B</a:t>
-            </a:r>
-            <a:r>
-              <a:t>: Modelo de Cox usando dado longitudinal como variável tempo-dependente;</a:t>
-            </a:r>
-          </a:p>
-          <a:p>
-            <a:pPr lvl="2"/>
-            <a:r>
-              <a:rPr b="1"/>
-              <a:t>C</a:t>
-            </a:r>
-            <a:r>
-              <a:t>: Modelo conjunto.</a:t>
-            </a:r>
-          </a:p>
-        </p:txBody>
-      </p:sp>
+      <p:pic>
+        <p:nvPicPr>
+          <p:cNvPr id="3" name="Picture 1" descr="C:/Users/Particular/Desktop/2020-1;2/Seminarios/2/Seminarios2/figuras/tabela2.png"/>
+          <p:cNvPicPr>
+            <a:picLocks noGrp="1" noChangeAspect="1"/>
+          </p:cNvPicPr>
+          <p:nvPr/>
+        </p:nvPicPr>
+        <p:blipFill>
+          <a:blip r:embed="rId2"/>
+          <a:stretch>
+            <a:fillRect/>
+          </a:stretch>
+        </p:blipFill>
+        <p:spPr bwMode="auto">
+          <a:xfrm>
+            <a:off x="1981200" y="2222500"/>
+            <a:ext cx="8229600" cy="3263900"/>
+          </a:xfrm>
+          <a:prstGeom prst="rect">
+            <a:avLst/>
+          </a:prstGeom>
+          <a:noFill/>
+          <a:ln w="9525">
+            <a:noFill/>
+            <a:headEnd/>
+            <a:tailEnd/>
+          </a:ln>
+        </p:spPr>
+      </p:pic>
     </p:spTree>
   </p:cSld>
   <p:clrMapOvr>
@@ -8177,7 +9172,7 @@
       </p:sp>
       <p:pic>
         <p:nvPicPr>
-          <p:cNvPr id="3" name="Picture 1" descr="C:/Users/Particular/Desktop/2020-1;2/Seminarios/2/Seminarios2/figuras/tabela2.png"/>
+          <p:cNvPr id="3" name="Picture 1" descr="C:/Users/Particular/Desktop/2020-1;2/Seminarios/2/Seminarios2/figuras/tabela3.png"/>
           <p:cNvPicPr>
             <a:picLocks noGrp="1" noChangeAspect="1"/>
           </p:cNvPicPr>
@@ -8191,8 +9186,8 @@
         </p:blipFill>
         <p:spPr bwMode="auto">
           <a:xfrm>
-            <a:off x="1981200" y="2222500"/>
-            <a:ext cx="8229600" cy="3263900"/>
+            <a:off x="3441700" y="1999697"/>
+            <a:ext cx="5308600" cy="4521200"/>
           </a:xfrm>
           <a:prstGeom prst="rect">
             <a:avLst/>
@@ -8246,41 +9241,166 @@
           <a:lstStyle/>
           <a:p>
             <a:r>
-              <a:t>Simulação</a:t>
+              <a:t>Discussões</a:t>
             </a:r>
           </a:p>
         </p:txBody>
       </p:sp>
-      <p:pic>
-        <p:nvPicPr>
-          <p:cNvPr id="3" name="Picture 1" descr="C:/Users/Particular/Desktop/2020-1;2/Seminarios/2/Seminarios2/figuras/tabela3.png"/>
-          <p:cNvPicPr>
-            <a:picLocks noGrp="1" noChangeAspect="1"/>
-          </p:cNvPicPr>
-          <p:nvPr/>
-        </p:nvPicPr>
-        <p:blipFill>
-          <a:blip r:embed="rId2"/>
-          <a:stretch>
-            <a:fillRect/>
-          </a:stretch>
-        </p:blipFill>
-        <p:spPr bwMode="auto">
-          <a:xfrm>
-            <a:off x="3441700" y="1999697"/>
-            <a:ext cx="5308600" cy="4521200"/>
-          </a:xfrm>
-          <a:prstGeom prst="rect">
-            <a:avLst/>
-          </a:prstGeom>
-          <a:noFill/>
-          <a:ln w="9525">
-            <a:noFill/>
-            <a:headEnd/>
-            <a:tailEnd/>
-          </a:ln>
-        </p:spPr>
-      </p:pic>
+      <mc:AlternateContent xmlns:mc="http://schemas.openxmlformats.org/markup-compatibility/2006">
+        <mc:Choice xmlns:a14="http://schemas.microsoft.com/office/drawing/2010/main" Requires="a14">
+          <p:sp>
+            <p:nvSpPr>
+              <p:cNvPr id="3" name="Content Placeholder 2"/>
+              <p:cNvSpPr>
+                <a:spLocks noGrp="1"/>
+              </p:cNvSpPr>
+              <p:nvPr>
+                <p:ph idx="1"/>
+              </p:nvPr>
+            </p:nvSpPr>
+            <p:spPr/>
+            <p:txBody>
+              <a:bodyPr>
+                <a:normAutofit/>
+              </a:bodyPr>
+              <a:lstStyle/>
+              <a:p>
+                <a:pPr lvl="1"/>
+                <a:r>
+                  <a:t>Quando os dados longitudinais não estão associados ao tratamento </a:t>
+                </a:r>
+                <a14:m>
+                  <m:oMath xmlns:m="http://schemas.openxmlformats.org/officeDocument/2006/math">
+                    <m:r>
+                      <a:rPr>
+                        <a:latin typeface="Cambria Math" panose="02040503050406030204" pitchFamily="18" charset="0"/>
+                      </a:rPr>
+                      <m:t>𝛾</m:t>
+                    </m:r>
+                    <m:r>
+                      <a:rPr>
+                        <a:latin typeface="Cambria Math" panose="02040503050406030204" pitchFamily="18" charset="0"/>
+                      </a:rPr>
+                      <m:t>=</m:t>
+                    </m:r>
+                    <m:r>
+                      <a:rPr>
+                        <a:latin typeface="Cambria Math" panose="02040503050406030204" pitchFamily="18" charset="0"/>
+                      </a:rPr>
+                      <m:t>0</m:t>
+                    </m:r>
+                  </m:oMath>
+                </a14:m>
+                <a:r>
+                  <a:t>, ignorar a informação longitudinal ainda resultará em estimativas atenuadas do efeito do tratamento;</a:t>
+                </a:r>
+              </a:p>
+              <a:p>
+                <a:pPr lvl="2"/>
+                <a:r>
+                  <a:t>O grau de atenuação depende do grau de associação entre os dados longitudinais e os dados de sobrevivência, </a:t>
+                </a:r>
+                <a14:m>
+                  <m:oMath xmlns:m="http://schemas.openxmlformats.org/officeDocument/2006/math">
+                    <m:r>
+                      <a:rPr>
+                        <a:latin typeface="Cambria Math" panose="02040503050406030204" pitchFamily="18" charset="0"/>
+                      </a:rPr>
+                      <m:t>𝛽</m:t>
+                    </m:r>
+                  </m:oMath>
+                </a14:m>
+                <a:r>
+                  <a:t>;</a:t>
+                </a:r>
+              </a:p>
+              <a:p>
+                <a:pPr lvl="1"/>
+                <a:r>
+                  <a:t>A estimativa do efeito do tratamento se mantém sem viés quando não há associação entre os dados longitudinais e de sobrevivência;</a:t>
+                </a:r>
+              </a:p>
+              <a:p>
+                <a:pPr lvl="1"/>
+                <a:r>
+                  <a:t>O uso do modelo conjunto no modelamento implica em correção do viés e aumento do poder para estimar o efeito direto do tratamento, </a:t>
+                </a:r>
+                <a14:m>
+                  <m:oMath xmlns:m="http://schemas.openxmlformats.org/officeDocument/2006/math">
+                    <m:r>
+                      <a:rPr>
+                        <a:latin typeface="Cambria Math" panose="02040503050406030204" pitchFamily="18" charset="0"/>
+                      </a:rPr>
+                      <m:t>𝛼</m:t>
+                    </m:r>
+                  </m:oMath>
+                </a14:m>
+                <a:r>
+                  <a:t>, e o efeito geral do tratamento: </a:t>
+                </a:r>
+                <a14:m>
+                  <m:oMath xmlns:m="http://schemas.openxmlformats.org/officeDocument/2006/math">
+                    <m:r>
+                      <a:rPr>
+                        <a:latin typeface="Cambria Math" panose="02040503050406030204" pitchFamily="18" charset="0"/>
+                      </a:rPr>
+                      <m:t>𝛽𝛾</m:t>
+                    </m:r>
+                    <m:r>
+                      <a:rPr>
+                        <a:latin typeface="Cambria Math" panose="02040503050406030204" pitchFamily="18" charset="0"/>
+                      </a:rPr>
+                      <m:t>+</m:t>
+                    </m:r>
+                    <m:r>
+                      <a:rPr>
+                        <a:latin typeface="Cambria Math" panose="02040503050406030204" pitchFamily="18" charset="0"/>
+                      </a:rPr>
+                      <m:t>𝛼</m:t>
+                    </m:r>
+                  </m:oMath>
+                </a14:m>
+                <a:r>
+                  <a:t>.</a:t>
+                </a:r>
+              </a:p>
+            </p:txBody>
+          </p:sp>
+        </mc:Choice>
+        <mc:Fallback>
+          <p:sp>
+            <p:nvSpPr>
+              <p:cNvPr id="3" name="Content Placeholder 2"/>
+              <p:cNvSpPr>
+                <a:spLocks noGrp="1" noRot="1" noChangeAspect="1" noMove="1" noResize="1" noEditPoints="1" noAdjustHandles="1" noChangeArrowheads="1" noChangeShapeType="1" noTextEdit="1"/>
+              </p:cNvSpPr>
+              <p:nvPr>
+                <p:ph idx="1"/>
+              </p:nvPr>
+            </p:nvSpPr>
+            <p:spPr>
+              <a:blipFill>
+                <a:blip r:embed="rId2"/>
+                <a:stretch>
+                  <a:fillRect t="-725" r="-685"/>
+                </a:stretch>
+              </a:blipFill>
+            </p:spPr>
+            <p:txBody>
+              <a:bodyPr/>
+              <a:lstStyle/>
+              <a:p>
+                <a:r>
+                  <a:rPr lang="pt-BR">
+                    <a:noFill/>
+                  </a:rPr>
+                  <a:t> </a:t>
+                </a:r>
+              </a:p>
+            </p:txBody>
+          </p:sp>
+        </mc:Fallback>
+      </mc:AlternateContent>
     </p:spTree>
   </p:cSld>
   <p:clrMapOvr>
@@ -8344,100 +9464,155 @@
           <a:p>
             <a:pPr lvl="1"/>
             <a:r>
-              <a:t>Quando os dados longitudinais não estão associados ao tratamento </a:t>
-            </a:r>
-            <a14:m xmlns:a14="http://schemas.microsoft.com/office/drawing/2010/main">
-              <m:oMath xmlns:m="http://schemas.openxmlformats.org/officeDocument/2006/math">
-                <m:r>
-                  <a:rPr>
-                    <a:latin typeface="Cambria Math" panose="02040503050406030204" pitchFamily="18" charset="0"/>
-                  </a:rPr>
-                  <m:t>𝛾</m:t>
-                </m:r>
-                <m:r>
-                  <a:rPr>
-                    <a:latin typeface="Cambria Math" panose="02040503050406030204" pitchFamily="18" charset="0"/>
-                  </a:rPr>
-                  <m:t>=</m:t>
-                </m:r>
-                <m:r>
-                  <a:rPr>
-                    <a:latin typeface="Cambria Math" panose="02040503050406030204" pitchFamily="18" charset="0"/>
-                  </a:rPr>
-                  <m:t>0</m:t>
-                </m:r>
-              </m:oMath>
-            </a14:m>
-            <a:r>
-              <a:t>, ignorar a informação longitudinal ainda resultará em estimativas atenuadas do efeito do tratamento;</a:t>
-            </a:r>
-          </a:p>
-          <a:p>
-            <a:pPr lvl="2"/>
-            <a:r>
-              <a:t>O grau de atenuação depende do grau de associação entre os dados longitudinais e os dados de sobrevivência, </a:t>
-            </a:r>
-            <a14:m xmlns:a14="http://schemas.microsoft.com/office/drawing/2010/main">
-              <m:oMath xmlns:m="http://schemas.openxmlformats.org/officeDocument/2006/math">
-                <m:r>
-                  <a:rPr>
-                    <a:latin typeface="Cambria Math" panose="02040503050406030204" pitchFamily="18" charset="0"/>
-                  </a:rPr>
-                  <m:t>𝛽</m:t>
-                </m:r>
-              </m:oMath>
-            </a14:m>
-            <a:r>
-              <a:t>;</a:t>
-            </a:r>
-          </a:p>
-          <a:p>
-            <a:pPr lvl="1"/>
-            <a:r>
-              <a:t>A estimativa do efeito do tratamento se mantém sem viés quando não há associação entre os dados longitudinais e de sobrevivência;</a:t>
-            </a:r>
-          </a:p>
-          <a:p>
-            <a:pPr lvl="1"/>
-            <a:r>
-              <a:t>O uso do modelo conjunto no modelamento implica em correção do viés e aumento do poder para estimar o efeito direto do tratamento, </a:t>
-            </a:r>
-            <a14:m xmlns:a14="http://schemas.microsoft.com/office/drawing/2010/main">
-              <m:oMath xmlns:m="http://schemas.openxmlformats.org/officeDocument/2006/math">
-                <m:r>
-                  <a:rPr>
-                    <a:latin typeface="Cambria Math" panose="02040503050406030204" pitchFamily="18" charset="0"/>
-                  </a:rPr>
-                  <m:t>𝛼</m:t>
-                </m:r>
-              </m:oMath>
-            </a14:m>
-            <a:r>
-              <a:t>, e o efeito geral do tratamento: </a:t>
-            </a:r>
-            <a14:m xmlns:a14="http://schemas.microsoft.com/office/drawing/2010/main">
-              <m:oMath xmlns:m="http://schemas.openxmlformats.org/officeDocument/2006/math">
-                <m:r>
-                  <a:rPr>
-                    <a:latin typeface="Cambria Math" panose="02040503050406030204" pitchFamily="18" charset="0"/>
-                  </a:rPr>
-                  <m:t>𝛽𝛾</m:t>
-                </m:r>
-                <m:r>
-                  <a:rPr>
-                    <a:latin typeface="Cambria Math" panose="02040503050406030204" pitchFamily="18" charset="0"/>
-                  </a:rPr>
-                  <m:t>+</m:t>
-                </m:r>
-                <m:r>
-                  <a:rPr>
-                    <a:latin typeface="Cambria Math" panose="02040503050406030204" pitchFamily="18" charset="0"/>
-                  </a:rPr>
-                  <m:t>𝛼</m:t>
-                </m:r>
-              </m:oMath>
-            </a14:m>
-            <a:r>
+              <a:rPr dirty="0" err="1"/>
+              <a:t>Quando</a:t>
+            </a:r>
+            <a:r>
+              <a:rPr dirty="0"/>
+              <a:t> o </a:t>
+            </a:r>
+            <a:r>
+              <a:rPr dirty="0" err="1"/>
+              <a:t>propósito</a:t>
+            </a:r>
+            <a:r>
+              <a:rPr dirty="0"/>
+              <a:t> do </a:t>
+            </a:r>
+            <a:r>
+              <a:rPr dirty="0" err="1"/>
+              <a:t>estudo</a:t>
+            </a:r>
+            <a:r>
+              <a:rPr dirty="0"/>
+              <a:t> </a:t>
+            </a:r>
+            <a:r>
+              <a:rPr dirty="0" err="1"/>
+              <a:t>clínico</a:t>
+            </a:r>
+            <a:r>
+              <a:rPr dirty="0"/>
+              <a:t> é </a:t>
+            </a:r>
+            <a:r>
+              <a:rPr dirty="0" err="1"/>
+              <a:t>investigar</a:t>
+            </a:r>
+            <a:r>
+              <a:rPr dirty="0"/>
+              <a:t> o </a:t>
+            </a:r>
+            <a:r>
+              <a:rPr dirty="0" err="1"/>
+              <a:t>efeito</a:t>
+            </a:r>
+            <a:r>
+              <a:rPr dirty="0"/>
+              <a:t> longitudinal no tempo </a:t>
+            </a:r>
+            <a:r>
+              <a:rPr dirty="0" err="1"/>
+              <a:t>até</a:t>
+            </a:r>
+            <a:r>
+              <a:rPr dirty="0"/>
+              <a:t> o </a:t>
+            </a:r>
+            <a:r>
+              <a:rPr dirty="0" err="1"/>
+              <a:t>evento</a:t>
+            </a:r>
+            <a:r>
+              <a:rPr dirty="0"/>
+              <a:t> de interesse, o </a:t>
+            </a:r>
+            <a:r>
+              <a:rPr dirty="0" err="1"/>
+              <a:t>modelo</a:t>
+            </a:r>
+            <a:r>
+              <a:rPr dirty="0"/>
+              <a:t> conjunto leva a </a:t>
+            </a:r>
+            <a:r>
+              <a:rPr dirty="0" err="1"/>
+              <a:t>estimativas</a:t>
+            </a:r>
+            <a:r>
+              <a:rPr dirty="0"/>
+              <a:t> </a:t>
+            </a:r>
+            <a:r>
+              <a:rPr dirty="0" err="1"/>
+              <a:t>mais</a:t>
+            </a:r>
+            <a:r>
+              <a:rPr dirty="0"/>
+              <a:t> </a:t>
+            </a:r>
+            <a:r>
+              <a:rPr dirty="0" err="1"/>
+              <a:t>eficientes</a:t>
+            </a:r>
+            <a:r>
+              <a:rPr dirty="0"/>
+              <a:t> e </a:t>
+            </a:r>
+            <a:r>
+              <a:rPr dirty="0" err="1"/>
+              <a:t>sem</a:t>
+            </a:r>
+            <a:r>
+              <a:rPr dirty="0"/>
+              <a:t> </a:t>
+            </a:r>
+            <a:r>
+              <a:rPr dirty="0" err="1"/>
+              <a:t>viés</a:t>
+            </a:r>
+            <a:r>
+              <a:rPr dirty="0"/>
+              <a:t> </a:t>
+            </a:r>
+            <a:r>
+              <a:rPr dirty="0" err="1"/>
+              <a:t>quando</a:t>
+            </a:r>
+            <a:r>
+              <a:rPr dirty="0"/>
+              <a:t> é </a:t>
+            </a:r>
+            <a:r>
+              <a:rPr dirty="0" err="1"/>
+              <a:t>ajustado</a:t>
+            </a:r>
+            <a:r>
+              <a:rPr dirty="0"/>
+              <a:t> o </a:t>
+            </a:r>
+            <a:r>
+              <a:rPr dirty="0" err="1"/>
+              <a:t>modelo</a:t>
+            </a:r>
+            <a:r>
+              <a:rPr dirty="0"/>
+              <a:t> de </a:t>
+            </a:r>
+            <a:r>
+              <a:rPr dirty="0" err="1"/>
+              <a:t>sobrevivência</a:t>
+            </a:r>
+            <a:r>
+              <a:rPr dirty="0"/>
+              <a:t> </a:t>
+            </a:r>
+            <a:r>
+              <a:rPr dirty="0" err="1"/>
+              <a:t>correto</a:t>
+            </a:r>
+            <a:r>
+              <a:rPr dirty="0"/>
               <a:t>.</a:t>
             </a:r>
           </a:p>
@@ -8484,74 +9659,6 @@
           <a:lstStyle/>
           <a:p>
             <a:r>
-              <a:t>Discussões</a:t>
-            </a:r>
-          </a:p>
-        </p:txBody>
-      </p:sp>
-      <p:sp>
-        <p:nvSpPr>
-          <p:cNvPr id="3" name="Content Placeholder 2"/>
-          <p:cNvSpPr>
-            <a:spLocks noGrp="1"/>
-          </p:cNvSpPr>
-          <p:nvPr>
-            <p:ph idx="1"/>
-          </p:nvPr>
-        </p:nvSpPr>
-        <p:spPr/>
-        <p:txBody>
-          <a:bodyPr/>
-          <a:lstStyle/>
-          <a:p>
-            <a:pPr lvl="1"/>
-            <a:r>
-              <a:t>Quando o propósito do estudo clínico é investigar o efeito longitudinal no tempo até o evento de interesse, o modelo conjunto leva a estimativas mais eficientes e sem viés quando é ajustado o modelo de sobrevivência correto.</a:t>
-            </a:r>
-          </a:p>
-        </p:txBody>
-      </p:sp>
-    </p:spTree>
-  </p:cSld>
-  <p:clrMapOvr>
-    <a:masterClrMapping/>
-  </p:clrMapOvr>
-</p:sld>
-</file>
-
-<file path=ppt/slides/slide34.xml><?xml version="1.0" encoding="utf-8"?>
-<p:sld xmlns:a="http://schemas.openxmlformats.org/drawingml/2006/main" xmlns:r="http://schemas.openxmlformats.org/officeDocument/2006/relationships" xmlns:p="http://schemas.openxmlformats.org/presentationml/2006/main">
-  <p:cSld>
-    <p:spTree>
-      <p:nvGrpSpPr>
-        <p:cNvPr id="1" name=""/>
-        <p:cNvGrpSpPr/>
-        <p:nvPr/>
-      </p:nvGrpSpPr>
-      <p:grpSpPr>
-        <a:xfrm>
-          <a:off x="0" y="0"/>
-          <a:ext cx="0" cy="0"/>
-          <a:chOff x="0" y="0"/>
-          <a:chExt cx="0" cy="0"/>
-        </a:xfrm>
-      </p:grpSpPr>
-      <p:sp>
-        <p:nvSpPr>
-          <p:cNvPr id="2" name="Title 1"/>
-          <p:cNvSpPr>
-            <a:spLocks noGrp="1"/>
-          </p:cNvSpPr>
-          <p:nvPr>
-            <p:ph type="title"/>
-          </p:nvPr>
-        </p:nvSpPr>
-        <p:spPr/>
-        <p:txBody>
-          <a:bodyPr/>
-          <a:lstStyle/>
-          <a:p>
-            <a:r>
               <a:t>Referência</a:t>
             </a:r>
           </a:p>
@@ -8649,31 +9756,200 @@
           <a:p>
             <a:pPr lvl="1"/>
             <a:r>
-              <a:t>Acompanha paciente até o evento ou a censura.</a:t>
-            </a:r>
+              <a:rPr dirty="0" err="1"/>
+              <a:t>Acompanha</a:t>
+            </a:r>
+            <a:r>
+              <a:rPr dirty="0"/>
+              <a:t> </a:t>
+            </a:r>
+            <a:r>
+              <a:rPr dirty="0" err="1"/>
+              <a:t>paciente</a:t>
+            </a:r>
+            <a:r>
+              <a:rPr dirty="0"/>
+              <a:t> </a:t>
+            </a:r>
+            <a:r>
+              <a:rPr dirty="0" err="1"/>
+              <a:t>até</a:t>
+            </a:r>
+            <a:r>
+              <a:rPr dirty="0"/>
+              <a:t> o </a:t>
+            </a:r>
+            <a:r>
+              <a:rPr dirty="0" err="1"/>
+              <a:t>evento</a:t>
+            </a:r>
+            <a:r>
+              <a:rPr dirty="0"/>
+              <a:t> </a:t>
+            </a:r>
+            <a:r>
+              <a:rPr dirty="0" err="1"/>
+              <a:t>ou</a:t>
+            </a:r>
+            <a:r>
+              <a:rPr dirty="0"/>
+              <a:t> a </a:t>
+            </a:r>
+            <a:r>
+              <a:rPr dirty="0" err="1"/>
+              <a:t>censura</a:t>
+            </a:r>
+            <a:r>
+              <a:rPr lang="pt-BR" dirty="0"/>
+              <a:t>;</a:t>
+            </a:r>
+            <a:endParaRPr dirty="0"/>
           </a:p>
           <a:p>
             <a:pPr lvl="1"/>
             <a:r>
-              <a:t>O tempo até o evento é o dado primordial da análise de sobrevivência.</a:t>
-            </a:r>
+              <a:rPr dirty="0"/>
+              <a:t>O tempo </a:t>
+            </a:r>
+            <a:r>
+              <a:rPr dirty="0" err="1"/>
+              <a:t>até</a:t>
+            </a:r>
+            <a:r>
+              <a:rPr dirty="0"/>
+              <a:t> o </a:t>
+            </a:r>
+            <a:r>
+              <a:rPr dirty="0" err="1"/>
+              <a:t>evento</a:t>
+            </a:r>
+            <a:r>
+              <a:rPr dirty="0"/>
+              <a:t> é o dado primordial da </a:t>
+            </a:r>
+            <a:r>
+              <a:rPr dirty="0" err="1"/>
+              <a:t>análise</a:t>
+            </a:r>
+            <a:r>
+              <a:rPr dirty="0"/>
+              <a:t> de </a:t>
+            </a:r>
+            <a:r>
+              <a:rPr dirty="0" err="1"/>
+              <a:t>sobrevivência</a:t>
+            </a:r>
+            <a:r>
+              <a:rPr lang="pt-BR" dirty="0"/>
+              <a:t>;</a:t>
+            </a:r>
+            <a:endParaRPr dirty="0"/>
           </a:p>
           <a:p>
             <a:pPr lvl="1"/>
             <a:r>
-              <a:t>Importante o tempo que levou para ocorrer o evento.</a:t>
-            </a:r>
+              <a:rPr dirty="0" err="1"/>
+              <a:t>Importante</a:t>
+            </a:r>
+            <a:r>
+              <a:rPr dirty="0"/>
+              <a:t> o tempo que </a:t>
+            </a:r>
+            <a:r>
+              <a:rPr dirty="0" err="1"/>
+              <a:t>levou</a:t>
+            </a:r>
+            <a:r>
+              <a:rPr dirty="0"/>
+              <a:t> para </a:t>
+            </a:r>
+            <a:r>
+              <a:rPr dirty="0" err="1"/>
+              <a:t>ocorrer</a:t>
+            </a:r>
+            <a:r>
+              <a:rPr dirty="0"/>
+              <a:t> o </a:t>
+            </a:r>
+            <a:r>
+              <a:rPr dirty="0" err="1"/>
+              <a:t>evento</a:t>
+            </a:r>
+            <a:r>
+              <a:rPr lang="pt-BR" dirty="0"/>
+              <a:t>;</a:t>
+            </a:r>
+            <a:endParaRPr dirty="0"/>
           </a:p>
           <a:p>
             <a:pPr lvl="1"/>
             <a:r>
-              <a:t>Comparação de tratamentos.</a:t>
-            </a:r>
+              <a:rPr dirty="0" err="1"/>
+              <a:t>Comparação</a:t>
+            </a:r>
+            <a:r>
+              <a:rPr dirty="0"/>
+              <a:t> de </a:t>
+            </a:r>
+            <a:r>
+              <a:rPr dirty="0" err="1"/>
+              <a:t>tratamentos</a:t>
+            </a:r>
+            <a:r>
+              <a:rPr lang="pt-BR" dirty="0"/>
+              <a:t>;</a:t>
+            </a:r>
+            <a:endParaRPr dirty="0"/>
           </a:p>
           <a:p>
             <a:pPr lvl="1"/>
             <a:r>
-              <a:t>Retorna a função de riscos, a taxa de falha e risco relativo.</a:t>
+              <a:rPr dirty="0" err="1"/>
+              <a:t>Retorna</a:t>
+            </a:r>
+            <a:r>
+              <a:rPr dirty="0"/>
+              <a:t> a </a:t>
+            </a:r>
+            <a:r>
+              <a:rPr dirty="0" err="1"/>
+              <a:t>função</a:t>
+            </a:r>
+            <a:r>
+              <a:rPr dirty="0"/>
+              <a:t> de </a:t>
+            </a:r>
+            <a:r>
+              <a:rPr dirty="0" err="1"/>
+              <a:t>riscos</a:t>
+            </a:r>
+            <a:r>
+              <a:rPr dirty="0"/>
+              <a:t>, a taxa de </a:t>
+            </a:r>
+            <a:r>
+              <a:rPr dirty="0" err="1"/>
+              <a:t>falha</a:t>
+            </a:r>
+            <a:r>
+              <a:rPr dirty="0"/>
+              <a:t> e </a:t>
+            </a:r>
+            <a:r>
+              <a:rPr dirty="0" err="1"/>
+              <a:t>risco</a:t>
+            </a:r>
+            <a:r>
+              <a:rPr dirty="0"/>
+              <a:t> </a:t>
+            </a:r>
+            <a:r>
+              <a:rPr dirty="0" err="1"/>
+              <a:t>relativo</a:t>
+            </a:r>
+            <a:r>
+              <a:rPr dirty="0"/>
+              <a:t>.</a:t>
             </a:r>
           </a:p>
         </p:txBody>
@@ -8741,19 +10017,120 @@
           <a:p>
             <a:pPr lvl="1"/>
             <a:r>
-              <a:t>Valores em diferentes pontos no tempo.</a:t>
-            </a:r>
+              <a:rPr dirty="0" err="1"/>
+              <a:t>Valores</a:t>
+            </a:r>
+            <a:r>
+              <a:rPr dirty="0"/>
+              <a:t> </a:t>
+            </a:r>
+            <a:r>
+              <a:rPr dirty="0" err="1"/>
+              <a:t>em</a:t>
+            </a:r>
+            <a:r>
+              <a:rPr dirty="0"/>
+              <a:t> </a:t>
+            </a:r>
+            <a:r>
+              <a:rPr dirty="0" err="1"/>
+              <a:t>diferentes</a:t>
+            </a:r>
+            <a:r>
+              <a:rPr dirty="0"/>
+              <a:t> </a:t>
+            </a:r>
+            <a:r>
+              <a:rPr dirty="0" err="1"/>
+              <a:t>pontos</a:t>
+            </a:r>
+            <a:r>
+              <a:rPr dirty="0"/>
+              <a:t> no tempo</a:t>
+            </a:r>
+            <a:r>
+              <a:rPr lang="pt-BR" dirty="0"/>
+              <a:t>;</a:t>
+            </a:r>
+            <a:endParaRPr dirty="0"/>
           </a:p>
           <a:p>
             <a:pPr lvl="1"/>
             <a:r>
-              <a:t>Importante o valor coletado e o tempo que foi coletado.</a:t>
-            </a:r>
+              <a:rPr dirty="0" err="1"/>
+              <a:t>Importante</a:t>
+            </a:r>
+            <a:r>
+              <a:rPr dirty="0"/>
+              <a:t> o valor </a:t>
+            </a:r>
+            <a:r>
+              <a:rPr dirty="0" err="1"/>
+              <a:t>coletado</a:t>
+            </a:r>
+            <a:r>
+              <a:rPr dirty="0"/>
+              <a:t> e o tempo que </a:t>
+            </a:r>
+            <a:r>
+              <a:rPr dirty="0" err="1"/>
+              <a:t>foi</a:t>
+            </a:r>
+            <a:r>
+              <a:rPr dirty="0"/>
+              <a:t> </a:t>
+            </a:r>
+            <a:r>
+              <a:rPr dirty="0" err="1"/>
+              <a:t>coletado</a:t>
+            </a:r>
+            <a:r>
+              <a:rPr lang="pt-BR" dirty="0"/>
+              <a:t>;</a:t>
+            </a:r>
+            <a:endParaRPr dirty="0"/>
           </a:p>
           <a:p>
             <a:pPr lvl="1"/>
             <a:r>
-              <a:t>Podem ser ótimos preditores para o tempo até o evento.</a:t>
+              <a:rPr dirty="0" err="1"/>
+              <a:t>Podem</a:t>
+            </a:r>
+            <a:r>
+              <a:rPr dirty="0"/>
+              <a:t> ser </a:t>
+            </a:r>
+            <a:r>
+              <a:rPr dirty="0" err="1"/>
+              <a:t>ótimos</a:t>
+            </a:r>
+            <a:r>
+              <a:rPr dirty="0"/>
+              <a:t> </a:t>
+            </a:r>
+            <a:r>
+              <a:rPr dirty="0" err="1"/>
+              <a:t>preditores</a:t>
+            </a:r>
+            <a:r>
+              <a:rPr dirty="0"/>
+              <a:t> para o tempo </a:t>
+            </a:r>
+            <a:r>
+              <a:rPr dirty="0" err="1"/>
+              <a:t>até</a:t>
+            </a:r>
+            <a:r>
+              <a:rPr dirty="0"/>
+              <a:t> o </a:t>
+            </a:r>
+            <a:r>
+              <a:rPr dirty="0" err="1"/>
+              <a:t>evento</a:t>
+            </a:r>
+            <a:r>
+              <a:rPr dirty="0"/>
+              <a:t>.</a:t>
             </a:r>
           </a:p>
         </p:txBody>
@@ -8898,8 +10275,13 @@
             </a:r>
             <a:r>
               <a:rPr dirty="0"/>
-              <a:t> de dados.</a:t>
-            </a:r>
+              <a:t> de dados</a:t>
+            </a:r>
+            <a:r>
+              <a:rPr lang="pt-BR" dirty="0"/>
+              <a:t>;</a:t>
+            </a:r>
+            <a:endParaRPr dirty="0"/>
           </a:p>
           <a:p>
             <a:pPr lvl="1"/>
@@ -8984,9 +10366,10 @@
               <a:t>dependência</a:t>
             </a:r>
             <a:r>
-              <a:rPr dirty="0"/>
-              <a:t>.</a:t>
-            </a:r>
+              <a:rPr lang="pt-BR" dirty="0"/>
+              <a:t>;</a:t>
+            </a:r>
+            <a:endParaRPr dirty="0"/>
           </a:p>
           <a:p>
             <a:pPr lvl="1"/>
@@ -9027,9 +10410,10 @@
               <a:t>viesadas</a:t>
             </a:r>
             <a:r>
-              <a:rPr dirty="0"/>
-              <a:t>.</a:t>
-            </a:r>
+              <a:rPr lang="pt-BR" dirty="0"/>
+              <a:t>;</a:t>
+            </a:r>
+            <a:endParaRPr dirty="0"/>
           </a:p>
           <a:p>
             <a:pPr lvl="1"/>
@@ -9178,413 +10562,451 @@
           </a:p>
         </p:txBody>
       </p:sp>
-      <p:sp>
-        <p:nvSpPr>
-          <p:cNvPr id="3" name="Content Placeholder 2"/>
-          <p:cNvSpPr>
-            <a:spLocks noGrp="1"/>
-          </p:cNvSpPr>
-          <p:nvPr>
-            <p:ph idx="1"/>
-          </p:nvPr>
-        </p:nvSpPr>
-        <p:spPr/>
-        <p:txBody>
-          <a:bodyPr/>
-          <a:lstStyle/>
-          <a:p>
-            <a:pPr marL="0" indent="0">
-              <a:buNone/>
-            </a:pPr>
-            <a:r>
-              <a:rPr dirty="0"/>
-              <a:t>O </a:t>
-            </a:r>
-            <a:r>
-              <a:rPr dirty="0" err="1"/>
-              <a:t>componente</a:t>
-            </a:r>
-            <a:r>
-              <a:rPr dirty="0"/>
-              <a:t> longitudinal </a:t>
-            </a:r>
-            <a:r>
-              <a:rPr dirty="0" err="1"/>
-              <a:t>consiste</a:t>
-            </a:r>
-            <a:r>
-              <a:rPr dirty="0"/>
-              <a:t> no </a:t>
-            </a:r>
-            <a:r>
-              <a:rPr dirty="0" err="1"/>
-              <a:t>modelo</a:t>
-            </a:r>
-            <a:r>
-              <a:rPr dirty="0"/>
-              <a:t> linear misto, que </a:t>
-            </a:r>
-            <a:r>
-              <a:rPr dirty="0" err="1"/>
-              <a:t>pode</a:t>
-            </a:r>
-            <a:r>
-              <a:rPr dirty="0"/>
-              <a:t> ser </a:t>
-            </a:r>
-            <a:r>
-              <a:rPr dirty="0" err="1"/>
-              <a:t>escrito</a:t>
-            </a:r>
-            <a:r>
-              <a:rPr dirty="0"/>
-              <a:t> </a:t>
-            </a:r>
-            <a:r>
-              <a:rPr dirty="0" err="1"/>
-              <a:t>como</a:t>
-            </a:r>
-            <a:r>
-              <a:rPr dirty="0"/>
-              <a:t>:</a:t>
-            </a:r>
-          </a:p>
-          <a:p>
-            <a:pPr lvl="1"/>
-            <a14:m xmlns:a14="http://schemas.microsoft.com/office/drawing/2010/main">
-              <m:oMath xmlns:m="http://schemas.openxmlformats.org/officeDocument/2006/math">
-                <m:sSub>
-                  <m:sSubPr>
-                    <m:ctrlPr>
+      <mc:AlternateContent xmlns:mc="http://schemas.openxmlformats.org/markup-compatibility/2006">
+        <mc:Choice xmlns:a14="http://schemas.microsoft.com/office/drawing/2010/main" Requires="a14">
+          <p:sp>
+            <p:nvSpPr>
+              <p:cNvPr id="3" name="Content Placeholder 2"/>
+              <p:cNvSpPr>
+                <a:spLocks noGrp="1"/>
+              </p:cNvSpPr>
+              <p:nvPr>
+                <p:ph idx="1"/>
+              </p:nvPr>
+            </p:nvSpPr>
+            <p:spPr/>
+            <p:txBody>
+              <a:bodyPr/>
+              <a:lstStyle/>
+              <a:p>
+                <a:pPr marL="0" indent="0">
+                  <a:buNone/>
+                </a:pPr>
+                <a:r>
+                  <a:rPr dirty="0"/>
+                  <a:t>O </a:t>
+                </a:r>
+                <a:r>
+                  <a:rPr dirty="0" err="1"/>
+                  <a:t>componente</a:t>
+                </a:r>
+                <a:r>
+                  <a:rPr dirty="0"/>
+                  <a:t> longitudinal </a:t>
+                </a:r>
+                <a:r>
+                  <a:rPr dirty="0" err="1"/>
+                  <a:t>consiste</a:t>
+                </a:r>
+                <a:r>
+                  <a:rPr dirty="0"/>
+                  <a:t> no </a:t>
+                </a:r>
+                <a:r>
+                  <a:rPr dirty="0" err="1"/>
+                  <a:t>modelo</a:t>
+                </a:r>
+                <a:r>
+                  <a:rPr dirty="0"/>
+                  <a:t> linear misto, que </a:t>
+                </a:r>
+                <a:r>
+                  <a:rPr dirty="0" err="1"/>
+                  <a:t>pode</a:t>
+                </a:r>
+                <a:r>
+                  <a:rPr dirty="0"/>
+                  <a:t> ser </a:t>
+                </a:r>
+                <a:r>
+                  <a:rPr dirty="0" err="1"/>
+                  <a:t>escrito</a:t>
+                </a:r>
+                <a:r>
+                  <a:rPr dirty="0"/>
+                  <a:t> </a:t>
+                </a:r>
+                <a:r>
+                  <a:rPr dirty="0" err="1"/>
+                  <a:t>como</a:t>
+                </a:r>
+                <a:r>
+                  <a:rPr dirty="0"/>
+                  <a:t>:</a:t>
+                </a:r>
+              </a:p>
+              <a:p>
+                <a:pPr lvl="1"/>
+                <a14:m>
+                  <m:oMath xmlns:m="http://schemas.openxmlformats.org/officeDocument/2006/math">
+                    <m:sSub>
+                      <m:sSubPr>
+                        <m:ctrlPr>
+                          <a:rPr i="1">
+                            <a:latin typeface="Cambria Math" panose="02040503050406030204" pitchFamily="18" charset="0"/>
+                          </a:rPr>
+                        </m:ctrlPr>
+                      </m:sSubPr>
+                      <m:e>
+                        <m:r>
+                          <a:rPr>
+                            <a:latin typeface="Cambria Math" panose="02040503050406030204" pitchFamily="18" charset="0"/>
+                          </a:rPr>
+                          <m:t>𝑌</m:t>
+                        </m:r>
+                      </m:e>
+                      <m:sub>
+                        <m:r>
+                          <a:rPr>
+                            <a:latin typeface="Cambria Math" panose="02040503050406030204" pitchFamily="18" charset="0"/>
+                          </a:rPr>
+                          <m:t>𝑖𝑗</m:t>
+                        </m:r>
+                      </m:sub>
+                    </m:sSub>
+                    <m:r>
                       <a:rPr>
                         <a:latin typeface="Cambria Math" panose="02040503050406030204" pitchFamily="18" charset="0"/>
                       </a:rPr>
-                    </m:ctrlPr>
-                  </m:sSubPr>
-                  <m:e>
+                      <m:t>=</m:t>
+                    </m:r>
+                    <m:sSub>
+                      <m:sSubPr>
+                        <m:ctrlPr>
+                          <a:rPr i="1">
+                            <a:latin typeface="Cambria Math" panose="02040503050406030204" pitchFamily="18" charset="0"/>
+                          </a:rPr>
+                        </m:ctrlPr>
+                      </m:sSubPr>
+                      <m:e>
+                        <m:r>
+                          <a:rPr>
+                            <a:latin typeface="Cambria Math" panose="02040503050406030204" pitchFamily="18" charset="0"/>
+                          </a:rPr>
+                          <m:t>𝑋</m:t>
+                        </m:r>
+                      </m:e>
+                      <m:sub>
+                        <m:r>
+                          <a:rPr>
+                            <a:latin typeface="Cambria Math" panose="02040503050406030204" pitchFamily="18" charset="0"/>
+                          </a:rPr>
+                          <m:t>𝑖𝑗</m:t>
+                        </m:r>
+                      </m:sub>
+                    </m:sSub>
                     <m:r>
                       <a:rPr>
                         <a:latin typeface="Cambria Math" panose="02040503050406030204" pitchFamily="18" charset="0"/>
                       </a:rPr>
-                      <m:t>𝑌</m:t>
-                    </m:r>
-                  </m:e>
-                  <m:sub>
-                    <m:r>
-                      <a:rPr>
-                        <a:latin typeface="Cambria Math" panose="02040503050406030204" pitchFamily="18" charset="0"/>
-                      </a:rPr>
-                      <m:t>𝑖𝑗</m:t>
-                    </m:r>
-                  </m:sub>
-                </m:sSub>
-                <m:r>
-                  <a:rPr>
-                    <a:latin typeface="Cambria Math" panose="02040503050406030204" pitchFamily="18" charset="0"/>
+                      <m:t>+</m:t>
+                    </m:r>
+                    <m:sSub>
+                      <m:sSubPr>
+                        <m:ctrlPr>
+                          <a:rPr i="1">
+                            <a:latin typeface="Cambria Math" panose="02040503050406030204" pitchFamily="18" charset="0"/>
+                          </a:rPr>
+                        </m:ctrlPr>
+                      </m:sSubPr>
+                      <m:e>
+                        <m:r>
+                          <a:rPr>
+                            <a:latin typeface="Cambria Math" panose="02040503050406030204" pitchFamily="18" charset="0"/>
+                          </a:rPr>
+                          <m:t>𝜖</m:t>
+                        </m:r>
+                      </m:e>
+                      <m:sub>
+                        <m:r>
+                          <a:rPr>
+                            <a:latin typeface="Cambria Math" panose="02040503050406030204" pitchFamily="18" charset="0"/>
+                          </a:rPr>
+                          <m:t>𝑖𝑗</m:t>
+                        </m:r>
+                      </m:sub>
+                    </m:sSub>
+                  </m:oMath>
+                </a14:m>
+                <a:r>
+                  <a:rPr dirty="0"/>
+                  <a:t>;</a:t>
+                </a:r>
+              </a:p>
+              <a:p>
+                <a:pPr lvl="2"/>
+                <a14:m>
+                  <m:oMath xmlns:m="http://schemas.openxmlformats.org/officeDocument/2006/math">
+                    <m:sSub>
+                      <m:sSubPr>
+                        <m:ctrlPr>
+                          <a:rPr i="1">
+                            <a:latin typeface="Cambria Math" panose="02040503050406030204" pitchFamily="18" charset="0"/>
+                          </a:rPr>
+                        </m:ctrlPr>
+                      </m:sSubPr>
+                      <m:e>
+                        <m:r>
+                          <a:rPr>
+                            <a:latin typeface="Cambria Math" panose="02040503050406030204" pitchFamily="18" charset="0"/>
+                          </a:rPr>
+                          <m:t>𝑌</m:t>
+                        </m:r>
+                      </m:e>
+                      <m:sub>
+                        <m:r>
+                          <a:rPr>
+                            <a:latin typeface="Cambria Math" panose="02040503050406030204" pitchFamily="18" charset="0"/>
+                          </a:rPr>
+                          <m:t>𝑖𝑗</m:t>
+                        </m:r>
+                      </m:sub>
+                    </m:sSub>
+                  </m:oMath>
+                </a14:m>
+                <a:r>
+                  <a:rPr dirty="0"/>
+                  <a:t> é a </a:t>
+                </a:r>
+                <a:r>
+                  <a:rPr dirty="0" err="1"/>
+                  <a:t>resposta</a:t>
+                </a:r>
+                <a:r>
+                  <a:rPr dirty="0"/>
+                  <a:t> </a:t>
+                </a:r>
+                <a:r>
+                  <a:rPr dirty="0" err="1"/>
+                  <a:t>observada</a:t>
+                </a:r>
+                <a:r>
+                  <a:rPr dirty="0"/>
+                  <a:t> do </a:t>
+                </a:r>
+                <a:r>
+                  <a:rPr dirty="0" err="1"/>
+                  <a:t>i-ésimo</a:t>
+                </a:r>
+                <a:r>
+                  <a:rPr dirty="0"/>
+                  <a:t> </a:t>
+                </a:r>
+                <a:r>
+                  <a:rPr dirty="0" err="1"/>
+                  <a:t>indivíduo</a:t>
+                </a:r>
+                <a:r>
+                  <a:rPr dirty="0"/>
+                  <a:t> no tempo j-</a:t>
+                </a:r>
+                <a:r>
+                  <a:rPr dirty="0" err="1"/>
+                  <a:t>ésimo</a:t>
+                </a:r>
+                <a:r>
+                  <a:rPr dirty="0"/>
+                  <a:t>;</a:t>
+                </a:r>
+              </a:p>
+              <a:p>
+                <a:pPr lvl="2"/>
+                <a14:m>
+                  <m:oMath xmlns:m="http://schemas.openxmlformats.org/officeDocument/2006/math">
+                    <m:sSub>
+                      <m:sSubPr>
+                        <m:ctrlPr>
+                          <a:rPr i="1">
+                            <a:latin typeface="Cambria Math" panose="02040503050406030204" pitchFamily="18" charset="0"/>
+                          </a:rPr>
+                        </m:ctrlPr>
+                      </m:sSubPr>
+                      <m:e>
+                        <m:r>
+                          <a:rPr>
+                            <a:latin typeface="Cambria Math" panose="02040503050406030204" pitchFamily="18" charset="0"/>
+                          </a:rPr>
+                          <m:t>𝜖</m:t>
+                        </m:r>
+                      </m:e>
+                      <m:sub>
+                        <m:r>
+                          <a:rPr>
+                            <a:latin typeface="Cambria Math" panose="02040503050406030204" pitchFamily="18" charset="0"/>
+                          </a:rPr>
+                          <m:t>𝑖𝑗</m:t>
+                        </m:r>
+                      </m:sub>
+                    </m:sSub>
+                  </m:oMath>
+                </a14:m>
+                <a:r>
+                  <a:rPr dirty="0"/>
+                  <a:t> é o </a:t>
+                </a:r>
+                <a:r>
+                  <a:rPr dirty="0" err="1"/>
+                  <a:t>erro</a:t>
+                </a:r>
+                <a:r>
+                  <a:rPr dirty="0"/>
+                  <a:t> </a:t>
+                </a:r>
+                <a:r>
+                  <a:rPr dirty="0" err="1"/>
+                  <a:t>aleatório</a:t>
+                </a:r>
+                <a:r>
+                  <a:rPr dirty="0"/>
+                  <a:t> que </a:t>
+                </a:r>
+                <a:r>
+                  <a:rPr dirty="0" err="1"/>
+                  <a:t>assumimos</a:t>
+                </a:r>
+                <a:r>
+                  <a:rPr dirty="0"/>
+                  <a:t> que </a:t>
+                </a:r>
+                <a:r>
+                  <a:rPr dirty="0" err="1"/>
+                  <a:t>vem</a:t>
+                </a:r>
+                <a:r>
+                  <a:rPr dirty="0"/>
+                  <a:t> de </a:t>
+                </a:r>
+                <a:r>
+                  <a:rPr dirty="0" err="1"/>
+                  <a:t>uma</a:t>
+                </a:r>
+                <a:r>
+                  <a:rPr dirty="0"/>
+                  <a:t> </a:t>
+                </a:r>
+                <a:r>
+                  <a:rPr dirty="0" err="1"/>
+                  <a:t>distribuição</a:t>
+                </a:r>
+                <a:r>
+                  <a:rPr dirty="0"/>
+                  <a:t> normal;</a:t>
+                </a:r>
+              </a:p>
+              <a:p>
+                <a:pPr lvl="2"/>
+                <a14:m>
+                  <m:oMath xmlns:m="http://schemas.openxmlformats.org/officeDocument/2006/math">
+                    <m:sSub>
+                      <m:sSubPr>
+                        <m:ctrlPr>
+                          <a:rPr i="1">
+                            <a:latin typeface="Cambria Math" panose="02040503050406030204" pitchFamily="18" charset="0"/>
+                          </a:rPr>
+                        </m:ctrlPr>
+                      </m:sSubPr>
+                      <m:e>
+                        <m:r>
+                          <a:rPr>
+                            <a:latin typeface="Cambria Math" panose="02040503050406030204" pitchFamily="18" charset="0"/>
+                          </a:rPr>
+                          <m:t>𝑋</m:t>
+                        </m:r>
+                      </m:e>
+                      <m:sub>
+                        <m:r>
+                          <a:rPr>
+                            <a:latin typeface="Cambria Math" panose="02040503050406030204" pitchFamily="18" charset="0"/>
+                          </a:rPr>
+                          <m:t>𝑖𝑗</m:t>
+                        </m:r>
+                      </m:sub>
+                    </m:sSub>
+                  </m:oMath>
+                </a14:m>
+                <a:r>
+                  <a:rPr dirty="0"/>
+                  <a:t> é </a:t>
+                </a:r>
+                <a:r>
+                  <a:rPr dirty="0" err="1"/>
+                  <a:t>conhecida</a:t>
+                </a:r>
+                <a:r>
+                  <a:rPr dirty="0"/>
+                  <a:t> </a:t>
+                </a:r>
+                <a:r>
+                  <a:rPr dirty="0" err="1"/>
+                  <a:t>como</a:t>
+                </a:r>
+                <a:r>
+                  <a:rPr dirty="0"/>
+                  <a:t> </a:t>
+                </a:r>
+                <a:r>
+                  <a:rPr dirty="0" err="1"/>
+                  <a:t>função</a:t>
+                </a:r>
+                <a:r>
+                  <a:rPr dirty="0"/>
+                  <a:t> </a:t>
+                </a:r>
+                <a:r>
+                  <a:rPr dirty="0" err="1"/>
+                  <a:t>trajetória</a:t>
+                </a:r>
+                <a:r>
+                  <a:rPr dirty="0"/>
+                  <a:t> do </a:t>
+                </a:r>
+                <a:r>
+                  <a:rPr dirty="0" err="1"/>
+                  <a:t>modelo</a:t>
+                </a:r>
+                <a:r>
+                  <a:rPr lang="pt-BR" dirty="0"/>
+                  <a:t>.</a:t>
+                </a:r>
+                <a:endParaRPr dirty="0"/>
+              </a:p>
+            </p:txBody>
+          </p:sp>
+        </mc:Choice>
+        <mc:Fallback>
+          <p:sp>
+            <p:nvSpPr>
+              <p:cNvPr id="3" name="Content Placeholder 2"/>
+              <p:cNvSpPr>
+                <a:spLocks noGrp="1" noRot="1" noChangeAspect="1" noMove="1" noResize="1" noEditPoints="1" noAdjustHandles="1" noChangeArrowheads="1" noChangeShapeType="1" noTextEdit="1"/>
+              </p:cNvSpPr>
+              <p:nvPr>
+                <p:ph idx="1"/>
+              </p:nvPr>
+            </p:nvSpPr>
+            <p:spPr>
+              <a:blipFill>
+                <a:blip r:embed="rId2"/>
+                <a:stretch>
+                  <a:fillRect l="-810" t="-1014" r="-810"/>
+                </a:stretch>
+              </a:blipFill>
+            </p:spPr>
+            <p:txBody>
+              <a:bodyPr/>
+              <a:lstStyle/>
+              <a:p>
+                <a:r>
+                  <a:rPr lang="pt-BR">
+                    <a:noFill/>
                   </a:rPr>
-                  <m:t>=</m:t>
-                </m:r>
-                <m:sSub>
-                  <m:sSubPr>
-                    <m:ctrlPr>
-                      <a:rPr i="1">
-                        <a:latin typeface="Cambria Math" panose="02040503050406030204" pitchFamily="18" charset="0"/>
-                      </a:rPr>
-                    </m:ctrlPr>
-                  </m:sSubPr>
-                  <m:e>
-                    <m:r>
-                      <a:rPr>
-                        <a:latin typeface="Cambria Math" panose="02040503050406030204" pitchFamily="18" charset="0"/>
-                      </a:rPr>
-                      <m:t>𝑋</m:t>
-                    </m:r>
-                  </m:e>
-                  <m:sub>
-                    <m:r>
-                      <a:rPr>
-                        <a:latin typeface="Cambria Math" panose="02040503050406030204" pitchFamily="18" charset="0"/>
-                      </a:rPr>
-                      <m:t>𝑖𝑗</m:t>
-                    </m:r>
-                  </m:sub>
-                </m:sSub>
-                <m:r>
-                  <a:rPr>
-                    <a:latin typeface="Cambria Math" panose="02040503050406030204" pitchFamily="18" charset="0"/>
-                  </a:rPr>
-                  <m:t>+</m:t>
-                </m:r>
-                <m:sSub>
-                  <m:sSubPr>
-                    <m:ctrlPr>
-                      <a:rPr i="1">
-                        <a:latin typeface="Cambria Math" panose="02040503050406030204" pitchFamily="18" charset="0"/>
-                      </a:rPr>
-                    </m:ctrlPr>
-                  </m:sSubPr>
-                  <m:e>
-                    <m:r>
-                      <a:rPr>
-                        <a:latin typeface="Cambria Math" panose="02040503050406030204" pitchFamily="18" charset="0"/>
-                      </a:rPr>
-                      <m:t>𝜖</m:t>
-                    </m:r>
-                  </m:e>
-                  <m:sub>
-                    <m:r>
-                      <a:rPr>
-                        <a:latin typeface="Cambria Math" panose="02040503050406030204" pitchFamily="18" charset="0"/>
-                      </a:rPr>
-                      <m:t>𝑖𝑗</m:t>
-                    </m:r>
-                  </m:sub>
-                </m:sSub>
-              </m:oMath>
-            </a14:m>
-            <a:r>
-              <a:rPr dirty="0"/>
-              <a:t>;</a:t>
-            </a:r>
-          </a:p>
-          <a:p>
-            <a:pPr lvl="2"/>
-            <a14:m xmlns:a14="http://schemas.microsoft.com/office/drawing/2010/main">
-              <m:oMath xmlns:m="http://schemas.openxmlformats.org/officeDocument/2006/math">
-                <m:sSub>
-                  <m:sSubPr>
-                    <m:ctrlPr>
-                      <a:rPr>
-                        <a:latin typeface="Cambria Math" panose="02040503050406030204" pitchFamily="18" charset="0"/>
-                      </a:rPr>
-                    </m:ctrlPr>
-                  </m:sSubPr>
-                  <m:e>
-                    <m:r>
-                      <a:rPr>
-                        <a:latin typeface="Cambria Math" panose="02040503050406030204" pitchFamily="18" charset="0"/>
-                      </a:rPr>
-                      <m:t>𝑌</m:t>
-                    </m:r>
-                  </m:e>
-                  <m:sub>
-                    <m:r>
-                      <a:rPr>
-                        <a:latin typeface="Cambria Math" panose="02040503050406030204" pitchFamily="18" charset="0"/>
-                      </a:rPr>
-                      <m:t>𝑖𝑗</m:t>
-                    </m:r>
-                  </m:sub>
-                </m:sSub>
-              </m:oMath>
-            </a14:m>
-            <a:r>
-              <a:rPr dirty="0"/>
-              <a:t> é a </a:t>
-            </a:r>
-            <a:r>
-              <a:rPr dirty="0" err="1"/>
-              <a:t>resposta</a:t>
-            </a:r>
-            <a:r>
-              <a:rPr dirty="0"/>
-              <a:t> </a:t>
-            </a:r>
-            <a:r>
-              <a:rPr dirty="0" err="1"/>
-              <a:t>observada</a:t>
-            </a:r>
-            <a:r>
-              <a:rPr dirty="0"/>
-              <a:t> do </a:t>
-            </a:r>
-            <a:r>
-              <a:rPr dirty="0" err="1"/>
-              <a:t>i-ésimo</a:t>
-            </a:r>
-            <a:r>
-              <a:rPr dirty="0"/>
-              <a:t> </a:t>
-            </a:r>
-            <a:r>
-              <a:rPr dirty="0" err="1"/>
-              <a:t>indivíduo</a:t>
-            </a:r>
-            <a:r>
-              <a:rPr dirty="0"/>
-              <a:t> no tempo j-</a:t>
-            </a:r>
-            <a:r>
-              <a:rPr dirty="0" err="1"/>
-              <a:t>ésimo</a:t>
-            </a:r>
-            <a:r>
-              <a:rPr dirty="0"/>
-              <a:t>;</a:t>
-            </a:r>
-          </a:p>
-          <a:p>
-            <a:pPr lvl="2"/>
-            <a14:m xmlns:a14="http://schemas.microsoft.com/office/drawing/2010/main">
-              <m:oMath xmlns:m="http://schemas.openxmlformats.org/officeDocument/2006/math">
-                <m:sSub>
-                  <m:sSubPr>
-                    <m:ctrlPr>
-                      <a:rPr>
-                        <a:latin typeface="Cambria Math" panose="02040503050406030204" pitchFamily="18" charset="0"/>
-                      </a:rPr>
-                    </m:ctrlPr>
-                  </m:sSubPr>
-                  <m:e>
-                    <m:r>
-                      <a:rPr>
-                        <a:latin typeface="Cambria Math" panose="02040503050406030204" pitchFamily="18" charset="0"/>
-                      </a:rPr>
-                      <m:t>𝜖</m:t>
-                    </m:r>
-                  </m:e>
-                  <m:sub>
-                    <m:r>
-                      <a:rPr>
-                        <a:latin typeface="Cambria Math" panose="02040503050406030204" pitchFamily="18" charset="0"/>
-                      </a:rPr>
-                      <m:t>𝑖𝑗</m:t>
-                    </m:r>
-                  </m:sub>
-                </m:sSub>
-              </m:oMath>
-            </a14:m>
-            <a:r>
-              <a:rPr dirty="0"/>
-              <a:t> é o </a:t>
-            </a:r>
-            <a:r>
-              <a:rPr dirty="0" err="1"/>
-              <a:t>erro</a:t>
-            </a:r>
-            <a:r>
-              <a:rPr dirty="0"/>
-              <a:t> </a:t>
-            </a:r>
-            <a:r>
-              <a:rPr dirty="0" err="1"/>
-              <a:t>aleatório</a:t>
-            </a:r>
-            <a:r>
-              <a:rPr dirty="0"/>
-              <a:t> que </a:t>
-            </a:r>
-            <a:r>
-              <a:rPr dirty="0" err="1"/>
-              <a:t>assumimos</a:t>
-            </a:r>
-            <a:r>
-              <a:rPr dirty="0"/>
-              <a:t> que </a:t>
-            </a:r>
-            <a:r>
-              <a:rPr dirty="0" err="1"/>
-              <a:t>vem</a:t>
-            </a:r>
-            <a:r>
-              <a:rPr dirty="0"/>
-              <a:t> de </a:t>
-            </a:r>
-            <a:r>
-              <a:rPr dirty="0" err="1"/>
-              <a:t>uma</a:t>
-            </a:r>
-            <a:r>
-              <a:rPr dirty="0"/>
-              <a:t> </a:t>
-            </a:r>
-            <a:r>
-              <a:rPr dirty="0" err="1"/>
-              <a:t>distribuição</a:t>
-            </a:r>
-            <a:r>
-              <a:rPr dirty="0"/>
-              <a:t> normal;</a:t>
-            </a:r>
-          </a:p>
-          <a:p>
-            <a:pPr lvl="2"/>
-            <a14:m xmlns:a14="http://schemas.microsoft.com/office/drawing/2010/main">
-              <m:oMath xmlns:m="http://schemas.openxmlformats.org/officeDocument/2006/math">
-                <m:sSub>
-                  <m:sSubPr>
-                    <m:ctrlPr>
-                      <a:rPr>
-                        <a:latin typeface="Cambria Math" panose="02040503050406030204" pitchFamily="18" charset="0"/>
-                      </a:rPr>
-                    </m:ctrlPr>
-                  </m:sSubPr>
-                  <m:e>
-                    <m:r>
-                      <a:rPr>
-                        <a:latin typeface="Cambria Math" panose="02040503050406030204" pitchFamily="18" charset="0"/>
-                      </a:rPr>
-                      <m:t>𝑋</m:t>
-                    </m:r>
-                  </m:e>
-                  <m:sub>
-                    <m:r>
-                      <a:rPr>
-                        <a:latin typeface="Cambria Math" panose="02040503050406030204" pitchFamily="18" charset="0"/>
-                      </a:rPr>
-                      <m:t>𝑖𝑗</m:t>
-                    </m:r>
-                  </m:sub>
-                </m:sSub>
-              </m:oMath>
-            </a14:m>
-            <a:r>
-              <a:rPr dirty="0"/>
-              <a:t> é </a:t>
-            </a:r>
-            <a:r>
-              <a:rPr dirty="0" err="1"/>
-              <a:t>conhecida</a:t>
-            </a:r>
-            <a:r>
-              <a:rPr dirty="0"/>
-              <a:t> </a:t>
-            </a:r>
-            <a:r>
-              <a:rPr dirty="0" err="1"/>
-              <a:t>como</a:t>
-            </a:r>
-            <a:r>
-              <a:rPr dirty="0"/>
-              <a:t> </a:t>
-            </a:r>
-            <a:r>
-              <a:rPr dirty="0" err="1"/>
-              <a:t>função</a:t>
-            </a:r>
-            <a:r>
-              <a:rPr dirty="0"/>
-              <a:t> </a:t>
-            </a:r>
-            <a:r>
-              <a:rPr dirty="0" err="1"/>
-              <a:t>trajetória</a:t>
-            </a:r>
-            <a:r>
-              <a:rPr dirty="0"/>
-              <a:t> do </a:t>
-            </a:r>
-            <a:r>
-              <a:rPr dirty="0" err="1"/>
-              <a:t>modelo</a:t>
-            </a:r>
-            <a:r>
-              <a:rPr dirty="0"/>
-              <a:t>;</a:t>
-            </a:r>
-          </a:p>
-        </p:txBody>
-      </p:sp>
+                  <a:t> </a:t>
+                </a:r>
+              </a:p>
+            </p:txBody>
+          </p:sp>
+        </mc:Fallback>
+      </mc:AlternateContent>
     </p:spTree>
   </p:cSld>
   <p:clrMapOvr>
@@ -9631,358 +11053,554 @@
           </a:p>
         </p:txBody>
       </p:sp>
-      <p:sp>
-        <p:nvSpPr>
-          <p:cNvPr id="3" name="Content Placeholder 2"/>
-          <p:cNvSpPr>
-            <a:spLocks noGrp="1"/>
-          </p:cNvSpPr>
-          <p:nvPr>
-            <p:ph idx="1"/>
-          </p:nvPr>
-        </p:nvSpPr>
-        <p:spPr/>
-        <p:txBody>
-          <a:bodyPr/>
-          <a:lstStyle/>
-          <a:p>
-            <a:pPr lvl="1"/>
-            <a14:m xmlns:a14="http://schemas.microsoft.com/office/drawing/2010/main">
-              <m:oMath xmlns:m="http://schemas.openxmlformats.org/officeDocument/2006/math">
-                <m:sSub>
-                  <m:sSubPr>
-                    <m:ctrlPr>
+      <mc:AlternateContent xmlns:mc="http://schemas.openxmlformats.org/markup-compatibility/2006">
+        <mc:Choice xmlns:a14="http://schemas.microsoft.com/office/drawing/2010/main" Requires="a14">
+          <p:sp>
+            <p:nvSpPr>
+              <p:cNvPr id="3" name="Content Placeholder 2"/>
+              <p:cNvSpPr>
+                <a:spLocks noGrp="1"/>
+              </p:cNvSpPr>
+              <p:nvPr>
+                <p:ph idx="1"/>
+              </p:nvPr>
+            </p:nvSpPr>
+            <p:spPr/>
+            <p:txBody>
+              <a:bodyPr/>
+              <a:lstStyle/>
+              <a:p>
+                <a:pPr lvl="1"/>
+                <a14:m>
+                  <m:oMath xmlns:m="http://schemas.openxmlformats.org/officeDocument/2006/math">
+                    <m:sSub>
+                      <m:sSubPr>
+                        <m:ctrlPr>
+                          <a:rPr i="1">
+                            <a:latin typeface="Cambria Math" panose="02040503050406030204" pitchFamily="18" charset="0"/>
+                          </a:rPr>
+                        </m:ctrlPr>
+                      </m:sSubPr>
+                      <m:e>
+                        <m:r>
+                          <a:rPr>
+                            <a:latin typeface="Cambria Math" panose="02040503050406030204" pitchFamily="18" charset="0"/>
+                          </a:rPr>
+                          <m:t>𝑋</m:t>
+                        </m:r>
+                      </m:e>
+                      <m:sub>
+                        <m:r>
+                          <a:rPr>
+                            <a:latin typeface="Cambria Math" panose="02040503050406030204" pitchFamily="18" charset="0"/>
+                          </a:rPr>
+                          <m:t>𝑖𝑗</m:t>
+                        </m:r>
+                      </m:sub>
+                    </m:sSub>
+                    <m:r>
                       <a:rPr>
                         <a:latin typeface="Cambria Math" panose="02040503050406030204" pitchFamily="18" charset="0"/>
                       </a:rPr>
-                    </m:ctrlPr>
-                  </m:sSubPr>
-                  <m:e>
+                      <m:t>=</m:t>
+                    </m:r>
+                    <m:sSub>
+                      <m:sSubPr>
+                        <m:ctrlPr>
+                          <a:rPr i="1">
+                            <a:latin typeface="Cambria Math" panose="02040503050406030204" pitchFamily="18" charset="0"/>
+                          </a:rPr>
+                        </m:ctrlPr>
+                      </m:sSubPr>
+                      <m:e>
+                        <m:r>
+                          <a:rPr>
+                            <a:latin typeface="Cambria Math" panose="02040503050406030204" pitchFamily="18" charset="0"/>
+                          </a:rPr>
+                          <m:t>𝜃</m:t>
+                        </m:r>
+                      </m:e>
+                      <m:sub>
+                        <m:r>
+                          <a:rPr>
+                            <a:latin typeface="Cambria Math" panose="02040503050406030204" pitchFamily="18" charset="0"/>
+                          </a:rPr>
+                          <m:t>0</m:t>
+                        </m:r>
+                        <m:r>
+                          <a:rPr>
+                            <a:latin typeface="Cambria Math" panose="02040503050406030204" pitchFamily="18" charset="0"/>
+                          </a:rPr>
+                          <m:t>𝑖</m:t>
+                        </m:r>
+                      </m:sub>
+                    </m:sSub>
                     <m:r>
                       <a:rPr>
                         <a:latin typeface="Cambria Math" panose="02040503050406030204" pitchFamily="18" charset="0"/>
                       </a:rPr>
-                      <m:t>𝑋</m:t>
-                    </m:r>
-                  </m:e>
-                  <m:sub>
+                      <m:t>+</m:t>
+                    </m:r>
+                    <m:sSub>
+                      <m:sSubPr>
+                        <m:ctrlPr>
+                          <a:rPr i="1">
+                            <a:latin typeface="Cambria Math" panose="02040503050406030204" pitchFamily="18" charset="0"/>
+                          </a:rPr>
+                        </m:ctrlPr>
+                      </m:sSubPr>
+                      <m:e>
+                        <m:r>
+                          <a:rPr>
+                            <a:latin typeface="Cambria Math" panose="02040503050406030204" pitchFamily="18" charset="0"/>
+                          </a:rPr>
+                          <m:t>𝜃</m:t>
+                        </m:r>
+                      </m:e>
+                      <m:sub>
+                        <m:r>
+                          <a:rPr>
+                            <a:latin typeface="Cambria Math" panose="02040503050406030204" pitchFamily="18" charset="0"/>
+                          </a:rPr>
+                          <m:t>1</m:t>
+                        </m:r>
+                        <m:r>
+                          <a:rPr>
+                            <a:latin typeface="Cambria Math" panose="02040503050406030204" pitchFamily="18" charset="0"/>
+                          </a:rPr>
+                          <m:t>𝑖</m:t>
+                        </m:r>
+                      </m:sub>
+                    </m:sSub>
+                    <m:sSub>
+                      <m:sSubPr>
+                        <m:ctrlPr>
+                          <a:rPr i="1">
+                            <a:latin typeface="Cambria Math" panose="02040503050406030204" pitchFamily="18" charset="0"/>
+                          </a:rPr>
+                        </m:ctrlPr>
+                      </m:sSubPr>
+                      <m:e>
+                        <m:r>
+                          <a:rPr>
+                            <a:latin typeface="Cambria Math" panose="02040503050406030204" pitchFamily="18" charset="0"/>
+                          </a:rPr>
+                          <m:t>𝑡</m:t>
+                        </m:r>
+                      </m:e>
+                      <m:sub>
+                        <m:r>
+                          <a:rPr>
+                            <a:latin typeface="Cambria Math" panose="02040503050406030204" pitchFamily="18" charset="0"/>
+                          </a:rPr>
+                          <m:t>𝑖𝑗</m:t>
+                        </m:r>
+                      </m:sub>
+                    </m:sSub>
                     <m:r>
                       <a:rPr>
                         <a:latin typeface="Cambria Math" panose="02040503050406030204" pitchFamily="18" charset="0"/>
                       </a:rPr>
-                      <m:t>𝑖𝑗</m:t>
-                    </m:r>
-                  </m:sub>
-                </m:sSub>
-                <m:r>
-                  <a:rPr>
-                    <a:latin typeface="Cambria Math" panose="02040503050406030204" pitchFamily="18" charset="0"/>
+                      <m:t>+</m:t>
+                    </m:r>
+                    <m:r>
+                      <a:rPr>
+                        <a:latin typeface="Cambria Math" panose="02040503050406030204" pitchFamily="18" charset="0"/>
+                      </a:rPr>
+                      <m:t>𝛾</m:t>
+                    </m:r>
+                    <m:sSub>
+                      <m:sSubPr>
+                        <m:ctrlPr>
+                          <a:rPr i="1">
+                            <a:latin typeface="Cambria Math" panose="02040503050406030204" pitchFamily="18" charset="0"/>
+                          </a:rPr>
+                        </m:ctrlPr>
+                      </m:sSubPr>
+                      <m:e>
+                        <m:r>
+                          <a:rPr>
+                            <a:latin typeface="Cambria Math" panose="02040503050406030204" pitchFamily="18" charset="0"/>
+                          </a:rPr>
+                          <m:t>𝑍</m:t>
+                        </m:r>
+                      </m:e>
+                      <m:sub>
+                        <m:r>
+                          <a:rPr>
+                            <a:latin typeface="Cambria Math" panose="02040503050406030204" pitchFamily="18" charset="0"/>
+                          </a:rPr>
+                          <m:t>𝑖</m:t>
+                        </m:r>
+                      </m:sub>
+                    </m:sSub>
+                  </m:oMath>
+                </a14:m>
+                <a:r>
+                  <a:rPr dirty="0"/>
+                  <a:t>;</a:t>
+                </a:r>
+              </a:p>
+              <a:p>
+                <a:pPr lvl="2"/>
+                <a14:m>
+                  <m:oMath xmlns:m="http://schemas.openxmlformats.org/officeDocument/2006/math">
+                    <m:sSub>
+                      <m:sSubPr>
+                        <m:ctrlPr>
+                          <a:rPr i="1">
+                            <a:latin typeface="Cambria Math" panose="02040503050406030204" pitchFamily="18" charset="0"/>
+                          </a:rPr>
+                        </m:ctrlPr>
+                      </m:sSubPr>
+                      <m:e>
+                        <m:r>
+                          <a:rPr>
+                            <a:latin typeface="Cambria Math" panose="02040503050406030204" pitchFamily="18" charset="0"/>
+                          </a:rPr>
+                          <m:t>𝑡</m:t>
+                        </m:r>
+                      </m:e>
+                      <m:sub>
+                        <m:r>
+                          <a:rPr>
+                            <a:latin typeface="Cambria Math" panose="02040503050406030204" pitchFamily="18" charset="0"/>
+                          </a:rPr>
+                          <m:t>𝑖𝑗</m:t>
+                        </m:r>
+                      </m:sub>
+                    </m:sSub>
+                  </m:oMath>
+                </a14:m>
+                <a:r>
+                  <a:rPr dirty="0"/>
+                  <a:t> é o valor do tempo;</a:t>
+                </a:r>
+              </a:p>
+              <a:p>
+                <a:pPr lvl="2"/>
+                <a14:m>
+                  <m:oMath xmlns:m="http://schemas.openxmlformats.org/officeDocument/2006/math">
+                    <m:sSub>
+                      <m:sSubPr>
+                        <m:ctrlPr>
+                          <a:rPr i="1">
+                            <a:latin typeface="Cambria Math" panose="02040503050406030204" pitchFamily="18" charset="0"/>
+                          </a:rPr>
+                        </m:ctrlPr>
+                      </m:sSubPr>
+                      <m:e>
+                        <m:r>
+                          <a:rPr>
+                            <a:latin typeface="Cambria Math" panose="02040503050406030204" pitchFamily="18" charset="0"/>
+                          </a:rPr>
+                          <m:t>𝑍</m:t>
+                        </m:r>
+                      </m:e>
+                      <m:sub>
+                        <m:r>
+                          <a:rPr>
+                            <a:latin typeface="Cambria Math" panose="02040503050406030204" pitchFamily="18" charset="0"/>
+                          </a:rPr>
+                          <m:t>𝑖</m:t>
+                        </m:r>
+                      </m:sub>
+                    </m:sSub>
+                  </m:oMath>
+                </a14:m>
+                <a:r>
+                  <a:rPr dirty="0"/>
+                  <a:t> é o </a:t>
+                </a:r>
+                <a:r>
+                  <a:rPr dirty="0" err="1"/>
+                  <a:t>indicador</a:t>
+                </a:r>
+                <a:r>
+                  <a:rPr dirty="0"/>
+                  <a:t> de </a:t>
+                </a:r>
+                <a:r>
+                  <a:rPr dirty="0" err="1"/>
+                  <a:t>tratamento</a:t>
+                </a:r>
+                <a:r>
+                  <a:rPr dirty="0"/>
+                  <a:t> do </a:t>
+                </a:r>
+                <a:r>
+                  <a:rPr dirty="0" err="1"/>
+                  <a:t>i-ésimo</a:t>
+                </a:r>
+                <a:r>
+                  <a:rPr dirty="0"/>
+                  <a:t> </a:t>
+                </a:r>
+                <a:r>
+                  <a:rPr dirty="0" err="1"/>
+                  <a:t>indivíduo</a:t>
+                </a:r>
+                <a:r>
+                  <a:rPr dirty="0"/>
+                  <a:t> que assume 1 para </a:t>
+                </a:r>
+                <a:r>
+                  <a:rPr dirty="0" err="1"/>
+                  <a:t>tratamento</a:t>
+                </a:r>
+                <a:r>
+                  <a:rPr dirty="0"/>
+                  <a:t> e 0 para </a:t>
+                </a:r>
+                <a:r>
+                  <a:rPr dirty="0" err="1"/>
+                  <a:t>não</a:t>
+                </a:r>
+                <a:r>
+                  <a:rPr dirty="0"/>
+                  <a:t> </a:t>
+                </a:r>
+                <a:r>
+                  <a:rPr dirty="0" err="1"/>
+                  <a:t>tratamento</a:t>
+                </a:r>
+                <a:r>
+                  <a:rPr dirty="0"/>
+                  <a:t> </a:t>
+                </a:r>
+                <a:r>
+                  <a:rPr dirty="0" err="1"/>
+                  <a:t>ou</a:t>
+                </a:r>
+                <a:r>
+                  <a:rPr dirty="0"/>
+                  <a:t> </a:t>
+                </a:r>
+                <a:r>
+                  <a:rPr dirty="0" err="1"/>
+                  <a:t>tratamento</a:t>
+                </a:r>
+                <a:r>
+                  <a:rPr dirty="0"/>
+                  <a:t> base;</a:t>
+                </a:r>
+              </a:p>
+              <a:p>
+                <a:pPr lvl="2"/>
+                <a14:m>
+                  <m:oMath xmlns:m="http://schemas.openxmlformats.org/officeDocument/2006/math">
+                    <m:sSub>
+                      <m:sSubPr>
+                        <m:ctrlPr>
+                          <a:rPr i="1">
+                            <a:latin typeface="Cambria Math" panose="02040503050406030204" pitchFamily="18" charset="0"/>
+                          </a:rPr>
+                        </m:ctrlPr>
+                      </m:sSubPr>
+                      <m:e>
+                        <m:r>
+                          <a:rPr>
+                            <a:latin typeface="Cambria Math" panose="02040503050406030204" pitchFamily="18" charset="0"/>
+                          </a:rPr>
+                          <m:t>𝜃</m:t>
+                        </m:r>
+                      </m:e>
+                      <m:sub>
+                        <m:r>
+                          <a:rPr>
+                            <a:latin typeface="Cambria Math" panose="02040503050406030204" pitchFamily="18" charset="0"/>
+                          </a:rPr>
+                          <m:t>0</m:t>
+                        </m:r>
+                        <m:r>
+                          <a:rPr>
+                            <a:latin typeface="Cambria Math" panose="02040503050406030204" pitchFamily="18" charset="0"/>
+                          </a:rPr>
+                          <m:t>𝑖</m:t>
+                        </m:r>
+                      </m:sub>
+                    </m:sSub>
+                  </m:oMath>
+                </a14:m>
+                <a:r>
+                  <a:rPr dirty="0"/>
+                  <a:t> e </a:t>
+                </a:r>
+                <a14:m>
+                  <m:oMath xmlns:m="http://schemas.openxmlformats.org/officeDocument/2006/math">
+                    <m:sSub>
+                      <m:sSubPr>
+                        <m:ctrlPr>
+                          <a:rPr i="1">
+                            <a:latin typeface="Cambria Math" panose="02040503050406030204" pitchFamily="18" charset="0"/>
+                          </a:rPr>
+                        </m:ctrlPr>
+                      </m:sSubPr>
+                      <m:e>
+                        <m:r>
+                          <a:rPr>
+                            <a:latin typeface="Cambria Math" panose="02040503050406030204" pitchFamily="18" charset="0"/>
+                          </a:rPr>
+                          <m:t>𝜃</m:t>
+                        </m:r>
+                      </m:e>
+                      <m:sub>
+                        <m:r>
+                          <a:rPr>
+                            <a:latin typeface="Cambria Math" panose="02040503050406030204" pitchFamily="18" charset="0"/>
+                          </a:rPr>
+                          <m:t>1</m:t>
+                        </m:r>
+                        <m:r>
+                          <a:rPr>
+                            <a:latin typeface="Cambria Math" panose="02040503050406030204" pitchFamily="18" charset="0"/>
+                          </a:rPr>
+                          <m:t>𝑖</m:t>
+                        </m:r>
+                      </m:sub>
+                    </m:sSub>
+                  </m:oMath>
+                </a14:m>
+                <a:r>
+                  <a:rPr dirty="0"/>
+                  <a:t> </a:t>
+                </a:r>
+                <a:r>
+                  <a:rPr dirty="0" err="1"/>
+                  <a:t>são</a:t>
+                </a:r>
+                <a:r>
+                  <a:rPr dirty="0"/>
+                  <a:t> </a:t>
+                </a:r>
+                <a:r>
+                  <a:rPr dirty="0" err="1"/>
+                  <a:t>parâmetros</a:t>
+                </a:r>
+                <a:r>
+                  <a:rPr dirty="0"/>
+                  <a:t> que </a:t>
+                </a:r>
+                <a:r>
+                  <a:rPr dirty="0" err="1"/>
+                  <a:t>assumimos</a:t>
+                </a:r>
+                <a:r>
+                  <a:rPr dirty="0"/>
+                  <a:t> </a:t>
+                </a:r>
+                <a:r>
+                  <a:rPr dirty="0" err="1"/>
+                  <a:t>como</a:t>
+                </a:r>
+                <a:r>
+                  <a:rPr dirty="0"/>
+                  <a:t> </a:t>
+                </a:r>
+                <a:r>
+                  <a:rPr dirty="0" err="1"/>
+                  <a:t>aleatório</a:t>
+                </a:r>
+                <a:r>
+                  <a:rPr dirty="0"/>
+                  <a:t> e com </a:t>
+                </a:r>
+                <a:r>
+                  <a:rPr dirty="0" err="1"/>
+                  <a:t>distribuição</a:t>
+                </a:r>
+                <a:r>
+                  <a:rPr dirty="0"/>
+                  <a:t> normal </a:t>
+                </a:r>
+                <a:r>
+                  <a:rPr dirty="0" err="1"/>
+                  <a:t>multivariada</a:t>
+                </a:r>
+                <a:r>
+                  <a:rPr lang="pt-BR" dirty="0"/>
+                  <a:t>;</a:t>
+                </a:r>
+                <a:endParaRPr dirty="0"/>
+              </a:p>
+              <a:p>
+                <a:pPr lvl="2"/>
+                <a14:m>
+                  <m:oMath xmlns:m="http://schemas.openxmlformats.org/officeDocument/2006/math">
+                    <m:r>
+                      <a:rPr>
+                        <a:latin typeface="Cambria Math" panose="02040503050406030204" pitchFamily="18" charset="0"/>
+                      </a:rPr>
+                      <m:t>𝛾</m:t>
+                    </m:r>
+                  </m:oMath>
+                </a14:m>
+                <a:r>
+                  <a:rPr dirty="0"/>
+                  <a:t> indica o </a:t>
+                </a:r>
+                <a:r>
+                  <a:rPr dirty="0" err="1"/>
+                  <a:t>efeito</a:t>
+                </a:r>
+                <a:r>
+                  <a:rPr dirty="0"/>
+                  <a:t> do </a:t>
+                </a:r>
+                <a:r>
+                  <a:rPr dirty="0" err="1"/>
+                  <a:t>tratamento</a:t>
+                </a:r>
+                <a:r>
+                  <a:rPr dirty="0"/>
+                  <a:t> no </a:t>
+                </a:r>
+                <a:r>
+                  <a:rPr dirty="0" err="1"/>
+                  <a:t>processo</a:t>
+                </a:r>
+                <a:r>
+                  <a:rPr dirty="0"/>
+                  <a:t> longitudinal.</a:t>
+                </a:r>
+              </a:p>
+            </p:txBody>
+          </p:sp>
+        </mc:Choice>
+        <mc:Fallback>
+          <p:sp>
+            <p:nvSpPr>
+              <p:cNvPr id="3" name="Content Placeholder 2"/>
+              <p:cNvSpPr>
+                <a:spLocks noGrp="1" noRot="1" noChangeAspect="1" noMove="1" noResize="1" noEditPoints="1" noAdjustHandles="1" noChangeArrowheads="1" noChangeShapeType="1" noTextEdit="1"/>
+              </p:cNvSpPr>
+              <p:nvPr>
+                <p:ph idx="1"/>
+              </p:nvPr>
+            </p:nvSpPr>
+            <p:spPr>
+              <a:blipFill>
+                <a:blip r:embed="rId2"/>
+                <a:stretch>
+                  <a:fillRect t="-580" r="-561"/>
+                </a:stretch>
+              </a:blipFill>
+            </p:spPr>
+            <p:txBody>
+              <a:bodyPr/>
+              <a:lstStyle/>
+              <a:p>
+                <a:r>
+                  <a:rPr lang="pt-BR">
+                    <a:noFill/>
                   </a:rPr>
-                  <m:t>=</m:t>
-                </m:r>
-                <m:sSub>
-                  <m:sSubPr>
-                    <m:ctrlPr>
-                      <a:rPr i="1">
-                        <a:latin typeface="Cambria Math" panose="02040503050406030204" pitchFamily="18" charset="0"/>
-                      </a:rPr>
-                    </m:ctrlPr>
-                  </m:sSubPr>
-                  <m:e>
-                    <m:r>
-                      <a:rPr>
-                        <a:latin typeface="Cambria Math" panose="02040503050406030204" pitchFamily="18" charset="0"/>
-                      </a:rPr>
-                      <m:t>𝜃</m:t>
-                    </m:r>
-                  </m:e>
-                  <m:sub>
-                    <m:r>
-                      <a:rPr>
-                        <a:latin typeface="Cambria Math" panose="02040503050406030204" pitchFamily="18" charset="0"/>
-                      </a:rPr>
-                      <m:t>0</m:t>
-                    </m:r>
-                    <m:r>
-                      <a:rPr>
-                        <a:latin typeface="Cambria Math" panose="02040503050406030204" pitchFamily="18" charset="0"/>
-                      </a:rPr>
-                      <m:t>𝑖</m:t>
-                    </m:r>
-                  </m:sub>
-                </m:sSub>
-                <m:r>
-                  <a:rPr>
-                    <a:latin typeface="Cambria Math" panose="02040503050406030204" pitchFamily="18" charset="0"/>
-                  </a:rPr>
-                  <m:t>+</m:t>
-                </m:r>
-                <m:sSub>
-                  <m:sSubPr>
-                    <m:ctrlPr>
-                      <a:rPr i="1">
-                        <a:latin typeface="Cambria Math" panose="02040503050406030204" pitchFamily="18" charset="0"/>
-                      </a:rPr>
-                    </m:ctrlPr>
-                  </m:sSubPr>
-                  <m:e>
-                    <m:r>
-                      <a:rPr>
-                        <a:latin typeface="Cambria Math" panose="02040503050406030204" pitchFamily="18" charset="0"/>
-                      </a:rPr>
-                      <m:t>𝜃</m:t>
-                    </m:r>
-                  </m:e>
-                  <m:sub>
-                    <m:r>
-                      <a:rPr>
-                        <a:latin typeface="Cambria Math" panose="02040503050406030204" pitchFamily="18" charset="0"/>
-                      </a:rPr>
-                      <m:t>1</m:t>
-                    </m:r>
-                    <m:r>
-                      <a:rPr>
-                        <a:latin typeface="Cambria Math" panose="02040503050406030204" pitchFamily="18" charset="0"/>
-                      </a:rPr>
-                      <m:t>𝑖</m:t>
-                    </m:r>
-                  </m:sub>
-                </m:sSub>
-                <m:sSub>
-                  <m:sSubPr>
-                    <m:ctrlPr>
-                      <a:rPr i="1">
-                        <a:latin typeface="Cambria Math" panose="02040503050406030204" pitchFamily="18" charset="0"/>
-                      </a:rPr>
-                    </m:ctrlPr>
-                  </m:sSubPr>
-                  <m:e>
-                    <m:r>
-                      <a:rPr>
-                        <a:latin typeface="Cambria Math" panose="02040503050406030204" pitchFamily="18" charset="0"/>
-                      </a:rPr>
-                      <m:t>𝑡</m:t>
-                    </m:r>
-                  </m:e>
-                  <m:sub>
-                    <m:r>
-                      <a:rPr>
-                        <a:latin typeface="Cambria Math" panose="02040503050406030204" pitchFamily="18" charset="0"/>
-                      </a:rPr>
-                      <m:t>𝑖𝑗</m:t>
-                    </m:r>
-                  </m:sub>
-                </m:sSub>
-                <m:r>
-                  <a:rPr>
-                    <a:latin typeface="Cambria Math" panose="02040503050406030204" pitchFamily="18" charset="0"/>
-                  </a:rPr>
-                  <m:t>+</m:t>
-                </m:r>
-                <m:r>
-                  <a:rPr>
-                    <a:latin typeface="Cambria Math" panose="02040503050406030204" pitchFamily="18" charset="0"/>
-                  </a:rPr>
-                  <m:t>𝛾</m:t>
-                </m:r>
-                <m:sSub>
-                  <m:sSubPr>
-                    <m:ctrlPr>
-                      <a:rPr i="1">
-                        <a:latin typeface="Cambria Math" panose="02040503050406030204" pitchFamily="18" charset="0"/>
-                      </a:rPr>
-                    </m:ctrlPr>
-                  </m:sSubPr>
-                  <m:e>
-                    <m:r>
-                      <a:rPr>
-                        <a:latin typeface="Cambria Math" panose="02040503050406030204" pitchFamily="18" charset="0"/>
-                      </a:rPr>
-                      <m:t>𝑍</m:t>
-                    </m:r>
-                  </m:e>
-                  <m:sub>
-                    <m:r>
-                      <a:rPr>
-                        <a:latin typeface="Cambria Math" panose="02040503050406030204" pitchFamily="18" charset="0"/>
-                      </a:rPr>
-                      <m:t>𝑖</m:t>
-                    </m:r>
-                  </m:sub>
-                </m:sSub>
-              </m:oMath>
-            </a14:m>
-            <a:r>
-              <a:t>;</a:t>
-            </a:r>
-          </a:p>
-          <a:p>
-            <a:pPr lvl="2"/>
-            <a14:m xmlns:a14="http://schemas.microsoft.com/office/drawing/2010/main">
-              <m:oMath xmlns:m="http://schemas.openxmlformats.org/officeDocument/2006/math">
-                <m:sSub>
-                  <m:sSubPr>
-                    <m:ctrlPr>
-                      <a:rPr>
-                        <a:latin typeface="Cambria Math" panose="02040503050406030204" pitchFamily="18" charset="0"/>
-                      </a:rPr>
-                    </m:ctrlPr>
-                  </m:sSubPr>
-                  <m:e>
-                    <m:r>
-                      <a:rPr>
-                        <a:latin typeface="Cambria Math" panose="02040503050406030204" pitchFamily="18" charset="0"/>
-                      </a:rPr>
-                      <m:t>𝑡</m:t>
-                    </m:r>
-                  </m:e>
-                  <m:sub>
-                    <m:r>
-                      <a:rPr>
-                        <a:latin typeface="Cambria Math" panose="02040503050406030204" pitchFamily="18" charset="0"/>
-                      </a:rPr>
-                      <m:t>𝑖𝑗</m:t>
-                    </m:r>
-                  </m:sub>
-                </m:sSub>
-              </m:oMath>
-            </a14:m>
-            <a:r>
-              <a:t> é o valor do tempo;</a:t>
-            </a:r>
-          </a:p>
-          <a:p>
-            <a:pPr lvl="2"/>
-            <a14:m xmlns:a14="http://schemas.microsoft.com/office/drawing/2010/main">
-              <m:oMath xmlns:m="http://schemas.openxmlformats.org/officeDocument/2006/math">
-                <m:sSub>
-                  <m:sSubPr>
-                    <m:ctrlPr>
-                      <a:rPr>
-                        <a:latin typeface="Cambria Math" panose="02040503050406030204" pitchFamily="18" charset="0"/>
-                      </a:rPr>
-                    </m:ctrlPr>
-                  </m:sSubPr>
-                  <m:e>
-                    <m:r>
-                      <a:rPr>
-                        <a:latin typeface="Cambria Math" panose="02040503050406030204" pitchFamily="18" charset="0"/>
-                      </a:rPr>
-                      <m:t>𝑍</m:t>
-                    </m:r>
-                  </m:e>
-                  <m:sub>
-                    <m:r>
-                      <a:rPr>
-                        <a:latin typeface="Cambria Math" panose="02040503050406030204" pitchFamily="18" charset="0"/>
-                      </a:rPr>
-                      <m:t>𝑖</m:t>
-                    </m:r>
-                  </m:sub>
-                </m:sSub>
-              </m:oMath>
-            </a14:m>
-            <a:r>
-              <a:t> é o indicador de tratamento do i-ésimo indivíduo que assume 1 para tratamento e 0 para não tratamento ou tratamento base;</a:t>
-            </a:r>
-          </a:p>
-          <a:p>
-            <a:pPr lvl="2"/>
-            <a14:m xmlns:a14="http://schemas.microsoft.com/office/drawing/2010/main">
-              <m:oMath xmlns:m="http://schemas.openxmlformats.org/officeDocument/2006/math">
-                <m:sSub>
-                  <m:sSubPr>
-                    <m:ctrlPr>
-                      <a:rPr>
-                        <a:latin typeface="Cambria Math" panose="02040503050406030204" pitchFamily="18" charset="0"/>
-                      </a:rPr>
-                    </m:ctrlPr>
-                  </m:sSubPr>
-                  <m:e>
-                    <m:r>
-                      <a:rPr>
-                        <a:latin typeface="Cambria Math" panose="02040503050406030204" pitchFamily="18" charset="0"/>
-                      </a:rPr>
-                      <m:t>𝜃</m:t>
-                    </m:r>
-                  </m:e>
-                  <m:sub>
-                    <m:r>
-                      <a:rPr>
-                        <a:latin typeface="Cambria Math" panose="02040503050406030204" pitchFamily="18" charset="0"/>
-                      </a:rPr>
-                      <m:t>0</m:t>
-                    </m:r>
-                    <m:r>
-                      <a:rPr>
-                        <a:latin typeface="Cambria Math" panose="02040503050406030204" pitchFamily="18" charset="0"/>
-                      </a:rPr>
-                      <m:t>𝑖</m:t>
-                    </m:r>
-                  </m:sub>
-                </m:sSub>
-              </m:oMath>
-            </a14:m>
-            <a:r>
-              <a:t> e </a:t>
-            </a:r>
-            <a14:m xmlns:a14="http://schemas.microsoft.com/office/drawing/2010/main">
-              <m:oMath xmlns:m="http://schemas.openxmlformats.org/officeDocument/2006/math">
-                <m:sSub>
-                  <m:sSubPr>
-                    <m:ctrlPr>
-                      <a:rPr>
-                        <a:latin typeface="Cambria Math" panose="02040503050406030204" pitchFamily="18" charset="0"/>
-                      </a:rPr>
-                    </m:ctrlPr>
-                  </m:sSubPr>
-                  <m:e>
-                    <m:r>
-                      <a:rPr>
-                        <a:latin typeface="Cambria Math" panose="02040503050406030204" pitchFamily="18" charset="0"/>
-                      </a:rPr>
-                      <m:t>𝜃</m:t>
-                    </m:r>
-                  </m:e>
-                  <m:sub>
-                    <m:r>
-                      <a:rPr>
-                        <a:latin typeface="Cambria Math" panose="02040503050406030204" pitchFamily="18" charset="0"/>
-                      </a:rPr>
-                      <m:t>1</m:t>
-                    </m:r>
-                    <m:r>
-                      <a:rPr>
-                        <a:latin typeface="Cambria Math" panose="02040503050406030204" pitchFamily="18" charset="0"/>
-                      </a:rPr>
-                      <m:t>𝑖</m:t>
-                    </m:r>
-                  </m:sub>
-                </m:sSub>
-              </m:oMath>
-            </a14:m>
-            <a:r>
-              <a:t> são parâmetros que assumimos como aleatório e com distribuição normal multivariada.</a:t>
-            </a:r>
-          </a:p>
-          <a:p>
-            <a:pPr lvl="2"/>
-            <a14:m xmlns:a14="http://schemas.microsoft.com/office/drawing/2010/main">
-              <m:oMath xmlns:m="http://schemas.openxmlformats.org/officeDocument/2006/math">
-                <m:r>
-                  <a:rPr>
-                    <a:latin typeface="Cambria Math" panose="02040503050406030204" pitchFamily="18" charset="0"/>
-                  </a:rPr>
-                  <m:t>𝛾</m:t>
-                </m:r>
-              </m:oMath>
-            </a14:m>
-            <a:r>
-              <a:t> indica o efeito do tratamento no processo longitudinal.</a:t>
-            </a:r>
-          </a:p>
-        </p:txBody>
-      </p:sp>
+                  <a:t> </a:t>
+                </a:r>
+              </a:p>
+            </p:txBody>
+          </p:sp>
+        </mc:Fallback>
+      </mc:AlternateContent>
     </p:spTree>
   </p:cSld>
   <p:clrMapOvr>

--- a/Apresentacao_Editado.pptx
+++ b/Apresentacao_Editado.pptx
@@ -3475,34 +3475,34 @@
           <a:lstStyle/>
           <a:p>
             <a:r>
-              <a:rPr sz="4400" dirty="0" err="1"/>
+              <a:rPr sz="4000" dirty="0" err="1"/>
               <a:t>Modelagem</a:t>
             </a:r>
             <a:r>
-              <a:rPr sz="4400" dirty="0"/>
+              <a:rPr sz="4000" dirty="0"/>
               <a:t> </a:t>
             </a:r>
             <a:r>
-              <a:rPr sz="4400" dirty="0" err="1"/>
+              <a:rPr sz="4000" dirty="0" err="1"/>
               <a:t>Conjunta</a:t>
             </a:r>
             <a:r>
-              <a:rPr sz="4400" dirty="0"/>
+              <a:rPr sz="4000" dirty="0"/>
               <a:t> de Dados </a:t>
             </a:r>
             <a:r>
-              <a:rPr sz="4400" dirty="0" err="1"/>
+              <a:rPr sz="4000" dirty="0" err="1"/>
               <a:t>Longitudinais</a:t>
             </a:r>
             <a:r>
-              <a:rPr sz="4400" dirty="0"/>
+              <a:rPr sz="4000" dirty="0"/>
               <a:t> e de </a:t>
             </a:r>
             <a:r>
-              <a:rPr sz="4400" dirty="0" err="1"/>
+              <a:rPr sz="4000" dirty="0" err="1"/>
               <a:t>Sobrevivência</a:t>
             </a:r>
-            <a:endParaRPr sz="4400" dirty="0"/>
+            <a:endParaRPr sz="4000" dirty="0"/>
           </a:p>
         </p:txBody>
       </p:sp>
@@ -3582,11 +3582,11 @@
           <a:p>
             <a:pPr algn="ctr"/>
             <a:r>
-              <a:rPr lang="pt-BR" dirty="0"/>
+              <a:rPr lang="pt-BR" sz="1100" dirty="0"/>
               <a:t>Universidade</a:t>
             </a:r>
             <a:r>
-              <a:rPr dirty="0"/>
+              <a:rPr sz="1100" dirty="0"/>
               <a:t> Federal de Minas Gerais (UFMG)</a:t>
             </a:r>
           </a:p>
@@ -3638,8 +3638,8 @@
           </a:p>
         </p:txBody>
       </p:sp>
-      <mc:AlternateContent xmlns:mc="http://schemas.openxmlformats.org/markup-compatibility/2006">
-        <mc:Choice xmlns:a14="http://schemas.microsoft.com/office/drawing/2010/main" Requires="a14">
+      <mc:AlternateContent xmlns:mc="http://schemas.openxmlformats.org/markup-compatibility/2006" xmlns:a14="http://schemas.microsoft.com/office/drawing/2010/main">
+        <mc:Choice Requires="a14">
           <p:sp>
             <p:nvSpPr>
               <p:cNvPr id="3" name="Content Placeholder 2"/>
@@ -4098,7 +4098,7 @@
             </p:txBody>
           </p:sp>
         </mc:Choice>
-        <mc:Fallback>
+        <mc:Fallback xmlns="">
           <p:sp>
             <p:nvSpPr>
               <p:cNvPr id="3" name="Content Placeholder 2"/>
@@ -4178,8 +4178,8 @@
           </a:p>
         </p:txBody>
       </p:sp>
-      <mc:AlternateContent xmlns:mc="http://schemas.openxmlformats.org/markup-compatibility/2006">
-        <mc:Choice xmlns:a14="http://schemas.microsoft.com/office/drawing/2010/main" Requires="a14">
+      <mc:AlternateContent xmlns:mc="http://schemas.openxmlformats.org/markup-compatibility/2006" xmlns:a14="http://schemas.microsoft.com/office/drawing/2010/main">
+        <mc:Choice Requires="a14">
           <p:sp>
             <p:nvSpPr>
               <p:cNvPr id="3" name="Content Placeholder 2"/>
@@ -4403,7 +4403,7 @@
             </p:txBody>
           </p:sp>
         </mc:Choice>
-        <mc:Fallback>
+        <mc:Fallback xmlns="">
           <p:sp>
             <p:nvSpPr>
               <p:cNvPr id="3" name="Content Placeholder 2"/>
@@ -4519,8 +4519,8 @@
           </a:p>
         </p:txBody>
       </p:sp>
-      <mc:AlternateContent xmlns:mc="http://schemas.openxmlformats.org/markup-compatibility/2006">
-        <mc:Choice xmlns:a14="http://schemas.microsoft.com/office/drawing/2010/main" Requires="a14">
+      <mc:AlternateContent xmlns:mc="http://schemas.openxmlformats.org/markup-compatibility/2006" xmlns:a14="http://schemas.microsoft.com/office/drawing/2010/main">
+        <mc:Choice Requires="a14">
           <p:sp>
             <p:nvSpPr>
               <p:cNvPr id="3" name="Content Placeholder 2"/>
@@ -5005,7 +5005,7 @@
             </p:txBody>
           </p:sp>
         </mc:Choice>
-        <mc:Fallback>
+        <mc:Fallback xmlns="">
           <p:sp>
             <p:nvSpPr>
               <p:cNvPr id="3" name="Content Placeholder 2"/>
@@ -5561,8 +5561,8 @@
           </a:p>
         </p:txBody>
       </p:sp>
-      <mc:AlternateContent xmlns:mc="http://schemas.openxmlformats.org/markup-compatibility/2006">
-        <mc:Choice xmlns:a14="http://schemas.microsoft.com/office/drawing/2010/main" Requires="a14">
+      <mc:AlternateContent xmlns:mc="http://schemas.openxmlformats.org/markup-compatibility/2006" xmlns:a14="http://schemas.microsoft.com/office/drawing/2010/main">
+        <mc:Choice Requires="a14">
           <p:sp>
             <p:nvSpPr>
               <p:cNvPr id="3" name="Content Placeholder 2"/>
@@ -5648,7 +5648,7 @@
             </p:txBody>
           </p:sp>
         </mc:Choice>
-        <mc:Fallback>
+        <mc:Fallback xmlns="">
           <p:sp>
             <p:nvSpPr>
               <p:cNvPr id="3" name="Content Placeholder 2"/>
@@ -5824,6 +5824,40 @@
           </a:ln>
         </p:spPr>
       </p:pic>
+      <p:sp>
+        <p:nvSpPr>
+          <p:cNvPr id="3" name="Title 1">
+            <a:extLst>
+              <a:ext uri="{FF2B5EF4-FFF2-40B4-BE49-F238E27FC236}">
+                <a16:creationId xmlns:a16="http://schemas.microsoft.com/office/drawing/2014/main" id="{40DA4988-7566-4FA4-9EED-BF91D39C44E6}"/>
+              </a:ext>
+            </a:extLst>
+          </p:cNvPr>
+          <p:cNvSpPr>
+            <a:spLocks noGrp="1"/>
+          </p:cNvSpPr>
+          <p:nvPr>
+            <p:ph type="title"/>
+          </p:nvPr>
+        </p:nvSpPr>
+        <p:spPr>
+          <a:xfrm>
+            <a:off x="1202919" y="284176"/>
+            <a:ext cx="9784080" cy="1508760"/>
+          </a:xfrm>
+        </p:spPr>
+        <p:txBody>
+          <a:bodyPr/>
+          <a:lstStyle/>
+          <a:p>
+            <a:r>
+              <a:rPr lang="pt-BR" dirty="0"/>
+              <a:t>ARTIGO</a:t>
+            </a:r>
+            <a:endParaRPr dirty="0"/>
+          </a:p>
+        </p:txBody>
+      </p:sp>
     </p:spTree>
   </p:cSld>
   <p:clrMapOvr>
@@ -6373,8 +6407,8 @@
           </a:p>
         </p:txBody>
       </p:sp>
-      <mc:AlternateContent xmlns:mc="http://schemas.openxmlformats.org/markup-compatibility/2006">
-        <mc:Choice xmlns:a14="http://schemas.microsoft.com/office/drawing/2010/main" Requires="a14">
+      <mc:AlternateContent xmlns:mc="http://schemas.openxmlformats.org/markup-compatibility/2006" xmlns:a14="http://schemas.microsoft.com/office/drawing/2010/main">
+        <mc:Choice Requires="a14">
           <p:sp>
             <p:nvSpPr>
               <p:cNvPr id="3" name="Content Placeholder 2"/>
@@ -6641,7 +6675,7 @@
             </p:txBody>
           </p:sp>
         </mc:Choice>
-        <mc:Fallback>
+        <mc:Fallback xmlns="">
           <p:sp>
             <p:nvSpPr>
               <p:cNvPr id="3" name="Content Placeholder 2"/>
@@ -6820,8 +6854,8 @@
           </a:p>
         </p:txBody>
       </p:sp>
-      <mc:AlternateContent xmlns:mc="http://schemas.openxmlformats.org/markup-compatibility/2006">
-        <mc:Choice xmlns:a14="http://schemas.microsoft.com/office/drawing/2010/main" Requires="a14">
+      <mc:AlternateContent xmlns:mc="http://schemas.openxmlformats.org/markup-compatibility/2006" xmlns:a14="http://schemas.microsoft.com/office/drawing/2010/main">
+        <mc:Choice Requires="a14">
           <p:sp>
             <p:nvSpPr>
               <p:cNvPr id="3" name="Content Placeholder 2"/>
@@ -6896,7 +6930,7 @@
                     <m:d>
                       <m:dPr>
                         <m:ctrlPr>
-                          <a:rPr lang="pt-BR">
+                          <a:rPr lang="pt-BR" i="1">
                             <a:latin typeface="Cambria Math" panose="02040503050406030204" pitchFamily="18" charset="0"/>
                           </a:rPr>
                         </m:ctrlPr>
@@ -6965,7 +6999,7 @@
                     <m:d>
                       <m:dPr>
                         <m:ctrlPr>
-                          <a:rPr lang="pt-BR">
+                          <a:rPr lang="pt-BR" i="1">
                             <a:latin typeface="Cambria Math" panose="02040503050406030204" pitchFamily="18" charset="0"/>
                           </a:rPr>
                         </m:ctrlPr>
@@ -7057,7 +7091,7 @@
                     <m:d>
                       <m:dPr>
                         <m:ctrlPr>
-                          <a:rPr lang="pt-BR">
+                          <a:rPr lang="pt-BR" i="1">
                             <a:latin typeface="Cambria Math" panose="02040503050406030204" pitchFamily="18" charset="0"/>
                           </a:rPr>
                         </m:ctrlPr>
@@ -7772,7 +7806,7 @@
             </p:txBody>
           </p:sp>
         </mc:Choice>
-        <mc:Fallback>
+        <mc:Fallback xmlns="">
           <p:sp>
             <p:nvSpPr>
               <p:cNvPr id="3" name="Content Placeholder 2"/>
@@ -7831,8 +7865,8 @@
           <a:chExt cx="0" cy="0"/>
         </a:xfrm>
       </p:grpSpPr>
-      <mc:AlternateContent xmlns:mc="http://schemas.openxmlformats.org/markup-compatibility/2006">
-        <mc:Choice xmlns:a14="http://schemas.microsoft.com/office/drawing/2010/main" Requires="a14">
+      <mc:AlternateContent xmlns:mc="http://schemas.openxmlformats.org/markup-compatibility/2006" xmlns:a14="http://schemas.microsoft.com/office/drawing/2010/main">
+        <mc:Choice Requires="a14">
           <p:sp>
             <p:nvSpPr>
               <p:cNvPr id="3" name="Content Placeholder 2"/>
@@ -8399,7 +8433,7 @@
             </p:txBody>
           </p:sp>
         </mc:Choice>
-        <mc:Fallback>
+        <mc:Fallback xmlns="">
           <p:sp>
             <p:nvSpPr>
               <p:cNvPr id="3" name="Content Placeholder 2"/>
@@ -8753,7 +8787,25 @@
                       <a:rPr>
                         <a:latin typeface="Cambria Math" panose="02040503050406030204" pitchFamily="18" charset="0"/>
                       </a:rPr>
-                      <m:t>)=0.25</m:t>
+                      <m:t>)=</m:t>
+                    </m:r>
+                    <m:r>
+                      <a:rPr>
+                        <a:latin typeface="Cambria Math" panose="02040503050406030204" pitchFamily="18" charset="0"/>
+                      </a:rPr>
+                      <m:t>0</m:t>
+                    </m:r>
+                    <m:r>
+                      <a:rPr>
+                        <a:latin typeface="Cambria Math" panose="02040503050406030204" pitchFamily="18" charset="0"/>
+                      </a:rPr>
+                      <m:t>.</m:t>
+                    </m:r>
+                    <m:r>
+                      <a:rPr>
+                        <a:latin typeface="Cambria Math" panose="02040503050406030204" pitchFamily="18" charset="0"/>
+                      </a:rPr>
+                      <m:t>25</m:t>
                     </m:r>
                   </m:oMath>
                 </a14:m>
@@ -9246,8 +9298,8 @@
           </a:p>
         </p:txBody>
       </p:sp>
-      <mc:AlternateContent xmlns:mc="http://schemas.openxmlformats.org/markup-compatibility/2006">
-        <mc:Choice xmlns:a14="http://schemas.microsoft.com/office/drawing/2010/main" Requires="a14">
+      <mc:AlternateContent xmlns:mc="http://schemas.openxmlformats.org/markup-compatibility/2006" xmlns:a14="http://schemas.microsoft.com/office/drawing/2010/main">
+        <mc:Choice Requires="a14">
           <p:sp>
             <p:nvSpPr>
               <p:cNvPr id="3" name="Content Placeholder 2"/>
@@ -9367,7 +9419,7 @@
             </p:txBody>
           </p:sp>
         </mc:Choice>
-        <mc:Fallback>
+        <mc:Fallback xmlns="">
           <p:sp>
             <p:nvSpPr>
               <p:cNvPr id="3" name="Content Placeholder 2"/>
@@ -9734,8 +9786,22 @@
           <a:lstStyle/>
           <a:p>
             <a:r>
-              <a:t>Dado de tempo até o evento</a:t>
-            </a:r>
+              <a:rPr dirty="0"/>
+              <a:t>Dado de tempo </a:t>
+            </a:r>
+            <a:r>
+              <a:rPr dirty="0" err="1"/>
+              <a:t>até</a:t>
+            </a:r>
+            <a:r>
+              <a:rPr dirty="0"/>
+              <a:t> o </a:t>
+            </a:r>
+            <a:r>
+              <a:rPr dirty="0" err="1"/>
+              <a:t>evento</a:t>
+            </a:r>
+            <a:endParaRPr dirty="0"/>
           </a:p>
         </p:txBody>
       </p:sp>
@@ -10562,8 +10628,8 @@
           </a:p>
         </p:txBody>
       </p:sp>
-      <mc:AlternateContent xmlns:mc="http://schemas.openxmlformats.org/markup-compatibility/2006">
-        <mc:Choice xmlns:a14="http://schemas.microsoft.com/office/drawing/2010/main" Requires="a14">
+      <mc:AlternateContent xmlns:mc="http://schemas.openxmlformats.org/markup-compatibility/2006" xmlns:a14="http://schemas.microsoft.com/office/drawing/2010/main">
+        <mc:Choice Requires="a14">
           <p:sp>
             <p:nvSpPr>
               <p:cNvPr id="3" name="Content Placeholder 2"/>
@@ -10973,7 +11039,7 @@
             </p:txBody>
           </p:sp>
         </mc:Choice>
-        <mc:Fallback>
+        <mc:Fallback xmlns="">
           <p:sp>
             <p:nvSpPr>
               <p:cNvPr id="3" name="Content Placeholder 2"/>
@@ -11053,8 +11119,8 @@
           </a:p>
         </p:txBody>
       </p:sp>
-      <mc:AlternateContent xmlns:mc="http://schemas.openxmlformats.org/markup-compatibility/2006">
-        <mc:Choice xmlns:a14="http://schemas.microsoft.com/office/drawing/2010/main" Requires="a14">
+      <mc:AlternateContent xmlns:mc="http://schemas.openxmlformats.org/markup-compatibility/2006" xmlns:a14="http://schemas.microsoft.com/office/drawing/2010/main">
+        <mc:Choice Requires="a14">
           <p:sp>
             <p:nvSpPr>
               <p:cNvPr id="3" name="Content Placeholder 2"/>
@@ -11567,7 +11633,7 @@
             </p:txBody>
           </p:sp>
         </mc:Choice>
-        <mc:Fallback>
+        <mc:Fallback xmlns="">
           <p:sp>
             <p:nvSpPr>
               <p:cNvPr id="3" name="Content Placeholder 2"/>
@@ -11650,18 +11716,18 @@
         <a:srgbClr val="3EBBF0"/>
       </a:folHlink>
     </a:clrScheme>
-    <a:fontScheme name="Em Tiras">
+    <a:fontScheme name="Arial Times New Roman">
       <a:majorFont>
-        <a:latin typeface="Corbel" panose="020B0503020204020204"/>
+        <a:latin typeface="Arial" panose="020B0604020202020204"/>
         <a:ea typeface=""/>
         <a:cs typeface=""/>
-        <a:font script="Jpan" typeface="ＭＳ ゴシック"/>
-        <a:font script="Hang" typeface="맑은 고딕"/>
-        <a:font script="Hans" typeface="宋体"/>
-        <a:font script="Hant" typeface="新細明體"/>
-        <a:font script="Arab" typeface="Tahoma"/>
-        <a:font script="Hebr" typeface="Gisha"/>
-        <a:font script="Thai" typeface="DilleniaUPC"/>
+        <a:font script="Jpan" typeface="ＭＳ Ｐゴシック"/>
+        <a:font script="Hang" typeface="굴림"/>
+        <a:font script="Hans" typeface="黑体"/>
+        <a:font script="Hant" typeface="微軟正黑體"/>
+        <a:font script="Arab" typeface="Arial"/>
+        <a:font script="Hebr" typeface="Arial"/>
+        <a:font script="Thai" typeface="Cordia New"/>
         <a:font script="Ethi" typeface="Nyala"/>
         <a:font script="Beng" typeface="Vrinda"/>
         <a:font script="Gujr" typeface="Shruti"/>
@@ -11682,25 +11748,25 @@
         <a:font script="Laoo" typeface="DokChampa"/>
         <a:font script="Sinh" typeface="Iskoola Pota"/>
         <a:font script="Mong" typeface="Mongolian Baiti"/>
-        <a:font script="Viet" typeface="Tahoma"/>
+        <a:font script="Viet" typeface="Arial"/>
         <a:font script="Uigh" typeface="Microsoft Uighur"/>
         <a:font script="Geor" typeface="Sylfaen"/>
       </a:majorFont>
       <a:minorFont>
-        <a:latin typeface="Corbel" panose="020B0503020204020204"/>
+        <a:latin typeface="Times New Roman" panose="02020603050405020304"/>
         <a:ea typeface=""/>
         <a:cs typeface=""/>
-        <a:font script="Jpan" typeface="ＭＳ ゴシック"/>
-        <a:font script="Hang" typeface="맑은 고딕"/>
+        <a:font script="Jpan" typeface="ＭＳ Ｐ明朝"/>
+        <a:font script="Hang" typeface="바탕"/>
         <a:font script="Hans" typeface="宋体"/>
         <a:font script="Hant" typeface="新細明體"/>
-        <a:font script="Arab" typeface="Tahoma"/>
-        <a:font script="Hebr" typeface="Gisha"/>
-        <a:font script="Thai" typeface="DilleniaUPC"/>
+        <a:font script="Arab" typeface="Times New Roman"/>
+        <a:font script="Hebr" typeface="Times New Roman"/>
+        <a:font script="Thai" typeface="Angsana New"/>
         <a:font script="Ethi" typeface="Nyala"/>
         <a:font script="Beng" typeface="Vrinda"/>
         <a:font script="Gujr" typeface="Shruti"/>
-        <a:font script="Khmr" typeface="DaunPenh"/>
+        <a:font script="Khmr" typeface="MoolBoran"/>
         <a:font script="Knda" typeface="Tunga"/>
         <a:font script="Guru" typeface="Raavi"/>
         <a:font script="Cans" typeface="Euphemia"/>
@@ -11717,7 +11783,7 @@
         <a:font script="Laoo" typeface="DokChampa"/>
         <a:font script="Sinh" typeface="Iskoola Pota"/>
         <a:font script="Mong" typeface="Mongolian Baiti"/>
-        <a:font script="Viet" typeface="Verdana"/>
+        <a:font script="Viet" typeface="Times New Roman"/>
         <a:font script="Uigh" typeface="Microsoft Uighur"/>
         <a:font script="Geor" typeface="Sylfaen"/>
       </a:minorFont>

--- a/Apresentacao_Editado.pptx
+++ b/Apresentacao_Editado.pptx
@@ -4,6 +4,9 @@
   <p:sldMasterIdLst>
     <p:sldMasterId id="2147483690" r:id="rId1"/>
   </p:sldMasterIdLst>
+  <p:notesMasterIdLst>
+    <p:notesMasterId r:id="rId34"/>
+  </p:notesMasterIdLst>
   <p:sldIdLst>
     <p:sldId id="256" r:id="rId2"/>
     <p:sldId id="257" r:id="rId3"/>
@@ -26,18 +29,17 @@
     <p:sldId id="275" r:id="rId20"/>
     <p:sldId id="276" r:id="rId21"/>
     <p:sldId id="278" r:id="rId22"/>
-    <p:sldId id="279" r:id="rId23"/>
-    <p:sldId id="280" r:id="rId24"/>
-    <p:sldId id="282" r:id="rId25"/>
-    <p:sldId id="283" r:id="rId26"/>
-    <p:sldId id="284" r:id="rId27"/>
-    <p:sldId id="285" r:id="rId28"/>
-    <p:sldId id="286" r:id="rId29"/>
-    <p:sldId id="287" r:id="rId30"/>
-    <p:sldId id="288" r:id="rId31"/>
-    <p:sldId id="289" r:id="rId32"/>
-    <p:sldId id="290" r:id="rId33"/>
-    <p:sldId id="291" r:id="rId34"/>
+    <p:sldId id="280" r:id="rId23"/>
+    <p:sldId id="282" r:id="rId24"/>
+    <p:sldId id="283" r:id="rId25"/>
+    <p:sldId id="284" r:id="rId26"/>
+    <p:sldId id="285" r:id="rId27"/>
+    <p:sldId id="286" r:id="rId28"/>
+    <p:sldId id="287" r:id="rId29"/>
+    <p:sldId id="288" r:id="rId30"/>
+    <p:sldId id="289" r:id="rId31"/>
+    <p:sldId id="290" r:id="rId32"/>
+    <p:sldId id="291" r:id="rId33"/>
   </p:sldIdLst>
   <p:sldSz cx="12192000" cy="6858000"/>
   <p:notesSz cx="6858000" cy="9144000"/>
@@ -155,6 +157,355 @@
 </p:presentation>
 </file>
 
+<file path=ppt/notesMasters/notesMaster1.xml><?xml version="1.0" encoding="utf-8"?>
+<p:notesMaster xmlns:a="http://schemas.openxmlformats.org/drawingml/2006/main" xmlns:r="http://schemas.openxmlformats.org/officeDocument/2006/relationships" xmlns:p="http://schemas.openxmlformats.org/presentationml/2006/main">
+  <p:cSld>
+    <p:bg>
+      <p:bgRef idx="1001">
+        <a:schemeClr val="bg1"/>
+      </p:bgRef>
+    </p:bg>
+    <p:spTree>
+      <p:nvGrpSpPr>
+        <p:cNvPr id="1" name=""/>
+        <p:cNvGrpSpPr/>
+        <p:nvPr/>
+      </p:nvGrpSpPr>
+      <p:grpSpPr>
+        <a:xfrm>
+          <a:off x="0" y="0"/>
+          <a:ext cx="0" cy="0"/>
+          <a:chOff x="0" y="0"/>
+          <a:chExt cx="0" cy="0"/>
+        </a:xfrm>
+      </p:grpSpPr>
+      <p:sp>
+        <p:nvSpPr>
+          <p:cNvPr id="2" name="Espaço Reservado para Cabeçalho 1"/>
+          <p:cNvSpPr>
+            <a:spLocks noGrp="1"/>
+          </p:cNvSpPr>
+          <p:nvPr>
+            <p:ph type="hdr" sz="quarter"/>
+          </p:nvPr>
+        </p:nvSpPr>
+        <p:spPr>
+          <a:xfrm>
+            <a:off x="0" y="0"/>
+            <a:ext cx="2971800" cy="458788"/>
+          </a:xfrm>
+          <a:prstGeom prst="rect">
+            <a:avLst/>
+          </a:prstGeom>
+        </p:spPr>
+        <p:txBody>
+          <a:bodyPr vert="horz" lIns="91440" tIns="45720" rIns="91440" bIns="45720" rtlCol="0"/>
+          <a:lstStyle>
+            <a:lvl1pPr algn="l">
+              <a:defRPr sz="1200"/>
+            </a:lvl1pPr>
+          </a:lstStyle>
+          <a:p>
+            <a:endParaRPr lang="pt-BR"/>
+          </a:p>
+        </p:txBody>
+      </p:sp>
+      <p:sp>
+        <p:nvSpPr>
+          <p:cNvPr id="3" name="Espaço Reservado para Data 2"/>
+          <p:cNvSpPr>
+            <a:spLocks noGrp="1"/>
+          </p:cNvSpPr>
+          <p:nvPr>
+            <p:ph type="dt" idx="1"/>
+          </p:nvPr>
+        </p:nvSpPr>
+        <p:spPr>
+          <a:xfrm>
+            <a:off x="3884613" y="0"/>
+            <a:ext cx="2971800" cy="458788"/>
+          </a:xfrm>
+          <a:prstGeom prst="rect">
+            <a:avLst/>
+          </a:prstGeom>
+        </p:spPr>
+        <p:txBody>
+          <a:bodyPr vert="horz" lIns="91440" tIns="45720" rIns="91440" bIns="45720" rtlCol="0"/>
+          <a:lstStyle>
+            <a:lvl1pPr algn="r">
+              <a:defRPr sz="1200"/>
+            </a:lvl1pPr>
+          </a:lstStyle>
+          <a:p>
+            <a:fld id="{2BBC5DAB-AD59-4BF2-8780-BAF47AFCAF98}" type="datetimeFigureOut">
+              <a:rPr lang="pt-BR" smtClean="0"/>
+              <a:t>25/10/2020</a:t>
+            </a:fld>
+            <a:endParaRPr lang="pt-BR"/>
+          </a:p>
+        </p:txBody>
+      </p:sp>
+      <p:sp>
+        <p:nvSpPr>
+          <p:cNvPr id="4" name="Espaço Reservado para Imagem de Slide 3"/>
+          <p:cNvSpPr>
+            <a:spLocks noGrp="1" noRot="1" noChangeAspect="1"/>
+          </p:cNvSpPr>
+          <p:nvPr>
+            <p:ph type="sldImg" idx="2"/>
+          </p:nvPr>
+        </p:nvSpPr>
+        <p:spPr>
+          <a:xfrm>
+            <a:off x="685800" y="1143000"/>
+            <a:ext cx="5486400" cy="3086100"/>
+          </a:xfrm>
+          <a:prstGeom prst="rect">
+            <a:avLst/>
+          </a:prstGeom>
+          <a:noFill/>
+          <a:ln w="12700">
+            <a:solidFill>
+              <a:prstClr val="black"/>
+            </a:solidFill>
+          </a:ln>
+        </p:spPr>
+        <p:txBody>
+          <a:bodyPr vert="horz" lIns="91440" tIns="45720" rIns="91440" bIns="45720" rtlCol="0" anchor="ctr"/>
+          <a:lstStyle/>
+          <a:p>
+            <a:endParaRPr lang="pt-BR"/>
+          </a:p>
+        </p:txBody>
+      </p:sp>
+      <p:sp>
+        <p:nvSpPr>
+          <p:cNvPr id="5" name="Espaço Reservado para Anotações 4"/>
+          <p:cNvSpPr>
+            <a:spLocks noGrp="1"/>
+          </p:cNvSpPr>
+          <p:nvPr>
+            <p:ph type="body" sz="quarter" idx="3"/>
+          </p:nvPr>
+        </p:nvSpPr>
+        <p:spPr>
+          <a:xfrm>
+            <a:off x="685800" y="4400550"/>
+            <a:ext cx="5486400" cy="3600450"/>
+          </a:xfrm>
+          <a:prstGeom prst="rect">
+            <a:avLst/>
+          </a:prstGeom>
+        </p:spPr>
+        <p:txBody>
+          <a:bodyPr vert="horz" lIns="91440" tIns="45720" rIns="91440" bIns="45720" rtlCol="0"/>
+          <a:lstStyle/>
+          <a:p>
+            <a:pPr lvl="0"/>
+            <a:r>
+              <a:rPr lang="pt-BR"/>
+              <a:t>Clique para editar os estilos de texto Mestres</a:t>
+            </a:r>
+          </a:p>
+          <a:p>
+            <a:pPr lvl="1"/>
+            <a:r>
+              <a:rPr lang="pt-BR"/>
+              <a:t>Segundo nível</a:t>
+            </a:r>
+          </a:p>
+          <a:p>
+            <a:pPr lvl="2"/>
+            <a:r>
+              <a:rPr lang="pt-BR"/>
+              <a:t>Terceiro nível</a:t>
+            </a:r>
+          </a:p>
+          <a:p>
+            <a:pPr lvl="3"/>
+            <a:r>
+              <a:rPr lang="pt-BR"/>
+              <a:t>Quarto nível</a:t>
+            </a:r>
+          </a:p>
+          <a:p>
+            <a:pPr lvl="4"/>
+            <a:r>
+              <a:rPr lang="pt-BR"/>
+              <a:t>Quinto nível</a:t>
+            </a:r>
+          </a:p>
+        </p:txBody>
+      </p:sp>
+      <p:sp>
+        <p:nvSpPr>
+          <p:cNvPr id="6" name="Espaço Reservado para Rodapé 5"/>
+          <p:cNvSpPr>
+            <a:spLocks noGrp="1"/>
+          </p:cNvSpPr>
+          <p:nvPr>
+            <p:ph type="ftr" sz="quarter" idx="4"/>
+          </p:nvPr>
+        </p:nvSpPr>
+        <p:spPr>
+          <a:xfrm>
+            <a:off x="0" y="8685213"/>
+            <a:ext cx="2971800" cy="458787"/>
+          </a:xfrm>
+          <a:prstGeom prst="rect">
+            <a:avLst/>
+          </a:prstGeom>
+        </p:spPr>
+        <p:txBody>
+          <a:bodyPr vert="horz" lIns="91440" tIns="45720" rIns="91440" bIns="45720" rtlCol="0" anchor="b"/>
+          <a:lstStyle>
+            <a:lvl1pPr algn="l">
+              <a:defRPr sz="1200"/>
+            </a:lvl1pPr>
+          </a:lstStyle>
+          <a:p>
+            <a:endParaRPr lang="pt-BR"/>
+          </a:p>
+        </p:txBody>
+      </p:sp>
+      <p:sp>
+        <p:nvSpPr>
+          <p:cNvPr id="7" name="Espaço Reservado para Número de Slide 6"/>
+          <p:cNvSpPr>
+            <a:spLocks noGrp="1"/>
+          </p:cNvSpPr>
+          <p:nvPr>
+            <p:ph type="sldNum" sz="quarter" idx="5"/>
+          </p:nvPr>
+        </p:nvSpPr>
+        <p:spPr>
+          <a:xfrm>
+            <a:off x="3884613" y="8685213"/>
+            <a:ext cx="2971800" cy="458787"/>
+          </a:xfrm>
+          <a:prstGeom prst="rect">
+            <a:avLst/>
+          </a:prstGeom>
+        </p:spPr>
+        <p:txBody>
+          <a:bodyPr vert="horz" lIns="91440" tIns="45720" rIns="91440" bIns="45720" rtlCol="0" anchor="b"/>
+          <a:lstStyle>
+            <a:lvl1pPr algn="r">
+              <a:defRPr sz="1200"/>
+            </a:lvl1pPr>
+          </a:lstStyle>
+          <a:p>
+            <a:fld id="{BACE2914-01CC-4A6E-82B8-996F1B2EDD4E}" type="slidenum">
+              <a:rPr lang="pt-BR" smtClean="0"/>
+              <a:t>‹nº›</a:t>
+            </a:fld>
+            <a:endParaRPr lang="pt-BR"/>
+          </a:p>
+        </p:txBody>
+      </p:sp>
+    </p:spTree>
+    <p:extLst>
+      <p:ext uri="{BB962C8B-B14F-4D97-AF65-F5344CB8AC3E}">
+        <p14:creationId xmlns:p14="http://schemas.microsoft.com/office/powerpoint/2010/main" val="4088184344"/>
+      </p:ext>
+    </p:extLst>
+  </p:cSld>
+  <p:clrMap bg1="lt1" tx1="dk1" bg2="lt2" tx2="dk2" accent1="accent1" accent2="accent2" accent3="accent3" accent4="accent4" accent5="accent5" accent6="accent6" hlink="hlink" folHlink="folHlink"/>
+  <p:notesStyle>
+    <a:lvl1pPr marL="0" algn="l" defTabSz="914400" rtl="0" eaLnBrk="1" latinLnBrk="0" hangingPunct="1">
+      <a:defRPr sz="1200" kern="1200">
+        <a:solidFill>
+          <a:schemeClr val="tx1"/>
+        </a:solidFill>
+        <a:latin typeface="+mn-lt"/>
+        <a:ea typeface="+mn-ea"/>
+        <a:cs typeface="+mn-cs"/>
+      </a:defRPr>
+    </a:lvl1pPr>
+    <a:lvl2pPr marL="457200" algn="l" defTabSz="914400" rtl="0" eaLnBrk="1" latinLnBrk="0" hangingPunct="1">
+      <a:defRPr sz="1200" kern="1200">
+        <a:solidFill>
+          <a:schemeClr val="tx1"/>
+        </a:solidFill>
+        <a:latin typeface="+mn-lt"/>
+        <a:ea typeface="+mn-ea"/>
+        <a:cs typeface="+mn-cs"/>
+      </a:defRPr>
+    </a:lvl2pPr>
+    <a:lvl3pPr marL="914400" algn="l" defTabSz="914400" rtl="0" eaLnBrk="1" latinLnBrk="0" hangingPunct="1">
+      <a:defRPr sz="1200" kern="1200">
+        <a:solidFill>
+          <a:schemeClr val="tx1"/>
+        </a:solidFill>
+        <a:latin typeface="+mn-lt"/>
+        <a:ea typeface="+mn-ea"/>
+        <a:cs typeface="+mn-cs"/>
+      </a:defRPr>
+    </a:lvl3pPr>
+    <a:lvl4pPr marL="1371600" algn="l" defTabSz="914400" rtl="0" eaLnBrk="1" latinLnBrk="0" hangingPunct="1">
+      <a:defRPr sz="1200" kern="1200">
+        <a:solidFill>
+          <a:schemeClr val="tx1"/>
+        </a:solidFill>
+        <a:latin typeface="+mn-lt"/>
+        <a:ea typeface="+mn-ea"/>
+        <a:cs typeface="+mn-cs"/>
+      </a:defRPr>
+    </a:lvl4pPr>
+    <a:lvl5pPr marL="1828800" algn="l" defTabSz="914400" rtl="0" eaLnBrk="1" latinLnBrk="0" hangingPunct="1">
+      <a:defRPr sz="1200" kern="1200">
+        <a:solidFill>
+          <a:schemeClr val="tx1"/>
+        </a:solidFill>
+        <a:latin typeface="+mn-lt"/>
+        <a:ea typeface="+mn-ea"/>
+        <a:cs typeface="+mn-cs"/>
+      </a:defRPr>
+    </a:lvl5pPr>
+    <a:lvl6pPr marL="2286000" algn="l" defTabSz="914400" rtl="0" eaLnBrk="1" latinLnBrk="0" hangingPunct="1">
+      <a:defRPr sz="1200" kern="1200">
+        <a:solidFill>
+          <a:schemeClr val="tx1"/>
+        </a:solidFill>
+        <a:latin typeface="+mn-lt"/>
+        <a:ea typeface="+mn-ea"/>
+        <a:cs typeface="+mn-cs"/>
+      </a:defRPr>
+    </a:lvl6pPr>
+    <a:lvl7pPr marL="2743200" algn="l" defTabSz="914400" rtl="0" eaLnBrk="1" latinLnBrk="0" hangingPunct="1">
+      <a:defRPr sz="1200" kern="1200">
+        <a:solidFill>
+          <a:schemeClr val="tx1"/>
+        </a:solidFill>
+        <a:latin typeface="+mn-lt"/>
+        <a:ea typeface="+mn-ea"/>
+        <a:cs typeface="+mn-cs"/>
+      </a:defRPr>
+    </a:lvl7pPr>
+    <a:lvl8pPr marL="3200400" algn="l" defTabSz="914400" rtl="0" eaLnBrk="1" latinLnBrk="0" hangingPunct="1">
+      <a:defRPr sz="1200" kern="1200">
+        <a:solidFill>
+          <a:schemeClr val="tx1"/>
+        </a:solidFill>
+        <a:latin typeface="+mn-lt"/>
+        <a:ea typeface="+mn-ea"/>
+        <a:cs typeface="+mn-cs"/>
+      </a:defRPr>
+    </a:lvl8pPr>
+    <a:lvl9pPr marL="3657600" algn="l" defTabSz="914400" rtl="0" eaLnBrk="1" latinLnBrk="0" hangingPunct="1">
+      <a:defRPr sz="1200" kern="1200">
+        <a:solidFill>
+          <a:schemeClr val="tx1"/>
+        </a:solidFill>
+        <a:latin typeface="+mn-lt"/>
+        <a:ea typeface="+mn-ea"/>
+        <a:cs typeface="+mn-cs"/>
+      </a:defRPr>
+    </a:lvl9pPr>
+  </p:notesStyle>
+</p:notesMaster>
+</file>
+
 <file path=ppt/slideLayouts/slideLayout1.xml><?xml version="1.0" encoding="utf-8"?>
 <p:sldLayout xmlns:a="http://schemas.openxmlformats.org/drawingml/2006/main" xmlns:r="http://schemas.openxmlformats.org/officeDocument/2006/relationships" xmlns:p="http://schemas.openxmlformats.org/presentationml/2006/main" showMasterSp="0" type="title" preserve="1">
   <p:cSld name="Slide de Título">
@@ -329,9 +680,9 @@
           <a:bodyPr/>
           <a:lstStyle/>
           <a:p>
-            <a:fld id="{241EB5C9-1307-BA42-ABA2-0BC069CD8E7F}" type="datetimeFigureOut">
+            <a:fld id="{56C72720-DBE7-485A-86BC-F8627042A8F2}" type="datetime1">
               <a:rPr lang="en-US" smtClean="0"/>
-              <a:t>10/23/2020</a:t>
+              <a:t>10/25/2020</a:t>
             </a:fld>
             <a:endParaRPr lang="en-US"/>
           </a:p>
@@ -499,9 +850,9 @@
           <a:bodyPr/>
           <a:lstStyle/>
           <a:p>
-            <a:fld id="{241EB5C9-1307-BA42-ABA2-0BC069CD8E7F}" type="datetimeFigureOut">
+            <a:fld id="{05DE909F-F9F0-42C0-981E-DF64F66F39A8}" type="datetime1">
               <a:rPr lang="en-US" smtClean="0"/>
-              <a:t>10/23/2020</a:t>
+              <a:t>10/25/2020</a:t>
             </a:fld>
             <a:endParaRPr lang="en-US"/>
           </a:p>
@@ -722,9 +1073,9 @@
           <a:bodyPr/>
           <a:lstStyle/>
           <a:p>
-            <a:fld id="{241EB5C9-1307-BA42-ABA2-0BC069CD8E7F}" type="datetimeFigureOut">
+            <a:fld id="{BB03B096-F1DB-41FC-81CE-99D9812D8D7B}" type="datetime1">
               <a:rPr lang="en-US" smtClean="0"/>
-              <a:t>10/23/2020</a:t>
+              <a:t>10/25/2020</a:t>
             </a:fld>
             <a:endParaRPr lang="en-US"/>
           </a:p>
@@ -963,9 +1314,9 @@
           <a:bodyPr/>
           <a:lstStyle/>
           <a:p>
-            <a:fld id="{241EB5C9-1307-BA42-ABA2-0BC069CD8E7F}" type="datetimeFigureOut">
+            <a:fld id="{49B466A1-7A44-4D28-B45A-B1BAFACEA347}" type="datetime1">
               <a:rPr lang="en-US" smtClean="0"/>
-              <a:t>10/23/2020</a:t>
+              <a:t>10/25/2020</a:t>
             </a:fld>
             <a:endParaRPr lang="en-US"/>
           </a:p>
@@ -1003,13 +1354,18 @@
         <p:spPr/>
         <p:txBody>
           <a:bodyPr/>
-          <a:lstStyle/>
+          <a:lstStyle>
+            <a:lvl1pPr algn="r">
+              <a:defRPr sz="1800"/>
+            </a:lvl1pPr>
+          </a:lstStyle>
           <a:p>
             <a:fld id="{C5EF2332-01BF-834F-8236-50238282D533}" type="slidenum">
               <a:rPr lang="en-US" smtClean="0"/>
+              <a:pPr/>
               <a:t>‹nº›</a:t>
             </a:fld>
-            <a:endParaRPr lang="en-US"/>
+            <a:endParaRPr lang="en-US" sz="1800" dirty="0"/>
           </a:p>
         </p:txBody>
       </p:sp>
@@ -1269,9 +1625,9 @@
             </a:lvl1pPr>
           </a:lstStyle>
           <a:p>
-            <a:fld id="{241EB5C9-1307-BA42-ABA2-0BC069CD8E7F}" type="datetimeFigureOut">
+            <a:fld id="{0BE18A8C-7E9C-46DF-92A4-0EC96EB3947A}" type="datetime1">
               <a:rPr lang="en-US" smtClean="0"/>
-              <a:t>10/23/2020</a:t>
+              <a:t>10/25/2020</a:t>
             </a:fld>
             <a:endParaRPr lang="en-US"/>
           </a:p>
@@ -1573,9 +1929,9 @@
           <a:bodyPr/>
           <a:lstStyle/>
           <a:p>
-            <a:fld id="{241EB5C9-1307-BA42-ABA2-0BC069CD8E7F}" type="datetimeFigureOut">
+            <a:fld id="{C6E026EF-36E9-4014-A760-48C07E950CF4}" type="datetime1">
               <a:rPr lang="en-US" smtClean="0"/>
-              <a:t>10/23/2020</a:t>
+              <a:t>10/25/2020</a:t>
             </a:fld>
             <a:endParaRPr lang="en-US"/>
           </a:p>
@@ -1995,9 +2351,9 @@
           <a:bodyPr/>
           <a:lstStyle/>
           <a:p>
-            <a:fld id="{241EB5C9-1307-BA42-ABA2-0BC069CD8E7F}" type="datetimeFigureOut">
+            <a:fld id="{3A252CB9-AEBC-4FF2-9278-B57DF1738DBA}" type="datetime1">
               <a:rPr lang="en-US" smtClean="0"/>
-              <a:t>10/23/2020</a:t>
+              <a:t>10/25/2020</a:t>
             </a:fld>
             <a:endParaRPr lang="en-US"/>
           </a:p>
@@ -2113,9 +2469,9 @@
           <a:bodyPr/>
           <a:lstStyle/>
           <a:p>
-            <a:fld id="{241EB5C9-1307-BA42-ABA2-0BC069CD8E7F}" type="datetimeFigureOut">
+            <a:fld id="{8A1A5F67-CBB6-4AAD-9DE7-3F85765CF885}" type="datetime1">
               <a:rPr lang="en-US" smtClean="0"/>
-              <a:t>10/23/2020</a:t>
+              <a:t>10/25/2020</a:t>
             </a:fld>
             <a:endParaRPr lang="en-US"/>
           </a:p>
@@ -2208,9 +2564,9 @@
           <a:bodyPr/>
           <a:lstStyle/>
           <a:p>
-            <a:fld id="{241EB5C9-1307-BA42-ABA2-0BC069CD8E7F}" type="datetimeFigureOut">
+            <a:fld id="{B129980D-A18A-4C70-9A17-AB07C00C0FA3}" type="datetime1">
               <a:rPr lang="en-US" smtClean="0"/>
-              <a:t>10/23/2020</a:t>
+              <a:t>10/25/2020</a:t>
             </a:fld>
             <a:endParaRPr lang="en-US"/>
           </a:p>
@@ -2481,9 +2837,9 @@
           <a:bodyPr/>
           <a:lstStyle/>
           <a:p>
-            <a:fld id="{241EB5C9-1307-BA42-ABA2-0BC069CD8E7F}" type="datetimeFigureOut">
+            <a:fld id="{8B7241CD-5F2E-422F-8464-80871DF36475}" type="datetime1">
               <a:rPr lang="en-US" smtClean="0"/>
-              <a:t>10/23/2020</a:t>
+              <a:t>10/25/2020</a:t>
             </a:fld>
             <a:endParaRPr lang="en-US"/>
           </a:p>
@@ -2746,9 +3102,9 @@
           <a:bodyPr/>
           <a:lstStyle/>
           <a:p>
-            <a:fld id="{241EB5C9-1307-BA42-ABA2-0BC069CD8E7F}" type="datetimeFigureOut">
+            <a:fld id="{03C32B67-D224-4ADC-A9EC-A1320371B846}" type="datetime1">
               <a:rPr lang="en-US" smtClean="0"/>
-              <a:t>10/23/2020</a:t>
+              <a:t>10/25/2020</a:t>
             </a:fld>
             <a:endParaRPr lang="en-US"/>
           </a:p>
@@ -2995,9 +3351,9 @@
             </a:lvl1pPr>
           </a:lstStyle>
           <a:p>
-            <a:fld id="{241EB5C9-1307-BA42-ABA2-0BC069CD8E7F}" type="datetimeFigureOut">
+            <a:fld id="{FCEA5E99-8866-4C39-896E-D32991F95F7B}" type="datetime1">
               <a:rPr lang="en-US" smtClean="0"/>
-              <a:t>10/23/2020</a:t>
+              <a:t>10/25/2020</a:t>
             </a:fld>
             <a:endParaRPr lang="en-US"/>
           </a:p>
@@ -3060,8 +3416,8 @@
         <p:txBody>
           <a:bodyPr vert="horz" lIns="45720" tIns="45720" rIns="91440" bIns="45720" rtlCol="0" anchor="ctr"/>
           <a:lstStyle>
-            <a:lvl1pPr algn="l">
-              <a:defRPr sz="1200" b="0">
+            <a:lvl1pPr algn="r">
+              <a:defRPr sz="1800" b="0">
                 <a:solidFill>
                   <a:schemeClr val="tx1"/>
                 </a:solidFill>
@@ -3069,8 +3425,10 @@
             </a:lvl1pPr>
           </a:lstStyle>
           <a:p>
+            <a:pPr algn="r"/>
             <a:fld id="{C5EF2332-01BF-834F-8236-50238282D533}" type="slidenum">
               <a:rPr lang="en-US" smtClean="0"/>
+              <a:pPr/>
               <a:t>‹nº›</a:t>
             </a:fld>
             <a:endParaRPr lang="en-US"/>
@@ -3098,6 +3456,7 @@
     <p:sldLayoutId id="2147483700" r:id="rId10"/>
     <p:sldLayoutId id="2147483701" r:id="rId11"/>
   </p:sldLayoutIdLst>
+  <p:hf hdr="0" ftr="0" dt="0"/>
   <p:txStyles>
     <p:titleStyle>
       <a:lvl1pPr algn="ctr" defTabSz="914400" rtl="0" eaLnBrk="1" latinLnBrk="0" hangingPunct="1">
@@ -3112,9 +3471,9 @@
           <a:solidFill>
             <a:schemeClr val="bg2"/>
           </a:solidFill>
-          <a:latin typeface="+mj-lt"/>
+          <a:latin typeface="Arial" panose="020B0604020202020204" pitchFamily="34" charset="0"/>
           <a:ea typeface="+mj-ea"/>
-          <a:cs typeface="+mj-cs"/>
+          <a:cs typeface="Arial" panose="020B0604020202020204" pitchFamily="34" charset="0"/>
         </a:defRPr>
       </a:lvl1pPr>
     </p:titleStyle>
@@ -3562,32 +3921,43 @@
       </p:sp>
       <p:sp>
         <p:nvSpPr>
-          <p:cNvPr id="4" name="Date Placeholder 3"/>
-          <p:cNvSpPr>
-            <a:spLocks noGrp="1"/>
-          </p:cNvSpPr>
-          <p:nvPr>
-            <p:ph type="dt" sz="half" idx="10"/>
-          </p:nvPr>
+          <p:cNvPr id="4" name="CaixaDeTexto 3">
+            <a:extLst>
+              <a:ext uri="{FF2B5EF4-FFF2-40B4-BE49-F238E27FC236}">
+                <a16:creationId xmlns:a16="http://schemas.microsoft.com/office/drawing/2014/main" id="{B94004EB-8960-43E0-9250-D73C250A65A1}"/>
+              </a:ext>
+            </a:extLst>
+          </p:cNvPr>
+          <p:cNvSpPr txBox="1"/>
+          <p:nvPr/>
         </p:nvSpPr>
         <p:spPr>
           <a:xfrm>
-            <a:off x="4595553" y="6070905"/>
-            <a:ext cx="3000894" cy="365125"/>
+            <a:off x="0" y="6276525"/>
+            <a:ext cx="12192000" cy="461665"/>
           </a:xfrm>
+          <a:prstGeom prst="rect">
+            <a:avLst/>
+          </a:prstGeom>
+          <a:noFill/>
         </p:spPr>
         <p:txBody>
-          <a:bodyPr/>
+          <a:bodyPr wrap="square" rtlCol="0">
+            <a:spAutoFit/>
+          </a:bodyPr>
           <a:lstStyle/>
           <a:p>
             <a:pPr algn="ctr"/>
             <a:r>
-              <a:rPr lang="pt-BR" sz="1100" dirty="0"/>
-              <a:t>Universidade</a:t>
-            </a:r>
-            <a:r>
-              <a:rPr sz="1100" dirty="0"/>
-              <a:t> Federal de Minas Gerais (UFMG)</a:t>
+              <a:rPr lang="pt-BR" sz="1200" dirty="0"/>
+              <a:t>Universidade Federal de Minas Gerais (UFMG)</a:t>
+            </a:r>
+          </a:p>
+          <a:p>
+            <a:pPr algn="ctr"/>
+            <a:r>
+              <a:rPr lang="pt-BR" sz="1200" dirty="0"/>
+              <a:t>2020</a:t>
             </a:r>
           </a:p>
         </p:txBody>
@@ -4132,6 +4502,35 @@
           </p:sp>
         </mc:Fallback>
       </mc:AlternateContent>
+      <p:sp>
+        <p:nvSpPr>
+          <p:cNvPr id="4" name="Espaço Reservado para Número de Slide 3">
+            <a:extLst>
+              <a:ext uri="{FF2B5EF4-FFF2-40B4-BE49-F238E27FC236}">
+                <a16:creationId xmlns:a16="http://schemas.microsoft.com/office/drawing/2014/main" id="{69868A57-D77B-40F0-9DC9-2D3A3B89A061}"/>
+              </a:ext>
+            </a:extLst>
+          </p:cNvPr>
+          <p:cNvSpPr>
+            <a:spLocks noGrp="1"/>
+          </p:cNvSpPr>
+          <p:nvPr>
+            <p:ph type="sldNum" sz="quarter" idx="12"/>
+          </p:nvPr>
+        </p:nvSpPr>
+        <p:spPr/>
+        <p:txBody>
+          <a:bodyPr/>
+          <a:lstStyle/>
+          <a:p>
+            <a:fld id="{C5EF2332-01BF-834F-8236-50238282D533}" type="slidenum">
+              <a:rPr lang="en-US" smtClean="0"/>
+              <a:t>10</a:t>
+            </a:fld>
+            <a:endParaRPr lang="en-US"/>
+          </a:p>
+        </p:txBody>
+      </p:sp>
     </p:spTree>
   </p:cSld>
   <p:clrMapOvr>
@@ -4473,6 +4872,35 @@
           </a:ln>
         </p:spPr>
       </p:pic>
+      <p:sp>
+        <p:nvSpPr>
+          <p:cNvPr id="4" name="Espaço Reservado para Número de Slide 3">
+            <a:extLst>
+              <a:ext uri="{FF2B5EF4-FFF2-40B4-BE49-F238E27FC236}">
+                <a16:creationId xmlns:a16="http://schemas.microsoft.com/office/drawing/2014/main" id="{C6B2FECD-6F23-4CA7-A827-28E7DAACD4F6}"/>
+              </a:ext>
+            </a:extLst>
+          </p:cNvPr>
+          <p:cNvSpPr>
+            <a:spLocks noGrp="1"/>
+          </p:cNvSpPr>
+          <p:nvPr>
+            <p:ph type="sldNum" sz="quarter" idx="12"/>
+          </p:nvPr>
+        </p:nvSpPr>
+        <p:spPr/>
+        <p:txBody>
+          <a:bodyPr/>
+          <a:lstStyle/>
+          <a:p>
+            <a:fld id="{C5EF2332-01BF-834F-8236-50238282D533}" type="slidenum">
+              <a:rPr lang="en-US" smtClean="0"/>
+              <a:t>11</a:t>
+            </a:fld>
+            <a:endParaRPr lang="en-US"/>
+          </a:p>
+        </p:txBody>
+      </p:sp>
     </p:spTree>
   </p:cSld>
   <p:clrMapOvr>
@@ -4540,89 +4968,90 @@
                 <a14:m>
                   <m:oMath xmlns:m="http://schemas.openxmlformats.org/officeDocument/2006/math">
                     <m:r>
-                      <a:rPr>
+                      <a:rPr lang="pt-BR" smtClean="0">
                         <a:latin typeface="Cambria Math" panose="02040503050406030204" pitchFamily="18" charset="0"/>
                       </a:rPr>
                       <m:t>𝛽</m:t>
                     </m:r>
                     <m:r>
-                      <a:rPr>
+                      <a:rPr lang="pt-BR" smtClean="0">
                         <a:latin typeface="Cambria Math" panose="02040503050406030204" pitchFamily="18" charset="0"/>
                       </a:rPr>
-                      <m:t>=0</m:t>
+                      <m:t>=</m:t>
+                    </m:r>
+                    <m:r>
+                      <a:rPr lang="pt-BR" smtClean="0">
+                        <a:latin typeface="Cambria Math" panose="02040503050406030204" pitchFamily="18" charset="0"/>
+                      </a:rPr>
+                      <m:t>0</m:t>
                     </m:r>
                   </m:oMath>
                 </a14:m>
                 <a:r>
-                  <a:rPr dirty="0"/>
+                  <a:rPr lang="pt-BR" dirty="0"/>
                   <a:t>: </a:t>
                 </a:r>
-                <a:endParaRPr lang="pt-BR" dirty="0"/>
               </a:p>
               <a:p>
                 <a:pPr lvl="2"/>
                 <a:r>
                   <a:rPr lang="pt-BR" dirty="0"/>
-                  <a:t>A</a:t>
-                </a:r>
-                <a:r>
-                  <a:rPr dirty="0"/>
-                  <a:t>s </a:t>
-                </a:r>
-                <a:r>
-                  <a:rPr dirty="0" err="1"/>
+                  <a:t>As </a:t>
+                </a:r>
+                <a:r>
+                  <a:rPr lang="pt-BR" dirty="0" err="1"/>
                   <a:t>observações</a:t>
                 </a:r>
                 <a:r>
-                  <a:rPr dirty="0"/>
+                  <a:rPr lang="pt-BR" dirty="0"/>
                   <a:t> </a:t>
                 </a:r>
                 <a:r>
-                  <a:rPr dirty="0" err="1"/>
+                  <a:rPr lang="pt-BR" dirty="0" err="1"/>
                   <a:t>longitudinais</a:t>
                 </a:r>
                 <a:r>
-                  <a:rPr dirty="0"/>
+                  <a:rPr lang="pt-BR" dirty="0"/>
                   <a:t> </a:t>
                 </a:r>
                 <a:r>
-                  <a:rPr dirty="0" err="1"/>
+                  <a:rPr lang="pt-BR" dirty="0" err="1"/>
                   <a:t>não</a:t>
                 </a:r>
                 <a:r>
-                  <a:rPr dirty="0"/>
+                  <a:rPr lang="pt-BR" dirty="0"/>
                   <a:t> </a:t>
                 </a:r>
                 <a:r>
-                  <a:rPr dirty="0" err="1"/>
+                  <a:rPr lang="pt-BR" dirty="0" err="1"/>
                   <a:t>têm</a:t>
                 </a:r>
                 <a:r>
-                  <a:rPr dirty="0"/>
+                  <a:rPr lang="pt-BR" dirty="0"/>
                   <a:t> </a:t>
                 </a:r>
                 <a:r>
-                  <a:rPr dirty="0" err="1"/>
+                  <a:rPr lang="pt-BR" dirty="0" err="1"/>
                   <a:t>associação</a:t>
                 </a:r>
                 <a:r>
-                  <a:rPr dirty="0"/>
+                  <a:rPr lang="pt-BR" dirty="0"/>
                   <a:t> com o tempo </a:t>
                 </a:r>
                 <a:r>
-                  <a:rPr dirty="0" err="1"/>
+                  <a:rPr lang="pt-BR" dirty="0" err="1"/>
                   <a:t>até</a:t>
                 </a:r>
                 <a:r>
-                  <a:rPr dirty="0"/>
+                  <a:rPr lang="pt-BR" dirty="0"/>
                   <a:t> o </a:t>
                 </a:r>
                 <a:r>
-                  <a:rPr dirty="0" err="1"/>
+                  <a:rPr lang="pt-BR" dirty="0" err="1"/>
                   <a:t>evento</a:t>
                 </a:r>
                 <a:r>
-                  <a:rPr dirty="0"/>
+                  <a:rPr lang="pt-BR" dirty="0"/>
                   <a:t>;</a:t>
                 </a:r>
               </a:p>
@@ -4631,100 +5060,93 @@
                 <a14:m>
                   <m:oMath xmlns:m="http://schemas.openxmlformats.org/officeDocument/2006/math">
                     <m:r>
-                      <a:rPr>
+                      <a:rPr lang="pt-BR">
                         <a:latin typeface="Cambria Math" panose="02040503050406030204" pitchFamily="18" charset="0"/>
                       </a:rPr>
                       <m:t>𝛽</m:t>
                     </m:r>
                     <m:r>
-                      <a:rPr>
+                      <a:rPr lang="pt-BR" b="0" i="0" smtClean="0">
                         <a:latin typeface="Cambria Math" panose="02040503050406030204" pitchFamily="18" charset="0"/>
                       </a:rPr>
-                      <m:t>=0.5</m:t>
+                      <m:t>&gt;</m:t>
+                    </m:r>
+                    <m:r>
+                      <a:rPr lang="pt-BR">
+                        <a:latin typeface="Cambria Math" panose="02040503050406030204" pitchFamily="18" charset="0"/>
+                      </a:rPr>
+                      <m:t>0</m:t>
                     </m:r>
                   </m:oMath>
                 </a14:m>
                 <a:r>
-                  <a:rPr dirty="0"/>
+                  <a:rPr lang="pt-BR" dirty="0"/>
                   <a:t>: </a:t>
                 </a:r>
-                <a:endParaRPr lang="pt-BR" dirty="0"/>
               </a:p>
               <a:p>
                 <a:pPr lvl="2"/>
                 <a:r>
                   <a:rPr lang="pt-BR" dirty="0"/>
-                  <a:t>R</a:t>
-                </a:r>
-                <a:r>
-                  <a:rPr dirty="0" err="1"/>
-                  <a:t>isco</a:t>
-                </a:r>
-                <a:r>
-                  <a:rPr dirty="0"/>
-                  <a:t> </a:t>
-                </a:r>
-                <a:r>
-                  <a:rPr dirty="0" err="1"/>
-                  <a:t>aumenta</a:t>
-                </a:r>
-                <a:r>
-                  <a:rPr dirty="0"/>
-                  <a:t> </a:t>
-                </a:r>
-                <a:r>
-                  <a:rPr dirty="0" err="1"/>
-                  <a:t>em</a:t>
-                </a:r>
-                <a:r>
-                  <a:rPr dirty="0"/>
-                  <a:t> 0.5 para </a:t>
-                </a:r>
-                <a:r>
-                  <a:rPr dirty="0" err="1"/>
-                  <a:t>cada</a:t>
-                </a:r>
-                <a:r>
-                  <a:rPr dirty="0"/>
-                  <a:t> </a:t>
-                </a:r>
-                <a:r>
-                  <a:rPr dirty="0" err="1"/>
-                  <a:t>unidade</a:t>
-                </a:r>
-                <a:r>
-                  <a:rPr dirty="0"/>
-                  <a:t> </a:t>
-                </a:r>
-                <a:r>
-                  <a:rPr dirty="0" err="1"/>
-                  <a:t>aumentada</a:t>
-                </a:r>
-                <a:r>
-                  <a:rPr dirty="0"/>
-                  <a:t> </a:t>
-                </a:r>
-                <a:r>
-                  <a:rPr dirty="0" err="1"/>
-                  <a:t>em</a:t>
-                </a:r>
-                <a:r>
-                  <a:rPr dirty="0"/>
-                  <a:t> </a:t>
+                  <a:t>Se </a:t>
+                </a:r>
+                <a14:m>
+                  <m:oMath xmlns:m="http://schemas.openxmlformats.org/officeDocument/2006/math">
+                    <m:r>
+                      <a:rPr lang="pt-BR">
+                        <a:latin typeface="Cambria Math" panose="02040503050406030204" pitchFamily="18" charset="0"/>
+                      </a:rPr>
+                      <m:t>𝛽</m:t>
+                    </m:r>
+                    <m:r>
+                      <a:rPr lang="pt-BR" b="0" i="0" smtClean="0">
+                        <a:latin typeface="Cambria Math" panose="02040503050406030204" pitchFamily="18" charset="0"/>
+                      </a:rPr>
+                      <m:t>=</m:t>
+                    </m:r>
+                    <m:r>
+                      <a:rPr lang="pt-BR">
+                        <a:latin typeface="Cambria Math" panose="02040503050406030204" pitchFamily="18" charset="0"/>
+                      </a:rPr>
+                      <m:t>0</m:t>
+                    </m:r>
+                    <m:r>
+                      <a:rPr lang="pt-BR" b="0" i="0" smtClean="0">
+                        <a:latin typeface="Cambria Math" panose="02040503050406030204" pitchFamily="18" charset="0"/>
+                      </a:rPr>
+                      <m:t>.</m:t>
+                    </m:r>
+                    <m:r>
+                      <a:rPr lang="pt-BR" b="0" i="0" smtClean="0">
+                        <a:latin typeface="Cambria Math" panose="02040503050406030204" pitchFamily="18" charset="0"/>
+                      </a:rPr>
+                      <m:t>5</m:t>
+                    </m:r>
+                    <m:r>
+                      <a:rPr lang="pt-BR" b="0" i="1" smtClean="0">
+                        <a:latin typeface="Cambria Math" panose="02040503050406030204" pitchFamily="18" charset="0"/>
+                      </a:rPr>
+                      <m:t>, </m:t>
+                    </m:r>
+                  </m:oMath>
+                </a14:m>
+                <a:r>
+                  <a:rPr lang="pt-BR" dirty="0"/>
+                  <a:t>o risco aumenta em 0.5 para cada unidade aumentada em </a:t>
                 </a:r>
                 <a14:m>
                   <m:oMath xmlns:m="http://schemas.openxmlformats.org/officeDocument/2006/math">
                     <m:sSub>
                       <m:sSubPr>
                         <m:ctrlPr>
-                          <a:rPr i="1">
+                          <a:rPr lang="ar-AE" i="1">
                             <a:latin typeface="Cambria Math" panose="02040503050406030204" pitchFamily="18" charset="0"/>
                           </a:rPr>
                         </m:ctrlPr>
                       </m:sSubPr>
                       <m:e>
                         <m:r>
-                          <a:rPr>
+                          <a:rPr lang="ar-AE">
                             <a:latin typeface="Cambria Math" panose="02040503050406030204" pitchFamily="18" charset="0"/>
                           </a:rPr>
                           <m:t>𝑋</m:t>
@@ -4732,7 +5154,7 @@
                       </m:e>
                       <m:sub>
                         <m:r>
-                          <a:rPr>
+                          <a:rPr lang="ar-AE">
                             <a:latin typeface="Cambria Math" panose="02040503050406030204" pitchFamily="18" charset="0"/>
                           </a:rPr>
                           <m:t>𝑖𝑗</m:t>
@@ -4742,7 +5164,7 @@
                   </m:oMath>
                 </a14:m>
                 <a:r>
-                  <a:rPr dirty="0"/>
+                  <a:rPr lang="ar-AE" dirty="0"/>
                   <a:t>;</a:t>
                 </a:r>
               </a:p>
@@ -4751,24 +5173,35 @@
                 <a14:m>
                   <m:oMath xmlns:m="http://schemas.openxmlformats.org/officeDocument/2006/math">
                     <m:r>
-                      <a:rPr>
+                      <a:rPr lang="ar-AE">
                         <a:latin typeface="Cambria Math" panose="02040503050406030204" pitchFamily="18" charset="0"/>
                       </a:rPr>
                       <m:t>𝛼</m:t>
                     </m:r>
                     <m:r>
-                      <a:rPr>
+                      <a:rPr lang="ar-AE">
                         <a:latin typeface="Cambria Math" panose="02040503050406030204" pitchFamily="18" charset="0"/>
                       </a:rPr>
-                      <m:t>&lt;0</m:t>
+                      <m:t>&lt;</m:t>
+                    </m:r>
+                    <m:r>
+                      <a:rPr lang="ar-AE">
+                        <a:latin typeface="Cambria Math" panose="02040503050406030204" pitchFamily="18" charset="0"/>
+                      </a:rPr>
+                      <m:t>0</m:t>
+                    </m:r>
+                    <m:r>
+                      <a:rPr lang="pt-BR" b="0" i="0" smtClean="0">
+                        <a:latin typeface="Cambria Math" panose="02040503050406030204" pitchFamily="18" charset="0"/>
+                      </a:rPr>
+                      <m:t>:</m:t>
                     </m:r>
                   </m:oMath>
                 </a14:m>
                 <a:r>
-                  <a:rPr dirty="0"/>
-                  <a:t>: </a:t>
-                </a:r>
-                <a:endParaRPr lang="pt-BR" dirty="0"/>
+                  <a:rPr lang="ar-AE" dirty="0"/>
+                  <a:t> </a:t>
+                </a:r>
               </a:p>
               <a:p>
                 <a:pPr lvl="2"/>
@@ -4777,35 +5210,35 @@
                   <a:t>R</a:t>
                 </a:r>
                 <a:r>
-                  <a:rPr dirty="0" err="1"/>
+                  <a:rPr lang="pt-BR" dirty="0" err="1"/>
                   <a:t>isco</a:t>
                 </a:r>
                 <a:r>
-                  <a:rPr dirty="0"/>
+                  <a:rPr lang="pt-BR" dirty="0"/>
                   <a:t> de </a:t>
                 </a:r>
                 <a:r>
-                  <a:rPr dirty="0" err="1"/>
+                  <a:rPr lang="pt-BR" dirty="0" err="1"/>
                   <a:t>quem</a:t>
                 </a:r>
                 <a:r>
-                  <a:rPr dirty="0"/>
+                  <a:rPr lang="pt-BR" dirty="0"/>
                   <a:t> </a:t>
                 </a:r>
                 <a:r>
-                  <a:rPr dirty="0" err="1"/>
+                  <a:rPr lang="pt-BR" dirty="0" err="1"/>
                   <a:t>recebe</a:t>
                 </a:r>
                 <a:r>
-                  <a:rPr dirty="0"/>
+                  <a:rPr lang="pt-BR" dirty="0"/>
                   <a:t> </a:t>
                 </a:r>
                 <a:r>
-                  <a:rPr dirty="0" err="1"/>
+                  <a:rPr lang="pt-BR" dirty="0" err="1"/>
                   <a:t>tratamento</a:t>
                 </a:r>
                 <a:r>
-                  <a:rPr dirty="0"/>
+                  <a:rPr lang="pt-BR" dirty="0"/>
                   <a:t> </a:t>
                 </a:r>
                 <a14:m>
@@ -4813,14 +5246,14 @@
                     <m:sSub>
                       <m:sSubPr>
                         <m:ctrlPr>
-                          <a:rPr i="1">
+                          <a:rPr lang="ar-AE" i="1">
                             <a:latin typeface="Cambria Math" panose="02040503050406030204" pitchFamily="18" charset="0"/>
                           </a:rPr>
                         </m:ctrlPr>
                       </m:sSubPr>
                       <m:e>
                         <m:r>
-                          <a:rPr>
+                          <a:rPr lang="ar-AE">
                             <a:latin typeface="Cambria Math" panose="02040503050406030204" pitchFamily="18" charset="0"/>
                           </a:rPr>
                           <m:t>𝑍</m:t>
@@ -4828,7 +5261,7 @@
                       </m:e>
                       <m:sub>
                         <m:r>
-                          <a:rPr>
+                          <a:rPr lang="ar-AE">
                             <a:latin typeface="Cambria Math" panose="02040503050406030204" pitchFamily="18" charset="0"/>
                           </a:rPr>
                           <m:t>𝑖</m:t>
@@ -4836,47 +5269,57 @@
                       </m:sub>
                     </m:sSub>
                     <m:r>
-                      <a:rPr>
+                      <a:rPr lang="ar-AE">
                         <a:latin typeface="Cambria Math" panose="02040503050406030204" pitchFamily="18" charset="0"/>
                       </a:rPr>
-                      <m:t>=1</m:t>
+                      <m:t>=</m:t>
+                    </m:r>
+                    <m:r>
+                      <a:rPr lang="ar-AE">
+                        <a:latin typeface="Cambria Math" panose="02040503050406030204" pitchFamily="18" charset="0"/>
+                      </a:rPr>
+                      <m:t>1</m:t>
                     </m:r>
                   </m:oMath>
                 </a14:m>
                 <a:r>
-                  <a:rPr dirty="0"/>
-                  <a:t> é </a:t>
-                </a:r>
-                <a:r>
-                  <a:rPr dirty="0" err="1"/>
+                  <a:rPr lang="ar-AE" dirty="0"/>
+                  <a:t> </a:t>
+                </a:r>
+                <a:r>
+                  <a:rPr lang="pt-BR" dirty="0"/>
+                  <a:t>é </a:t>
+                </a:r>
+                <a:r>
+                  <a:rPr lang="pt-BR" dirty="0" err="1"/>
                   <a:t>menor</a:t>
                 </a:r>
                 <a:r>
-                  <a:rPr dirty="0"/>
+                  <a:rPr lang="pt-BR" dirty="0"/>
                   <a:t> de </a:t>
                 </a:r>
                 <a:r>
-                  <a:rPr dirty="0" err="1"/>
+                  <a:rPr lang="pt-BR" dirty="0" err="1"/>
                   <a:t>quem</a:t>
                 </a:r>
                 <a:r>
-                  <a:rPr dirty="0"/>
+                  <a:rPr lang="pt-BR" dirty="0"/>
                   <a:t> </a:t>
                 </a:r>
                 <a:r>
-                  <a:rPr dirty="0" err="1"/>
+                  <a:rPr lang="pt-BR" dirty="0" err="1"/>
                   <a:t>não</a:t>
                 </a:r>
                 <a:r>
-                  <a:rPr dirty="0"/>
+                  <a:rPr lang="pt-BR" dirty="0"/>
                   <a:t> </a:t>
                 </a:r>
                 <a:r>
-                  <a:rPr dirty="0" err="1"/>
+                  <a:rPr lang="pt-BR" dirty="0" err="1"/>
                   <a:t>recebe</a:t>
                 </a:r>
                 <a:r>
-                  <a:rPr dirty="0"/>
+                  <a:rPr lang="pt-BR" dirty="0"/>
                   <a:t> </a:t>
                 </a:r>
                 <a14:m>
@@ -4884,14 +5327,14 @@
                     <m:sSub>
                       <m:sSubPr>
                         <m:ctrlPr>
-                          <a:rPr i="1">
+                          <a:rPr lang="ar-AE" i="1">
                             <a:latin typeface="Cambria Math" panose="02040503050406030204" pitchFamily="18" charset="0"/>
                           </a:rPr>
                         </m:ctrlPr>
                       </m:sSubPr>
                       <m:e>
                         <m:r>
-                          <a:rPr>
+                          <a:rPr lang="ar-AE">
                             <a:latin typeface="Cambria Math" panose="02040503050406030204" pitchFamily="18" charset="0"/>
                           </a:rPr>
                           <m:t>𝑍</m:t>
@@ -4899,7 +5342,7 @@
                       </m:e>
                       <m:sub>
                         <m:r>
-                          <a:rPr>
+                          <a:rPr lang="ar-AE">
                             <a:latin typeface="Cambria Math" panose="02040503050406030204" pitchFamily="18" charset="0"/>
                           </a:rPr>
                           <m:t>𝑖</m:t>
@@ -4907,15 +5350,21 @@
                       </m:sub>
                     </m:sSub>
                     <m:r>
-                      <a:rPr>
+                      <a:rPr lang="ar-AE">
                         <a:latin typeface="Cambria Math" panose="02040503050406030204" pitchFamily="18" charset="0"/>
                       </a:rPr>
-                      <m:t>=0</m:t>
+                      <m:t>=</m:t>
+                    </m:r>
+                    <m:r>
+                      <a:rPr lang="ar-AE">
+                        <a:latin typeface="Cambria Math" panose="02040503050406030204" pitchFamily="18" charset="0"/>
+                      </a:rPr>
+                      <m:t>0</m:t>
                     </m:r>
                   </m:oMath>
                 </a14:m>
                 <a:r>
-                  <a:rPr dirty="0"/>
+                  <a:rPr lang="ar-AE" dirty="0"/>
                   <a:t>;</a:t>
                 </a:r>
               </a:p>
@@ -4924,82 +5373,1366 @@
                 <a14:m>
                   <m:oMath xmlns:m="http://schemas.openxmlformats.org/officeDocument/2006/math">
                     <m:r>
-                      <a:rPr>
+                      <a:rPr lang="ar-AE">
                         <a:latin typeface="Cambria Math" panose="02040503050406030204" pitchFamily="18" charset="0"/>
                       </a:rPr>
                       <m:t>𝛾</m:t>
                     </m:r>
                     <m:r>
+                      <a:rPr lang="ar-AE">
+                        <a:latin typeface="Cambria Math" panose="02040503050406030204" pitchFamily="18" charset="0"/>
+                      </a:rPr>
+                      <m:t>=</m:t>
+                    </m:r>
+                    <m:r>
+                      <a:rPr lang="ar-AE">
+                        <a:latin typeface="Cambria Math" panose="02040503050406030204" pitchFamily="18" charset="0"/>
+                      </a:rPr>
+                      <m:t>0</m:t>
+                    </m:r>
+                    <m:r>
+                      <a:rPr lang="pt-BR" b="0" i="0" smtClean="0">
+                        <a:latin typeface="Cambria Math" panose="02040503050406030204" pitchFamily="18" charset="0"/>
+                      </a:rPr>
+                      <m:t>:</m:t>
+                    </m:r>
+                  </m:oMath>
+                </a14:m>
+                <a:r>
+                  <a:rPr lang="ar-AE" dirty="0"/>
+                  <a:t> </a:t>
+                </a:r>
+              </a:p>
+              <a:p>
+                <a:pPr lvl="2"/>
+                <a:r>
+                  <a:rPr lang="pt-BR" dirty="0"/>
+                  <a:t>O </a:t>
+                </a:r>
+                <a:r>
+                  <a:rPr lang="pt-BR" dirty="0" err="1"/>
+                  <a:t>tratamento</a:t>
+                </a:r>
+                <a:r>
+                  <a:rPr lang="pt-BR" dirty="0"/>
+                  <a:t> </a:t>
+                </a:r>
+                <a:r>
+                  <a:rPr lang="pt-BR" dirty="0" err="1"/>
+                  <a:t>não</a:t>
+                </a:r>
+                <a:r>
+                  <a:rPr lang="pt-BR" dirty="0"/>
+                  <a:t> </a:t>
+                </a:r>
+                <a:r>
+                  <a:rPr lang="pt-BR" dirty="0" err="1"/>
+                  <a:t>influencia</a:t>
+                </a:r>
+                <a:r>
+                  <a:rPr lang="pt-BR" dirty="0"/>
+                  <a:t> </a:t>
+                </a:r>
+                <a:r>
+                  <a:rPr lang="pt-BR" dirty="0" err="1"/>
+                  <a:t>os</a:t>
+                </a:r>
+                <a:r>
+                  <a:rPr lang="pt-BR" dirty="0"/>
+                  <a:t> </a:t>
+                </a:r>
+                <a:r>
+                  <a:rPr lang="pt-BR" dirty="0" err="1"/>
+                  <a:t>valores</a:t>
+                </a:r>
+                <a:r>
+                  <a:rPr lang="pt-BR" dirty="0"/>
+                  <a:t> dos dados </a:t>
+                </a:r>
+                <a:r>
+                  <a:rPr lang="pt-BR" dirty="0" err="1"/>
+                  <a:t>longitudinais</a:t>
+                </a:r>
+                <a:r>
+                  <a:rPr lang="pt-BR" dirty="0"/>
+                  <a:t>.</a:t>
+                </a:r>
+                <a:endParaRPr dirty="0"/>
+              </a:p>
+            </p:txBody>
+          </p:sp>
+        </mc:Choice>
+        <mc:Fallback xmlns="">
+          <p:sp>
+            <p:nvSpPr>
+              <p:cNvPr id="3" name="Content Placeholder 2"/>
+              <p:cNvSpPr>
+                <a:spLocks noGrp="1" noRot="1" noChangeAspect="1" noMove="1" noResize="1" noEditPoints="1" noAdjustHandles="1" noChangeArrowheads="1" noChangeShapeType="1" noTextEdit="1"/>
+              </p:cNvSpPr>
+              <p:nvPr>
+                <p:ph idx="1"/>
+              </p:nvPr>
+            </p:nvSpPr>
+            <p:spPr>
+              <a:blipFill>
+                <a:blip r:embed="rId2"/>
+                <a:stretch>
+                  <a:fillRect t="-870"/>
+                </a:stretch>
+              </a:blipFill>
+            </p:spPr>
+            <p:txBody>
+              <a:bodyPr/>
+              <a:lstStyle/>
+              <a:p>
+                <a:r>
+                  <a:rPr lang="pt-BR">
+                    <a:noFill/>
+                  </a:rPr>
+                  <a:t> </a:t>
+                </a:r>
+              </a:p>
+            </p:txBody>
+          </p:sp>
+        </mc:Fallback>
+      </mc:AlternateContent>
+      <p:sp>
+        <p:nvSpPr>
+          <p:cNvPr id="4" name="Espaço Reservado para Número de Slide 3">
+            <a:extLst>
+              <a:ext uri="{FF2B5EF4-FFF2-40B4-BE49-F238E27FC236}">
+                <a16:creationId xmlns:a16="http://schemas.microsoft.com/office/drawing/2014/main" id="{DEE9AF80-BEF7-4192-88AA-39ADF5208ED3}"/>
+              </a:ext>
+            </a:extLst>
+          </p:cNvPr>
+          <p:cNvSpPr>
+            <a:spLocks noGrp="1"/>
+          </p:cNvSpPr>
+          <p:nvPr>
+            <p:ph type="sldNum" sz="quarter" idx="12"/>
+          </p:nvPr>
+        </p:nvSpPr>
+        <p:spPr/>
+        <p:txBody>
+          <a:bodyPr/>
+          <a:lstStyle/>
+          <a:p>
+            <a:fld id="{C5EF2332-01BF-834F-8236-50238282D533}" type="slidenum">
+              <a:rPr lang="en-US" smtClean="0"/>
+              <a:t>12</a:t>
+            </a:fld>
+            <a:endParaRPr lang="en-US"/>
+          </a:p>
+        </p:txBody>
+      </p:sp>
+    </p:spTree>
+  </p:cSld>
+  <p:clrMapOvr>
+    <a:masterClrMapping/>
+  </p:clrMapOvr>
+</p:sld>
+</file>
+
+<file path=ppt/slides/slide13.xml><?xml version="1.0" encoding="utf-8"?>
+<p:sld xmlns:a="http://schemas.openxmlformats.org/drawingml/2006/main" xmlns:r="http://schemas.openxmlformats.org/officeDocument/2006/relationships" xmlns:p="http://schemas.openxmlformats.org/presentationml/2006/main">
+  <p:cSld>
+    <p:spTree>
+      <p:nvGrpSpPr>
+        <p:cNvPr id="1" name=""/>
+        <p:cNvGrpSpPr/>
+        <p:nvPr/>
+      </p:nvGrpSpPr>
+      <p:grpSpPr>
+        <a:xfrm>
+          <a:off x="0" y="0"/>
+          <a:ext cx="0" cy="0"/>
+          <a:chOff x="0" y="0"/>
+          <a:chExt cx="0" cy="0"/>
+        </a:xfrm>
+      </p:grpSpPr>
+      <p:sp>
+        <p:nvSpPr>
+          <p:cNvPr id="2" name="Title 1"/>
+          <p:cNvSpPr>
+            <a:spLocks noGrp="1"/>
+          </p:cNvSpPr>
+          <p:nvPr>
+            <p:ph type="title"/>
+          </p:nvPr>
+        </p:nvSpPr>
+        <p:spPr>
+          <a:xfrm>
+            <a:off x="2209800" y="2311771"/>
+            <a:ext cx="7772400" cy="1362075"/>
+          </a:xfrm>
+        </p:spPr>
+        <p:txBody>
+          <a:bodyPr/>
+          <a:lstStyle/>
+          <a:p>
+            <a:r>
+              <a:t>Exemplos</a:t>
+            </a:r>
+          </a:p>
+        </p:txBody>
+      </p:sp>
+      <p:sp>
+        <p:nvSpPr>
+          <p:cNvPr id="3" name="Espaço Reservado para Número de Slide 2">
+            <a:extLst>
+              <a:ext uri="{FF2B5EF4-FFF2-40B4-BE49-F238E27FC236}">
+                <a16:creationId xmlns:a16="http://schemas.microsoft.com/office/drawing/2014/main" id="{0645BEF0-776C-4B6F-956D-FFB17E32EB96}"/>
+              </a:ext>
+            </a:extLst>
+          </p:cNvPr>
+          <p:cNvSpPr>
+            <a:spLocks noGrp="1"/>
+          </p:cNvSpPr>
+          <p:nvPr>
+            <p:ph type="sldNum" sz="quarter" idx="12"/>
+          </p:nvPr>
+        </p:nvSpPr>
+        <p:spPr/>
+        <p:txBody>
+          <a:bodyPr/>
+          <a:lstStyle/>
+          <a:p>
+            <a:fld id="{C5EF2332-01BF-834F-8236-50238282D533}" type="slidenum">
+              <a:rPr lang="en-US" smtClean="0"/>
+              <a:t>13</a:t>
+            </a:fld>
+            <a:endParaRPr lang="en-US"/>
+          </a:p>
+        </p:txBody>
+      </p:sp>
+    </p:spTree>
+  </p:cSld>
+  <p:clrMapOvr>
+    <a:masterClrMapping/>
+  </p:clrMapOvr>
+</p:sld>
+</file>
+
+<file path=ppt/slides/slide14.xml><?xml version="1.0" encoding="utf-8"?>
+<p:sld xmlns:a="http://schemas.openxmlformats.org/drawingml/2006/main" xmlns:r="http://schemas.openxmlformats.org/officeDocument/2006/relationships" xmlns:p="http://schemas.openxmlformats.org/presentationml/2006/main">
+  <p:cSld>
+    <p:spTree>
+      <p:nvGrpSpPr>
+        <p:cNvPr id="1" name=""/>
+        <p:cNvGrpSpPr/>
+        <p:nvPr/>
+      </p:nvGrpSpPr>
+      <p:grpSpPr>
+        <a:xfrm>
+          <a:off x="0" y="0"/>
+          <a:ext cx="0" cy="0"/>
+          <a:chOff x="0" y="0"/>
+          <a:chExt cx="0" cy="0"/>
+        </a:xfrm>
+      </p:grpSpPr>
+      <p:sp>
+        <p:nvSpPr>
+          <p:cNvPr id="2" name="Title 1"/>
+          <p:cNvSpPr>
+            <a:spLocks noGrp="1"/>
+          </p:cNvSpPr>
+          <p:nvPr>
+            <p:ph type="title"/>
+          </p:nvPr>
+        </p:nvSpPr>
+        <p:spPr/>
+        <p:txBody>
+          <a:bodyPr/>
+          <a:lstStyle/>
+          <a:p>
+            <a:r>
+              <a:t>Exemplos</a:t>
+            </a:r>
+          </a:p>
+        </p:txBody>
+      </p:sp>
+      <p:sp>
+        <p:nvSpPr>
+          <p:cNvPr id="3" name="Content Placeholder 2"/>
+          <p:cNvSpPr>
+            <a:spLocks noGrp="1"/>
+          </p:cNvSpPr>
+          <p:nvPr>
+            <p:ph idx="1"/>
+          </p:nvPr>
+        </p:nvSpPr>
+        <p:spPr/>
+        <p:txBody>
+          <a:bodyPr/>
+          <a:lstStyle/>
+          <a:p>
+            <a:pPr lvl="1"/>
+            <a:r>
+              <a:rPr dirty="0" err="1"/>
+              <a:t>Qualidade</a:t>
+            </a:r>
+            <a:r>
+              <a:rPr dirty="0"/>
+              <a:t>-de-</a:t>
+            </a:r>
+            <a:r>
+              <a:rPr dirty="0" err="1"/>
+              <a:t>vida</a:t>
+            </a:r>
+            <a:r>
+              <a:rPr dirty="0"/>
+              <a:t> (QDV);</a:t>
+            </a:r>
+          </a:p>
+          <a:p>
+            <a:pPr lvl="2"/>
+            <a:r>
+              <a:rPr dirty="0"/>
+              <a:t>E1193;</a:t>
+            </a:r>
+          </a:p>
+          <a:p>
+            <a:pPr lvl="1"/>
+            <a:r>
+              <a:rPr dirty="0" err="1"/>
+              <a:t>Simulação</a:t>
+            </a:r>
+            <a:r>
+              <a:rPr dirty="0"/>
+              <a:t>.</a:t>
+            </a:r>
+          </a:p>
+          <a:p>
+            <a:pPr marL="0" indent="0">
+              <a:buNone/>
+            </a:pPr>
+            <a:endParaRPr dirty="0"/>
+          </a:p>
+        </p:txBody>
+      </p:sp>
+      <p:sp>
+        <p:nvSpPr>
+          <p:cNvPr id="4" name="Espaço Reservado para Número de Slide 3">
+            <a:extLst>
+              <a:ext uri="{FF2B5EF4-FFF2-40B4-BE49-F238E27FC236}">
+                <a16:creationId xmlns:a16="http://schemas.microsoft.com/office/drawing/2014/main" id="{13F451DA-B68A-4F2A-A722-801DB72E20DA}"/>
+              </a:ext>
+            </a:extLst>
+          </p:cNvPr>
+          <p:cNvSpPr>
+            <a:spLocks noGrp="1"/>
+          </p:cNvSpPr>
+          <p:nvPr>
+            <p:ph type="sldNum" sz="quarter" idx="12"/>
+          </p:nvPr>
+        </p:nvSpPr>
+        <p:spPr/>
+        <p:txBody>
+          <a:bodyPr/>
+          <a:lstStyle/>
+          <a:p>
+            <a:fld id="{C5EF2332-01BF-834F-8236-50238282D533}" type="slidenum">
+              <a:rPr lang="en-US" smtClean="0"/>
+              <a:t>14</a:t>
+            </a:fld>
+            <a:endParaRPr lang="en-US"/>
+          </a:p>
+        </p:txBody>
+      </p:sp>
+    </p:spTree>
+  </p:cSld>
+  <p:clrMapOvr>
+    <a:masterClrMapping/>
+  </p:clrMapOvr>
+</p:sld>
+</file>
+
+<file path=ppt/slides/slide15.xml><?xml version="1.0" encoding="utf-8"?>
+<p:sld xmlns:a="http://schemas.openxmlformats.org/drawingml/2006/main" xmlns:r="http://schemas.openxmlformats.org/officeDocument/2006/relationships" xmlns:p="http://schemas.openxmlformats.org/presentationml/2006/main">
+  <p:cSld>
+    <p:spTree>
+      <p:nvGrpSpPr>
+        <p:cNvPr id="1" name=""/>
+        <p:cNvGrpSpPr/>
+        <p:nvPr/>
+      </p:nvGrpSpPr>
+      <p:grpSpPr>
+        <a:xfrm>
+          <a:off x="0" y="0"/>
+          <a:ext cx="0" cy="0"/>
+          <a:chOff x="0" y="0"/>
+          <a:chExt cx="0" cy="0"/>
+        </a:xfrm>
+      </p:grpSpPr>
+      <p:sp>
+        <p:nvSpPr>
+          <p:cNvPr id="2" name="Title 1"/>
+          <p:cNvSpPr>
+            <a:spLocks noGrp="1"/>
+          </p:cNvSpPr>
+          <p:nvPr>
+            <p:ph type="title"/>
+          </p:nvPr>
+        </p:nvSpPr>
+        <p:spPr/>
+        <p:txBody>
+          <a:bodyPr/>
+          <a:lstStyle/>
+          <a:p>
+            <a:r>
+              <a:rPr i="1"/>
+              <a:t>E1193</a:t>
+            </a:r>
+          </a:p>
+        </p:txBody>
+      </p:sp>
+      <p:sp>
+        <p:nvSpPr>
+          <p:cNvPr id="3" name="Content Placeholder 2"/>
+          <p:cNvSpPr>
+            <a:spLocks noGrp="1"/>
+          </p:cNvSpPr>
+          <p:nvPr>
+            <p:ph idx="1"/>
+          </p:nvPr>
+        </p:nvSpPr>
+        <p:spPr/>
+        <p:txBody>
+          <a:bodyPr/>
+          <a:lstStyle/>
+          <a:p>
+            <a:pPr lvl="1"/>
+            <a:r>
+              <a:t>Experimento em grupo E1193 - </a:t>
+            </a:r>
+            <a:r>
+              <a:rPr i="1"/>
+              <a:t>Eastern Cooperative Oncology</a:t>
+            </a:r>
+            <a:r>
+              <a:t>;</a:t>
+            </a:r>
+          </a:p>
+          <a:p>
+            <a:pPr lvl="1"/>
+            <a:r>
+              <a:t>Examinar a associação entre QDV e tempo de sobrevivência para pacientes no estudo;</a:t>
+            </a:r>
+          </a:p>
+          <a:p>
+            <a:pPr lvl="1"/>
+            <a:r>
+              <a:t>Estudo clínico de fase III de doxorubicin, paclitaxel e uma combinação dos dois;</a:t>
+            </a:r>
+          </a:p>
+          <a:p>
+            <a:pPr lvl="2"/>
+            <a:r>
+              <a:t>Quimioterapia contra câncer de mama metastático.</a:t>
+            </a:r>
+          </a:p>
+        </p:txBody>
+      </p:sp>
+      <p:sp>
+        <p:nvSpPr>
+          <p:cNvPr id="4" name="Espaço Reservado para Número de Slide 3">
+            <a:extLst>
+              <a:ext uri="{FF2B5EF4-FFF2-40B4-BE49-F238E27FC236}">
+                <a16:creationId xmlns:a16="http://schemas.microsoft.com/office/drawing/2014/main" id="{D1183D69-E76E-4C87-9A47-CEE553FE4AC3}"/>
+              </a:ext>
+            </a:extLst>
+          </p:cNvPr>
+          <p:cNvSpPr>
+            <a:spLocks noGrp="1"/>
+          </p:cNvSpPr>
+          <p:nvPr>
+            <p:ph type="sldNum" sz="quarter" idx="12"/>
+          </p:nvPr>
+        </p:nvSpPr>
+        <p:spPr/>
+        <p:txBody>
+          <a:bodyPr/>
+          <a:lstStyle/>
+          <a:p>
+            <a:fld id="{C5EF2332-01BF-834F-8236-50238282D533}" type="slidenum">
+              <a:rPr lang="en-US" smtClean="0"/>
+              <a:t>15</a:t>
+            </a:fld>
+            <a:endParaRPr lang="en-US"/>
+          </a:p>
+        </p:txBody>
+      </p:sp>
+    </p:spTree>
+  </p:cSld>
+  <p:clrMapOvr>
+    <a:masterClrMapping/>
+  </p:clrMapOvr>
+</p:sld>
+</file>
+
+<file path=ppt/slides/slide16.xml><?xml version="1.0" encoding="utf-8"?>
+<p:sld xmlns:a="http://schemas.openxmlformats.org/drawingml/2006/main" xmlns:r="http://schemas.openxmlformats.org/officeDocument/2006/relationships" xmlns:p="http://schemas.openxmlformats.org/presentationml/2006/main">
+  <p:cSld>
+    <p:spTree>
+      <p:nvGrpSpPr>
+        <p:cNvPr id="1" name=""/>
+        <p:cNvGrpSpPr/>
+        <p:nvPr/>
+      </p:nvGrpSpPr>
+      <p:grpSpPr>
+        <a:xfrm>
+          <a:off x="0" y="0"/>
+          <a:ext cx="0" cy="0"/>
+          <a:chOff x="0" y="0"/>
+          <a:chExt cx="0" cy="0"/>
+        </a:xfrm>
+      </p:grpSpPr>
+      <p:sp>
+        <p:nvSpPr>
+          <p:cNvPr id="2" name="Title 1"/>
+          <p:cNvSpPr>
+            <a:spLocks noGrp="1"/>
+          </p:cNvSpPr>
+          <p:nvPr>
+            <p:ph type="title"/>
+          </p:nvPr>
+        </p:nvSpPr>
+        <p:spPr/>
+        <p:txBody>
+          <a:bodyPr/>
+          <a:lstStyle/>
+          <a:p>
+            <a:r>
+              <a:rPr i="1"/>
+              <a:t>E1193</a:t>
+            </a:r>
+          </a:p>
+        </p:txBody>
+      </p:sp>
+      <p:sp>
+        <p:nvSpPr>
+          <p:cNvPr id="3" name="Content Placeholder 2"/>
+          <p:cNvSpPr>
+            <a:spLocks noGrp="1"/>
+          </p:cNvSpPr>
+          <p:nvPr>
+            <p:ph idx="1"/>
+          </p:nvPr>
+        </p:nvSpPr>
+        <p:spPr/>
+        <p:txBody>
+          <a:bodyPr>
+            <a:normAutofit lnSpcReduction="10000"/>
+          </a:bodyPr>
+          <a:lstStyle/>
+          <a:p>
+            <a:pPr lvl="1"/>
+            <a:r>
+              <a:rPr dirty="0" err="1"/>
+              <a:t>Pacientes</a:t>
+            </a:r>
+            <a:r>
+              <a:rPr dirty="0"/>
+              <a:t> que </a:t>
+            </a:r>
+            <a:r>
+              <a:rPr dirty="0" err="1"/>
+              <a:t>recebiam</a:t>
+            </a:r>
+            <a:r>
+              <a:rPr dirty="0"/>
+              <a:t> um dos </a:t>
+            </a:r>
+            <a:r>
+              <a:rPr dirty="0" err="1"/>
+              <a:t>dois</a:t>
+            </a:r>
+            <a:r>
+              <a:rPr dirty="0"/>
+              <a:t> </a:t>
+            </a:r>
+            <a:r>
+              <a:rPr dirty="0" err="1"/>
+              <a:t>tratamentos</a:t>
+            </a:r>
+            <a:r>
+              <a:rPr dirty="0"/>
+              <a:t> “simples” - doxorubicin </a:t>
+            </a:r>
+            <a:r>
+              <a:rPr dirty="0" err="1"/>
+              <a:t>ou</a:t>
+            </a:r>
+            <a:r>
+              <a:rPr dirty="0"/>
+              <a:t> paclitaxel </a:t>
+            </a:r>
+            <a:r>
+              <a:rPr dirty="0" err="1"/>
+              <a:t>apenas</a:t>
+            </a:r>
+            <a:r>
+              <a:rPr dirty="0"/>
+              <a:t> - </a:t>
+            </a:r>
+            <a:r>
+              <a:rPr dirty="0" err="1"/>
+              <a:t>trocaram</a:t>
+            </a:r>
+            <a:r>
+              <a:rPr dirty="0"/>
+              <a:t> para o outro </a:t>
+            </a:r>
+            <a:r>
+              <a:rPr dirty="0" err="1"/>
+              <a:t>agente</a:t>
+            </a:r>
+            <a:r>
+              <a:rPr dirty="0"/>
+              <a:t> </a:t>
+            </a:r>
+            <a:r>
+              <a:rPr dirty="0" err="1"/>
+              <a:t>durante</a:t>
+            </a:r>
+            <a:r>
+              <a:rPr dirty="0"/>
+              <a:t> o </a:t>
+            </a:r>
+            <a:r>
+              <a:rPr dirty="0" err="1"/>
+              <a:t>estudo</a:t>
+            </a:r>
+            <a:r>
+              <a:rPr dirty="0"/>
+              <a:t>;</a:t>
+            </a:r>
+          </a:p>
+          <a:p>
+            <a:pPr lvl="1"/>
+            <a:r>
+              <a:rPr dirty="0"/>
+              <a:t>QDV </a:t>
+            </a:r>
+            <a:r>
+              <a:rPr dirty="0" err="1"/>
+              <a:t>foi</a:t>
+            </a:r>
+            <a:r>
+              <a:rPr dirty="0"/>
+              <a:t> </a:t>
+            </a:r>
+            <a:r>
+              <a:rPr dirty="0" err="1"/>
+              <a:t>acessada</a:t>
+            </a:r>
+            <a:r>
+              <a:rPr dirty="0"/>
+              <a:t> por </a:t>
+            </a:r>
+            <a:r>
+              <a:rPr dirty="0" err="1"/>
+              <a:t>uma</a:t>
+            </a:r>
+            <a:r>
+              <a:rPr dirty="0"/>
+              <a:t> </a:t>
+            </a:r>
+            <a:r>
+              <a:rPr dirty="0" err="1"/>
+              <a:t>escala</a:t>
+            </a:r>
+            <a:r>
+              <a:rPr dirty="0"/>
+              <a:t> de </a:t>
+            </a:r>
+            <a:r>
+              <a:rPr dirty="0" err="1"/>
+              <a:t>avaliação</a:t>
+            </a:r>
+            <a:r>
+              <a:rPr dirty="0"/>
+              <a:t> de </a:t>
+            </a:r>
+            <a:r>
+              <a:rPr dirty="0" err="1"/>
+              <a:t>terapia</a:t>
+            </a:r>
+            <a:r>
+              <a:rPr dirty="0"/>
+              <a:t> de </a:t>
+            </a:r>
+            <a:r>
+              <a:rPr dirty="0" err="1"/>
+              <a:t>câncer</a:t>
+            </a:r>
+            <a:r>
+              <a:rPr dirty="0"/>
+              <a:t> de mama (</a:t>
+            </a:r>
+            <a:r>
+              <a:rPr i="1" dirty="0"/>
+              <a:t>Brady et al</a:t>
+            </a:r>
+            <a:r>
+              <a:rPr dirty="0"/>
+              <a:t>, 1997);</a:t>
+            </a:r>
+          </a:p>
+          <a:p>
+            <a:pPr lvl="2"/>
+            <a:r>
+              <a:rPr dirty="0"/>
+              <a:t>Essa </a:t>
+            </a:r>
+            <a:r>
+              <a:rPr dirty="0" err="1"/>
+              <a:t>avaliação</a:t>
+            </a:r>
+            <a:r>
+              <a:rPr dirty="0"/>
+              <a:t> </a:t>
+            </a:r>
+            <a:r>
+              <a:rPr dirty="0" err="1"/>
+              <a:t>inclui</a:t>
+            </a:r>
+            <a:r>
+              <a:rPr dirty="0"/>
+              <a:t> </a:t>
+            </a:r>
+            <a:r>
+              <a:rPr dirty="0" err="1"/>
+              <a:t>cinco</a:t>
+            </a:r>
+            <a:r>
+              <a:rPr dirty="0"/>
+              <a:t> </a:t>
+            </a:r>
+            <a:r>
+              <a:rPr dirty="0" err="1"/>
+              <a:t>subescalas</a:t>
+            </a:r>
+            <a:r>
+              <a:rPr dirty="0"/>
+              <a:t> </a:t>
+            </a:r>
+            <a:r>
+              <a:rPr dirty="0" err="1"/>
+              <a:t>gerais</a:t>
+            </a:r>
+            <a:r>
+              <a:rPr dirty="0"/>
+              <a:t>:</a:t>
+            </a:r>
+          </a:p>
+          <a:p>
+            <a:pPr lvl="3"/>
+            <a:r>
+              <a:rPr dirty="0" err="1"/>
+              <a:t>Física</a:t>
+            </a:r>
+            <a:r>
+              <a:rPr dirty="0"/>
+              <a:t>;</a:t>
+            </a:r>
+          </a:p>
+          <a:p>
+            <a:pPr lvl="3"/>
+            <a:r>
+              <a:rPr dirty="0"/>
+              <a:t>Social;</a:t>
+            </a:r>
+          </a:p>
+          <a:p>
+            <a:pPr lvl="3"/>
+            <a:r>
+              <a:rPr dirty="0" err="1"/>
+              <a:t>Relacionamento</a:t>
+            </a:r>
+            <a:r>
+              <a:rPr dirty="0"/>
+              <a:t> com o </a:t>
+            </a:r>
+            <a:r>
+              <a:rPr dirty="0" err="1"/>
+              <a:t>médico</a:t>
+            </a:r>
+            <a:r>
+              <a:rPr dirty="0"/>
+              <a:t>;</a:t>
+            </a:r>
+          </a:p>
+          <a:p>
+            <a:pPr lvl="3"/>
+            <a:r>
+              <a:rPr dirty="0" err="1"/>
+              <a:t>Emociona</a:t>
+            </a:r>
+            <a:r>
+              <a:rPr lang="pt-BR" dirty="0"/>
+              <a:t>l</a:t>
+            </a:r>
+            <a:r>
+              <a:rPr dirty="0"/>
+              <a:t>;</a:t>
+            </a:r>
+          </a:p>
+          <a:p>
+            <a:pPr lvl="3"/>
+            <a:r>
+              <a:rPr dirty="0" err="1"/>
+              <a:t>Funcional</a:t>
+            </a:r>
+            <a:r>
+              <a:rPr dirty="0"/>
+              <a:t>.</a:t>
+            </a:r>
+          </a:p>
+          <a:p>
+            <a:pPr lvl="2"/>
+            <a:r>
+              <a:rPr dirty="0" err="1"/>
+              <a:t>Além</a:t>
+            </a:r>
+            <a:r>
+              <a:rPr dirty="0"/>
+              <a:t> de </a:t>
+            </a:r>
+            <a:r>
+              <a:rPr dirty="0" err="1"/>
+              <a:t>subescalas</a:t>
+            </a:r>
+            <a:r>
+              <a:rPr dirty="0"/>
+              <a:t> </a:t>
+            </a:r>
+            <a:r>
+              <a:rPr dirty="0" err="1"/>
+              <a:t>específicas</a:t>
+            </a:r>
+            <a:r>
+              <a:rPr dirty="0"/>
+              <a:t> para </a:t>
+            </a:r>
+            <a:r>
+              <a:rPr dirty="0" err="1"/>
+              <a:t>câncer</a:t>
+            </a:r>
+            <a:r>
+              <a:rPr dirty="0"/>
+              <a:t> de mama.</a:t>
+            </a:r>
+          </a:p>
+        </p:txBody>
+      </p:sp>
+      <p:sp>
+        <p:nvSpPr>
+          <p:cNvPr id="4" name="Espaço Reservado para Número de Slide 3">
+            <a:extLst>
+              <a:ext uri="{FF2B5EF4-FFF2-40B4-BE49-F238E27FC236}">
+                <a16:creationId xmlns:a16="http://schemas.microsoft.com/office/drawing/2014/main" id="{1965A1F9-B604-4C47-A782-E300BB7AF2FE}"/>
+              </a:ext>
+            </a:extLst>
+          </p:cNvPr>
+          <p:cNvSpPr>
+            <a:spLocks noGrp="1"/>
+          </p:cNvSpPr>
+          <p:nvPr>
+            <p:ph type="sldNum" sz="quarter" idx="12"/>
+          </p:nvPr>
+        </p:nvSpPr>
+        <p:spPr/>
+        <p:txBody>
+          <a:bodyPr/>
+          <a:lstStyle/>
+          <a:p>
+            <a:fld id="{C5EF2332-01BF-834F-8236-50238282D533}" type="slidenum">
+              <a:rPr lang="en-US" smtClean="0"/>
+              <a:t>16</a:t>
+            </a:fld>
+            <a:endParaRPr lang="en-US"/>
+          </a:p>
+        </p:txBody>
+      </p:sp>
+    </p:spTree>
+  </p:cSld>
+  <p:clrMapOvr>
+    <a:masterClrMapping/>
+  </p:clrMapOvr>
+</p:sld>
+</file>
+
+<file path=ppt/slides/slide17.xml><?xml version="1.0" encoding="utf-8"?>
+<p:sld xmlns:a="http://schemas.openxmlformats.org/drawingml/2006/main" xmlns:r="http://schemas.openxmlformats.org/officeDocument/2006/relationships" xmlns:p="http://schemas.openxmlformats.org/presentationml/2006/main">
+  <p:cSld>
+    <p:spTree>
+      <p:nvGrpSpPr>
+        <p:cNvPr id="1" name=""/>
+        <p:cNvGrpSpPr/>
+        <p:nvPr/>
+      </p:nvGrpSpPr>
+      <p:grpSpPr>
+        <a:xfrm>
+          <a:off x="0" y="0"/>
+          <a:ext cx="0" cy="0"/>
+          <a:chOff x="0" y="0"/>
+          <a:chExt cx="0" cy="0"/>
+        </a:xfrm>
+      </p:grpSpPr>
+      <p:sp>
+        <p:nvSpPr>
+          <p:cNvPr id="2" name="Title 1"/>
+          <p:cNvSpPr>
+            <a:spLocks noGrp="1"/>
+          </p:cNvSpPr>
+          <p:nvPr>
+            <p:ph type="title"/>
+          </p:nvPr>
+        </p:nvSpPr>
+        <p:spPr/>
+        <p:txBody>
+          <a:bodyPr/>
+          <a:lstStyle/>
+          <a:p>
+            <a:r>
+              <a:rPr i="1"/>
+              <a:t>E1193</a:t>
+            </a:r>
+          </a:p>
+        </p:txBody>
+      </p:sp>
+      <p:sp>
+        <p:nvSpPr>
+          <p:cNvPr id="3" name="Content Placeholder 2"/>
+          <p:cNvSpPr>
+            <a:spLocks noGrp="1"/>
+          </p:cNvSpPr>
+          <p:nvPr>
+            <p:ph idx="1"/>
+          </p:nvPr>
+        </p:nvSpPr>
+        <p:spPr/>
+        <p:txBody>
+          <a:bodyPr/>
+          <a:lstStyle/>
+          <a:p>
+            <a:pPr lvl="1"/>
+            <a:r>
+              <a:rPr dirty="0" err="1"/>
+              <a:t>Pontuação</a:t>
+            </a:r>
+            <a:r>
+              <a:rPr dirty="0"/>
+              <a:t> </a:t>
+            </a:r>
+            <a:r>
+              <a:rPr dirty="0" err="1"/>
+              <a:t>máxima</a:t>
+            </a:r>
+            <a:r>
+              <a:rPr dirty="0"/>
+              <a:t> de 148 </a:t>
+            </a:r>
+            <a:r>
+              <a:rPr dirty="0" err="1"/>
+              <a:t>pontos</a:t>
+            </a:r>
+            <a:r>
+              <a:rPr dirty="0"/>
+              <a:t>;</a:t>
+            </a:r>
+          </a:p>
+          <a:p>
+            <a:pPr lvl="2"/>
+            <a:r>
+              <a:rPr dirty="0" err="1"/>
+              <a:t>Quanto</a:t>
+            </a:r>
+            <a:r>
+              <a:rPr dirty="0"/>
+              <a:t> </a:t>
+            </a:r>
+            <a:r>
+              <a:rPr dirty="0" err="1"/>
+              <a:t>maior</a:t>
+            </a:r>
+            <a:r>
+              <a:rPr dirty="0"/>
+              <a:t> a </a:t>
+            </a:r>
+            <a:r>
+              <a:rPr dirty="0" err="1"/>
+              <a:t>pontuação</a:t>
+            </a:r>
+            <a:r>
+              <a:rPr dirty="0"/>
+              <a:t>, </a:t>
+            </a:r>
+            <a:r>
+              <a:rPr dirty="0" err="1"/>
+              <a:t>melhor</a:t>
+            </a:r>
+            <a:r>
+              <a:rPr dirty="0"/>
+              <a:t> a </a:t>
+            </a:r>
+            <a:r>
+              <a:rPr dirty="0" err="1"/>
+              <a:t>qualidade</a:t>
+            </a:r>
+            <a:r>
+              <a:rPr dirty="0"/>
+              <a:t> de </a:t>
+            </a:r>
+            <a:r>
+              <a:rPr dirty="0" err="1"/>
+              <a:t>vida</a:t>
+            </a:r>
+            <a:r>
+              <a:rPr dirty="0"/>
+              <a:t> do </a:t>
+            </a:r>
+            <a:r>
+              <a:rPr dirty="0" err="1"/>
+              <a:t>paciente</a:t>
+            </a:r>
+            <a:r>
+              <a:rPr dirty="0"/>
+              <a:t>.</a:t>
+            </a:r>
+          </a:p>
+          <a:p>
+            <a:pPr lvl="1"/>
+            <a:r>
+              <a:rPr lang="pt-BR" dirty="0"/>
+              <a:t>Foram analisados: </a:t>
+            </a:r>
+          </a:p>
+          <a:p>
+            <a:pPr lvl="2"/>
+            <a:r>
+              <a:rPr lang="pt-BR" dirty="0"/>
+              <a:t>T</a:t>
+            </a:r>
+            <a:r>
+              <a:rPr dirty="0" err="1"/>
+              <a:t>empo</a:t>
+            </a:r>
+            <a:r>
+              <a:rPr dirty="0"/>
+              <a:t> </a:t>
+            </a:r>
+            <a:r>
+              <a:rPr lang="pt-BR" dirty="0"/>
+              <a:t>de s</a:t>
+            </a:r>
+            <a:r>
+              <a:rPr dirty="0" err="1"/>
+              <a:t>obrevivência</a:t>
+            </a:r>
+            <a:r>
+              <a:rPr dirty="0"/>
+              <a:t> </a:t>
+            </a:r>
+            <a:r>
+              <a:rPr dirty="0" err="1"/>
+              <a:t>após</a:t>
+            </a:r>
+            <a:r>
+              <a:rPr dirty="0"/>
+              <a:t> </a:t>
+            </a:r>
+            <a:r>
+              <a:rPr dirty="0" err="1"/>
+              <a:t>entrar</a:t>
+            </a:r>
+            <a:r>
+              <a:rPr dirty="0"/>
+              <a:t> </a:t>
+            </a:r>
+            <a:r>
+              <a:rPr dirty="0" err="1"/>
+              <a:t>na</a:t>
+            </a:r>
+            <a:r>
+              <a:rPr dirty="0"/>
+              <a:t> </a:t>
+            </a:r>
+            <a:r>
+              <a:rPr dirty="0" err="1"/>
+              <a:t>fase</a:t>
+            </a:r>
+            <a:r>
+              <a:rPr dirty="0"/>
+              <a:t> de cross-over (</a:t>
+            </a:r>
+            <a:r>
+              <a:rPr dirty="0" err="1"/>
+              <a:t>progressão</a:t>
+            </a:r>
+            <a:r>
+              <a:rPr dirty="0"/>
+              <a:t> da </a:t>
+            </a:r>
+            <a:r>
+              <a:rPr dirty="0" err="1"/>
+              <a:t>doença</a:t>
+            </a:r>
+            <a:r>
+              <a:rPr dirty="0"/>
+              <a:t>)</a:t>
+            </a:r>
+            <a:r>
+              <a:rPr lang="pt-BR" dirty="0"/>
+              <a:t>;</a:t>
+            </a:r>
+          </a:p>
+          <a:p>
+            <a:pPr lvl="2"/>
+            <a:r>
+              <a:rPr lang="pt-BR" dirty="0"/>
+              <a:t>A</a:t>
+            </a:r>
+            <a:r>
+              <a:rPr dirty="0" err="1"/>
+              <a:t>ssociação</a:t>
+            </a:r>
+            <a:r>
+              <a:rPr lang="pt-BR" dirty="0"/>
+              <a:t> do tempo de sobrevivência</a:t>
+            </a:r>
+            <a:r>
+              <a:rPr dirty="0"/>
+              <a:t> com o </a:t>
+            </a:r>
+            <a:r>
+              <a:rPr dirty="0" err="1"/>
+              <a:t>tratamento</a:t>
+            </a:r>
+            <a:r>
+              <a:rPr dirty="0"/>
+              <a:t> e com o QDV.</a:t>
+            </a:r>
+          </a:p>
+          <a:p>
+            <a:pPr lvl="1"/>
+            <a:r>
+              <a:rPr dirty="0"/>
+              <a:t>QDV;</a:t>
+            </a:r>
+          </a:p>
+          <a:p>
+            <a:pPr lvl="2"/>
+            <a:r>
+              <a:rPr dirty="0" err="1"/>
+              <a:t>Medida</a:t>
+            </a:r>
+            <a:r>
+              <a:rPr dirty="0"/>
+              <a:t> </a:t>
+            </a:r>
+            <a:r>
+              <a:rPr dirty="0" err="1"/>
+              <a:t>em</a:t>
+            </a:r>
+            <a:r>
+              <a:rPr dirty="0"/>
+              <a:t> 2 </a:t>
+            </a:r>
+            <a:r>
+              <a:rPr dirty="0" err="1"/>
+              <a:t>pontos</a:t>
+            </a:r>
+            <a:r>
+              <a:rPr dirty="0"/>
+              <a:t> </a:t>
+            </a:r>
+            <a:r>
+              <a:rPr dirty="0" err="1"/>
+              <a:t>durante</a:t>
+            </a:r>
+            <a:r>
+              <a:rPr dirty="0"/>
+              <a:t> </a:t>
+            </a:r>
+            <a:r>
+              <a:rPr dirty="0" err="1"/>
+              <a:t>essa</a:t>
+            </a:r>
+            <a:r>
+              <a:rPr dirty="0"/>
+              <a:t> </a:t>
+            </a:r>
+            <a:r>
+              <a:rPr dirty="0" err="1"/>
+              <a:t>fase</a:t>
+            </a:r>
+            <a:r>
+              <a:rPr dirty="0"/>
+              <a:t>.</a:t>
+            </a:r>
+          </a:p>
+        </p:txBody>
+      </p:sp>
+      <p:sp>
+        <p:nvSpPr>
+          <p:cNvPr id="4" name="Espaço Reservado para Número de Slide 3">
+            <a:extLst>
+              <a:ext uri="{FF2B5EF4-FFF2-40B4-BE49-F238E27FC236}">
+                <a16:creationId xmlns:a16="http://schemas.microsoft.com/office/drawing/2014/main" id="{54BE78EB-6585-449D-ACB2-7952D1984E04}"/>
+              </a:ext>
+            </a:extLst>
+          </p:cNvPr>
+          <p:cNvSpPr>
+            <a:spLocks noGrp="1"/>
+          </p:cNvSpPr>
+          <p:nvPr>
+            <p:ph type="sldNum" sz="quarter" idx="12"/>
+          </p:nvPr>
+        </p:nvSpPr>
+        <p:spPr/>
+        <p:txBody>
+          <a:bodyPr/>
+          <a:lstStyle/>
+          <a:p>
+            <a:fld id="{C5EF2332-01BF-834F-8236-50238282D533}" type="slidenum">
+              <a:rPr lang="en-US" smtClean="0"/>
+              <a:t>17</a:t>
+            </a:fld>
+            <a:endParaRPr lang="en-US"/>
+          </a:p>
+        </p:txBody>
+      </p:sp>
+    </p:spTree>
+  </p:cSld>
+  <p:clrMapOvr>
+    <a:masterClrMapping/>
+  </p:clrMapOvr>
+</p:sld>
+</file>
+
+<file path=ppt/slides/slide18.xml><?xml version="1.0" encoding="utf-8"?>
+<p:sld xmlns:a="http://schemas.openxmlformats.org/drawingml/2006/main" xmlns:r="http://schemas.openxmlformats.org/officeDocument/2006/relationships" xmlns:p="http://schemas.openxmlformats.org/presentationml/2006/main">
+  <p:cSld>
+    <p:spTree>
+      <p:nvGrpSpPr>
+        <p:cNvPr id="1" name=""/>
+        <p:cNvGrpSpPr/>
+        <p:nvPr/>
+      </p:nvGrpSpPr>
+      <p:grpSpPr>
+        <a:xfrm>
+          <a:off x="0" y="0"/>
+          <a:ext cx="0" cy="0"/>
+          <a:chOff x="0" y="0"/>
+          <a:chExt cx="0" cy="0"/>
+        </a:xfrm>
+      </p:grpSpPr>
+      <p:sp>
+        <p:nvSpPr>
+          <p:cNvPr id="2" name="Title 1"/>
+          <p:cNvSpPr>
+            <a:spLocks noGrp="1"/>
+          </p:cNvSpPr>
+          <p:nvPr>
+            <p:ph type="title"/>
+          </p:nvPr>
+        </p:nvSpPr>
+        <p:spPr/>
+        <p:txBody>
+          <a:bodyPr/>
+          <a:lstStyle/>
+          <a:p>
+            <a:r>
+              <a:rPr i="1"/>
+              <a:t>E1193</a:t>
+            </a:r>
+          </a:p>
+        </p:txBody>
+      </p:sp>
+      <mc:AlternateContent xmlns:mc="http://schemas.openxmlformats.org/markup-compatibility/2006" xmlns:a14="http://schemas.microsoft.com/office/drawing/2010/main">
+        <mc:Choice Requires="a14">
+          <p:sp>
+            <p:nvSpPr>
+              <p:cNvPr id="3" name="Content Placeholder 2"/>
+              <p:cNvSpPr>
+                <a:spLocks noGrp="1"/>
+              </p:cNvSpPr>
+              <p:nvPr>
+                <p:ph idx="1"/>
+              </p:nvPr>
+            </p:nvSpPr>
+            <p:spPr/>
+            <p:txBody>
+              <a:bodyPr/>
+              <a:lstStyle/>
+              <a:p>
+                <a:pPr lvl="1"/>
+                <a:r>
+                  <a:t>252 pacientes tiveram pelo menos uma medição de QDV realizada.</a:t>
+                </a:r>
+              </a:p>
+              <a:p>
+                <a:pPr lvl="1"/>
+                <a:r>
+                  <a:t>124 pacientes: paclitaxel </a:t>
+                </a:r>
+                <a14:m>
+                  <m:oMath xmlns:m="http://schemas.openxmlformats.org/officeDocument/2006/math">
+                    <m:r>
                       <a:rPr>
                         <a:latin typeface="Cambria Math" panose="02040503050406030204" pitchFamily="18" charset="0"/>
                       </a:rPr>
-                      <m:t>=0</m:t>
+                      <m:t>→</m:t>
                     </m:r>
                   </m:oMath>
                 </a14:m>
                 <a:r>
-                  <a:rPr dirty="0"/>
-                  <a:t>: </a:t>
-                </a:r>
-                <a:endParaRPr lang="pt-BR" dirty="0"/>
+                  <a:t> doxorubicin;</a:t>
+                </a:r>
               </a:p>
               <a:p>
                 <a:pPr lvl="2"/>
                 <a:r>
-                  <a:rPr lang="pt-BR" dirty="0"/>
-                  <a:t>O</a:t>
-                </a:r>
-                <a:r>
-                  <a:rPr dirty="0"/>
-                  <a:t> </a:t>
-                </a:r>
-                <a:r>
-                  <a:rPr dirty="0" err="1"/>
-                  <a:t>tratamento</a:t>
-                </a:r>
-                <a:r>
-                  <a:rPr dirty="0"/>
-                  <a:t> </a:t>
-                </a:r>
-                <a:r>
-                  <a:rPr dirty="0" err="1"/>
-                  <a:t>não</a:t>
-                </a:r>
-                <a:r>
-                  <a:rPr dirty="0"/>
-                  <a:t> </a:t>
-                </a:r>
-                <a:r>
-                  <a:rPr dirty="0" err="1"/>
-                  <a:t>influencia</a:t>
-                </a:r>
-                <a:r>
-                  <a:rPr dirty="0"/>
-                  <a:t> </a:t>
-                </a:r>
-                <a:r>
-                  <a:rPr dirty="0" err="1"/>
-                  <a:t>os</a:t>
-                </a:r>
-                <a:r>
-                  <a:rPr dirty="0"/>
-                  <a:t> </a:t>
-                </a:r>
-                <a:r>
-                  <a:rPr dirty="0" err="1"/>
-                  <a:t>valores</a:t>
-                </a:r>
-                <a:r>
-                  <a:rPr dirty="0"/>
-                  <a:t> dos dados </a:t>
-                </a:r>
-                <a:r>
-                  <a:rPr dirty="0" err="1"/>
-                  <a:t>longitudinais</a:t>
-                </a:r>
-                <a:r>
-                  <a:rPr dirty="0"/>
-                  <a:t>.</a:t>
+                  <a:t>Tempo de vida mediano: 13 meses;</a:t>
+                </a:r>
+              </a:p>
+              <a:p>
+                <a:pPr lvl="2"/>
+                <a:r>
+                  <a:t>2 censuras.</a:t>
+                </a:r>
+              </a:p>
+              <a:p>
+                <a:pPr lvl="1"/>
+                <a:r>
+                  <a:t>128 pacientes: doxorubicin </a:t>
+                </a:r>
+                <a14:m>
+                  <m:oMath xmlns:m="http://schemas.openxmlformats.org/officeDocument/2006/math">
+                    <m:r>
+                      <a:rPr>
+                        <a:latin typeface="Cambria Math" panose="02040503050406030204" pitchFamily="18" charset="0"/>
+                      </a:rPr>
+                      <m:t>→</m:t>
+                    </m:r>
+                  </m:oMath>
+                </a14:m>
+                <a:r>
+                  <a:t> paclitaxel;</a:t>
+                </a:r>
+              </a:p>
+              <a:p>
+                <a:pPr lvl="2"/>
+                <a:r>
+                  <a:t>Tempo de vida mediano: 14.9 meses;</a:t>
+                </a:r>
+              </a:p>
+              <a:p>
+                <a:pPr lvl="2"/>
+                <a:r>
+                  <a:t>6 censuras.</a:t>
                 </a:r>
               </a:p>
             </p:txBody>
@@ -5039,649 +6772,35 @@
           </p:sp>
         </mc:Fallback>
       </mc:AlternateContent>
-    </p:spTree>
-  </p:cSld>
-  <p:clrMapOvr>
-    <a:masterClrMapping/>
-  </p:clrMapOvr>
-</p:sld>
-</file>
-
-<file path=ppt/slides/slide13.xml><?xml version="1.0" encoding="utf-8"?>
-<p:sld xmlns:a="http://schemas.openxmlformats.org/drawingml/2006/main" xmlns:r="http://schemas.openxmlformats.org/officeDocument/2006/relationships" xmlns:p="http://schemas.openxmlformats.org/presentationml/2006/main">
-  <p:cSld>
-    <p:spTree>
-      <p:nvGrpSpPr>
-        <p:cNvPr id="1" name=""/>
-        <p:cNvGrpSpPr/>
-        <p:nvPr/>
-      </p:nvGrpSpPr>
-      <p:grpSpPr>
-        <a:xfrm>
-          <a:off x="0" y="0"/>
-          <a:ext cx="0" cy="0"/>
-          <a:chOff x="0" y="0"/>
-          <a:chExt cx="0" cy="0"/>
-        </a:xfrm>
-      </p:grpSpPr>
-      <p:sp>
-        <p:nvSpPr>
-          <p:cNvPr id="2" name="Title 1"/>
-          <p:cNvSpPr>
-            <a:spLocks noGrp="1"/>
-          </p:cNvSpPr>
-          <p:nvPr>
-            <p:ph type="title"/>
-          </p:nvPr>
-        </p:nvSpPr>
-        <p:spPr>
-          <a:xfrm>
-            <a:off x="2209800" y="2311771"/>
-            <a:ext cx="7772400" cy="1362075"/>
-          </a:xfrm>
-        </p:spPr>
+      <p:sp>
+        <p:nvSpPr>
+          <p:cNvPr id="4" name="Espaço Reservado para Número de Slide 3">
+            <a:extLst>
+              <a:ext uri="{FF2B5EF4-FFF2-40B4-BE49-F238E27FC236}">
+                <a16:creationId xmlns:a16="http://schemas.microsoft.com/office/drawing/2014/main" id="{48C3C0D5-91B3-4180-BF2E-E726004C3CD7}"/>
+              </a:ext>
+            </a:extLst>
+          </p:cNvPr>
+          <p:cNvSpPr>
+            <a:spLocks noGrp="1"/>
+          </p:cNvSpPr>
+          <p:nvPr>
+            <p:ph type="sldNum" sz="quarter" idx="12"/>
+          </p:nvPr>
+        </p:nvSpPr>
+        <p:spPr/>
         <p:txBody>
           <a:bodyPr/>
           <a:lstStyle/>
           <a:p>
-            <a:r>
-              <a:t>Exemplos</a:t>
-            </a:r>
-          </a:p>
-        </p:txBody>
-      </p:sp>
-    </p:spTree>
-  </p:cSld>
-  <p:clrMapOvr>
-    <a:masterClrMapping/>
-  </p:clrMapOvr>
-</p:sld>
-</file>
-
-<file path=ppt/slides/slide14.xml><?xml version="1.0" encoding="utf-8"?>
-<p:sld xmlns:a="http://schemas.openxmlformats.org/drawingml/2006/main" xmlns:r="http://schemas.openxmlformats.org/officeDocument/2006/relationships" xmlns:p="http://schemas.openxmlformats.org/presentationml/2006/main">
-  <p:cSld>
-    <p:spTree>
-      <p:nvGrpSpPr>
-        <p:cNvPr id="1" name=""/>
-        <p:cNvGrpSpPr/>
-        <p:nvPr/>
-      </p:nvGrpSpPr>
-      <p:grpSpPr>
-        <a:xfrm>
-          <a:off x="0" y="0"/>
-          <a:ext cx="0" cy="0"/>
-          <a:chOff x="0" y="0"/>
-          <a:chExt cx="0" cy="0"/>
-        </a:xfrm>
-      </p:grpSpPr>
-      <p:sp>
-        <p:nvSpPr>
-          <p:cNvPr id="2" name="Title 1"/>
-          <p:cNvSpPr>
-            <a:spLocks noGrp="1"/>
-          </p:cNvSpPr>
-          <p:nvPr>
-            <p:ph type="title"/>
-          </p:nvPr>
-        </p:nvSpPr>
-        <p:spPr/>
-        <p:txBody>
-          <a:bodyPr/>
-          <a:lstStyle/>
-          <a:p>
-            <a:r>
-              <a:t>Exemplos</a:t>
-            </a:r>
-          </a:p>
-        </p:txBody>
-      </p:sp>
-      <p:sp>
-        <p:nvSpPr>
-          <p:cNvPr id="3" name="Content Placeholder 2"/>
-          <p:cNvSpPr>
-            <a:spLocks noGrp="1"/>
-          </p:cNvSpPr>
-          <p:nvPr>
-            <p:ph idx="1"/>
-          </p:nvPr>
-        </p:nvSpPr>
-        <p:spPr/>
-        <p:txBody>
-          <a:bodyPr/>
-          <a:lstStyle/>
-          <a:p>
-            <a:pPr lvl="1"/>
-            <a:r>
-              <a:rPr dirty="0" err="1"/>
-              <a:t>Qualidade</a:t>
-            </a:r>
-            <a:r>
-              <a:rPr dirty="0"/>
-              <a:t>-de-</a:t>
-            </a:r>
-            <a:r>
-              <a:rPr dirty="0" err="1"/>
-              <a:t>vida</a:t>
-            </a:r>
-            <a:r>
-              <a:rPr dirty="0"/>
-              <a:t> (QDV);</a:t>
-            </a:r>
-          </a:p>
-          <a:p>
-            <a:pPr lvl="2"/>
-            <a:r>
-              <a:rPr dirty="0"/>
-              <a:t>E1193;</a:t>
-            </a:r>
-          </a:p>
-          <a:p>
-            <a:pPr lvl="1"/>
-            <a:r>
-              <a:rPr dirty="0" err="1"/>
-              <a:t>Simulação</a:t>
-            </a:r>
-            <a:r>
-              <a:rPr dirty="0"/>
-              <a:t>.</a:t>
-            </a:r>
-          </a:p>
-          <a:p>
-            <a:pPr marL="0" indent="0">
-              <a:buNone/>
-            </a:pPr>
-            <a:endParaRPr dirty="0"/>
-          </a:p>
-        </p:txBody>
-      </p:sp>
-    </p:spTree>
-  </p:cSld>
-  <p:clrMapOvr>
-    <a:masterClrMapping/>
-  </p:clrMapOvr>
-</p:sld>
-</file>
-
-<file path=ppt/slides/slide15.xml><?xml version="1.0" encoding="utf-8"?>
-<p:sld xmlns:a="http://schemas.openxmlformats.org/drawingml/2006/main" xmlns:r="http://schemas.openxmlformats.org/officeDocument/2006/relationships" xmlns:p="http://schemas.openxmlformats.org/presentationml/2006/main">
-  <p:cSld>
-    <p:spTree>
-      <p:nvGrpSpPr>
-        <p:cNvPr id="1" name=""/>
-        <p:cNvGrpSpPr/>
-        <p:nvPr/>
-      </p:nvGrpSpPr>
-      <p:grpSpPr>
-        <a:xfrm>
-          <a:off x="0" y="0"/>
-          <a:ext cx="0" cy="0"/>
-          <a:chOff x="0" y="0"/>
-          <a:chExt cx="0" cy="0"/>
-        </a:xfrm>
-      </p:grpSpPr>
-      <p:sp>
-        <p:nvSpPr>
-          <p:cNvPr id="2" name="Title 1"/>
-          <p:cNvSpPr>
-            <a:spLocks noGrp="1"/>
-          </p:cNvSpPr>
-          <p:nvPr>
-            <p:ph type="title"/>
-          </p:nvPr>
-        </p:nvSpPr>
-        <p:spPr/>
-        <p:txBody>
-          <a:bodyPr/>
-          <a:lstStyle/>
-          <a:p>
-            <a:r>
-              <a:rPr i="1"/>
-              <a:t>E1193</a:t>
-            </a:r>
-          </a:p>
-        </p:txBody>
-      </p:sp>
-      <p:sp>
-        <p:nvSpPr>
-          <p:cNvPr id="3" name="Content Placeholder 2"/>
-          <p:cNvSpPr>
-            <a:spLocks noGrp="1"/>
-          </p:cNvSpPr>
-          <p:nvPr>
-            <p:ph idx="1"/>
-          </p:nvPr>
-        </p:nvSpPr>
-        <p:spPr/>
-        <p:txBody>
-          <a:bodyPr/>
-          <a:lstStyle/>
-          <a:p>
-            <a:pPr lvl="1"/>
-            <a:r>
-              <a:t>Experimento em grupo E1193 - </a:t>
-            </a:r>
-            <a:r>
-              <a:rPr i="1"/>
-              <a:t>Eastern Cooperative Oncology</a:t>
-            </a:r>
-            <a:r>
-              <a:t>;</a:t>
-            </a:r>
-          </a:p>
-          <a:p>
-            <a:pPr lvl="1"/>
-            <a:r>
-              <a:t>Examinar a associação entre QDV e tempo de sobrevivência para pacientes no estudo;</a:t>
-            </a:r>
-          </a:p>
-          <a:p>
-            <a:pPr lvl="1"/>
-            <a:r>
-              <a:t>Estudo clínico de fase III de doxorubicin, paclitaxel e uma combinação dos dois;</a:t>
-            </a:r>
-          </a:p>
-          <a:p>
-            <a:pPr lvl="2"/>
-            <a:r>
-              <a:t>Quimioterapia contra câncer de mama metastático.</a:t>
-            </a:r>
-          </a:p>
-        </p:txBody>
-      </p:sp>
-    </p:spTree>
-  </p:cSld>
-  <p:clrMapOvr>
-    <a:masterClrMapping/>
-  </p:clrMapOvr>
-</p:sld>
-</file>
-
-<file path=ppt/slides/slide16.xml><?xml version="1.0" encoding="utf-8"?>
-<p:sld xmlns:a="http://schemas.openxmlformats.org/drawingml/2006/main" xmlns:r="http://schemas.openxmlformats.org/officeDocument/2006/relationships" xmlns:p="http://schemas.openxmlformats.org/presentationml/2006/main">
-  <p:cSld>
-    <p:spTree>
-      <p:nvGrpSpPr>
-        <p:cNvPr id="1" name=""/>
-        <p:cNvGrpSpPr/>
-        <p:nvPr/>
-      </p:nvGrpSpPr>
-      <p:grpSpPr>
-        <a:xfrm>
-          <a:off x="0" y="0"/>
-          <a:ext cx="0" cy="0"/>
-          <a:chOff x="0" y="0"/>
-          <a:chExt cx="0" cy="0"/>
-        </a:xfrm>
-      </p:grpSpPr>
-      <p:sp>
-        <p:nvSpPr>
-          <p:cNvPr id="2" name="Title 1"/>
-          <p:cNvSpPr>
-            <a:spLocks noGrp="1"/>
-          </p:cNvSpPr>
-          <p:nvPr>
-            <p:ph type="title"/>
-          </p:nvPr>
-        </p:nvSpPr>
-        <p:spPr/>
-        <p:txBody>
-          <a:bodyPr/>
-          <a:lstStyle/>
-          <a:p>
-            <a:r>
-              <a:rPr i="1"/>
-              <a:t>E1193</a:t>
-            </a:r>
-          </a:p>
-        </p:txBody>
-      </p:sp>
-      <p:sp>
-        <p:nvSpPr>
-          <p:cNvPr id="3" name="Content Placeholder 2"/>
-          <p:cNvSpPr>
-            <a:spLocks noGrp="1"/>
-          </p:cNvSpPr>
-          <p:nvPr>
-            <p:ph idx="1"/>
-          </p:nvPr>
-        </p:nvSpPr>
-        <p:spPr/>
-        <p:txBody>
-          <a:bodyPr>
-            <a:normAutofit lnSpcReduction="10000"/>
-          </a:bodyPr>
-          <a:lstStyle/>
-          <a:p>
-            <a:pPr lvl="1"/>
-            <a:r>
-              <a:t>Pacientes que recebiam um dos dois tratamentos “simples” - doxorubicin ou paclitaxel apenas - trocaram para o outro agente durante o estudo;</a:t>
-            </a:r>
-          </a:p>
-          <a:p>
-            <a:pPr lvl="1"/>
-            <a:r>
-              <a:t>QDV foi acessada por uma escala de avaliação de terapia de câncer de mama (</a:t>
-            </a:r>
-            <a:r>
-              <a:rPr i="1"/>
-              <a:t>Brady et al</a:t>
-            </a:r>
-            <a:r>
-              <a:t>, 1997);</a:t>
-            </a:r>
-          </a:p>
-          <a:p>
-            <a:pPr lvl="2"/>
-            <a:r>
-              <a:t>Essa avaliação inclui cinco subescalas gerais:</a:t>
-            </a:r>
-          </a:p>
-          <a:p>
-            <a:pPr lvl="3"/>
-            <a:r>
-              <a:t>Física;</a:t>
-            </a:r>
-          </a:p>
-          <a:p>
-            <a:pPr lvl="3"/>
-            <a:r>
-              <a:t>Social;</a:t>
-            </a:r>
-          </a:p>
-          <a:p>
-            <a:pPr lvl="3"/>
-            <a:r>
-              <a:t>Relacionamento com o médico;</a:t>
-            </a:r>
-          </a:p>
-          <a:p>
-            <a:pPr lvl="3"/>
-            <a:r>
-              <a:t>Emociona;</a:t>
-            </a:r>
-          </a:p>
-          <a:p>
-            <a:pPr lvl="3"/>
-            <a:r>
-              <a:t>Funcional.</a:t>
-            </a:r>
-          </a:p>
-          <a:p>
-            <a:pPr lvl="2"/>
-            <a:r>
-              <a:t>Além de subescalas específicas para câncer de mama.</a:t>
-            </a:r>
-          </a:p>
-        </p:txBody>
-      </p:sp>
-    </p:spTree>
-  </p:cSld>
-  <p:clrMapOvr>
-    <a:masterClrMapping/>
-  </p:clrMapOvr>
-</p:sld>
-</file>
-
-<file path=ppt/slides/slide17.xml><?xml version="1.0" encoding="utf-8"?>
-<p:sld xmlns:a="http://schemas.openxmlformats.org/drawingml/2006/main" xmlns:r="http://schemas.openxmlformats.org/officeDocument/2006/relationships" xmlns:p="http://schemas.openxmlformats.org/presentationml/2006/main">
-  <p:cSld>
-    <p:spTree>
-      <p:nvGrpSpPr>
-        <p:cNvPr id="1" name=""/>
-        <p:cNvGrpSpPr/>
-        <p:nvPr/>
-      </p:nvGrpSpPr>
-      <p:grpSpPr>
-        <a:xfrm>
-          <a:off x="0" y="0"/>
-          <a:ext cx="0" cy="0"/>
-          <a:chOff x="0" y="0"/>
-          <a:chExt cx="0" cy="0"/>
-        </a:xfrm>
-      </p:grpSpPr>
-      <p:sp>
-        <p:nvSpPr>
-          <p:cNvPr id="2" name="Title 1"/>
-          <p:cNvSpPr>
-            <a:spLocks noGrp="1"/>
-          </p:cNvSpPr>
-          <p:nvPr>
-            <p:ph type="title"/>
-          </p:nvPr>
-        </p:nvSpPr>
-        <p:spPr/>
-        <p:txBody>
-          <a:bodyPr/>
-          <a:lstStyle/>
-          <a:p>
-            <a:r>
-              <a:rPr i="1"/>
-              <a:t>E1193</a:t>
-            </a:r>
-          </a:p>
-        </p:txBody>
-      </p:sp>
-      <p:sp>
-        <p:nvSpPr>
-          <p:cNvPr id="3" name="Content Placeholder 2"/>
-          <p:cNvSpPr>
-            <a:spLocks noGrp="1"/>
-          </p:cNvSpPr>
-          <p:nvPr>
-            <p:ph idx="1"/>
-          </p:nvPr>
-        </p:nvSpPr>
-        <p:spPr/>
-        <p:txBody>
-          <a:bodyPr/>
-          <a:lstStyle/>
-          <a:p>
-            <a:pPr lvl="1"/>
-            <a:r>
-              <a:t>Pontuação máxima de 148 pontos;</a:t>
-            </a:r>
-          </a:p>
-          <a:p>
-            <a:pPr lvl="2"/>
-            <a:r>
-              <a:t>Quanto maior a pontuação, melhor a qualidade de vida do paciente.</a:t>
-            </a:r>
-          </a:p>
-          <a:p>
-            <a:pPr lvl="1"/>
-            <a:r>
-              <a:t>Análise de:</a:t>
-            </a:r>
-          </a:p>
-          <a:p>
-            <a:pPr lvl="2"/>
-            <a:r>
-              <a:t>Tempo obrevivência após entrar na fase de cross-over (progressão da doença) e associação com o tratamento e com o QDV.</a:t>
-            </a:r>
-          </a:p>
-          <a:p>
-            <a:pPr lvl="1"/>
-            <a:r>
-              <a:t>QDV;</a:t>
-            </a:r>
-          </a:p>
-          <a:p>
-            <a:pPr lvl="2"/>
-            <a:r>
-              <a:t>Medida em 2 pontos durante essa fase.</a:t>
-            </a:r>
-          </a:p>
-        </p:txBody>
-      </p:sp>
-    </p:spTree>
-  </p:cSld>
-  <p:clrMapOvr>
-    <a:masterClrMapping/>
-  </p:clrMapOvr>
-</p:sld>
-</file>
-
-<file path=ppt/slides/slide18.xml><?xml version="1.0" encoding="utf-8"?>
-<p:sld xmlns:a="http://schemas.openxmlformats.org/drawingml/2006/main" xmlns:r="http://schemas.openxmlformats.org/officeDocument/2006/relationships" xmlns:p="http://schemas.openxmlformats.org/presentationml/2006/main">
-  <p:cSld>
-    <p:spTree>
-      <p:nvGrpSpPr>
-        <p:cNvPr id="1" name=""/>
-        <p:cNvGrpSpPr/>
-        <p:nvPr/>
-      </p:nvGrpSpPr>
-      <p:grpSpPr>
-        <a:xfrm>
-          <a:off x="0" y="0"/>
-          <a:ext cx="0" cy="0"/>
-          <a:chOff x="0" y="0"/>
-          <a:chExt cx="0" cy="0"/>
-        </a:xfrm>
-      </p:grpSpPr>
-      <p:sp>
-        <p:nvSpPr>
-          <p:cNvPr id="2" name="Title 1"/>
-          <p:cNvSpPr>
-            <a:spLocks noGrp="1"/>
-          </p:cNvSpPr>
-          <p:nvPr>
-            <p:ph type="title"/>
-          </p:nvPr>
-        </p:nvSpPr>
-        <p:spPr/>
-        <p:txBody>
-          <a:bodyPr/>
-          <a:lstStyle/>
-          <a:p>
-            <a:r>
-              <a:rPr i="1"/>
-              <a:t>E1193</a:t>
-            </a:r>
-          </a:p>
-        </p:txBody>
-      </p:sp>
-      <mc:AlternateContent xmlns:mc="http://schemas.openxmlformats.org/markup-compatibility/2006" xmlns:a14="http://schemas.microsoft.com/office/drawing/2010/main">
-        <mc:Choice Requires="a14">
-          <p:sp>
-            <p:nvSpPr>
-              <p:cNvPr id="3" name="Content Placeholder 2"/>
-              <p:cNvSpPr>
-                <a:spLocks noGrp="1"/>
-              </p:cNvSpPr>
-              <p:nvPr>
-                <p:ph idx="1"/>
-              </p:nvPr>
-            </p:nvSpPr>
-            <p:spPr/>
-            <p:txBody>
-              <a:bodyPr/>
-              <a:lstStyle/>
-              <a:p>
-                <a:pPr lvl="1"/>
-                <a:r>
-                  <a:t>252 pacientes tiveram pelo menos uma medição de QDV realizada.</a:t>
-                </a:r>
-              </a:p>
-              <a:p>
-                <a:pPr lvl="1"/>
-                <a:r>
-                  <a:t>124 pacientes: paclitaxel </a:t>
-                </a:r>
-                <a14:m>
-                  <m:oMath xmlns:m="http://schemas.openxmlformats.org/officeDocument/2006/math">
-                    <m:r>
-                      <a:rPr>
-                        <a:latin typeface="Cambria Math" panose="02040503050406030204" pitchFamily="18" charset="0"/>
-                      </a:rPr>
-                      <m:t>→</m:t>
-                    </m:r>
-                  </m:oMath>
-                </a14:m>
-                <a:r>
-                  <a:t> doxorubicin;</a:t>
-                </a:r>
-              </a:p>
-              <a:p>
-                <a:pPr lvl="2"/>
-                <a:r>
-                  <a:t>Tempo de vida mediano: 13 meses;</a:t>
-                </a:r>
-              </a:p>
-              <a:p>
-                <a:pPr lvl="2"/>
-                <a:r>
-                  <a:t>2 censuras.</a:t>
-                </a:r>
-              </a:p>
-              <a:p>
-                <a:pPr lvl="1"/>
-                <a:r>
-                  <a:t>128 pacientes: doxorubicin </a:t>
-                </a:r>
-                <a14:m>
-                  <m:oMath xmlns:m="http://schemas.openxmlformats.org/officeDocument/2006/math">
-                    <m:r>
-                      <a:rPr>
-                        <a:latin typeface="Cambria Math" panose="02040503050406030204" pitchFamily="18" charset="0"/>
-                      </a:rPr>
-                      <m:t>→</m:t>
-                    </m:r>
-                  </m:oMath>
-                </a14:m>
-                <a:r>
-                  <a:t> paclitaxel;</a:t>
-                </a:r>
-              </a:p>
-              <a:p>
-                <a:pPr lvl="2"/>
-                <a:r>
-                  <a:t>Tempo de vida mediano: 14.9 meses;</a:t>
-                </a:r>
-              </a:p>
-              <a:p>
-                <a:pPr lvl="2"/>
-                <a:r>
-                  <a:t>6 censuras.</a:t>
-                </a:r>
-              </a:p>
-            </p:txBody>
-          </p:sp>
-        </mc:Choice>
-        <mc:Fallback xmlns="">
-          <p:sp>
-            <p:nvSpPr>
-              <p:cNvPr id="3" name="Content Placeholder 2"/>
-              <p:cNvSpPr>
-                <a:spLocks noGrp="1" noRot="1" noChangeAspect="1" noMove="1" noResize="1" noEditPoints="1" noAdjustHandles="1" noChangeArrowheads="1" noChangeShapeType="1" noTextEdit="1"/>
-              </p:cNvSpPr>
-              <p:nvPr>
-                <p:ph idx="1"/>
-              </p:nvPr>
-            </p:nvSpPr>
-            <p:spPr>
-              <a:blipFill>
-                <a:blip r:embed="rId2"/>
-                <a:stretch>
-                  <a:fillRect t="-725"/>
-                </a:stretch>
-              </a:blipFill>
-            </p:spPr>
-            <p:txBody>
-              <a:bodyPr/>
-              <a:lstStyle/>
-              <a:p>
-                <a:r>
-                  <a:rPr lang="pt-BR">
-                    <a:noFill/>
-                  </a:rPr>
-                  <a:t> </a:t>
-                </a:r>
-              </a:p>
-            </p:txBody>
-          </p:sp>
-        </mc:Fallback>
-      </mc:AlternateContent>
+            <a:fld id="{C5EF2332-01BF-834F-8236-50238282D533}" type="slidenum">
+              <a:rPr lang="en-US" smtClean="0"/>
+              <a:t>18</a:t>
+            </a:fld>
+            <a:endParaRPr lang="en-US"/>
+          </a:p>
+        </p:txBody>
+      </p:sp>
     </p:spTree>
   </p:cSld>
   <p:clrMapOvr>
@@ -5766,6 +6885,35 @@
             <a:r>
               <a:t>Essas escolhas foram feitas devido a confiança na habilidade do modelo conjunto em reduzir o viés proveniente de dados incompletos ou com erro.</a:t>
             </a:r>
+          </a:p>
+        </p:txBody>
+      </p:sp>
+      <p:sp>
+        <p:nvSpPr>
+          <p:cNvPr id="4" name="Espaço Reservado para Número de Slide 3">
+            <a:extLst>
+              <a:ext uri="{FF2B5EF4-FFF2-40B4-BE49-F238E27FC236}">
+                <a16:creationId xmlns:a16="http://schemas.microsoft.com/office/drawing/2014/main" id="{0B41BFBC-5D49-49CB-BB5D-DEA916489D71}"/>
+              </a:ext>
+            </a:extLst>
+          </p:cNvPr>
+          <p:cNvSpPr>
+            <a:spLocks noGrp="1"/>
+          </p:cNvSpPr>
+          <p:nvPr>
+            <p:ph type="sldNum" sz="quarter" idx="12"/>
+          </p:nvPr>
+        </p:nvSpPr>
+        <p:spPr/>
+        <p:txBody>
+          <a:bodyPr/>
+          <a:lstStyle/>
+          <a:p>
+            <a:fld id="{C5EF2332-01BF-834F-8236-50238282D533}" type="slidenum">
+              <a:rPr lang="en-US" smtClean="0"/>
+              <a:t>19</a:t>
+            </a:fld>
+            <a:endParaRPr lang="en-US"/>
           </a:p>
         </p:txBody>
       </p:sp>
@@ -5802,16 +6950,15 @@
           </p:cNvPicPr>
           <p:nvPr/>
         </p:nvPicPr>
-        <p:blipFill>
+        <p:blipFill rotWithShape="1">
           <a:blip r:embed="rId2"/>
-          <a:stretch>
-            <a:fillRect/>
-          </a:stretch>
+          <a:srcRect b="42943"/>
+          <a:stretch/>
         </p:blipFill>
         <p:spPr bwMode="auto">
           <a:xfrm>
-            <a:off x="3746500" y="2008573"/>
-            <a:ext cx="4699000" cy="4521200"/>
+            <a:off x="2021933" y="2101814"/>
+            <a:ext cx="8146051" cy="4472010"/>
           </a:xfrm>
           <a:prstGeom prst="rect">
             <a:avLst/>
@@ -5855,6 +7002,35 @@
               <a:t>ARTIGO</a:t>
             </a:r>
             <a:endParaRPr dirty="0"/>
+          </a:p>
+        </p:txBody>
+      </p:sp>
+      <p:sp>
+        <p:nvSpPr>
+          <p:cNvPr id="4" name="Espaço Reservado para Número de Slide 3">
+            <a:extLst>
+              <a:ext uri="{FF2B5EF4-FFF2-40B4-BE49-F238E27FC236}">
+                <a16:creationId xmlns:a16="http://schemas.microsoft.com/office/drawing/2014/main" id="{2DC2397C-4358-48DA-95CF-60886B729D73}"/>
+              </a:ext>
+            </a:extLst>
+          </p:cNvPr>
+          <p:cNvSpPr>
+            <a:spLocks noGrp="1"/>
+          </p:cNvSpPr>
+          <p:nvPr>
+            <p:ph type="sldNum" sz="quarter" idx="12"/>
+          </p:nvPr>
+        </p:nvSpPr>
+        <p:spPr/>
+        <p:txBody>
+          <a:bodyPr/>
+          <a:lstStyle/>
+          <a:p>
+            <a:fld id="{C5EF2332-01BF-834F-8236-50238282D533}" type="slidenum">
+              <a:rPr lang="en-US" smtClean="0"/>
+              <a:t>2</a:t>
+            </a:fld>
+            <a:endParaRPr lang="en-US"/>
           </a:p>
         </p:txBody>
       </p:sp>
@@ -6185,6 +7361,35 @@
               <a:buNone/>
             </a:pPr>
             <a:endParaRPr dirty="0"/>
+          </a:p>
+        </p:txBody>
+      </p:sp>
+      <p:sp>
+        <p:nvSpPr>
+          <p:cNvPr id="4" name="Espaço Reservado para Número de Slide 3">
+            <a:extLst>
+              <a:ext uri="{FF2B5EF4-FFF2-40B4-BE49-F238E27FC236}">
+                <a16:creationId xmlns:a16="http://schemas.microsoft.com/office/drawing/2014/main" id="{F74D74E3-6B69-4951-8BF4-D90A7CFD2D35}"/>
+              </a:ext>
+            </a:extLst>
+          </p:cNvPr>
+          <p:cNvSpPr>
+            <a:spLocks noGrp="1"/>
+          </p:cNvSpPr>
+          <p:nvPr>
+            <p:ph type="sldNum" sz="quarter" idx="12"/>
+          </p:nvPr>
+        </p:nvSpPr>
+        <p:spPr/>
+        <p:txBody>
+          <a:bodyPr/>
+          <a:lstStyle/>
+          <a:p>
+            <a:fld id="{C5EF2332-01BF-834F-8236-50238282D533}" type="slidenum">
+              <a:rPr lang="en-US" smtClean="0"/>
+              <a:t>20</a:t>
+            </a:fld>
+            <a:endParaRPr lang="en-US"/>
           </a:p>
         </p:txBody>
       </p:sp>
@@ -6229,7 +7434,7 @@
         </p:blipFill>
         <p:spPr bwMode="auto">
           <a:xfrm>
-            <a:off x="3022600" y="2070719"/>
+            <a:off x="209073" y="2084216"/>
             <a:ext cx="6146800" cy="4521200"/>
           </a:xfrm>
           <a:prstGeom prst="rect">
@@ -6276,6 +7481,127 @@
           </a:p>
         </p:txBody>
       </p:sp>
+      <p:sp>
+        <p:nvSpPr>
+          <p:cNvPr id="4" name="Espaço Reservado para Número de Slide 3">
+            <a:extLst>
+              <a:ext uri="{FF2B5EF4-FFF2-40B4-BE49-F238E27FC236}">
+                <a16:creationId xmlns:a16="http://schemas.microsoft.com/office/drawing/2014/main" id="{5F354572-8377-4B20-A72D-79B76593BABC}"/>
+              </a:ext>
+            </a:extLst>
+          </p:cNvPr>
+          <p:cNvSpPr>
+            <a:spLocks noGrp="1"/>
+          </p:cNvSpPr>
+          <p:nvPr>
+            <p:ph type="sldNum" sz="quarter" idx="12"/>
+          </p:nvPr>
+        </p:nvSpPr>
+        <p:spPr/>
+        <p:txBody>
+          <a:bodyPr/>
+          <a:lstStyle/>
+          <a:p>
+            <a:fld id="{C5EF2332-01BF-834F-8236-50238282D533}" type="slidenum">
+              <a:rPr lang="en-US" smtClean="0"/>
+              <a:t>21</a:t>
+            </a:fld>
+            <a:endParaRPr lang="en-US"/>
+          </a:p>
+        </p:txBody>
+      </p:sp>
+      <p:sp>
+        <p:nvSpPr>
+          <p:cNvPr id="5" name="Content Placeholder 2">
+            <a:extLst>
+              <a:ext uri="{FF2B5EF4-FFF2-40B4-BE49-F238E27FC236}">
+                <a16:creationId xmlns:a16="http://schemas.microsoft.com/office/drawing/2014/main" id="{097DFB27-FE09-42AE-8524-24468EA0A41C}"/>
+              </a:ext>
+            </a:extLst>
+          </p:cNvPr>
+          <p:cNvSpPr>
+            <a:spLocks noGrp="1"/>
+          </p:cNvSpPr>
+          <p:nvPr>
+            <p:ph idx="1"/>
+          </p:nvPr>
+        </p:nvSpPr>
+        <p:spPr>
+          <a:xfrm>
+            <a:off x="6713151" y="2086135"/>
+            <a:ext cx="4892040" cy="4206240"/>
+          </a:xfrm>
+        </p:spPr>
+        <p:txBody>
+          <a:bodyPr/>
+          <a:lstStyle/>
+          <a:p>
+            <a:pPr lvl="1"/>
+            <a:r>
+              <a:rPr dirty="0" err="1"/>
+              <a:t>Função</a:t>
+            </a:r>
+            <a:r>
+              <a:rPr dirty="0"/>
+              <a:t> de </a:t>
+            </a:r>
+            <a:r>
+              <a:rPr dirty="0" err="1"/>
+              <a:t>trajetória</a:t>
+            </a:r>
+            <a:r>
+              <a:rPr dirty="0"/>
+              <a:t>;</a:t>
+            </a:r>
+          </a:p>
+          <a:p>
+            <a:pPr lvl="2"/>
+            <a:r>
+              <a:rPr dirty="0" err="1"/>
+              <a:t>Muito</a:t>
+            </a:r>
+            <a:r>
+              <a:rPr dirty="0"/>
+              <a:t> </a:t>
+            </a:r>
+            <a:r>
+              <a:rPr dirty="0" err="1"/>
+              <a:t>ruído</a:t>
+            </a:r>
+            <a:r>
+              <a:rPr dirty="0"/>
+              <a:t>;</a:t>
+            </a:r>
+          </a:p>
+          <a:p>
+            <a:pPr lvl="2"/>
+            <a:r>
+              <a:rPr dirty="0" err="1"/>
+              <a:t>Tratar</a:t>
+            </a:r>
+            <a:r>
+              <a:rPr dirty="0"/>
+              <a:t> </a:t>
+            </a:r>
+            <a:r>
+              <a:rPr dirty="0" err="1"/>
+              <a:t>como</a:t>
+            </a:r>
+            <a:r>
+              <a:rPr dirty="0"/>
+              <a:t> </a:t>
+            </a:r>
+            <a:r>
+              <a:rPr dirty="0" err="1"/>
+              <a:t>aleatórias</a:t>
+            </a:r>
+            <a:r>
+              <a:rPr dirty="0"/>
+              <a:t>.</a:t>
+            </a:r>
+          </a:p>
+        </p:txBody>
+      </p:sp>
     </p:spTree>
   </p:cSld>
   <p:clrMapOvr>
@@ -6285,87 +7611,6 @@
 </file>
 
 <file path=ppt/slides/slide22.xml><?xml version="1.0" encoding="utf-8"?>
-<p:sld xmlns:a="http://schemas.openxmlformats.org/drawingml/2006/main" xmlns:r="http://schemas.openxmlformats.org/officeDocument/2006/relationships" xmlns:p="http://schemas.openxmlformats.org/presentationml/2006/main">
-  <p:cSld>
-    <p:spTree>
-      <p:nvGrpSpPr>
-        <p:cNvPr id="1" name=""/>
-        <p:cNvGrpSpPr/>
-        <p:nvPr/>
-      </p:nvGrpSpPr>
-      <p:grpSpPr>
-        <a:xfrm>
-          <a:off x="0" y="0"/>
-          <a:ext cx="0" cy="0"/>
-          <a:chOff x="0" y="0"/>
-          <a:chExt cx="0" cy="0"/>
-        </a:xfrm>
-      </p:grpSpPr>
-      <p:sp>
-        <p:nvSpPr>
-          <p:cNvPr id="2" name="Title 1"/>
-          <p:cNvSpPr>
-            <a:spLocks noGrp="1"/>
-          </p:cNvSpPr>
-          <p:nvPr>
-            <p:ph type="title"/>
-          </p:nvPr>
-        </p:nvSpPr>
-        <p:spPr/>
-        <p:txBody>
-          <a:bodyPr/>
-          <a:lstStyle/>
-          <a:p>
-            <a:r>
-              <a:rPr i="1"/>
-              <a:t>E1193</a:t>
-            </a:r>
-          </a:p>
-        </p:txBody>
-      </p:sp>
-      <p:sp>
-        <p:nvSpPr>
-          <p:cNvPr id="3" name="Content Placeholder 2"/>
-          <p:cNvSpPr>
-            <a:spLocks noGrp="1"/>
-          </p:cNvSpPr>
-          <p:nvPr>
-            <p:ph idx="1"/>
-          </p:nvPr>
-        </p:nvSpPr>
-        <p:spPr/>
-        <p:txBody>
-          <a:bodyPr/>
-          <a:lstStyle/>
-          <a:p>
-            <a:pPr lvl="1"/>
-            <a:r>
-              <a:t>Função de trajetória;</a:t>
-            </a:r>
-          </a:p>
-          <a:p>
-            <a:pPr lvl="2"/>
-            <a:r>
-              <a:t>Muito ruído;</a:t>
-            </a:r>
-          </a:p>
-          <a:p>
-            <a:pPr lvl="2"/>
-            <a:r>
-              <a:t>Tratar como aleatórias.</a:t>
-            </a:r>
-          </a:p>
-        </p:txBody>
-      </p:sp>
-    </p:spTree>
-  </p:cSld>
-  <p:clrMapOvr>
-    <a:masterClrMapping/>
-  </p:clrMapOvr>
-</p:sld>
-</file>
-
-<file path=ppt/slides/slide23.xml><?xml version="1.0" encoding="utf-8"?>
 <p:sld xmlns:a="http://schemas.openxmlformats.org/drawingml/2006/main" xmlns:r="http://schemas.openxmlformats.org/officeDocument/2006/relationships" xmlns:p="http://schemas.openxmlformats.org/presentationml/2006/main">
   <p:cSld>
     <p:spTree>
@@ -6709,6 +7954,35 @@
           </p:sp>
         </mc:Fallback>
       </mc:AlternateContent>
+      <p:sp>
+        <p:nvSpPr>
+          <p:cNvPr id="4" name="Espaço Reservado para Número de Slide 3">
+            <a:extLst>
+              <a:ext uri="{FF2B5EF4-FFF2-40B4-BE49-F238E27FC236}">
+                <a16:creationId xmlns:a16="http://schemas.microsoft.com/office/drawing/2014/main" id="{AF65C9BE-A27B-4B9F-BD1B-BD0E7629B937}"/>
+              </a:ext>
+            </a:extLst>
+          </p:cNvPr>
+          <p:cNvSpPr>
+            <a:spLocks noGrp="1"/>
+          </p:cNvSpPr>
+          <p:nvPr>
+            <p:ph type="sldNum" sz="quarter" idx="12"/>
+          </p:nvPr>
+        </p:nvSpPr>
+        <p:spPr/>
+        <p:txBody>
+          <a:bodyPr/>
+          <a:lstStyle/>
+          <a:p>
+            <a:fld id="{C5EF2332-01BF-834F-8236-50238282D533}" type="slidenum">
+              <a:rPr lang="en-US" smtClean="0"/>
+              <a:t>22</a:t>
+            </a:fld>
+            <a:endParaRPr lang="en-US"/>
+          </a:p>
+        </p:txBody>
+      </p:sp>
     </p:spTree>
   </p:cSld>
   <p:clrMapOvr>
@@ -6717,7 +7991,7 @@
 </p:sld>
 </file>
 
-<file path=ppt/slides/slide24.xml><?xml version="1.0" encoding="utf-8"?>
+<file path=ppt/slides/slide23.xml><?xml version="1.0" encoding="utf-8"?>
 <p:sld xmlns:a="http://schemas.openxmlformats.org/drawingml/2006/main" xmlns:r="http://schemas.openxmlformats.org/officeDocument/2006/relationships" xmlns:p="http://schemas.openxmlformats.org/presentationml/2006/main">
   <p:cSld>
     <p:spTree>
@@ -6806,6 +8080,35 @@
           </a:p>
         </p:txBody>
       </p:sp>
+      <p:sp>
+        <p:nvSpPr>
+          <p:cNvPr id="4" name="Espaço Reservado para Número de Slide 3">
+            <a:extLst>
+              <a:ext uri="{FF2B5EF4-FFF2-40B4-BE49-F238E27FC236}">
+                <a16:creationId xmlns:a16="http://schemas.microsoft.com/office/drawing/2014/main" id="{C795FDD2-F1E4-4FAC-B197-5DF4BDF1521E}"/>
+              </a:ext>
+            </a:extLst>
+          </p:cNvPr>
+          <p:cNvSpPr>
+            <a:spLocks noGrp="1"/>
+          </p:cNvSpPr>
+          <p:nvPr>
+            <p:ph type="sldNum" sz="quarter" idx="12"/>
+          </p:nvPr>
+        </p:nvSpPr>
+        <p:spPr/>
+        <p:txBody>
+          <a:bodyPr/>
+          <a:lstStyle/>
+          <a:p>
+            <a:fld id="{C5EF2332-01BF-834F-8236-50238282D533}" type="slidenum">
+              <a:rPr lang="en-US" smtClean="0"/>
+              <a:t>23</a:t>
+            </a:fld>
+            <a:endParaRPr lang="en-US"/>
+          </a:p>
+        </p:txBody>
+      </p:sp>
     </p:spTree>
   </p:cSld>
   <p:clrMapOvr>
@@ -6814,7 +8117,7 @@
 </p:sld>
 </file>
 
-<file path=ppt/slides/slide25.xml><?xml version="1.0" encoding="utf-8"?>
+<file path=ppt/slides/slide24.xml><?xml version="1.0" encoding="utf-8"?>
 <p:sld xmlns:a="http://schemas.openxmlformats.org/drawingml/2006/main" xmlns:r="http://schemas.openxmlformats.org/officeDocument/2006/relationships" xmlns:p="http://schemas.openxmlformats.org/presentationml/2006/main">
   <p:cSld>
     <p:spTree>
@@ -6940,31 +8243,7 @@
                           <a:rPr lang="pt-BR">
                             <a:latin typeface="Cambria Math" panose="02040503050406030204" pitchFamily="18" charset="0"/>
                           </a:rPr>
-                          <m:t>0</m:t>
-                        </m:r>
-                        <m:r>
-                          <a:rPr lang="pt-BR">
-                            <a:latin typeface="Cambria Math" panose="02040503050406030204" pitchFamily="18" charset="0"/>
-                          </a:rPr>
-                          <m:t>,</m:t>
-                        </m:r>
-                        <m:r>
-                          <a:rPr lang="pt-BR">
-                            <a:latin typeface="Cambria Math" panose="02040503050406030204" pitchFamily="18" charset="0"/>
-                          </a:rPr>
-                          <m:t>0</m:t>
-                        </m:r>
-                        <m:r>
-                          <a:rPr lang="pt-BR">
-                            <a:latin typeface="Cambria Math" panose="02040503050406030204" pitchFamily="18" charset="0"/>
-                          </a:rPr>
-                          <m:t>.</m:t>
-                        </m:r>
-                        <m:r>
-                          <a:rPr lang="pt-BR">
-                            <a:latin typeface="Cambria Math" panose="02040503050406030204" pitchFamily="18" charset="0"/>
-                          </a:rPr>
-                          <m:t>5</m:t>
+                          <m:t>0, 0.5</m:t>
                         </m:r>
                       </m:e>
                     </m:d>
@@ -7009,55 +8288,7 @@
                           <a:rPr lang="pt-BR">
                             <a:latin typeface="Cambria Math" panose="02040503050406030204" pitchFamily="18" charset="0"/>
                           </a:rPr>
-                          <m:t>0</m:t>
-                        </m:r>
-                        <m:r>
-                          <a:rPr lang="pt-BR">
-                            <a:latin typeface="Cambria Math" panose="02040503050406030204" pitchFamily="18" charset="0"/>
-                          </a:rPr>
-                          <m:t>,</m:t>
-                        </m:r>
-                        <m:r>
-                          <a:rPr lang="pt-BR">
-                            <a:latin typeface="Cambria Math" panose="02040503050406030204" pitchFamily="18" charset="0"/>
-                          </a:rPr>
-                          <m:t>0</m:t>
-                        </m:r>
-                        <m:r>
-                          <a:rPr lang="pt-BR">
-                            <a:latin typeface="Cambria Math" panose="02040503050406030204" pitchFamily="18" charset="0"/>
-                          </a:rPr>
-                          <m:t>.</m:t>
-                        </m:r>
-                        <m:r>
-                          <a:rPr lang="pt-BR">
-                            <a:latin typeface="Cambria Math" panose="02040503050406030204" pitchFamily="18" charset="0"/>
-                          </a:rPr>
-                          <m:t>25</m:t>
-                        </m:r>
-                        <m:r>
-                          <a:rPr lang="pt-BR">
-                            <a:latin typeface="Cambria Math" panose="02040503050406030204" pitchFamily="18" charset="0"/>
-                          </a:rPr>
-                          <m:t>,</m:t>
-                        </m:r>
-                        <m:r>
-                          <a:rPr lang="pt-BR">
-                            <a:latin typeface="Cambria Math" panose="02040503050406030204" pitchFamily="18" charset="0"/>
-                          </a:rPr>
-                          <m:t>0</m:t>
-                        </m:r>
-                        <m:r>
-                          <a:rPr lang="pt-BR">
-                            <a:latin typeface="Cambria Math" panose="02040503050406030204" pitchFamily="18" charset="0"/>
-                          </a:rPr>
-                          <m:t>.</m:t>
-                        </m:r>
-                        <m:r>
-                          <a:rPr lang="pt-BR">
-                            <a:latin typeface="Cambria Math" panose="02040503050406030204" pitchFamily="18" charset="0"/>
-                          </a:rPr>
-                          <m:t>5</m:t>
+                          <m:t>0,0.25, 0.5</m:t>
                         </m:r>
                       </m:e>
                     </m:d>
@@ -7070,10 +8301,6 @@
               </a:p>
               <a:p>
                 <a:pPr lvl="2"/>
-                <a:r>
-                  <a:rPr lang="pt-BR" dirty="0"/>
-                  <a:t> </a:t>
-                </a:r>
                 <a14:m>
                   <m:oMath xmlns:m="http://schemas.openxmlformats.org/officeDocument/2006/math">
                     <m:r>
@@ -7101,31 +8328,7 @@
                           <a:rPr lang="pt-BR">
                             <a:latin typeface="Cambria Math" panose="02040503050406030204" pitchFamily="18" charset="0"/>
                           </a:rPr>
-                          <m:t>0</m:t>
-                        </m:r>
-                        <m:r>
-                          <a:rPr lang="pt-BR">
-                            <a:latin typeface="Cambria Math" panose="02040503050406030204" pitchFamily="18" charset="0"/>
-                          </a:rPr>
-                          <m:t>,</m:t>
-                        </m:r>
-                        <m:r>
-                          <a:rPr lang="pt-BR">
-                            <a:latin typeface="Cambria Math" panose="02040503050406030204" pitchFamily="18" charset="0"/>
-                          </a:rPr>
-                          <m:t>0</m:t>
-                        </m:r>
-                        <m:r>
-                          <a:rPr lang="pt-BR">
-                            <a:latin typeface="Cambria Math" panose="02040503050406030204" pitchFamily="18" charset="0"/>
-                          </a:rPr>
-                          <m:t>.</m:t>
-                        </m:r>
-                        <m:r>
-                          <a:rPr lang="pt-BR">
-                            <a:latin typeface="Cambria Math" panose="02040503050406030204" pitchFamily="18" charset="0"/>
-                          </a:rPr>
-                          <m:t>5</m:t>
+                          <m:t>0, 0.5</m:t>
                         </m:r>
                       </m:e>
                     </m:d>
@@ -7198,71 +8401,7 @@
                 <a:pPr lvl="2"/>
                 <a:r>
                   <a:rPr lang="pt-BR" dirty="0"/>
-                  <a:t>Para </a:t>
-                </a:r>
-                <a:r>
-                  <a:rPr lang="pt-BR" dirty="0" err="1"/>
-                  <a:t>cada</a:t>
-                </a:r>
-                <a:r>
-                  <a:rPr lang="pt-BR" dirty="0"/>
-                  <a:t> </a:t>
-                </a:r>
-                <a:r>
-                  <a:rPr lang="pt-BR" dirty="0" err="1"/>
-                  <a:t>réplica</a:t>
-                </a:r>
-                <a:r>
-                  <a:rPr lang="pt-BR" dirty="0"/>
-                  <a:t> </a:t>
-                </a:r>
-                <a:r>
-                  <a:rPr lang="pt-BR" dirty="0" err="1"/>
-                  <a:t>forama</a:t>
-                </a:r>
-                <a:r>
-                  <a:rPr lang="pt-BR" dirty="0"/>
-                  <a:t> </a:t>
-                </a:r>
-                <a:r>
-                  <a:rPr lang="pt-BR" dirty="0" err="1"/>
-                  <a:t>gerados</a:t>
-                </a:r>
-                <a:r>
-                  <a:rPr lang="pt-BR" dirty="0"/>
-                  <a:t> 400 </a:t>
-                </a:r>
-                <a:r>
-                  <a:rPr lang="pt-BR" dirty="0" err="1"/>
-                  <a:t>indivíduos</a:t>
-                </a:r>
-                <a:r>
-                  <a:rPr lang="pt-BR" dirty="0"/>
-                  <a:t> - 200 no </a:t>
-                </a:r>
-                <a:r>
-                  <a:rPr lang="pt-BR" dirty="0" err="1"/>
-                  <a:t>grupo</a:t>
-                </a:r>
-                <a:r>
-                  <a:rPr lang="pt-BR" dirty="0"/>
-                  <a:t> </a:t>
-                </a:r>
-                <a:r>
-                  <a:rPr lang="pt-BR" dirty="0" err="1"/>
-                  <a:t>controle</a:t>
-                </a:r>
-                <a:r>
-                  <a:rPr lang="pt-BR" dirty="0"/>
-                  <a:t> e 200 no </a:t>
-                </a:r>
-                <a:r>
-                  <a:rPr lang="pt-BR" dirty="0" err="1"/>
-                  <a:t>tratamento</a:t>
-                </a:r>
-                <a:r>
-                  <a:rPr lang="pt-BR" dirty="0"/>
-                  <a:t>.</a:t>
+                  <a:t>Para cada réplica foram gerados 400 indivíduos - 200 no grupo controle e 200 no tratamento.</a:t>
                 </a:r>
               </a:p>
               <a:p>
@@ -7507,7 +8646,9 @@
                 <a:endParaRPr lang="pt-BR" b="0" dirty="0"/>
               </a:p>
               <a:p>
-                <a:pPr lvl="1"/>
+                <a:pPr marL="460080" lvl="2" indent="0">
+                  <a:buNone/>
+                </a:pPr>
                 <a:r>
                   <a:rPr lang="pt-BR" dirty="0"/>
                   <a:t>onde </a:t>
@@ -7610,6 +8751,15 @@
                           </a:rPr>
                           <m:t>1</m:t>
                         </m:r>
+                        <m:r>
+                          <m:rPr>
+                            <m:sty m:val="p"/>
+                          </m:rPr>
+                          <a:rPr lang="pt-BR" b="0" i="0" smtClean="0">
+                            <a:latin typeface="Cambria Math" panose="02040503050406030204" pitchFamily="18" charset="0"/>
+                          </a:rPr>
+                          <m:t>i</m:t>
+                        </m:r>
                       </m:sub>
                     </m:sSub>
                     <m:r>
@@ -7769,6 +8919,15 @@
                           </a:rPr>
                           <m:t>1</m:t>
                         </m:r>
+                        <m:r>
+                          <m:rPr>
+                            <m:sty m:val="p"/>
+                          </m:rPr>
+                          <a:rPr lang="pt-BR" b="0" i="0" smtClean="0">
+                            <a:latin typeface="Cambria Math" panose="02040503050406030204" pitchFamily="18" charset="0"/>
+                          </a:rPr>
+                          <m:t>i</m:t>
+                        </m:r>
                       </m:sub>
                     </m:sSub>
                     <m:r>
@@ -7821,7 +8980,7 @@
               <a:blipFill>
                 <a:blip r:embed="rId2"/>
                 <a:stretch>
-                  <a:fillRect t="-725"/>
+                  <a:fillRect t="-870" r="-561" b="-2174"/>
                 </a:stretch>
               </a:blipFill>
             </p:spPr>
@@ -7840,6 +8999,35 @@
           </p:sp>
         </mc:Fallback>
       </mc:AlternateContent>
+      <p:sp>
+        <p:nvSpPr>
+          <p:cNvPr id="4" name="Espaço Reservado para Número de Slide 3">
+            <a:extLst>
+              <a:ext uri="{FF2B5EF4-FFF2-40B4-BE49-F238E27FC236}">
+                <a16:creationId xmlns:a16="http://schemas.microsoft.com/office/drawing/2014/main" id="{B30B7ACA-88B8-4146-B82F-105D4CD2B2AB}"/>
+              </a:ext>
+            </a:extLst>
+          </p:cNvPr>
+          <p:cNvSpPr>
+            <a:spLocks noGrp="1"/>
+          </p:cNvSpPr>
+          <p:nvPr>
+            <p:ph type="sldNum" sz="quarter" idx="12"/>
+          </p:nvPr>
+        </p:nvSpPr>
+        <p:spPr/>
+        <p:txBody>
+          <a:bodyPr/>
+          <a:lstStyle/>
+          <a:p>
+            <a:fld id="{C5EF2332-01BF-834F-8236-50238282D533}" type="slidenum">
+              <a:rPr lang="en-US" smtClean="0"/>
+              <a:t>24</a:t>
+            </a:fld>
+            <a:endParaRPr lang="en-US"/>
+          </a:p>
+        </p:txBody>
+      </p:sp>
     </p:spTree>
   </p:cSld>
   <p:clrMapOvr>
@@ -7848,7 +9036,7 @@
 </p:sld>
 </file>
 
-<file path=ppt/slides/slide26.xml><?xml version="1.0" encoding="utf-8"?>
+<file path=ppt/slides/slide25.xml><?xml version="1.0" encoding="utf-8"?>
 <p:sld xmlns:a="http://schemas.openxmlformats.org/drawingml/2006/main" xmlns:r="http://schemas.openxmlformats.org/officeDocument/2006/relationships" xmlns:p="http://schemas.openxmlformats.org/presentationml/2006/main">
   <p:cSld>
     <p:spTree>
@@ -7889,207 +9077,220 @@
                 </a:r>
               </a:p>
               <a:p>
-                <a:pPr lvl="2"/>
+                <a:pPr marL="460080" lvl="2" indent="0">
+                  <a:buNone/>
+                </a:pPr>
                 <a14:m>
-                  <m:oMath xmlns:m="http://schemas.openxmlformats.org/officeDocument/2006/math">
-                    <m:sSub>
-                      <m:sSubPr>
-                        <m:ctrlPr>
-                          <a:rPr lang="ar-AE" i="1">
-                            <a:latin typeface="Cambria Math" panose="02040503050406030204" pitchFamily="18" charset="0"/>
-                          </a:rPr>
-                        </m:ctrlPr>
-                      </m:sSubPr>
-                      <m:e>
-                        <m:r>
-                          <a:rPr lang="ar-AE">
-                            <a:latin typeface="Cambria Math" panose="02040503050406030204" pitchFamily="18" charset="0"/>
-                          </a:rPr>
-                          <m:t>𝑌</m:t>
-                        </m:r>
-                      </m:e>
-                      <m:sub>
-                        <m:r>
-                          <a:rPr lang="ar-AE">
-                            <a:latin typeface="Cambria Math" panose="02040503050406030204" pitchFamily="18" charset="0"/>
-                          </a:rPr>
-                          <m:t>𝑖</m:t>
-                        </m:r>
-                      </m:sub>
-                    </m:sSub>
-                    <m:d>
-                      <m:dPr>
-                        <m:ctrlPr>
-                          <a:rPr lang="ar-AE" i="1">
-                            <a:latin typeface="Cambria Math" panose="02040503050406030204" pitchFamily="18" charset="0"/>
-                          </a:rPr>
-                        </m:ctrlPr>
-                      </m:dPr>
-                      <m:e>
-                        <m:sSub>
-                          <m:sSubPr>
-                            <m:ctrlPr>
-                              <a:rPr lang="ar-AE" i="1">
-                                <a:latin typeface="Cambria Math" panose="02040503050406030204" pitchFamily="18" charset="0"/>
-                              </a:rPr>
-                            </m:ctrlPr>
-                          </m:sSubPr>
-                          <m:e>
-                            <m:r>
-                              <a:rPr lang="ar-AE">
-                                <a:latin typeface="Cambria Math" panose="02040503050406030204" pitchFamily="18" charset="0"/>
-                              </a:rPr>
-                              <m:t>𝑡</m:t>
-                            </m:r>
-                          </m:e>
-                          <m:sub>
-                            <m:r>
-                              <a:rPr lang="ar-AE">
-                                <a:latin typeface="Cambria Math" panose="02040503050406030204" pitchFamily="18" charset="0"/>
-                              </a:rPr>
-                              <m:t>𝑗</m:t>
-                            </m:r>
-                          </m:sub>
-                        </m:sSub>
-                      </m:e>
-                    </m:d>
-                    <m:r>
-                      <a:rPr lang="ar-AE">
-                        <a:latin typeface="Cambria Math" panose="02040503050406030204" pitchFamily="18" charset="0"/>
-                      </a:rPr>
-                      <m:t>=</m:t>
-                    </m:r>
-                    <m:r>
-                      <a:rPr lang="ar-AE">
-                        <a:latin typeface="Cambria Math" panose="02040503050406030204" pitchFamily="18" charset="0"/>
-                      </a:rPr>
-                      <m:t>𝑁</m:t>
-                    </m:r>
-                    <m:d>
-                      <m:dPr>
-                        <m:ctrlPr>
-                          <a:rPr lang="ar-AE" i="1">
-                            <a:latin typeface="Cambria Math" panose="02040503050406030204" pitchFamily="18" charset="0"/>
-                          </a:rPr>
-                        </m:ctrlPr>
-                      </m:dPr>
-                      <m:e>
-                        <m:sSub>
-                          <m:sSubPr>
-                            <m:ctrlPr>
-                              <a:rPr lang="ar-AE" i="1">
-                                <a:latin typeface="Cambria Math" panose="02040503050406030204" pitchFamily="18" charset="0"/>
-                              </a:rPr>
-                            </m:ctrlPr>
-                          </m:sSubPr>
-                          <m:e>
-                            <m:r>
-                              <a:rPr lang="ar-AE">
-                                <a:latin typeface="Cambria Math" panose="02040503050406030204" pitchFamily="18" charset="0"/>
-                              </a:rPr>
-                              <m:t>𝑋</m:t>
-                            </m:r>
-                          </m:e>
-                          <m:sub>
-                            <m:r>
-                              <a:rPr lang="ar-AE">
-                                <a:latin typeface="Cambria Math" panose="02040503050406030204" pitchFamily="18" charset="0"/>
-                              </a:rPr>
-                              <m:t>𝑖</m:t>
-                            </m:r>
-                          </m:sub>
-                        </m:sSub>
-                        <m:d>
-                          <m:dPr>
-                            <m:ctrlPr>
-                              <a:rPr lang="ar-AE" i="1">
-                                <a:latin typeface="Cambria Math" panose="02040503050406030204" pitchFamily="18" charset="0"/>
-                              </a:rPr>
-                            </m:ctrlPr>
-                          </m:dPr>
-                          <m:e>
-                            <m:sSub>
-                              <m:sSubPr>
-                                <m:ctrlPr>
-                                  <a:rPr lang="ar-AE" i="1">
-                                    <a:latin typeface="Cambria Math" panose="02040503050406030204" pitchFamily="18" charset="0"/>
-                                  </a:rPr>
-                                </m:ctrlPr>
-                              </m:sSubPr>
-                              <m:e>
-                                <m:r>
-                                  <a:rPr lang="ar-AE">
-                                    <a:latin typeface="Cambria Math" panose="02040503050406030204" pitchFamily="18" charset="0"/>
-                                  </a:rPr>
-                                  <m:t>𝑡</m:t>
-                                </m:r>
-                              </m:e>
-                              <m:sub>
-                                <m:r>
-                                  <a:rPr lang="ar-AE">
-                                    <a:latin typeface="Cambria Math" panose="02040503050406030204" pitchFamily="18" charset="0"/>
-                                  </a:rPr>
-                                  <m:t>𝑗</m:t>
-                                </m:r>
-                              </m:sub>
-                            </m:sSub>
-                          </m:e>
-                        </m:d>
-                        <m:r>
-                          <a:rPr lang="ar-AE">
-                            <a:latin typeface="Cambria Math" panose="02040503050406030204" pitchFamily="18" charset="0"/>
-                          </a:rPr>
-                          <m:t>,</m:t>
-                        </m:r>
-                        <m:sSubSup>
-                          <m:sSubSupPr>
-                            <m:ctrlPr>
-                              <a:rPr lang="ar-AE" i="1">
-                                <a:latin typeface="Cambria Math" panose="02040503050406030204" pitchFamily="18" charset="0"/>
-                              </a:rPr>
-                            </m:ctrlPr>
-                          </m:sSubSupPr>
-                          <m:e>
-                            <m:r>
-                              <a:rPr lang="ar-AE">
-                                <a:latin typeface="Cambria Math" panose="02040503050406030204" pitchFamily="18" charset="0"/>
-                              </a:rPr>
-                              <m:t>𝜎</m:t>
-                            </m:r>
-                          </m:e>
-                          <m:sub>
-                            <m:r>
-                              <a:rPr lang="ar-AE">
-                                <a:latin typeface="Cambria Math" panose="02040503050406030204" pitchFamily="18" charset="0"/>
-                              </a:rPr>
-                              <m:t>𝑒</m:t>
-                            </m:r>
-                          </m:sub>
-                          <m:sup>
-                            <m:r>
-                              <a:rPr lang="ar-AE">
-                                <a:latin typeface="Cambria Math" panose="02040503050406030204" pitchFamily="18" charset="0"/>
-                              </a:rPr>
-                              <m:t>2</m:t>
-                            </m:r>
-                          </m:sup>
-                        </m:sSubSup>
-                      </m:e>
-                    </m:d>
-                    <m:r>
-                      <a:rPr lang="ar-AE">
-                        <a:latin typeface="Cambria Math" panose="02040503050406030204" pitchFamily="18" charset="0"/>
-                      </a:rPr>
-                      <m:t>,</m:t>
-                    </m:r>
-                    <m:r>
-                      <a:rPr lang="pt-BR" b="0" i="0" smtClean="0">
-                        <a:latin typeface="Cambria Math" panose="02040503050406030204" pitchFamily="18" charset="0"/>
-                      </a:rPr>
-                      <m:t> </m:t>
-                    </m:r>
-                  </m:oMath>
+                  <m:oMathPara xmlns:m="http://schemas.openxmlformats.org/officeDocument/2006/math">
+                    <m:oMathParaPr>
+                      <m:jc m:val="center"/>
+                    </m:oMathParaPr>
+                    <m:oMath xmlns:m="http://schemas.openxmlformats.org/officeDocument/2006/math">
+                      <m:sSub>
+                        <m:sSubPr>
+                          <m:ctrlPr>
+                            <a:rPr lang="ar-AE" i="1">
+                              <a:latin typeface="Cambria Math" panose="02040503050406030204" pitchFamily="18" charset="0"/>
+                            </a:rPr>
+                          </m:ctrlPr>
+                        </m:sSubPr>
+                        <m:e>
+                          <m:r>
+                            <a:rPr lang="ar-AE">
+                              <a:latin typeface="Cambria Math" panose="02040503050406030204" pitchFamily="18" charset="0"/>
+                            </a:rPr>
+                            <m:t>𝑌</m:t>
+                          </m:r>
+                        </m:e>
+                        <m:sub>
+                          <m:r>
+                            <a:rPr lang="ar-AE">
+                              <a:latin typeface="Cambria Math" panose="02040503050406030204" pitchFamily="18" charset="0"/>
+                            </a:rPr>
+                            <m:t>𝑖</m:t>
+                          </m:r>
+                        </m:sub>
+                      </m:sSub>
+                      <m:d>
+                        <m:dPr>
+                          <m:ctrlPr>
+                            <a:rPr lang="ar-AE" i="1">
+                              <a:latin typeface="Cambria Math" panose="02040503050406030204" pitchFamily="18" charset="0"/>
+                            </a:rPr>
+                          </m:ctrlPr>
+                        </m:dPr>
+                        <m:e>
+                          <m:sSub>
+                            <m:sSubPr>
+                              <m:ctrlPr>
+                                <a:rPr lang="ar-AE" i="1">
+                                  <a:latin typeface="Cambria Math" panose="02040503050406030204" pitchFamily="18" charset="0"/>
+                                </a:rPr>
+                              </m:ctrlPr>
+                            </m:sSubPr>
+                            <m:e>
+                              <m:r>
+                                <a:rPr lang="ar-AE">
+                                  <a:latin typeface="Cambria Math" panose="02040503050406030204" pitchFamily="18" charset="0"/>
+                                </a:rPr>
+                                <m:t>𝑡</m:t>
+                              </m:r>
+                            </m:e>
+                            <m:sub>
+                              <m:r>
+                                <a:rPr lang="ar-AE">
+                                  <a:latin typeface="Cambria Math" panose="02040503050406030204" pitchFamily="18" charset="0"/>
+                                </a:rPr>
+                                <m:t>𝑗</m:t>
+                              </m:r>
+                            </m:sub>
+                          </m:sSub>
+                        </m:e>
+                      </m:d>
+                      <m:r>
+                        <a:rPr lang="ar-AE">
+                          <a:latin typeface="Cambria Math" panose="02040503050406030204" pitchFamily="18" charset="0"/>
+                        </a:rPr>
+                        <m:t>=</m:t>
+                      </m:r>
+                      <m:r>
+                        <a:rPr lang="ar-AE">
+                          <a:latin typeface="Cambria Math" panose="02040503050406030204" pitchFamily="18" charset="0"/>
+                        </a:rPr>
+                        <m:t>𝑁</m:t>
+                      </m:r>
+                      <m:d>
+                        <m:dPr>
+                          <m:ctrlPr>
+                            <a:rPr lang="ar-AE" i="1">
+                              <a:latin typeface="Cambria Math" panose="02040503050406030204" pitchFamily="18" charset="0"/>
+                            </a:rPr>
+                          </m:ctrlPr>
+                        </m:dPr>
+                        <m:e>
+                          <m:sSub>
+                            <m:sSubPr>
+                              <m:ctrlPr>
+                                <a:rPr lang="ar-AE" i="1">
+                                  <a:latin typeface="Cambria Math" panose="02040503050406030204" pitchFamily="18" charset="0"/>
+                                </a:rPr>
+                              </m:ctrlPr>
+                            </m:sSubPr>
+                            <m:e>
+                              <m:r>
+                                <a:rPr lang="ar-AE">
+                                  <a:latin typeface="Cambria Math" panose="02040503050406030204" pitchFamily="18" charset="0"/>
+                                </a:rPr>
+                                <m:t>𝑋</m:t>
+                              </m:r>
+                            </m:e>
+                            <m:sub>
+                              <m:r>
+                                <a:rPr lang="ar-AE">
+                                  <a:latin typeface="Cambria Math" panose="02040503050406030204" pitchFamily="18" charset="0"/>
+                                </a:rPr>
+                                <m:t>𝑖</m:t>
+                              </m:r>
+                            </m:sub>
+                          </m:sSub>
+                          <m:d>
+                            <m:dPr>
+                              <m:ctrlPr>
+                                <a:rPr lang="ar-AE" i="1">
+                                  <a:latin typeface="Cambria Math" panose="02040503050406030204" pitchFamily="18" charset="0"/>
+                                </a:rPr>
+                              </m:ctrlPr>
+                            </m:dPr>
+                            <m:e>
+                              <m:sSub>
+                                <m:sSubPr>
+                                  <m:ctrlPr>
+                                    <a:rPr lang="ar-AE" i="1">
+                                      <a:latin typeface="Cambria Math" panose="02040503050406030204" pitchFamily="18" charset="0"/>
+                                    </a:rPr>
+                                  </m:ctrlPr>
+                                </m:sSubPr>
+                                <m:e>
+                                  <m:r>
+                                    <a:rPr lang="ar-AE">
+                                      <a:latin typeface="Cambria Math" panose="02040503050406030204" pitchFamily="18" charset="0"/>
+                                    </a:rPr>
+                                    <m:t>𝑡</m:t>
+                                  </m:r>
+                                </m:e>
+                                <m:sub>
+                                  <m:r>
+                                    <a:rPr lang="ar-AE">
+                                      <a:latin typeface="Cambria Math" panose="02040503050406030204" pitchFamily="18" charset="0"/>
+                                    </a:rPr>
+                                    <m:t>𝑗</m:t>
+                                  </m:r>
+                                </m:sub>
+                              </m:sSub>
+                            </m:e>
+                          </m:d>
+                          <m:r>
+                            <a:rPr lang="ar-AE">
+                              <a:latin typeface="Cambria Math" panose="02040503050406030204" pitchFamily="18" charset="0"/>
+                            </a:rPr>
+                            <m:t>,</m:t>
+                          </m:r>
+                          <m:sSubSup>
+                            <m:sSubSupPr>
+                              <m:ctrlPr>
+                                <a:rPr lang="ar-AE" i="1">
+                                  <a:latin typeface="Cambria Math" panose="02040503050406030204" pitchFamily="18" charset="0"/>
+                                </a:rPr>
+                              </m:ctrlPr>
+                            </m:sSubSupPr>
+                            <m:e>
+                              <m:r>
+                                <a:rPr lang="ar-AE">
+                                  <a:latin typeface="Cambria Math" panose="02040503050406030204" pitchFamily="18" charset="0"/>
+                                </a:rPr>
+                                <m:t>𝜎</m:t>
+                              </m:r>
+                            </m:e>
+                            <m:sub>
+                              <m:r>
+                                <a:rPr lang="ar-AE">
+                                  <a:latin typeface="Cambria Math" panose="02040503050406030204" pitchFamily="18" charset="0"/>
+                                </a:rPr>
+                                <m:t>𝑒</m:t>
+                              </m:r>
+                            </m:sub>
+                            <m:sup>
+                              <m:r>
+                                <a:rPr lang="ar-AE">
+                                  <a:latin typeface="Cambria Math" panose="02040503050406030204" pitchFamily="18" charset="0"/>
+                                </a:rPr>
+                                <m:t>2</m:t>
+                              </m:r>
+                            </m:sup>
+                          </m:sSubSup>
+                        </m:e>
+                      </m:d>
+                      <m:r>
+                        <a:rPr lang="ar-AE">
+                          <a:latin typeface="Cambria Math" panose="02040503050406030204" pitchFamily="18" charset="0"/>
+                        </a:rPr>
+                        <m:t>,</m:t>
+                      </m:r>
+                      <m:r>
+                        <a:rPr lang="pt-BR" b="0" i="0" smtClean="0">
+                          <a:latin typeface="Cambria Math" panose="02040503050406030204" pitchFamily="18" charset="0"/>
+                        </a:rPr>
+                        <m:t> </m:t>
+                      </m:r>
+                    </m:oMath>
+                  </m:oMathPara>
                 </a14:m>
+                <a:endParaRPr lang="pt-BR" b="0" dirty="0"/>
+              </a:p>
+              <a:p>
+                <a:pPr marL="460080" lvl="2" indent="0">
+                  <a:buNone/>
+                </a:pPr>
                 <a:r>
                   <a:rPr lang="pt-BR" dirty="0"/>
                   <a:t>com </a:t>
@@ -8268,7 +9469,7 @@
                       <a:rPr lang="ar-AE">
                         <a:latin typeface="Cambria Math" panose="02040503050406030204" pitchFamily="18" charset="0"/>
                       </a:rPr>
-                      <m:t>,</m:t>
+                      <m:t>, </m:t>
                     </m:r>
                     <m:r>
                       <a:rPr lang="ar-AE">
@@ -8292,7 +9493,7 @@
                       <a:rPr lang="ar-AE">
                         <a:latin typeface="Cambria Math" panose="02040503050406030204" pitchFamily="18" charset="0"/>
                       </a:rPr>
-                      <m:t>,</m:t>
+                      <m:t>, </m:t>
                     </m:r>
                     <m:r>
                       <a:rPr lang="ar-AE">
@@ -8316,7 +9517,7 @@
                       <a:rPr lang="ar-AE">
                         <a:latin typeface="Cambria Math" panose="02040503050406030204" pitchFamily="18" charset="0"/>
                       </a:rPr>
-                      <m:t>,</m:t>
+                      <m:t>, </m:t>
                     </m:r>
                     <m:r>
                       <a:rPr lang="ar-AE">
@@ -8340,7 +9541,7 @@
                       <a:rPr lang="ar-AE">
                         <a:latin typeface="Cambria Math" panose="02040503050406030204" pitchFamily="18" charset="0"/>
                       </a:rPr>
-                      <m:t>,</m:t>
+                      <m:t>, </m:t>
                     </m:r>
                     <m:r>
                       <a:rPr lang="ar-AE">
@@ -8364,7 +9565,7 @@
                       <a:rPr lang="ar-AE">
                         <a:latin typeface="Cambria Math" panose="02040503050406030204" pitchFamily="18" charset="0"/>
                       </a:rPr>
-                      <m:t>,</m:t>
+                      <m:t>, </m:t>
                     </m:r>
                     <m:r>
                       <a:rPr lang="ar-AE">
@@ -8448,7 +9649,7 @@
               <a:blipFill>
                 <a:blip r:embed="rId2"/>
                 <a:stretch>
-                  <a:fillRect t="-725" r="-685"/>
+                  <a:fillRect t="-870" r="-1495"/>
                 </a:stretch>
               </a:blipFill>
             </p:spPr>
@@ -8498,6 +9699,503 @@
               <a:t>Simulação</a:t>
             </a:r>
             <a:endParaRPr dirty="0"/>
+          </a:p>
+        </p:txBody>
+      </p:sp>
+      <p:sp>
+        <p:nvSpPr>
+          <p:cNvPr id="2" name="Espaço Reservado para Número de Slide 1">
+            <a:extLst>
+              <a:ext uri="{FF2B5EF4-FFF2-40B4-BE49-F238E27FC236}">
+                <a16:creationId xmlns:a16="http://schemas.microsoft.com/office/drawing/2014/main" id="{1719C05F-14BA-4CC6-9C4F-BC92CBEA1287}"/>
+              </a:ext>
+            </a:extLst>
+          </p:cNvPr>
+          <p:cNvSpPr>
+            <a:spLocks noGrp="1"/>
+          </p:cNvSpPr>
+          <p:nvPr>
+            <p:ph type="sldNum" sz="quarter" idx="12"/>
+          </p:nvPr>
+        </p:nvSpPr>
+        <p:spPr/>
+        <p:txBody>
+          <a:bodyPr/>
+          <a:lstStyle/>
+          <a:p>
+            <a:fld id="{C5EF2332-01BF-834F-8236-50238282D533}" type="slidenum">
+              <a:rPr lang="en-US" smtClean="0"/>
+              <a:t>25</a:t>
+            </a:fld>
+            <a:endParaRPr lang="en-US"/>
+          </a:p>
+        </p:txBody>
+      </p:sp>
+    </p:spTree>
+  </p:cSld>
+  <p:clrMapOvr>
+    <a:masterClrMapping/>
+  </p:clrMapOvr>
+</p:sld>
+</file>
+
+<file path=ppt/slides/slide26.xml><?xml version="1.0" encoding="utf-8"?>
+<p:sld xmlns:a="http://schemas.openxmlformats.org/drawingml/2006/main" xmlns:r="http://schemas.openxmlformats.org/officeDocument/2006/relationships" xmlns:p="http://schemas.openxmlformats.org/presentationml/2006/main">
+  <p:cSld>
+    <p:spTree>
+      <p:nvGrpSpPr>
+        <p:cNvPr id="1" name=""/>
+        <p:cNvGrpSpPr/>
+        <p:nvPr/>
+      </p:nvGrpSpPr>
+      <p:grpSpPr>
+        <a:xfrm>
+          <a:off x="0" y="0"/>
+          <a:ext cx="0" cy="0"/>
+          <a:chOff x="0" y="0"/>
+          <a:chExt cx="0" cy="0"/>
+        </a:xfrm>
+      </p:grpSpPr>
+      <p:sp>
+        <p:nvSpPr>
+          <p:cNvPr id="2" name="Title 1"/>
+          <p:cNvSpPr>
+            <a:spLocks noGrp="1"/>
+          </p:cNvSpPr>
+          <p:nvPr>
+            <p:ph type="title"/>
+          </p:nvPr>
+        </p:nvSpPr>
+        <p:spPr/>
+        <p:txBody>
+          <a:bodyPr/>
+          <a:lstStyle/>
+          <a:p>
+            <a:r>
+              <a:t>Simulação</a:t>
+            </a:r>
+          </a:p>
+        </p:txBody>
+      </p:sp>
+      <mc:AlternateContent xmlns:mc="http://schemas.openxmlformats.org/markup-compatibility/2006" xmlns:a14="http://schemas.microsoft.com/office/drawing/2010/main">
+        <mc:Choice Requires="a14">
+          <p:sp>
+            <p:nvSpPr>
+              <p:cNvPr id="3" name="Content Placeholder 2"/>
+              <p:cNvSpPr>
+                <a:spLocks noGrp="1"/>
+              </p:cNvSpPr>
+              <p:nvPr>
+                <p:ph idx="1"/>
+              </p:nvPr>
+            </p:nvSpPr>
+            <p:spPr/>
+            <p:txBody>
+              <a:bodyPr/>
+              <a:lstStyle/>
+              <a:p>
+                <a:pPr lvl="1"/>
+                <a:r>
+                  <a:rPr dirty="0"/>
+                  <a:t>O tempo de </a:t>
+                </a:r>
+                <a:r>
+                  <a:rPr dirty="0" err="1"/>
+                  <a:t>sobrevivência</a:t>
+                </a:r>
+                <a:r>
+                  <a:rPr dirty="0"/>
+                  <a:t> é </a:t>
+                </a:r>
+                <a:r>
+                  <a:rPr dirty="0" err="1"/>
+                  <a:t>gerado</a:t>
+                </a:r>
+                <a:r>
+                  <a:rPr dirty="0"/>
+                  <a:t> pela </a:t>
+                </a:r>
+                <a:r>
+                  <a:rPr dirty="0" err="1"/>
+                  <a:t>equação</a:t>
+                </a:r>
+                <a:r>
+                  <a:rPr dirty="0"/>
+                  <a:t>:</a:t>
+                </a:r>
+              </a:p>
+              <a:p>
+                <a:pPr marL="231480" lvl="1" indent="0">
+                  <a:buNone/>
+                </a:pPr>
+                <a14:m>
+                  <m:oMathPara xmlns:m="http://schemas.openxmlformats.org/officeDocument/2006/math">
+                    <m:oMathParaPr>
+                      <m:jc m:val="center"/>
+                    </m:oMathParaPr>
+                    <m:oMath xmlns:m="http://schemas.openxmlformats.org/officeDocument/2006/math">
+                      <m:r>
+                        <a:rPr>
+                          <a:latin typeface="Cambria Math" panose="02040503050406030204" pitchFamily="18" charset="0"/>
+                        </a:rPr>
+                        <m:t>h</m:t>
+                      </m:r>
+                      <m:r>
+                        <a:rPr>
+                          <a:latin typeface="Cambria Math" panose="02040503050406030204" pitchFamily="18" charset="0"/>
+                        </a:rPr>
+                        <m:t>(</m:t>
+                      </m:r>
+                      <m:r>
+                        <a:rPr>
+                          <a:latin typeface="Cambria Math" panose="02040503050406030204" pitchFamily="18" charset="0"/>
+                        </a:rPr>
+                        <m:t>𝑡</m:t>
+                      </m:r>
+                      <m:r>
+                        <a:rPr>
+                          <a:latin typeface="Cambria Math" panose="02040503050406030204" pitchFamily="18" charset="0"/>
+                        </a:rPr>
+                        <m:t>)=</m:t>
+                      </m:r>
+                      <m:sSub>
+                        <m:sSubPr>
+                          <m:ctrlPr>
+                            <a:rPr i="1">
+                              <a:latin typeface="Cambria Math" panose="02040503050406030204" pitchFamily="18" charset="0"/>
+                            </a:rPr>
+                          </m:ctrlPr>
+                        </m:sSubPr>
+                        <m:e>
+                          <m:r>
+                            <a:rPr>
+                              <a:latin typeface="Cambria Math" panose="02040503050406030204" pitchFamily="18" charset="0"/>
+                            </a:rPr>
+                            <m:t>h</m:t>
+                          </m:r>
+                        </m:e>
+                        <m:sub>
+                          <m:r>
+                            <a:rPr>
+                              <a:latin typeface="Cambria Math" panose="02040503050406030204" pitchFamily="18" charset="0"/>
+                            </a:rPr>
+                            <m:t>𝑜</m:t>
+                          </m:r>
+                        </m:sub>
+                      </m:sSub>
+                      <m:r>
+                        <a:rPr>
+                          <a:latin typeface="Cambria Math" panose="02040503050406030204" pitchFamily="18" charset="0"/>
+                        </a:rPr>
+                        <m:t>(</m:t>
+                      </m:r>
+                      <m:r>
+                        <a:rPr>
+                          <a:latin typeface="Cambria Math" panose="02040503050406030204" pitchFamily="18" charset="0"/>
+                        </a:rPr>
+                        <m:t>𝑡</m:t>
+                      </m:r>
+                      <m:r>
+                        <a:rPr>
+                          <a:latin typeface="Cambria Math" panose="02040503050406030204" pitchFamily="18" charset="0"/>
+                        </a:rPr>
+                        <m:t>)</m:t>
+                      </m:r>
+                      <m:r>
+                        <a:rPr>
+                          <a:latin typeface="Cambria Math" panose="02040503050406030204" pitchFamily="18" charset="0"/>
+                        </a:rPr>
+                        <m:t>𝑒𝑥𝑝</m:t>
+                      </m:r>
+                      <m:r>
+                        <a:rPr>
+                          <a:latin typeface="Cambria Math" panose="02040503050406030204" pitchFamily="18" charset="0"/>
+                        </a:rPr>
+                        <m:t>(</m:t>
+                      </m:r>
+                      <m:r>
+                        <a:rPr>
+                          <a:latin typeface="Cambria Math" panose="02040503050406030204" pitchFamily="18" charset="0"/>
+                        </a:rPr>
+                        <m:t>𝛽</m:t>
+                      </m:r>
+                      <m:sSub>
+                        <m:sSubPr>
+                          <m:ctrlPr>
+                            <a:rPr i="1">
+                              <a:latin typeface="Cambria Math" panose="02040503050406030204" pitchFamily="18" charset="0"/>
+                            </a:rPr>
+                          </m:ctrlPr>
+                        </m:sSubPr>
+                        <m:e>
+                          <m:r>
+                            <a:rPr>
+                              <a:latin typeface="Cambria Math" panose="02040503050406030204" pitchFamily="18" charset="0"/>
+                            </a:rPr>
+                            <m:t>𝑋</m:t>
+                          </m:r>
+                        </m:e>
+                        <m:sub>
+                          <m:r>
+                            <a:rPr>
+                              <a:latin typeface="Cambria Math" panose="02040503050406030204" pitchFamily="18" charset="0"/>
+                            </a:rPr>
+                            <m:t>𝑖𝑗</m:t>
+                          </m:r>
+                        </m:sub>
+                      </m:sSub>
+                      <m:r>
+                        <a:rPr>
+                          <a:latin typeface="Cambria Math" panose="02040503050406030204" pitchFamily="18" charset="0"/>
+                        </a:rPr>
+                        <m:t>+</m:t>
+                      </m:r>
+                      <m:r>
+                        <a:rPr>
+                          <a:latin typeface="Cambria Math" panose="02040503050406030204" pitchFamily="18" charset="0"/>
+                        </a:rPr>
+                        <m:t>𝛼</m:t>
+                      </m:r>
+                      <m:sSub>
+                        <m:sSubPr>
+                          <m:ctrlPr>
+                            <a:rPr i="1">
+                              <a:latin typeface="Cambria Math" panose="02040503050406030204" pitchFamily="18" charset="0"/>
+                            </a:rPr>
+                          </m:ctrlPr>
+                        </m:sSubPr>
+                        <m:e>
+                          <m:r>
+                            <a:rPr>
+                              <a:latin typeface="Cambria Math" panose="02040503050406030204" pitchFamily="18" charset="0"/>
+                            </a:rPr>
+                            <m:t>𝑍</m:t>
+                          </m:r>
+                        </m:e>
+                        <m:sub>
+                          <m:r>
+                            <a:rPr>
+                              <a:latin typeface="Cambria Math" panose="02040503050406030204" pitchFamily="18" charset="0"/>
+                            </a:rPr>
+                            <m:t>𝑖</m:t>
+                          </m:r>
+                        </m:sub>
+                      </m:sSub>
+                      <m:r>
+                        <a:rPr>
+                          <a:latin typeface="Cambria Math" panose="02040503050406030204" pitchFamily="18" charset="0"/>
+                        </a:rPr>
+                        <m:t>),</m:t>
+                      </m:r>
+                      <m:r>
+                        <a:rPr lang="pt-BR" i="1" smtClean="0">
+                          <a:latin typeface="Cambria Math" panose="02040503050406030204" pitchFamily="18" charset="0"/>
+                        </a:rPr>
+                        <m:t> </m:t>
+                      </m:r>
+                    </m:oMath>
+                  </m:oMathPara>
+                </a14:m>
+                <a:endParaRPr lang="pt-BR" dirty="0"/>
+              </a:p>
+              <a:p>
+                <a:pPr marL="460080" lvl="2" indent="0">
+                  <a:buNone/>
+                </a:pPr>
+                <a:r>
+                  <a:rPr dirty="0"/>
+                  <a:t>com </a:t>
+                </a:r>
+                <a14:m>
+                  <m:oMath xmlns:m="http://schemas.openxmlformats.org/officeDocument/2006/math">
+                    <m:r>
+                      <a:rPr>
+                        <a:latin typeface="Cambria Math" panose="02040503050406030204" pitchFamily="18" charset="0"/>
+                      </a:rPr>
+                      <m:t>𝜆</m:t>
+                    </m:r>
+                    <m:r>
+                      <a:rPr>
+                        <a:latin typeface="Cambria Math" panose="02040503050406030204" pitchFamily="18" charset="0"/>
+                      </a:rPr>
+                      <m:t>(</m:t>
+                    </m:r>
+                    <m:r>
+                      <a:rPr>
+                        <a:latin typeface="Cambria Math" panose="02040503050406030204" pitchFamily="18" charset="0"/>
+                      </a:rPr>
+                      <m:t>𝑡</m:t>
+                    </m:r>
+                    <m:r>
+                      <a:rPr>
+                        <a:latin typeface="Cambria Math" panose="02040503050406030204" pitchFamily="18" charset="0"/>
+                      </a:rPr>
+                      <m:t>)=0.25</m:t>
+                    </m:r>
+                  </m:oMath>
+                </a14:m>
+                <a:r>
+                  <a:rPr lang="pt-BR" dirty="0"/>
+                  <a:t> - </a:t>
+                </a:r>
+                <a:r>
+                  <a:rPr dirty="0"/>
+                  <a:t>Tempo </a:t>
+                </a:r>
+                <a:r>
+                  <a:rPr dirty="0" err="1"/>
+                  <a:t>mediano</a:t>
+                </a:r>
+                <a:r>
+                  <a:rPr dirty="0"/>
+                  <a:t> de </a:t>
+                </a:r>
+                <a:r>
+                  <a:rPr dirty="0" err="1"/>
+                  <a:t>sobrevivência</a:t>
+                </a:r>
+                <a:r>
+                  <a:rPr dirty="0"/>
+                  <a:t> = 2.77 </a:t>
+                </a:r>
+                <a:r>
+                  <a:rPr dirty="0" err="1"/>
+                  <a:t>anos</a:t>
+                </a:r>
+                <a:r>
+                  <a:rPr dirty="0"/>
+                  <a:t>.</a:t>
+                </a:r>
+              </a:p>
+              <a:p>
+                <a:pPr lvl="1"/>
+                <a:r>
+                  <a:rPr dirty="0" err="1"/>
+                  <a:t>Suposição</a:t>
+                </a:r>
+                <a:r>
+                  <a:rPr dirty="0"/>
+                  <a:t> de </a:t>
+                </a:r>
+                <a:r>
+                  <a:rPr dirty="0" err="1"/>
+                  <a:t>censura</a:t>
+                </a:r>
+                <a:r>
+                  <a:rPr dirty="0"/>
+                  <a:t> à </a:t>
+                </a:r>
+                <a:r>
+                  <a:rPr dirty="0" err="1"/>
+                  <a:t>direita</a:t>
+                </a:r>
+                <a:r>
+                  <a:rPr dirty="0"/>
+                  <a:t> </a:t>
+                </a:r>
+                <a:r>
+                  <a:rPr dirty="0" err="1"/>
+                  <a:t>uniforme</a:t>
+                </a:r>
+                <a:r>
+                  <a:rPr dirty="0"/>
+                  <a:t>;</a:t>
+                </a:r>
+              </a:p>
+              <a:p>
+                <a:pPr lvl="2"/>
+                <a:r>
+                  <a:rPr dirty="0"/>
+                  <a:t>Tempo de </a:t>
+                </a:r>
+                <a:r>
+                  <a:rPr i="1" dirty="0"/>
+                  <a:t>follow-up</a:t>
+                </a:r>
+                <a:r>
+                  <a:rPr dirty="0"/>
+                  <a:t> </a:t>
+                </a:r>
+                <a:r>
+                  <a:rPr dirty="0" err="1"/>
+                  <a:t>mínimo</a:t>
+                </a:r>
+                <a:r>
+                  <a:rPr dirty="0"/>
+                  <a:t> de 1 </a:t>
+                </a:r>
+                <a:r>
+                  <a:rPr dirty="0" err="1"/>
+                  <a:t>ano</a:t>
+                </a:r>
+                <a:r>
+                  <a:rPr dirty="0"/>
+                  <a:t>.</a:t>
+                </a:r>
+              </a:p>
+            </p:txBody>
+          </p:sp>
+        </mc:Choice>
+        <mc:Fallback xmlns="">
+          <p:sp>
+            <p:nvSpPr>
+              <p:cNvPr id="3" name="Content Placeholder 2"/>
+              <p:cNvSpPr>
+                <a:spLocks noGrp="1" noRot="1" noChangeAspect="1" noMove="1" noResize="1" noEditPoints="1" noAdjustHandles="1" noChangeArrowheads="1" noChangeShapeType="1" noTextEdit="1"/>
+              </p:cNvSpPr>
+              <p:nvPr>
+                <p:ph idx="1"/>
+              </p:nvPr>
+            </p:nvSpPr>
+            <p:spPr>
+              <a:blipFill>
+                <a:blip r:embed="rId2"/>
+                <a:stretch>
+                  <a:fillRect t="-870"/>
+                </a:stretch>
+              </a:blipFill>
+            </p:spPr>
+            <p:txBody>
+              <a:bodyPr/>
+              <a:lstStyle/>
+              <a:p>
+                <a:r>
+                  <a:rPr lang="pt-BR">
+                    <a:noFill/>
+                  </a:rPr>
+                  <a:t> </a:t>
+                </a:r>
+              </a:p>
+            </p:txBody>
+          </p:sp>
+        </mc:Fallback>
+      </mc:AlternateContent>
+      <p:sp>
+        <p:nvSpPr>
+          <p:cNvPr id="4" name="Espaço Reservado para Número de Slide 3">
+            <a:extLst>
+              <a:ext uri="{FF2B5EF4-FFF2-40B4-BE49-F238E27FC236}">
+                <a16:creationId xmlns:a16="http://schemas.microsoft.com/office/drawing/2014/main" id="{EDFD0B59-7BC5-4EF1-8FB4-7466F070F523}"/>
+              </a:ext>
+            </a:extLst>
+          </p:cNvPr>
+          <p:cNvSpPr>
+            <a:spLocks noGrp="1"/>
+          </p:cNvSpPr>
+          <p:nvPr>
+            <p:ph type="sldNum" sz="quarter" idx="12"/>
+          </p:nvPr>
+        </p:nvSpPr>
+        <p:spPr/>
+        <p:txBody>
+          <a:bodyPr/>
+          <a:lstStyle/>
+          <a:p>
+            <a:fld id="{C5EF2332-01BF-834F-8236-50238282D533}" type="slidenum">
+              <a:rPr lang="en-US" smtClean="0"/>
+              <a:t>26</a:t>
+            </a:fld>
+            <a:endParaRPr lang="en-US"/>
           </a:p>
         </p:txBody>
       </p:sp>
@@ -8547,408 +10245,87 @@
           </a:p>
         </p:txBody>
       </p:sp>
-      <mc:AlternateContent xmlns:mc="http://schemas.openxmlformats.org/markup-compatibility/2006" xmlns:a14="http://schemas.microsoft.com/office/drawing/2010/main">
-        <mc:Choice Requires="a14">
-          <p:sp>
-            <p:nvSpPr>
-              <p:cNvPr id="3" name="Content Placeholder 2"/>
-              <p:cNvSpPr>
-                <a:spLocks noGrp="1"/>
-              </p:cNvSpPr>
-              <p:nvPr>
-                <p:ph idx="1"/>
-              </p:nvPr>
-            </p:nvSpPr>
-            <p:spPr/>
-            <p:txBody>
-              <a:bodyPr/>
-              <a:lstStyle/>
-              <a:p>
-                <a:pPr lvl="1"/>
-                <a:r>
-                  <a:rPr dirty="0"/>
-                  <a:t>O tempo de </a:t>
-                </a:r>
-                <a:r>
-                  <a:rPr dirty="0" err="1"/>
-                  <a:t>sobrevivência</a:t>
-                </a:r>
-                <a:r>
-                  <a:rPr dirty="0"/>
-                  <a:t> é </a:t>
-                </a:r>
-                <a:r>
-                  <a:rPr dirty="0" err="1"/>
-                  <a:t>gerado</a:t>
-                </a:r>
-                <a:r>
-                  <a:rPr dirty="0"/>
-                  <a:t> pela </a:t>
-                </a:r>
-                <a:r>
-                  <a:rPr dirty="0" err="1"/>
-                  <a:t>equação</a:t>
-                </a:r>
-                <a:r>
-                  <a:rPr dirty="0"/>
-                  <a:t>:</a:t>
-                </a:r>
-              </a:p>
-              <a:p>
-                <a:pPr lvl="1"/>
-                <a14:m>
-                  <m:oMath xmlns:m="http://schemas.openxmlformats.org/officeDocument/2006/math">
-                    <m:r>
-                      <a:rPr>
-                        <a:latin typeface="Cambria Math" panose="02040503050406030204" pitchFamily="18" charset="0"/>
-                      </a:rPr>
-                      <m:t>h</m:t>
-                    </m:r>
-                    <m:r>
-                      <a:rPr>
-                        <a:latin typeface="Cambria Math" panose="02040503050406030204" pitchFamily="18" charset="0"/>
-                      </a:rPr>
-                      <m:t>(</m:t>
-                    </m:r>
-                    <m:r>
-                      <a:rPr>
-                        <a:latin typeface="Cambria Math" panose="02040503050406030204" pitchFamily="18" charset="0"/>
-                      </a:rPr>
-                      <m:t>𝑡</m:t>
-                    </m:r>
-                    <m:r>
-                      <a:rPr>
-                        <a:latin typeface="Cambria Math" panose="02040503050406030204" pitchFamily="18" charset="0"/>
-                      </a:rPr>
-                      <m:t>)=</m:t>
-                    </m:r>
-                    <m:sSub>
-                      <m:sSubPr>
-                        <m:ctrlPr>
-                          <a:rPr i="1">
-                            <a:latin typeface="Cambria Math" panose="02040503050406030204" pitchFamily="18" charset="0"/>
-                          </a:rPr>
-                        </m:ctrlPr>
-                      </m:sSubPr>
-                      <m:e>
-                        <m:r>
-                          <a:rPr>
-                            <a:latin typeface="Cambria Math" panose="02040503050406030204" pitchFamily="18" charset="0"/>
-                          </a:rPr>
-                          <m:t>h</m:t>
-                        </m:r>
-                      </m:e>
-                      <m:sub>
-                        <m:r>
-                          <a:rPr>
-                            <a:latin typeface="Cambria Math" panose="02040503050406030204" pitchFamily="18" charset="0"/>
-                          </a:rPr>
-                          <m:t>𝑜</m:t>
-                        </m:r>
-                      </m:sub>
-                    </m:sSub>
-                    <m:r>
-                      <a:rPr>
-                        <a:latin typeface="Cambria Math" panose="02040503050406030204" pitchFamily="18" charset="0"/>
-                      </a:rPr>
-                      <m:t>(</m:t>
-                    </m:r>
-                    <m:r>
-                      <a:rPr>
-                        <a:latin typeface="Cambria Math" panose="02040503050406030204" pitchFamily="18" charset="0"/>
-                      </a:rPr>
-                      <m:t>𝑡</m:t>
-                    </m:r>
-                    <m:r>
-                      <a:rPr>
-                        <a:latin typeface="Cambria Math" panose="02040503050406030204" pitchFamily="18" charset="0"/>
-                      </a:rPr>
-                      <m:t>)</m:t>
-                    </m:r>
-                    <m:r>
-                      <a:rPr>
-                        <a:latin typeface="Cambria Math" panose="02040503050406030204" pitchFamily="18" charset="0"/>
-                      </a:rPr>
-                      <m:t>𝑒𝑥𝑝</m:t>
-                    </m:r>
-                    <m:r>
-                      <a:rPr>
-                        <a:latin typeface="Cambria Math" panose="02040503050406030204" pitchFamily="18" charset="0"/>
-                      </a:rPr>
-                      <m:t>(</m:t>
-                    </m:r>
-                    <m:r>
-                      <a:rPr>
-                        <a:latin typeface="Cambria Math" panose="02040503050406030204" pitchFamily="18" charset="0"/>
-                      </a:rPr>
-                      <m:t>𝛽</m:t>
-                    </m:r>
-                    <m:sSub>
-                      <m:sSubPr>
-                        <m:ctrlPr>
-                          <a:rPr i="1">
-                            <a:latin typeface="Cambria Math" panose="02040503050406030204" pitchFamily="18" charset="0"/>
-                          </a:rPr>
-                        </m:ctrlPr>
-                      </m:sSubPr>
-                      <m:e>
-                        <m:r>
-                          <a:rPr>
-                            <a:latin typeface="Cambria Math" panose="02040503050406030204" pitchFamily="18" charset="0"/>
-                          </a:rPr>
-                          <m:t>𝑋</m:t>
-                        </m:r>
-                      </m:e>
-                      <m:sub>
-                        <m:r>
-                          <a:rPr>
-                            <a:latin typeface="Cambria Math" panose="02040503050406030204" pitchFamily="18" charset="0"/>
-                          </a:rPr>
-                          <m:t>𝑖𝑗</m:t>
-                        </m:r>
-                      </m:sub>
-                    </m:sSub>
-                    <m:r>
-                      <a:rPr>
-                        <a:latin typeface="Cambria Math" panose="02040503050406030204" pitchFamily="18" charset="0"/>
-                      </a:rPr>
-                      <m:t>+</m:t>
-                    </m:r>
-                    <m:r>
-                      <a:rPr>
-                        <a:latin typeface="Cambria Math" panose="02040503050406030204" pitchFamily="18" charset="0"/>
-                      </a:rPr>
-                      <m:t>𝛼</m:t>
-                    </m:r>
-                    <m:sSub>
-                      <m:sSubPr>
-                        <m:ctrlPr>
-                          <a:rPr i="1">
-                            <a:latin typeface="Cambria Math" panose="02040503050406030204" pitchFamily="18" charset="0"/>
-                          </a:rPr>
-                        </m:ctrlPr>
-                      </m:sSubPr>
-                      <m:e>
-                        <m:r>
-                          <a:rPr>
-                            <a:latin typeface="Cambria Math" panose="02040503050406030204" pitchFamily="18" charset="0"/>
-                          </a:rPr>
-                          <m:t>𝑍</m:t>
-                        </m:r>
-                      </m:e>
-                      <m:sub>
-                        <m:r>
-                          <a:rPr>
-                            <a:latin typeface="Cambria Math" panose="02040503050406030204" pitchFamily="18" charset="0"/>
-                          </a:rPr>
-                          <m:t>𝑖</m:t>
-                        </m:r>
-                      </m:sub>
-                    </m:sSub>
-                    <m:r>
-                      <a:rPr>
-                        <a:latin typeface="Cambria Math" panose="02040503050406030204" pitchFamily="18" charset="0"/>
-                      </a:rPr>
-                      <m:t>),</m:t>
-                    </m:r>
-                    <m:r>
-                      <a:rPr lang="pt-BR" i="1" smtClean="0">
-                        <a:latin typeface="Cambria Math" panose="02040503050406030204" pitchFamily="18" charset="0"/>
-                      </a:rPr>
-                      <m:t> </m:t>
-                    </m:r>
-                  </m:oMath>
-                </a14:m>
-                <a:r>
-                  <a:rPr dirty="0"/>
-                  <a:t>com </a:t>
-                </a:r>
-                <a14:m>
-                  <m:oMath xmlns:m="http://schemas.openxmlformats.org/officeDocument/2006/math">
-                    <m:r>
-                      <a:rPr>
-                        <a:latin typeface="Cambria Math" panose="02040503050406030204" pitchFamily="18" charset="0"/>
-                      </a:rPr>
-                      <m:t>𝜆</m:t>
-                    </m:r>
-                    <m:r>
-                      <a:rPr>
-                        <a:latin typeface="Cambria Math" panose="02040503050406030204" pitchFamily="18" charset="0"/>
-                      </a:rPr>
-                      <m:t>(</m:t>
-                    </m:r>
-                    <m:r>
-                      <a:rPr>
-                        <a:latin typeface="Cambria Math" panose="02040503050406030204" pitchFamily="18" charset="0"/>
-                      </a:rPr>
-                      <m:t>𝑡</m:t>
-                    </m:r>
-                    <m:r>
-                      <a:rPr>
-                        <a:latin typeface="Cambria Math" panose="02040503050406030204" pitchFamily="18" charset="0"/>
-                      </a:rPr>
-                      <m:t>)=</m:t>
-                    </m:r>
-                    <m:r>
-                      <a:rPr>
-                        <a:latin typeface="Cambria Math" panose="02040503050406030204" pitchFamily="18" charset="0"/>
-                      </a:rPr>
-                      <m:t>0</m:t>
-                    </m:r>
-                    <m:r>
-                      <a:rPr>
-                        <a:latin typeface="Cambria Math" panose="02040503050406030204" pitchFamily="18" charset="0"/>
-                      </a:rPr>
-                      <m:t>.</m:t>
-                    </m:r>
-                    <m:r>
-                      <a:rPr>
-                        <a:latin typeface="Cambria Math" panose="02040503050406030204" pitchFamily="18" charset="0"/>
-                      </a:rPr>
-                      <m:t>25</m:t>
-                    </m:r>
-                  </m:oMath>
-                </a14:m>
-                <a:r>
-                  <a:rPr lang="pt-BR" dirty="0"/>
-                  <a:t>;</a:t>
-                </a:r>
-                <a:endParaRPr dirty="0"/>
-              </a:p>
-              <a:p>
-                <a:pPr lvl="2"/>
-                <a:r>
-                  <a:rPr dirty="0"/>
-                  <a:t>Tempo </a:t>
-                </a:r>
-                <a:r>
-                  <a:rPr dirty="0" err="1"/>
-                  <a:t>mediano</a:t>
-                </a:r>
-                <a:r>
-                  <a:rPr dirty="0"/>
-                  <a:t> de </a:t>
-                </a:r>
-                <a:r>
-                  <a:rPr dirty="0" err="1"/>
-                  <a:t>sobrevivência</a:t>
-                </a:r>
-                <a:r>
-                  <a:rPr dirty="0"/>
-                  <a:t> = 2.77 </a:t>
-                </a:r>
-                <a:r>
-                  <a:rPr dirty="0" err="1"/>
-                  <a:t>anos</a:t>
-                </a:r>
-                <a:r>
-                  <a:rPr dirty="0"/>
-                  <a:t>.</a:t>
-                </a:r>
-              </a:p>
-              <a:p>
-                <a:pPr lvl="1"/>
-                <a:r>
-                  <a:rPr dirty="0" err="1"/>
-                  <a:t>Suposição</a:t>
-                </a:r>
-                <a:r>
-                  <a:rPr dirty="0"/>
-                  <a:t> de </a:t>
-                </a:r>
-                <a:r>
-                  <a:rPr dirty="0" err="1"/>
-                  <a:t>censura</a:t>
-                </a:r>
-                <a:r>
-                  <a:rPr dirty="0"/>
-                  <a:t> à </a:t>
-                </a:r>
-                <a:r>
-                  <a:rPr dirty="0" err="1"/>
-                  <a:t>direita</a:t>
-                </a:r>
-                <a:r>
-                  <a:rPr dirty="0"/>
-                  <a:t> </a:t>
-                </a:r>
-                <a:r>
-                  <a:rPr dirty="0" err="1"/>
-                  <a:t>uniforme</a:t>
-                </a:r>
-                <a:r>
-                  <a:rPr dirty="0"/>
-                  <a:t>;</a:t>
-                </a:r>
-              </a:p>
-              <a:p>
-                <a:pPr lvl="2"/>
-                <a:r>
-                  <a:rPr dirty="0"/>
-                  <a:t>Tempo de </a:t>
-                </a:r>
-                <a:r>
-                  <a:rPr i="1" dirty="0"/>
-                  <a:t>follow-up</a:t>
-                </a:r>
-                <a:r>
-                  <a:rPr dirty="0"/>
-                  <a:t> </a:t>
-                </a:r>
-                <a:r>
-                  <a:rPr dirty="0" err="1"/>
-                  <a:t>mínimo</a:t>
-                </a:r>
-                <a:r>
-                  <a:rPr dirty="0"/>
-                  <a:t> de 1 </a:t>
-                </a:r>
-                <a:r>
-                  <a:rPr dirty="0" err="1"/>
-                  <a:t>ano</a:t>
-                </a:r>
-                <a:r>
-                  <a:rPr dirty="0"/>
-                  <a:t>.</a:t>
-                </a:r>
-              </a:p>
-            </p:txBody>
-          </p:sp>
-        </mc:Choice>
-        <mc:Fallback xmlns="">
-          <p:sp>
-            <p:nvSpPr>
-              <p:cNvPr id="3" name="Content Placeholder 2"/>
-              <p:cNvSpPr>
-                <a:spLocks noGrp="1" noRot="1" noChangeAspect="1" noMove="1" noResize="1" noEditPoints="1" noAdjustHandles="1" noChangeArrowheads="1" noChangeShapeType="1" noTextEdit="1"/>
-              </p:cNvSpPr>
-              <p:nvPr>
-                <p:ph idx="1"/>
-              </p:nvPr>
-            </p:nvSpPr>
-            <p:spPr>
-              <a:blipFill>
-                <a:blip r:embed="rId2"/>
-                <a:stretch>
-                  <a:fillRect t="-1449"/>
-                </a:stretch>
-              </a:blipFill>
-            </p:spPr>
-            <p:txBody>
-              <a:bodyPr/>
-              <a:lstStyle/>
-              <a:p>
-                <a:r>
-                  <a:rPr lang="pt-BR">
-                    <a:noFill/>
-                  </a:rPr>
-                  <a:t> </a:t>
-                </a:r>
-              </a:p>
-            </p:txBody>
-          </p:sp>
-        </mc:Fallback>
-      </mc:AlternateContent>
+      <p:sp>
+        <p:nvSpPr>
+          <p:cNvPr id="3" name="Content Placeholder 2"/>
+          <p:cNvSpPr>
+            <a:spLocks noGrp="1"/>
+          </p:cNvSpPr>
+          <p:nvPr>
+            <p:ph idx="1"/>
+          </p:nvPr>
+        </p:nvSpPr>
+        <p:spPr/>
+        <p:txBody>
+          <a:bodyPr/>
+          <a:lstStyle/>
+          <a:p>
+            <a:pPr lvl="1"/>
+            <a:r>
+              <a:t>Ajustaram 3 modelos:</a:t>
+            </a:r>
+          </a:p>
+          <a:p>
+            <a:pPr lvl="2"/>
+            <a:r>
+              <a:rPr b="1"/>
+              <a:t>A</a:t>
+            </a:r>
+            <a:r>
+              <a:t>: Modelo de Cox sem trajetória longitudinal;</a:t>
+            </a:r>
+          </a:p>
+          <a:p>
+            <a:pPr lvl="2"/>
+            <a:r>
+              <a:rPr b="1"/>
+              <a:t>B</a:t>
+            </a:r>
+            <a:r>
+              <a:t>: Modelo de Cox usando dado longitudinal como variável tempo-dependente;</a:t>
+            </a:r>
+          </a:p>
+          <a:p>
+            <a:pPr lvl="2"/>
+            <a:r>
+              <a:rPr b="1"/>
+              <a:t>C</a:t>
+            </a:r>
+            <a:r>
+              <a:t>: Modelo conjunto.</a:t>
+            </a:r>
+          </a:p>
+        </p:txBody>
+      </p:sp>
+      <p:sp>
+        <p:nvSpPr>
+          <p:cNvPr id="4" name="Espaço Reservado para Número de Slide 3">
+            <a:extLst>
+              <a:ext uri="{FF2B5EF4-FFF2-40B4-BE49-F238E27FC236}">
+                <a16:creationId xmlns:a16="http://schemas.microsoft.com/office/drawing/2014/main" id="{1A6B8316-6A6C-42E2-B0F7-D6AB3E860A80}"/>
+              </a:ext>
+            </a:extLst>
+          </p:cNvPr>
+          <p:cNvSpPr>
+            <a:spLocks noGrp="1"/>
+          </p:cNvSpPr>
+          <p:nvPr>
+            <p:ph type="sldNum" sz="quarter" idx="12"/>
+          </p:nvPr>
+        </p:nvSpPr>
+        <p:spPr/>
+        <p:txBody>
+          <a:bodyPr/>
+          <a:lstStyle/>
+          <a:p>
+            <a:fld id="{C5EF2332-01BF-834F-8236-50238282D533}" type="slidenum">
+              <a:rPr lang="en-US" smtClean="0"/>
+              <a:t>27</a:t>
+            </a:fld>
+            <a:endParaRPr lang="en-US"/>
+          </a:p>
+        </p:txBody>
+      </p:sp>
     </p:spTree>
   </p:cSld>
   <p:clrMapOvr>
@@ -8995,104 +10372,6 @@
           </a:p>
         </p:txBody>
       </p:sp>
-      <p:sp>
-        <p:nvSpPr>
-          <p:cNvPr id="3" name="Content Placeholder 2"/>
-          <p:cNvSpPr>
-            <a:spLocks noGrp="1"/>
-          </p:cNvSpPr>
-          <p:nvPr>
-            <p:ph idx="1"/>
-          </p:nvPr>
-        </p:nvSpPr>
-        <p:spPr/>
-        <p:txBody>
-          <a:bodyPr/>
-          <a:lstStyle/>
-          <a:p>
-            <a:pPr lvl="1"/>
-            <a:r>
-              <a:t>Ajustaram 3 modelos:</a:t>
-            </a:r>
-          </a:p>
-          <a:p>
-            <a:pPr lvl="2"/>
-            <a:r>
-              <a:rPr b="1"/>
-              <a:t>A</a:t>
-            </a:r>
-            <a:r>
-              <a:t>: Modelo de Cox sem trajetória longitudinal;</a:t>
-            </a:r>
-          </a:p>
-          <a:p>
-            <a:pPr lvl="2"/>
-            <a:r>
-              <a:rPr b="1"/>
-              <a:t>B</a:t>
-            </a:r>
-            <a:r>
-              <a:t>: Modelo de Cox usando dado longitudinal como variável tempo-dependente;</a:t>
-            </a:r>
-          </a:p>
-          <a:p>
-            <a:pPr lvl="2"/>
-            <a:r>
-              <a:rPr b="1"/>
-              <a:t>C</a:t>
-            </a:r>
-            <a:r>
-              <a:t>: Modelo conjunto.</a:t>
-            </a:r>
-          </a:p>
-        </p:txBody>
-      </p:sp>
-    </p:spTree>
-  </p:cSld>
-  <p:clrMapOvr>
-    <a:masterClrMapping/>
-  </p:clrMapOvr>
-</p:sld>
-</file>
-
-<file path=ppt/slides/slide29.xml><?xml version="1.0" encoding="utf-8"?>
-<p:sld xmlns:a="http://schemas.openxmlformats.org/drawingml/2006/main" xmlns:r="http://schemas.openxmlformats.org/officeDocument/2006/relationships" xmlns:p="http://schemas.openxmlformats.org/presentationml/2006/main">
-  <p:cSld>
-    <p:spTree>
-      <p:nvGrpSpPr>
-        <p:cNvPr id="1" name=""/>
-        <p:cNvGrpSpPr/>
-        <p:nvPr/>
-      </p:nvGrpSpPr>
-      <p:grpSpPr>
-        <a:xfrm>
-          <a:off x="0" y="0"/>
-          <a:ext cx="0" cy="0"/>
-          <a:chOff x="0" y="0"/>
-          <a:chExt cx="0" cy="0"/>
-        </a:xfrm>
-      </p:grpSpPr>
-      <p:sp>
-        <p:nvSpPr>
-          <p:cNvPr id="2" name="Title 1"/>
-          <p:cNvSpPr>
-            <a:spLocks noGrp="1"/>
-          </p:cNvSpPr>
-          <p:nvPr>
-            <p:ph type="title"/>
-          </p:nvPr>
-        </p:nvSpPr>
-        <p:spPr/>
-        <p:txBody>
-          <a:bodyPr/>
-          <a:lstStyle/>
-          <a:p>
-            <a:r>
-              <a:t>Simulação</a:t>
-            </a:r>
-          </a:p>
-        </p:txBody>
-      </p:sp>
       <p:pic>
         <p:nvPicPr>
           <p:cNvPr id="3" name="Picture 1" descr="C:/Users/Particular/Desktop/2020-1;2/Seminarios/2/Seminarios2/figuras/tabela2.png"/>
@@ -9109,8 +10388,8 @@
         </p:blipFill>
         <p:spPr bwMode="auto">
           <a:xfrm>
-            <a:off x="1981200" y="2222500"/>
-            <a:ext cx="8229600" cy="3263900"/>
+            <a:off x="491612" y="2129194"/>
+            <a:ext cx="11206694" cy="4444630"/>
           </a:xfrm>
           <a:prstGeom prst="rect">
             <a:avLst/>
@@ -9123,6 +10402,35 @@
           </a:ln>
         </p:spPr>
       </p:pic>
+      <p:sp>
+        <p:nvSpPr>
+          <p:cNvPr id="4" name="Espaço Reservado para Número de Slide 3">
+            <a:extLst>
+              <a:ext uri="{FF2B5EF4-FFF2-40B4-BE49-F238E27FC236}">
+                <a16:creationId xmlns:a16="http://schemas.microsoft.com/office/drawing/2014/main" id="{8FC82C46-B6EC-481D-9757-9BCC5DD1586F}"/>
+              </a:ext>
+            </a:extLst>
+          </p:cNvPr>
+          <p:cNvSpPr>
+            <a:spLocks noGrp="1"/>
+          </p:cNvSpPr>
+          <p:nvPr>
+            <p:ph type="sldNum" sz="quarter" idx="12"/>
+          </p:nvPr>
+        </p:nvSpPr>
+        <p:spPr/>
+        <p:txBody>
+          <a:bodyPr/>
+          <a:lstStyle/>
+          <a:p>
+            <a:fld id="{C5EF2332-01BF-834F-8236-50238282D533}" type="slidenum">
+              <a:rPr lang="en-US" smtClean="0"/>
+              <a:t>28</a:t>
+            </a:fld>
+            <a:endParaRPr lang="en-US"/>
+          </a:p>
+        </p:txBody>
+      </p:sp>
     </p:spTree>
   </p:cSld>
   <p:clrMapOvr>
@@ -9131,60 +10439,7 @@
 </p:sld>
 </file>
 
-<file path=ppt/slides/slide3.xml><?xml version="1.0" encoding="utf-8"?>
-<p:sld xmlns:a="http://schemas.openxmlformats.org/drawingml/2006/main" xmlns:r="http://schemas.openxmlformats.org/officeDocument/2006/relationships" xmlns:p="http://schemas.openxmlformats.org/presentationml/2006/main">
-  <p:cSld>
-    <p:spTree>
-      <p:nvGrpSpPr>
-        <p:cNvPr id="1" name=""/>
-        <p:cNvGrpSpPr/>
-        <p:nvPr/>
-      </p:nvGrpSpPr>
-      <p:grpSpPr>
-        <a:xfrm>
-          <a:off x="0" y="0"/>
-          <a:ext cx="0" cy="0"/>
-          <a:chOff x="0" y="0"/>
-          <a:chExt cx="0" cy="0"/>
-        </a:xfrm>
-      </p:grpSpPr>
-      <p:sp>
-        <p:nvSpPr>
-          <p:cNvPr id="2" name="Title 1"/>
-          <p:cNvSpPr>
-            <a:spLocks noGrp="1"/>
-          </p:cNvSpPr>
-          <p:nvPr>
-            <p:ph type="title"/>
-          </p:nvPr>
-        </p:nvSpPr>
-        <p:spPr>
-          <a:xfrm>
-            <a:off x="2209800" y="2258505"/>
-            <a:ext cx="7772400" cy="1362075"/>
-          </a:xfrm>
-        </p:spPr>
-        <p:txBody>
-          <a:bodyPr/>
-          <a:lstStyle/>
-          <a:p>
-            <a:r>
-              <a:rPr dirty="0" err="1"/>
-              <a:t>Introdução</a:t>
-            </a:r>
-            <a:endParaRPr dirty="0"/>
-          </a:p>
-        </p:txBody>
-      </p:sp>
-    </p:spTree>
-  </p:cSld>
-  <p:clrMapOvr>
-    <a:masterClrMapping/>
-  </p:clrMapOvr>
-</p:sld>
-</file>
-
-<file path=ppt/slides/slide30.xml><?xml version="1.0" encoding="utf-8"?>
+<file path=ppt/slides/slide29.xml><?xml version="1.0" encoding="utf-8"?>
 <p:sld xmlns:a="http://schemas.openxmlformats.org/drawingml/2006/main" xmlns:r="http://schemas.openxmlformats.org/officeDocument/2006/relationships" xmlns:p="http://schemas.openxmlformats.org/presentationml/2006/main">
   <p:cSld>
     <p:spTree>
@@ -9252,6 +10507,35 @@
           </a:ln>
         </p:spPr>
       </p:pic>
+      <p:sp>
+        <p:nvSpPr>
+          <p:cNvPr id="4" name="Espaço Reservado para Número de Slide 3">
+            <a:extLst>
+              <a:ext uri="{FF2B5EF4-FFF2-40B4-BE49-F238E27FC236}">
+                <a16:creationId xmlns:a16="http://schemas.microsoft.com/office/drawing/2014/main" id="{56D652DC-163A-48AB-A6B8-6E89177BED50}"/>
+              </a:ext>
+            </a:extLst>
+          </p:cNvPr>
+          <p:cNvSpPr>
+            <a:spLocks noGrp="1"/>
+          </p:cNvSpPr>
+          <p:nvPr>
+            <p:ph type="sldNum" sz="quarter" idx="12"/>
+          </p:nvPr>
+        </p:nvSpPr>
+        <p:spPr/>
+        <p:txBody>
+          <a:bodyPr/>
+          <a:lstStyle/>
+          <a:p>
+            <a:fld id="{C5EF2332-01BF-834F-8236-50238282D533}" type="slidenum">
+              <a:rPr lang="en-US" smtClean="0"/>
+              <a:t>29</a:t>
+            </a:fld>
+            <a:endParaRPr lang="en-US"/>
+          </a:p>
+        </p:txBody>
+      </p:sp>
     </p:spTree>
   </p:cSld>
   <p:clrMapOvr>
@@ -9260,7 +10544,91 @@
 </p:sld>
 </file>
 
-<file path=ppt/slides/slide31.xml><?xml version="1.0" encoding="utf-8"?>
+<file path=ppt/slides/slide3.xml><?xml version="1.0" encoding="utf-8"?>
+<p:sld xmlns:a="http://schemas.openxmlformats.org/drawingml/2006/main" xmlns:r="http://schemas.openxmlformats.org/officeDocument/2006/relationships" xmlns:p="http://schemas.openxmlformats.org/presentationml/2006/main">
+  <p:cSld>
+    <p:spTree>
+      <p:nvGrpSpPr>
+        <p:cNvPr id="1" name=""/>
+        <p:cNvGrpSpPr/>
+        <p:nvPr/>
+      </p:nvGrpSpPr>
+      <p:grpSpPr>
+        <a:xfrm>
+          <a:off x="0" y="0"/>
+          <a:ext cx="0" cy="0"/>
+          <a:chOff x="0" y="0"/>
+          <a:chExt cx="0" cy="0"/>
+        </a:xfrm>
+      </p:grpSpPr>
+      <p:sp>
+        <p:nvSpPr>
+          <p:cNvPr id="2" name="Title 1"/>
+          <p:cNvSpPr>
+            <a:spLocks noGrp="1"/>
+          </p:cNvSpPr>
+          <p:nvPr>
+            <p:ph type="title"/>
+          </p:nvPr>
+        </p:nvSpPr>
+        <p:spPr>
+          <a:xfrm>
+            <a:off x="2209800" y="2258505"/>
+            <a:ext cx="7772400" cy="1362075"/>
+          </a:xfrm>
+        </p:spPr>
+        <p:txBody>
+          <a:bodyPr/>
+          <a:lstStyle/>
+          <a:p>
+            <a:r>
+              <a:rPr dirty="0" err="1"/>
+              <a:t>Introdução</a:t>
+            </a:r>
+            <a:endParaRPr dirty="0"/>
+          </a:p>
+        </p:txBody>
+      </p:sp>
+      <p:sp>
+        <p:nvSpPr>
+          <p:cNvPr id="3" name="Espaço Reservado para Número de Slide 2">
+            <a:extLst>
+              <a:ext uri="{FF2B5EF4-FFF2-40B4-BE49-F238E27FC236}">
+                <a16:creationId xmlns:a16="http://schemas.microsoft.com/office/drawing/2014/main" id="{2301AE3C-1A3C-4897-AB25-9A835AB92959}"/>
+              </a:ext>
+            </a:extLst>
+          </p:cNvPr>
+          <p:cNvSpPr>
+            <a:spLocks noGrp="1"/>
+          </p:cNvSpPr>
+          <p:nvPr>
+            <p:ph type="sldNum" sz="quarter" idx="12"/>
+          </p:nvPr>
+        </p:nvSpPr>
+        <p:spPr/>
+        <p:txBody>
+          <a:bodyPr/>
+          <a:lstStyle/>
+          <a:p>
+            <a:pPr algn="l"/>
+            <a:fld id="{C5EF2332-01BF-834F-8236-50238282D533}" type="slidenum">
+              <a:rPr lang="en-US" smtClean="0"/>
+              <a:pPr algn="l"/>
+              <a:t>3</a:t>
+            </a:fld>
+            <a:endParaRPr lang="en-US" dirty="0"/>
+          </a:p>
+        </p:txBody>
+      </p:sp>
+    </p:spTree>
+  </p:cSld>
+  <p:clrMapOvr>
+    <a:masterClrMapping/>
+  </p:clrMapOvr>
+</p:sld>
+</file>
+
+<file path=ppt/slides/slide30.xml><?xml version="1.0" encoding="utf-8"?>
 <p:sld xmlns:a="http://schemas.openxmlformats.org/drawingml/2006/main" xmlns:r="http://schemas.openxmlformats.org/officeDocument/2006/relationships" xmlns:p="http://schemas.openxmlformats.org/presentationml/2006/main">
   <p:cSld>
     <p:spTree>
@@ -9333,13 +10701,7 @@
                       <a:rPr>
                         <a:latin typeface="Cambria Math" panose="02040503050406030204" pitchFamily="18" charset="0"/>
                       </a:rPr>
-                      <m:t>=</m:t>
-                    </m:r>
-                    <m:r>
-                      <a:rPr>
-                        <a:latin typeface="Cambria Math" panose="02040503050406030204" pitchFamily="18" charset="0"/>
-                      </a:rPr>
-                      <m:t>0</m:t>
+                      <m:t>=0</m:t>
                     </m:r>
                   </m:oMath>
                 </a14:m>
@@ -9453,6 +10815,281 @@
           </p:sp>
         </mc:Fallback>
       </mc:AlternateContent>
+      <p:sp>
+        <p:nvSpPr>
+          <p:cNvPr id="4" name="Espaço Reservado para Número de Slide 3">
+            <a:extLst>
+              <a:ext uri="{FF2B5EF4-FFF2-40B4-BE49-F238E27FC236}">
+                <a16:creationId xmlns:a16="http://schemas.microsoft.com/office/drawing/2014/main" id="{20165FB4-8AD9-4941-91CC-6259D6FA8C61}"/>
+              </a:ext>
+            </a:extLst>
+          </p:cNvPr>
+          <p:cNvSpPr>
+            <a:spLocks noGrp="1"/>
+          </p:cNvSpPr>
+          <p:nvPr>
+            <p:ph type="sldNum" sz="quarter" idx="12"/>
+          </p:nvPr>
+        </p:nvSpPr>
+        <p:spPr/>
+        <p:txBody>
+          <a:bodyPr/>
+          <a:lstStyle/>
+          <a:p>
+            <a:fld id="{C5EF2332-01BF-834F-8236-50238282D533}" type="slidenum">
+              <a:rPr lang="en-US" smtClean="0"/>
+              <a:t>30</a:t>
+            </a:fld>
+            <a:endParaRPr lang="en-US"/>
+          </a:p>
+        </p:txBody>
+      </p:sp>
+    </p:spTree>
+  </p:cSld>
+  <p:clrMapOvr>
+    <a:masterClrMapping/>
+  </p:clrMapOvr>
+</p:sld>
+</file>
+
+<file path=ppt/slides/slide31.xml><?xml version="1.0" encoding="utf-8"?>
+<p:sld xmlns:a="http://schemas.openxmlformats.org/drawingml/2006/main" xmlns:r="http://schemas.openxmlformats.org/officeDocument/2006/relationships" xmlns:p="http://schemas.openxmlformats.org/presentationml/2006/main">
+  <p:cSld>
+    <p:spTree>
+      <p:nvGrpSpPr>
+        <p:cNvPr id="1" name=""/>
+        <p:cNvGrpSpPr/>
+        <p:nvPr/>
+      </p:nvGrpSpPr>
+      <p:grpSpPr>
+        <a:xfrm>
+          <a:off x="0" y="0"/>
+          <a:ext cx="0" cy="0"/>
+          <a:chOff x="0" y="0"/>
+          <a:chExt cx="0" cy="0"/>
+        </a:xfrm>
+      </p:grpSpPr>
+      <p:sp>
+        <p:nvSpPr>
+          <p:cNvPr id="2" name="Title 1"/>
+          <p:cNvSpPr>
+            <a:spLocks noGrp="1"/>
+          </p:cNvSpPr>
+          <p:nvPr>
+            <p:ph type="title"/>
+          </p:nvPr>
+        </p:nvSpPr>
+        <p:spPr/>
+        <p:txBody>
+          <a:bodyPr/>
+          <a:lstStyle/>
+          <a:p>
+            <a:r>
+              <a:t>Discussões</a:t>
+            </a:r>
+          </a:p>
+        </p:txBody>
+      </p:sp>
+      <p:sp>
+        <p:nvSpPr>
+          <p:cNvPr id="3" name="Content Placeholder 2"/>
+          <p:cNvSpPr>
+            <a:spLocks noGrp="1"/>
+          </p:cNvSpPr>
+          <p:nvPr>
+            <p:ph idx="1"/>
+          </p:nvPr>
+        </p:nvSpPr>
+        <p:spPr/>
+        <p:txBody>
+          <a:bodyPr/>
+          <a:lstStyle/>
+          <a:p>
+            <a:pPr lvl="1"/>
+            <a:r>
+              <a:rPr dirty="0" err="1"/>
+              <a:t>Quando</a:t>
+            </a:r>
+            <a:r>
+              <a:rPr dirty="0"/>
+              <a:t> o </a:t>
+            </a:r>
+            <a:r>
+              <a:rPr dirty="0" err="1"/>
+              <a:t>propósito</a:t>
+            </a:r>
+            <a:r>
+              <a:rPr dirty="0"/>
+              <a:t> do </a:t>
+            </a:r>
+            <a:r>
+              <a:rPr dirty="0" err="1"/>
+              <a:t>estudo</a:t>
+            </a:r>
+            <a:r>
+              <a:rPr dirty="0"/>
+              <a:t> </a:t>
+            </a:r>
+            <a:r>
+              <a:rPr dirty="0" err="1"/>
+              <a:t>clínico</a:t>
+            </a:r>
+            <a:r>
+              <a:rPr dirty="0"/>
+              <a:t> é </a:t>
+            </a:r>
+            <a:r>
+              <a:rPr dirty="0" err="1"/>
+              <a:t>investigar</a:t>
+            </a:r>
+            <a:r>
+              <a:rPr dirty="0"/>
+              <a:t> o </a:t>
+            </a:r>
+            <a:r>
+              <a:rPr dirty="0" err="1"/>
+              <a:t>efeito</a:t>
+            </a:r>
+            <a:r>
+              <a:rPr dirty="0"/>
+              <a:t> longitudinal no tempo </a:t>
+            </a:r>
+            <a:r>
+              <a:rPr dirty="0" err="1"/>
+              <a:t>até</a:t>
+            </a:r>
+            <a:r>
+              <a:rPr dirty="0"/>
+              <a:t> o </a:t>
+            </a:r>
+            <a:r>
+              <a:rPr dirty="0" err="1"/>
+              <a:t>evento</a:t>
+            </a:r>
+            <a:r>
+              <a:rPr dirty="0"/>
+              <a:t> de interesse, o </a:t>
+            </a:r>
+            <a:r>
+              <a:rPr dirty="0" err="1"/>
+              <a:t>modelo</a:t>
+            </a:r>
+            <a:r>
+              <a:rPr dirty="0"/>
+              <a:t> conjunto leva a </a:t>
+            </a:r>
+            <a:r>
+              <a:rPr dirty="0" err="1"/>
+              <a:t>estimativas</a:t>
+            </a:r>
+            <a:r>
+              <a:rPr dirty="0"/>
+              <a:t> </a:t>
+            </a:r>
+            <a:r>
+              <a:rPr dirty="0" err="1"/>
+              <a:t>mais</a:t>
+            </a:r>
+            <a:r>
+              <a:rPr dirty="0"/>
+              <a:t> </a:t>
+            </a:r>
+            <a:r>
+              <a:rPr dirty="0" err="1"/>
+              <a:t>eficientes</a:t>
+            </a:r>
+            <a:r>
+              <a:rPr dirty="0"/>
+              <a:t> e </a:t>
+            </a:r>
+            <a:r>
+              <a:rPr dirty="0" err="1"/>
+              <a:t>sem</a:t>
+            </a:r>
+            <a:r>
+              <a:rPr dirty="0"/>
+              <a:t> </a:t>
+            </a:r>
+            <a:r>
+              <a:rPr dirty="0" err="1"/>
+              <a:t>viés</a:t>
+            </a:r>
+            <a:r>
+              <a:rPr dirty="0"/>
+              <a:t> </a:t>
+            </a:r>
+            <a:r>
+              <a:rPr dirty="0" err="1"/>
+              <a:t>quando</a:t>
+            </a:r>
+            <a:r>
+              <a:rPr dirty="0"/>
+              <a:t> é </a:t>
+            </a:r>
+            <a:r>
+              <a:rPr dirty="0" err="1"/>
+              <a:t>ajustado</a:t>
+            </a:r>
+            <a:r>
+              <a:rPr dirty="0"/>
+              <a:t> o </a:t>
+            </a:r>
+            <a:r>
+              <a:rPr dirty="0" err="1"/>
+              <a:t>modelo</a:t>
+            </a:r>
+            <a:r>
+              <a:rPr dirty="0"/>
+              <a:t> de </a:t>
+            </a:r>
+            <a:r>
+              <a:rPr dirty="0" err="1"/>
+              <a:t>sobrevivência</a:t>
+            </a:r>
+            <a:r>
+              <a:rPr dirty="0"/>
+              <a:t> </a:t>
+            </a:r>
+            <a:r>
+              <a:rPr dirty="0" err="1"/>
+              <a:t>correto</a:t>
+            </a:r>
+            <a:r>
+              <a:rPr dirty="0"/>
+              <a:t>.</a:t>
+            </a:r>
+          </a:p>
+        </p:txBody>
+      </p:sp>
+      <p:sp>
+        <p:nvSpPr>
+          <p:cNvPr id="4" name="Espaço Reservado para Número de Slide 3">
+            <a:extLst>
+              <a:ext uri="{FF2B5EF4-FFF2-40B4-BE49-F238E27FC236}">
+                <a16:creationId xmlns:a16="http://schemas.microsoft.com/office/drawing/2014/main" id="{DA06E2ED-3B81-40AA-8A0A-778AC714935C}"/>
+              </a:ext>
+            </a:extLst>
+          </p:cNvPr>
+          <p:cNvSpPr>
+            <a:spLocks noGrp="1"/>
+          </p:cNvSpPr>
+          <p:nvPr>
+            <p:ph type="sldNum" sz="quarter" idx="12"/>
+          </p:nvPr>
+        </p:nvSpPr>
+        <p:spPr/>
+        <p:txBody>
+          <a:bodyPr/>
+          <a:lstStyle/>
+          <a:p>
+            <a:fld id="{C5EF2332-01BF-834F-8236-50238282D533}" type="slidenum">
+              <a:rPr lang="en-US" smtClean="0"/>
+              <a:t>31</a:t>
+            </a:fld>
+            <a:endParaRPr lang="en-US"/>
+          </a:p>
+        </p:txBody>
+      </p:sp>
     </p:spTree>
   </p:cSld>
   <p:clrMapOvr>
@@ -9494,7 +11131,7 @@
           <a:lstStyle/>
           <a:p>
             <a:r>
-              <a:t>Discussões</a:t>
+              <a:t>Referência</a:t>
             </a:r>
           </a:p>
         </p:txBody>
@@ -9516,193 +11153,42 @@
           <a:p>
             <a:pPr lvl="1"/>
             <a:r>
-              <a:rPr dirty="0" err="1"/>
-              <a:t>Quando</a:t>
-            </a:r>
-            <a:r>
-              <a:rPr dirty="0"/>
-              <a:t> o </a:t>
-            </a:r>
-            <a:r>
-              <a:rPr dirty="0" err="1"/>
-              <a:t>propósito</a:t>
-            </a:r>
-            <a:r>
-              <a:rPr dirty="0"/>
-              <a:t> do </a:t>
-            </a:r>
-            <a:r>
-              <a:rPr dirty="0" err="1"/>
-              <a:t>estudo</a:t>
-            </a:r>
-            <a:r>
-              <a:rPr dirty="0"/>
-              <a:t> </a:t>
-            </a:r>
-            <a:r>
-              <a:rPr dirty="0" err="1"/>
-              <a:t>clínico</a:t>
-            </a:r>
-            <a:r>
-              <a:rPr dirty="0"/>
-              <a:t> é </a:t>
-            </a:r>
-            <a:r>
-              <a:rPr dirty="0" err="1"/>
-              <a:t>investigar</a:t>
-            </a:r>
-            <a:r>
-              <a:rPr dirty="0"/>
-              <a:t> o </a:t>
-            </a:r>
-            <a:r>
-              <a:rPr dirty="0" err="1"/>
-              <a:t>efeito</a:t>
-            </a:r>
-            <a:r>
-              <a:rPr dirty="0"/>
-              <a:t> longitudinal no tempo </a:t>
-            </a:r>
-            <a:r>
-              <a:rPr dirty="0" err="1"/>
-              <a:t>até</a:t>
-            </a:r>
-            <a:r>
-              <a:rPr dirty="0"/>
-              <a:t> o </a:t>
-            </a:r>
-            <a:r>
-              <a:rPr dirty="0" err="1"/>
-              <a:t>evento</a:t>
-            </a:r>
-            <a:r>
-              <a:rPr dirty="0"/>
-              <a:t> de interesse, o </a:t>
-            </a:r>
-            <a:r>
-              <a:rPr dirty="0" err="1"/>
-              <a:t>modelo</a:t>
-            </a:r>
-            <a:r>
-              <a:rPr dirty="0"/>
-              <a:t> conjunto leva a </a:t>
-            </a:r>
-            <a:r>
-              <a:rPr dirty="0" err="1"/>
-              <a:t>estimativas</a:t>
-            </a:r>
-            <a:r>
-              <a:rPr dirty="0"/>
-              <a:t> </a:t>
-            </a:r>
-            <a:r>
-              <a:rPr dirty="0" err="1"/>
-              <a:t>mais</a:t>
-            </a:r>
-            <a:r>
-              <a:rPr dirty="0"/>
-              <a:t> </a:t>
-            </a:r>
-            <a:r>
-              <a:rPr dirty="0" err="1"/>
-              <a:t>eficientes</a:t>
-            </a:r>
-            <a:r>
-              <a:rPr dirty="0"/>
-              <a:t> e </a:t>
-            </a:r>
-            <a:r>
-              <a:rPr dirty="0" err="1"/>
-              <a:t>sem</a:t>
-            </a:r>
-            <a:r>
-              <a:rPr dirty="0"/>
-              <a:t> </a:t>
-            </a:r>
-            <a:r>
-              <a:rPr dirty="0" err="1"/>
-              <a:t>viés</a:t>
-            </a:r>
-            <a:r>
-              <a:rPr dirty="0"/>
-              <a:t> </a:t>
-            </a:r>
-            <a:r>
-              <a:rPr dirty="0" err="1"/>
-              <a:t>quando</a:t>
-            </a:r>
-            <a:r>
-              <a:rPr dirty="0"/>
-              <a:t> é </a:t>
-            </a:r>
-            <a:r>
-              <a:rPr dirty="0" err="1"/>
-              <a:t>ajustado</a:t>
-            </a:r>
-            <a:r>
-              <a:rPr dirty="0"/>
-              <a:t> o </a:t>
-            </a:r>
-            <a:r>
-              <a:rPr dirty="0" err="1"/>
-              <a:t>modelo</a:t>
-            </a:r>
-            <a:r>
-              <a:rPr dirty="0"/>
-              <a:t> de </a:t>
-            </a:r>
-            <a:r>
-              <a:rPr dirty="0" err="1"/>
-              <a:t>sobrevivência</a:t>
-            </a:r>
-            <a:r>
-              <a:rPr dirty="0"/>
-              <a:t> </a:t>
-            </a:r>
-            <a:r>
-              <a:rPr dirty="0" err="1"/>
-              <a:t>correto</a:t>
-            </a:r>
-            <a:r>
-              <a:rPr dirty="0"/>
-              <a:t>.</a:t>
-            </a:r>
-          </a:p>
-        </p:txBody>
-      </p:sp>
-    </p:spTree>
-  </p:cSld>
-  <p:clrMapOvr>
-    <a:masterClrMapping/>
-  </p:clrMapOvr>
-</p:sld>
-</file>
-
-<file path=ppt/slides/slide33.xml><?xml version="1.0" encoding="utf-8"?>
-<p:sld xmlns:a="http://schemas.openxmlformats.org/drawingml/2006/main" xmlns:r="http://schemas.openxmlformats.org/officeDocument/2006/relationships" xmlns:p="http://schemas.openxmlformats.org/presentationml/2006/main">
-  <p:cSld>
-    <p:spTree>
-      <p:nvGrpSpPr>
-        <p:cNvPr id="1" name=""/>
-        <p:cNvGrpSpPr/>
-        <p:nvPr/>
-      </p:nvGrpSpPr>
-      <p:grpSpPr>
-        <a:xfrm>
-          <a:off x="0" y="0"/>
-          <a:ext cx="0" cy="0"/>
-          <a:chOff x="0" y="0"/>
-          <a:chExt cx="0" cy="0"/>
-        </a:xfrm>
-      </p:grpSpPr>
-      <p:sp>
-        <p:nvSpPr>
-          <p:cNvPr id="2" name="Title 1"/>
-          <p:cNvSpPr>
-            <a:spLocks noGrp="1"/>
-          </p:cNvSpPr>
-          <p:nvPr>
-            <p:ph type="title"/>
+              <a:rPr dirty="0"/>
+              <a:t>Joseph G. Ibrahim, </a:t>
+            </a:r>
+            <a:r>
+              <a:rPr dirty="0" err="1"/>
+              <a:t>Haitao</a:t>
+            </a:r>
+            <a:r>
+              <a:rPr dirty="0"/>
+              <a:t> Chu and Liddy M. Chen, </a:t>
+            </a:r>
+            <a:r>
+              <a:rPr i="1" dirty="0"/>
+              <a:t>Basic Concepts and Methods for Joint Models of Longitudinal and Survival Data</a:t>
+            </a:r>
+            <a:r>
+              <a:rPr dirty="0"/>
+              <a:t>, Journal of Clinical Oncology, 28, 16, (2796), (2010).</a:t>
+            </a:r>
+          </a:p>
+        </p:txBody>
+      </p:sp>
+      <p:sp>
+        <p:nvSpPr>
+          <p:cNvPr id="4" name="Espaço Reservado para Número de Slide 3">
+            <a:extLst>
+              <a:ext uri="{FF2B5EF4-FFF2-40B4-BE49-F238E27FC236}">
+                <a16:creationId xmlns:a16="http://schemas.microsoft.com/office/drawing/2014/main" id="{780B120A-01B6-49FF-A516-DC3449C69C39}"/>
+              </a:ext>
+            </a:extLst>
+          </p:cNvPr>
+          <p:cNvSpPr>
+            <a:spLocks noGrp="1"/>
+          </p:cNvSpPr>
+          <p:nvPr>
+            <p:ph type="sldNum" sz="quarter" idx="12"/>
           </p:nvPr>
         </p:nvSpPr>
         <p:spPr/>
@@ -9710,38 +11196,11 @@
           <a:bodyPr/>
           <a:lstStyle/>
           <a:p>
-            <a:r>
-              <a:t>Referência</a:t>
-            </a:r>
-          </a:p>
-        </p:txBody>
-      </p:sp>
-      <p:sp>
-        <p:nvSpPr>
-          <p:cNvPr id="3" name="Content Placeholder 2"/>
-          <p:cNvSpPr>
-            <a:spLocks noGrp="1"/>
-          </p:cNvSpPr>
-          <p:nvPr>
-            <p:ph idx="1"/>
-          </p:nvPr>
-        </p:nvSpPr>
-        <p:spPr/>
-        <p:txBody>
-          <a:bodyPr/>
-          <a:lstStyle/>
-          <a:p>
-            <a:pPr lvl="1"/>
-            <a:r>
-              <a:t>Joseph G. Ibrahim, Haitao Chu and Liddy M. Chen, </a:t>
-            </a:r>
-            <a:r>
-              <a:rPr i="1"/>
-              <a:t>Basic Concepts and Methods for Joint Models of Longitudinal and Survival Data</a:t>
-            </a:r>
-            <a:r>
-              <a:t>, Journal of Clinical Oncology, 28, 16, (2796), (2010).</a:t>
-            </a:r>
+            <a:fld id="{C5EF2332-01BF-834F-8236-50238282D533}" type="slidenum">
+              <a:rPr lang="en-US" smtClean="0"/>
+              <a:t>32</a:t>
+            </a:fld>
+            <a:endParaRPr lang="en-US"/>
           </a:p>
         </p:txBody>
       </p:sp>
@@ -10020,6 +11479,35 @@
           </a:p>
         </p:txBody>
       </p:sp>
+      <p:sp>
+        <p:nvSpPr>
+          <p:cNvPr id="4" name="Espaço Reservado para Número de Slide 3">
+            <a:extLst>
+              <a:ext uri="{FF2B5EF4-FFF2-40B4-BE49-F238E27FC236}">
+                <a16:creationId xmlns:a16="http://schemas.microsoft.com/office/drawing/2014/main" id="{8625553D-16C5-4EC7-93A0-292615E4348D}"/>
+              </a:ext>
+            </a:extLst>
+          </p:cNvPr>
+          <p:cNvSpPr>
+            <a:spLocks noGrp="1"/>
+          </p:cNvSpPr>
+          <p:nvPr>
+            <p:ph type="sldNum" sz="quarter" idx="12"/>
+          </p:nvPr>
+        </p:nvSpPr>
+        <p:spPr/>
+        <p:txBody>
+          <a:bodyPr/>
+          <a:lstStyle/>
+          <a:p>
+            <a:fld id="{C5EF2332-01BF-834F-8236-50238282D533}" type="slidenum">
+              <a:rPr lang="en-US" smtClean="0"/>
+              <a:t>4</a:t>
+            </a:fld>
+            <a:endParaRPr lang="en-US"/>
+          </a:p>
+        </p:txBody>
+      </p:sp>
     </p:spTree>
   </p:cSld>
   <p:clrMapOvr>
@@ -10201,6 +11689,35 @@
           </a:p>
         </p:txBody>
       </p:sp>
+      <p:sp>
+        <p:nvSpPr>
+          <p:cNvPr id="4" name="Espaço Reservado para Número de Slide 3">
+            <a:extLst>
+              <a:ext uri="{FF2B5EF4-FFF2-40B4-BE49-F238E27FC236}">
+                <a16:creationId xmlns:a16="http://schemas.microsoft.com/office/drawing/2014/main" id="{552B2A15-B564-4337-9056-22B4BAFB82FC}"/>
+              </a:ext>
+            </a:extLst>
+          </p:cNvPr>
+          <p:cNvSpPr>
+            <a:spLocks noGrp="1"/>
+          </p:cNvSpPr>
+          <p:nvPr>
+            <p:ph type="sldNum" sz="quarter" idx="12"/>
+          </p:nvPr>
+        </p:nvSpPr>
+        <p:spPr/>
+        <p:txBody>
+          <a:bodyPr/>
+          <a:lstStyle/>
+          <a:p>
+            <a:fld id="{C5EF2332-01BF-834F-8236-50238282D533}" type="slidenum">
+              <a:rPr lang="en-US" smtClean="0"/>
+              <a:t>5</a:t>
+            </a:fld>
+            <a:endParaRPr lang="en-US"/>
+          </a:p>
+        </p:txBody>
+      </p:sp>
     </p:spTree>
   </p:cSld>
   <p:clrMapOvr>
@@ -10477,44 +11994,38 @@
             </a:r>
             <a:r>
               <a:rPr lang="pt-BR" dirty="0"/>
-              <a:t>;</a:t>
+              <a:t>.</a:t>
             </a:r>
             <a:endParaRPr dirty="0"/>
           </a:p>
-          <a:p>
-            <a:pPr lvl="1"/>
-            <a:r>
-              <a:rPr dirty="0" err="1"/>
-              <a:t>Aumento</a:t>
-            </a:r>
-            <a:r>
-              <a:rPr dirty="0"/>
-              <a:t> no </a:t>
-            </a:r>
-            <a:r>
-              <a:rPr dirty="0" err="1"/>
-              <a:t>poder</a:t>
-            </a:r>
-            <a:r>
-              <a:rPr dirty="0"/>
-              <a:t> e </a:t>
-            </a:r>
-            <a:r>
-              <a:rPr dirty="0" err="1"/>
-              <a:t>redução</a:t>
-            </a:r>
-            <a:r>
-              <a:rPr dirty="0"/>
-              <a:t> da </a:t>
-            </a:r>
-            <a:r>
-              <a:rPr dirty="0" err="1"/>
-              <a:t>amostragem</a:t>
-            </a:r>
-            <a:r>
-              <a:rPr dirty="0"/>
-              <a:t>.</a:t>
-            </a:r>
+        </p:txBody>
+      </p:sp>
+      <p:sp>
+        <p:nvSpPr>
+          <p:cNvPr id="4" name="Espaço Reservado para Número de Slide 3">
+            <a:extLst>
+              <a:ext uri="{FF2B5EF4-FFF2-40B4-BE49-F238E27FC236}">
+                <a16:creationId xmlns:a16="http://schemas.microsoft.com/office/drawing/2014/main" id="{E570A052-97FC-4A51-98B3-0824E6961635}"/>
+              </a:ext>
+            </a:extLst>
+          </p:cNvPr>
+          <p:cNvSpPr>
+            <a:spLocks noGrp="1"/>
+          </p:cNvSpPr>
+          <p:nvPr>
+            <p:ph type="sldNum" sz="quarter" idx="12"/>
+          </p:nvPr>
+        </p:nvSpPr>
+        <p:spPr/>
+        <p:txBody>
+          <a:bodyPr/>
+          <a:lstStyle/>
+          <a:p>
+            <a:fld id="{C5EF2332-01BF-834F-8236-50238282D533}" type="slidenum">
+              <a:rPr lang="en-US" smtClean="0"/>
+              <a:t>6</a:t>
+            </a:fld>
+            <a:endParaRPr lang="en-US"/>
           </a:p>
         </p:txBody>
       </p:sp>
@@ -10564,21 +12075,50 @@
           <a:lstStyle/>
           <a:p>
             <a:r>
-              <a:rPr dirty="0" err="1"/>
+              <a:rPr sz="5400" dirty="0" err="1"/>
               <a:t>Estrutura</a:t>
             </a:r>
             <a:r>
-              <a:rPr dirty="0"/>
+              <a:rPr sz="5400" dirty="0"/>
               <a:t> do </a:t>
             </a:r>
             <a:r>
-              <a:rPr dirty="0" err="1"/>
+              <a:rPr sz="5400" dirty="0" err="1"/>
               <a:t>modelo</a:t>
             </a:r>
             <a:r>
-              <a:rPr dirty="0"/>
+              <a:rPr sz="5400" dirty="0"/>
               <a:t> conjunto</a:t>
             </a:r>
+          </a:p>
+        </p:txBody>
+      </p:sp>
+      <p:sp>
+        <p:nvSpPr>
+          <p:cNvPr id="3" name="Espaço Reservado para Número de Slide 2">
+            <a:extLst>
+              <a:ext uri="{FF2B5EF4-FFF2-40B4-BE49-F238E27FC236}">
+                <a16:creationId xmlns:a16="http://schemas.microsoft.com/office/drawing/2014/main" id="{A943FAD5-E22B-4654-A79B-93F5C83DD2A4}"/>
+              </a:ext>
+            </a:extLst>
+          </p:cNvPr>
+          <p:cNvSpPr>
+            <a:spLocks noGrp="1"/>
+          </p:cNvSpPr>
+          <p:nvPr>
+            <p:ph type="sldNum" sz="quarter" idx="12"/>
+          </p:nvPr>
+        </p:nvSpPr>
+        <p:spPr/>
+        <p:txBody>
+          <a:bodyPr/>
+          <a:lstStyle/>
+          <a:p>
+            <a:fld id="{C5EF2332-01BF-834F-8236-50238282D533}" type="slidenum">
+              <a:rPr lang="en-US" smtClean="0"/>
+              <a:t>7</a:t>
+            </a:fld>
+            <a:endParaRPr lang="en-US"/>
           </a:p>
         </p:txBody>
       </p:sp>
@@ -10864,15 +12404,23 @@
                 </a:r>
                 <a:r>
                   <a:rPr dirty="0"/>
-                  <a:t> no tempo j-</a:t>
-                </a:r>
-                <a:r>
-                  <a:rPr dirty="0" err="1"/>
+                  <a:t> no </a:t>
+                </a:r>
+                <a:r>
+                  <a:rPr lang="pt-BR" dirty="0"/>
+                  <a:t>j-</a:t>
+                </a:r>
+                <a:r>
+                  <a:rPr lang="pt-BR" dirty="0" err="1"/>
                   <a:t>ésimo</a:t>
                 </a:r>
                 <a:r>
+                  <a:rPr lang="pt-BR" dirty="0"/>
+                  <a:t> </a:t>
+                </a:r>
+                <a:r>
                   <a:rPr dirty="0"/>
-                  <a:t>;</a:t>
+                  <a:t>tempo;</a:t>
                 </a:r>
               </a:p>
               <a:p>
@@ -11054,7 +12602,7 @@
               <a:blipFill>
                 <a:blip r:embed="rId2"/>
                 <a:stretch>
-                  <a:fillRect l="-810" t="-1014" r="-810"/>
+                  <a:fillRect l="-810" t="-1159" r="-810"/>
                 </a:stretch>
               </a:blipFill>
             </p:spPr>
@@ -11073,6 +12621,35 @@
           </p:sp>
         </mc:Fallback>
       </mc:AlternateContent>
+      <p:sp>
+        <p:nvSpPr>
+          <p:cNvPr id="4" name="Espaço Reservado para Número de Slide 3">
+            <a:extLst>
+              <a:ext uri="{FF2B5EF4-FFF2-40B4-BE49-F238E27FC236}">
+                <a16:creationId xmlns:a16="http://schemas.microsoft.com/office/drawing/2014/main" id="{5D1C241F-9A90-4C1F-8FD1-7ECF4118BAF2}"/>
+              </a:ext>
+            </a:extLst>
+          </p:cNvPr>
+          <p:cNvSpPr>
+            <a:spLocks noGrp="1"/>
+          </p:cNvSpPr>
+          <p:nvPr>
+            <p:ph type="sldNum" sz="quarter" idx="12"/>
+          </p:nvPr>
+        </p:nvSpPr>
+        <p:spPr/>
+        <p:txBody>
+          <a:bodyPr/>
+          <a:lstStyle/>
+          <a:p>
+            <a:fld id="{C5EF2332-01BF-834F-8236-50238282D533}" type="slidenum">
+              <a:rPr lang="en-US" smtClean="0"/>
+              <a:t>8</a:t>
+            </a:fld>
+            <a:endParaRPr lang="en-US"/>
+          </a:p>
+        </p:txBody>
+      </p:sp>
     </p:spTree>
   </p:cSld>
   <p:clrMapOvr>
@@ -11419,6 +12996,10 @@
                   <a:t> e 0 para </a:t>
                 </a:r>
                 <a:r>
+                  <a:rPr lang="pt-BR" dirty="0"/>
+                  <a:t>o </a:t>
+                </a:r>
+                <a:r>
                   <a:rPr dirty="0" err="1"/>
                   <a:t>não</a:t>
                 </a:r>
@@ -11648,7 +13229,7 @@
               <a:blipFill>
                 <a:blip r:embed="rId2"/>
                 <a:stretch>
-                  <a:fillRect t="-580" r="-561"/>
+                  <a:fillRect t="-870" r="-561"/>
                 </a:stretch>
               </a:blipFill>
             </p:spPr>
@@ -11667,6 +13248,35 @@
           </p:sp>
         </mc:Fallback>
       </mc:AlternateContent>
+      <p:sp>
+        <p:nvSpPr>
+          <p:cNvPr id="4" name="Espaço Reservado para Número de Slide 3">
+            <a:extLst>
+              <a:ext uri="{FF2B5EF4-FFF2-40B4-BE49-F238E27FC236}">
+                <a16:creationId xmlns:a16="http://schemas.microsoft.com/office/drawing/2014/main" id="{B5F87F7B-C6FC-4620-91F3-92417D6AE3C7}"/>
+              </a:ext>
+            </a:extLst>
+          </p:cNvPr>
+          <p:cNvSpPr>
+            <a:spLocks noGrp="1"/>
+          </p:cNvSpPr>
+          <p:nvPr>
+            <p:ph type="sldNum" sz="quarter" idx="12"/>
+          </p:nvPr>
+        </p:nvSpPr>
+        <p:spPr/>
+        <p:txBody>
+          <a:bodyPr/>
+          <a:lstStyle/>
+          <a:p>
+            <a:fld id="{C5EF2332-01BF-834F-8236-50238282D533}" type="slidenum">
+              <a:rPr lang="en-US" smtClean="0"/>
+              <a:t>9</a:t>
+            </a:fld>
+            <a:endParaRPr lang="en-US"/>
+          </a:p>
+        </p:txBody>
+      </p:sp>
     </p:spTree>
   </p:cSld>
   <p:clrMapOvr>
@@ -11716,14 +13326,14 @@
         <a:srgbClr val="3EBBF0"/>
       </a:folHlink>
     </a:clrScheme>
-    <a:fontScheme name="Arial Times New Roman">
+    <a:fontScheme name="Garamond-Trebuchet MS">
       <a:majorFont>
-        <a:latin typeface="Arial" panose="020B0604020202020204"/>
+        <a:latin typeface="Garamond" panose="02020404030301010803"/>
         <a:ea typeface=""/>
         <a:cs typeface=""/>
         <a:font script="Jpan" typeface="ＭＳ Ｐゴシック"/>
-        <a:font script="Hang" typeface="굴림"/>
-        <a:font script="Hans" typeface="黑体"/>
+        <a:font script="Hang" typeface="돋움"/>
+        <a:font script="Hans" typeface="方正舒体"/>
         <a:font script="Hant" typeface="微軟正黑體"/>
         <a:font script="Arab" typeface="Arial"/>
         <a:font script="Hebr" typeface="Arial"/>
@@ -11753,20 +13363,20 @@
         <a:font script="Geor" typeface="Sylfaen"/>
       </a:majorFont>
       <a:minorFont>
-        <a:latin typeface="Times New Roman" panose="02020603050405020304"/>
+        <a:latin typeface="Trebuchet MS" panose="020B0603020202020204"/>
         <a:ea typeface=""/>
         <a:cs typeface=""/>
-        <a:font script="Jpan" typeface="ＭＳ Ｐ明朝"/>
-        <a:font script="Hang" typeface="바탕"/>
-        <a:font script="Hans" typeface="宋体"/>
-        <a:font script="Hant" typeface="新細明體"/>
-        <a:font script="Arab" typeface="Times New Roman"/>
-        <a:font script="Hebr" typeface="Times New Roman"/>
-        <a:font script="Thai" typeface="Angsana New"/>
+        <a:font script="Jpan" typeface="HGｺﾞｼｯｸM"/>
+        <a:font script="Hang" typeface="맑은 고딕"/>
+        <a:font script="Hans" typeface="方正姚体"/>
+        <a:font script="Hant" typeface="微軟正黑體"/>
+        <a:font script="Arab" typeface="Tahoma"/>
+        <a:font script="Hebr" typeface="Arial"/>
+        <a:font script="Thai" typeface="Cordia New"/>
         <a:font script="Ethi" typeface="Nyala"/>
         <a:font script="Beng" typeface="Vrinda"/>
         <a:font script="Gujr" typeface="Shruti"/>
-        <a:font script="Khmr" typeface="MoolBoran"/>
+        <a:font script="Khmr" typeface="DaunPenh"/>
         <a:font script="Knda" typeface="Tunga"/>
         <a:font script="Guru" typeface="Raavi"/>
         <a:font script="Cans" typeface="Euphemia"/>
@@ -11783,7 +13393,7 @@
         <a:font script="Laoo" typeface="DokChampa"/>
         <a:font script="Sinh" typeface="Iskoola Pota"/>
         <a:font script="Mong" typeface="Mongolian Baiti"/>
-        <a:font script="Viet" typeface="Times New Roman"/>
+        <a:font script="Viet" typeface="Tahoma"/>
         <a:font script="Uigh" typeface="Microsoft Uighur"/>
         <a:font script="Geor" typeface="Sylfaen"/>
       </a:minorFont>
@@ -11935,4 +13545,299 @@
     </a:ext>
   </a:extLst>
 </a:theme>
+</file>
+
+<file path=ppt/theme/theme2.xml><?xml version="1.0" encoding="utf-8"?>
+<a:theme xmlns:a="http://schemas.openxmlformats.org/drawingml/2006/main" name="Tema do Office">
+  <a:themeElements>
+    <a:clrScheme name="Office">
+      <a:dk1>
+        <a:sysClr val="windowText" lastClr="000000"/>
+      </a:dk1>
+      <a:lt1>
+        <a:sysClr val="window" lastClr="FFFFFF"/>
+      </a:lt1>
+      <a:dk2>
+        <a:srgbClr val="44546A"/>
+      </a:dk2>
+      <a:lt2>
+        <a:srgbClr val="E7E6E6"/>
+      </a:lt2>
+      <a:accent1>
+        <a:srgbClr val="4472C4"/>
+      </a:accent1>
+      <a:accent2>
+        <a:srgbClr val="ED7D31"/>
+      </a:accent2>
+      <a:accent3>
+        <a:srgbClr val="A5A5A5"/>
+      </a:accent3>
+      <a:accent4>
+        <a:srgbClr val="FFC000"/>
+      </a:accent4>
+      <a:accent5>
+        <a:srgbClr val="5B9BD5"/>
+      </a:accent5>
+      <a:accent6>
+        <a:srgbClr val="70AD47"/>
+      </a:accent6>
+      <a:hlink>
+        <a:srgbClr val="0563C1"/>
+      </a:hlink>
+      <a:folHlink>
+        <a:srgbClr val="954F72"/>
+      </a:folHlink>
+    </a:clrScheme>
+    <a:fontScheme name="Office">
+      <a:majorFont>
+        <a:latin typeface="Calibri Light" panose="020F0302020204030204"/>
+        <a:ea typeface=""/>
+        <a:cs typeface=""/>
+        <a:font script="Jpan" typeface="游ゴシック Light"/>
+        <a:font script="Hang" typeface="맑은 고딕"/>
+        <a:font script="Hans" typeface="等线 Light"/>
+        <a:font script="Hant" typeface="新細明體"/>
+        <a:font script="Arab" typeface="Times New Roman"/>
+        <a:font script="Hebr" typeface="Times New Roman"/>
+        <a:font script="Thai" typeface="Angsana New"/>
+        <a:font script="Ethi" typeface="Nyala"/>
+        <a:font script="Beng" typeface="Vrinda"/>
+        <a:font script="Gujr" typeface="Shruti"/>
+        <a:font script="Khmr" typeface="MoolBoran"/>
+        <a:font script="Knda" typeface="Tunga"/>
+        <a:font script="Guru" typeface="Raavi"/>
+        <a:font script="Cans" typeface="Euphemia"/>
+        <a:font script="Cher" typeface="Plantagenet Cherokee"/>
+        <a:font script="Yiii" typeface="Microsoft Yi Baiti"/>
+        <a:font script="Tibt" typeface="Microsoft Himalaya"/>
+        <a:font script="Thaa" typeface="MV Boli"/>
+        <a:font script="Deva" typeface="Mangal"/>
+        <a:font script="Telu" typeface="Gautami"/>
+        <a:font script="Taml" typeface="Latha"/>
+        <a:font script="Syrc" typeface="Estrangelo Edessa"/>
+        <a:font script="Orya" typeface="Kalinga"/>
+        <a:font script="Mlym" typeface="Kartika"/>
+        <a:font script="Laoo" typeface="DokChampa"/>
+        <a:font script="Sinh" typeface="Iskoola Pota"/>
+        <a:font script="Mong" typeface="Mongolian Baiti"/>
+        <a:font script="Viet" typeface="Times New Roman"/>
+        <a:font script="Uigh" typeface="Microsoft Uighur"/>
+        <a:font script="Geor" typeface="Sylfaen"/>
+        <a:font script="Armn" typeface="Arial"/>
+        <a:font script="Bugi" typeface="Leelawadee UI"/>
+        <a:font script="Bopo" typeface="Microsoft JhengHei"/>
+        <a:font script="Java" typeface="Javanese Text"/>
+        <a:font script="Lisu" typeface="Segoe UI"/>
+        <a:font script="Mymr" typeface="Myanmar Text"/>
+        <a:font script="Nkoo" typeface="Ebrima"/>
+        <a:font script="Olck" typeface="Nirmala UI"/>
+        <a:font script="Osma" typeface="Ebrima"/>
+        <a:font script="Phag" typeface="Phagspa"/>
+        <a:font script="Syrn" typeface="Estrangelo Edessa"/>
+        <a:font script="Syrj" typeface="Estrangelo Edessa"/>
+        <a:font script="Syre" typeface="Estrangelo Edessa"/>
+        <a:font script="Sora" typeface="Nirmala UI"/>
+        <a:font script="Tale" typeface="Microsoft Tai Le"/>
+        <a:font script="Talu" typeface="Microsoft New Tai Lue"/>
+        <a:font script="Tfng" typeface="Ebrima"/>
+      </a:majorFont>
+      <a:minorFont>
+        <a:latin typeface="Calibri" panose="020F0502020204030204"/>
+        <a:ea typeface=""/>
+        <a:cs typeface=""/>
+        <a:font script="Jpan" typeface="游ゴシック"/>
+        <a:font script="Hang" typeface="맑은 고딕"/>
+        <a:font script="Hans" typeface="等线"/>
+        <a:font script="Hant" typeface="新細明體"/>
+        <a:font script="Arab" typeface="Arial"/>
+        <a:font script="Hebr" typeface="Arial"/>
+        <a:font script="Thai" typeface="Cordia New"/>
+        <a:font script="Ethi" typeface="Nyala"/>
+        <a:font script="Beng" typeface="Vrinda"/>
+        <a:font script="Gujr" typeface="Shruti"/>
+        <a:font script="Khmr" typeface="DaunPenh"/>
+        <a:font script="Knda" typeface="Tunga"/>
+        <a:font script="Guru" typeface="Raavi"/>
+        <a:font script="Cans" typeface="Euphemia"/>
+        <a:font script="Cher" typeface="Plantagenet Cherokee"/>
+        <a:font script="Yiii" typeface="Microsoft Yi Baiti"/>
+        <a:font script="Tibt" typeface="Microsoft Himalaya"/>
+        <a:font script="Thaa" typeface="MV Boli"/>
+        <a:font script="Deva" typeface="Mangal"/>
+        <a:font script="Telu" typeface="Gautami"/>
+        <a:font script="Taml" typeface="Latha"/>
+        <a:font script="Syrc" typeface="Estrangelo Edessa"/>
+        <a:font script="Orya" typeface="Kalinga"/>
+        <a:font script="Mlym" typeface="Kartika"/>
+        <a:font script="Laoo" typeface="DokChampa"/>
+        <a:font script="Sinh" typeface="Iskoola Pota"/>
+        <a:font script="Mong" typeface="Mongolian Baiti"/>
+        <a:font script="Viet" typeface="Arial"/>
+        <a:font script="Uigh" typeface="Microsoft Uighur"/>
+        <a:font script="Geor" typeface="Sylfaen"/>
+        <a:font script="Armn" typeface="Arial"/>
+        <a:font script="Bugi" typeface="Leelawadee UI"/>
+        <a:font script="Bopo" typeface="Microsoft JhengHei"/>
+        <a:font script="Java" typeface="Javanese Text"/>
+        <a:font script="Lisu" typeface="Segoe UI"/>
+        <a:font script="Mymr" typeface="Myanmar Text"/>
+        <a:font script="Nkoo" typeface="Ebrima"/>
+        <a:font script="Olck" typeface="Nirmala UI"/>
+        <a:font script="Osma" typeface="Ebrima"/>
+        <a:font script="Phag" typeface="Phagspa"/>
+        <a:font script="Syrn" typeface="Estrangelo Edessa"/>
+        <a:font script="Syrj" typeface="Estrangelo Edessa"/>
+        <a:font script="Syre" typeface="Estrangelo Edessa"/>
+        <a:font script="Sora" typeface="Nirmala UI"/>
+        <a:font script="Tale" typeface="Microsoft Tai Le"/>
+        <a:font script="Talu" typeface="Microsoft New Tai Lue"/>
+        <a:font script="Tfng" typeface="Ebrima"/>
+      </a:minorFont>
+    </a:fontScheme>
+    <a:fmtScheme name="Office">
+      <a:fillStyleLst>
+        <a:solidFill>
+          <a:schemeClr val="phClr"/>
+        </a:solidFill>
+        <a:gradFill rotWithShape="1">
+          <a:gsLst>
+            <a:gs pos="0">
+              <a:schemeClr val="phClr">
+                <a:lumMod val="110000"/>
+                <a:satMod val="105000"/>
+                <a:tint val="67000"/>
+              </a:schemeClr>
+            </a:gs>
+            <a:gs pos="50000">
+              <a:schemeClr val="phClr">
+                <a:lumMod val="105000"/>
+                <a:satMod val="103000"/>
+                <a:tint val="73000"/>
+              </a:schemeClr>
+            </a:gs>
+            <a:gs pos="100000">
+              <a:schemeClr val="phClr">
+                <a:lumMod val="105000"/>
+                <a:satMod val="109000"/>
+                <a:tint val="81000"/>
+              </a:schemeClr>
+            </a:gs>
+          </a:gsLst>
+          <a:lin ang="5400000" scaled="0"/>
+        </a:gradFill>
+        <a:gradFill rotWithShape="1">
+          <a:gsLst>
+            <a:gs pos="0">
+              <a:schemeClr val="phClr">
+                <a:satMod val="103000"/>
+                <a:lumMod val="102000"/>
+                <a:tint val="94000"/>
+              </a:schemeClr>
+            </a:gs>
+            <a:gs pos="50000">
+              <a:schemeClr val="phClr">
+                <a:satMod val="110000"/>
+                <a:lumMod val="100000"/>
+                <a:shade val="100000"/>
+              </a:schemeClr>
+            </a:gs>
+            <a:gs pos="100000">
+              <a:schemeClr val="phClr">
+                <a:lumMod val="99000"/>
+                <a:satMod val="120000"/>
+                <a:shade val="78000"/>
+              </a:schemeClr>
+            </a:gs>
+          </a:gsLst>
+          <a:lin ang="5400000" scaled="0"/>
+        </a:gradFill>
+      </a:fillStyleLst>
+      <a:lnStyleLst>
+        <a:ln w="6350" cap="flat" cmpd="sng" algn="ctr">
+          <a:solidFill>
+            <a:schemeClr val="phClr"/>
+          </a:solidFill>
+          <a:prstDash val="solid"/>
+          <a:miter lim="800000"/>
+        </a:ln>
+        <a:ln w="12700" cap="flat" cmpd="sng" algn="ctr">
+          <a:solidFill>
+            <a:schemeClr val="phClr"/>
+          </a:solidFill>
+          <a:prstDash val="solid"/>
+          <a:miter lim="800000"/>
+        </a:ln>
+        <a:ln w="19050" cap="flat" cmpd="sng" algn="ctr">
+          <a:solidFill>
+            <a:schemeClr val="phClr"/>
+          </a:solidFill>
+          <a:prstDash val="solid"/>
+          <a:miter lim="800000"/>
+        </a:ln>
+      </a:lnStyleLst>
+      <a:effectStyleLst>
+        <a:effectStyle>
+          <a:effectLst/>
+        </a:effectStyle>
+        <a:effectStyle>
+          <a:effectLst/>
+        </a:effectStyle>
+        <a:effectStyle>
+          <a:effectLst>
+            <a:outerShdw blurRad="57150" dist="19050" dir="5400000" algn="ctr" rotWithShape="0">
+              <a:srgbClr val="000000">
+                <a:alpha val="63000"/>
+              </a:srgbClr>
+            </a:outerShdw>
+          </a:effectLst>
+        </a:effectStyle>
+      </a:effectStyleLst>
+      <a:bgFillStyleLst>
+        <a:solidFill>
+          <a:schemeClr val="phClr"/>
+        </a:solidFill>
+        <a:solidFill>
+          <a:schemeClr val="phClr">
+            <a:tint val="95000"/>
+            <a:satMod val="170000"/>
+          </a:schemeClr>
+        </a:solidFill>
+        <a:gradFill rotWithShape="1">
+          <a:gsLst>
+            <a:gs pos="0">
+              <a:schemeClr val="phClr">
+                <a:tint val="93000"/>
+                <a:satMod val="150000"/>
+                <a:shade val="98000"/>
+                <a:lumMod val="102000"/>
+              </a:schemeClr>
+            </a:gs>
+            <a:gs pos="50000">
+              <a:schemeClr val="phClr">
+                <a:tint val="98000"/>
+                <a:satMod val="130000"/>
+                <a:shade val="90000"/>
+                <a:lumMod val="103000"/>
+              </a:schemeClr>
+            </a:gs>
+            <a:gs pos="100000">
+              <a:schemeClr val="phClr">
+                <a:shade val="63000"/>
+                <a:satMod val="120000"/>
+              </a:schemeClr>
+            </a:gs>
+          </a:gsLst>
+          <a:lin ang="5400000" scaled="0"/>
+        </a:gradFill>
+      </a:bgFillStyleLst>
+    </a:fmtScheme>
+  </a:themeElements>
+  <a:objectDefaults/>
+  <a:extraClrSchemeLst/>
+  <a:extLst>
+    <a:ext uri="{05A4C25C-085E-4340-85A3-A5531E510DB2}">
+      <thm15:themeFamily xmlns:thm15="http://schemas.microsoft.com/office/thememl/2012/main" name="Office Theme" id="{62F939B6-93AF-4DB8-9C6B-D6C7DFDC589F}" vid="{4A3C46E8-61CC-4603-A589-7422A47A8E4A}"/>
+    </a:ext>
+  </a:extLst>
+</a:theme>
 </file>
--- a/Apresentacao_Editado.pptx
+++ b/Apresentacao_Editado.pptx
@@ -3913,7 +3913,7 @@
           <a:p>
             <a:r>
               <a:rPr lang="pt-BR" dirty="0"/>
-              <a:t>Orientadora: Juliana Freitas de Melo e Silva</a:t>
+              <a:t>Orientadora: Juliana Freitas de Mello e Silva</a:t>
             </a:r>
             <a:endParaRPr dirty="0"/>
           </a:p>
@@ -8243,7 +8243,31 @@
                           <a:rPr lang="pt-BR">
                             <a:latin typeface="Cambria Math" panose="02040503050406030204" pitchFamily="18" charset="0"/>
                           </a:rPr>
-                          <m:t>0, 0.5</m:t>
+                          <m:t>0</m:t>
+                        </m:r>
+                        <m:r>
+                          <a:rPr lang="pt-BR">
+                            <a:latin typeface="Cambria Math" panose="02040503050406030204" pitchFamily="18" charset="0"/>
+                          </a:rPr>
+                          <m:t>, </m:t>
+                        </m:r>
+                        <m:r>
+                          <a:rPr lang="pt-BR">
+                            <a:latin typeface="Cambria Math" panose="02040503050406030204" pitchFamily="18" charset="0"/>
+                          </a:rPr>
+                          <m:t>0</m:t>
+                        </m:r>
+                        <m:r>
+                          <a:rPr lang="pt-BR">
+                            <a:latin typeface="Cambria Math" panose="02040503050406030204" pitchFamily="18" charset="0"/>
+                          </a:rPr>
+                          <m:t>.</m:t>
+                        </m:r>
+                        <m:r>
+                          <a:rPr lang="pt-BR">
+                            <a:latin typeface="Cambria Math" panose="02040503050406030204" pitchFamily="18" charset="0"/>
+                          </a:rPr>
+                          <m:t>5</m:t>
                         </m:r>
                       </m:e>
                     </m:d>
@@ -8288,7 +8312,55 @@
                           <a:rPr lang="pt-BR">
                             <a:latin typeface="Cambria Math" panose="02040503050406030204" pitchFamily="18" charset="0"/>
                           </a:rPr>
-                          <m:t>0,0.25, 0.5</m:t>
+                          <m:t>0</m:t>
+                        </m:r>
+                        <m:r>
+                          <a:rPr lang="pt-BR">
+                            <a:latin typeface="Cambria Math" panose="02040503050406030204" pitchFamily="18" charset="0"/>
+                          </a:rPr>
+                          <m:t>,</m:t>
+                        </m:r>
+                        <m:r>
+                          <a:rPr lang="pt-BR">
+                            <a:latin typeface="Cambria Math" panose="02040503050406030204" pitchFamily="18" charset="0"/>
+                          </a:rPr>
+                          <m:t>0</m:t>
+                        </m:r>
+                        <m:r>
+                          <a:rPr lang="pt-BR">
+                            <a:latin typeface="Cambria Math" panose="02040503050406030204" pitchFamily="18" charset="0"/>
+                          </a:rPr>
+                          <m:t>.</m:t>
+                        </m:r>
+                        <m:r>
+                          <a:rPr lang="pt-BR">
+                            <a:latin typeface="Cambria Math" panose="02040503050406030204" pitchFamily="18" charset="0"/>
+                          </a:rPr>
+                          <m:t>25</m:t>
+                        </m:r>
+                        <m:r>
+                          <a:rPr lang="pt-BR">
+                            <a:latin typeface="Cambria Math" panose="02040503050406030204" pitchFamily="18" charset="0"/>
+                          </a:rPr>
+                          <m:t>, </m:t>
+                        </m:r>
+                        <m:r>
+                          <a:rPr lang="pt-BR">
+                            <a:latin typeface="Cambria Math" panose="02040503050406030204" pitchFamily="18" charset="0"/>
+                          </a:rPr>
+                          <m:t>0</m:t>
+                        </m:r>
+                        <m:r>
+                          <a:rPr lang="pt-BR">
+                            <a:latin typeface="Cambria Math" panose="02040503050406030204" pitchFamily="18" charset="0"/>
+                          </a:rPr>
+                          <m:t>.</m:t>
+                        </m:r>
+                        <m:r>
+                          <a:rPr lang="pt-BR">
+                            <a:latin typeface="Cambria Math" panose="02040503050406030204" pitchFamily="18" charset="0"/>
+                          </a:rPr>
+                          <m:t>5</m:t>
                         </m:r>
                       </m:e>
                     </m:d>
@@ -8328,7 +8400,31 @@
                           <a:rPr lang="pt-BR">
                             <a:latin typeface="Cambria Math" panose="02040503050406030204" pitchFamily="18" charset="0"/>
                           </a:rPr>
-                          <m:t>0, 0.5</m:t>
+                          <m:t>0</m:t>
+                        </m:r>
+                        <m:r>
+                          <a:rPr lang="pt-BR">
+                            <a:latin typeface="Cambria Math" panose="02040503050406030204" pitchFamily="18" charset="0"/>
+                          </a:rPr>
+                          <m:t>, </m:t>
+                        </m:r>
+                        <m:r>
+                          <a:rPr lang="pt-BR">
+                            <a:latin typeface="Cambria Math" panose="02040503050406030204" pitchFamily="18" charset="0"/>
+                          </a:rPr>
+                          <m:t>0</m:t>
+                        </m:r>
+                        <m:r>
+                          <a:rPr lang="pt-BR">
+                            <a:latin typeface="Cambria Math" panose="02040503050406030204" pitchFamily="18" charset="0"/>
+                          </a:rPr>
+                          <m:t>.</m:t>
+                        </m:r>
+                        <m:r>
+                          <a:rPr lang="pt-BR">
+                            <a:latin typeface="Cambria Math" panose="02040503050406030204" pitchFamily="18" charset="0"/>
+                          </a:rPr>
+                          <m:t>5</m:t>
                         </m:r>
                       </m:e>
                     </m:d>
@@ -10030,7 +10126,25 @@
                       <a:rPr>
                         <a:latin typeface="Cambria Math" panose="02040503050406030204" pitchFamily="18" charset="0"/>
                       </a:rPr>
-                      <m:t>)=0.25</m:t>
+                      <m:t>)=</m:t>
+                    </m:r>
+                    <m:r>
+                      <a:rPr>
+                        <a:latin typeface="Cambria Math" panose="02040503050406030204" pitchFamily="18" charset="0"/>
+                      </a:rPr>
+                      <m:t>0</m:t>
+                    </m:r>
+                    <m:r>
+                      <a:rPr>
+                        <a:latin typeface="Cambria Math" panose="02040503050406030204" pitchFamily="18" charset="0"/>
+                      </a:rPr>
+                      <m:t>.</m:t>
+                    </m:r>
+                    <m:r>
+                      <a:rPr>
+                        <a:latin typeface="Cambria Math" panose="02040503050406030204" pitchFamily="18" charset="0"/>
+                      </a:rPr>
+                      <m:t>25</m:t>
                     </m:r>
                   </m:oMath>
                 </a14:m>
@@ -10701,7 +10815,13 @@
                       <a:rPr>
                         <a:latin typeface="Cambria Math" panose="02040503050406030204" pitchFamily="18" charset="0"/>
                       </a:rPr>
-                      <m:t>=0</m:t>
+                      <m:t>=</m:t>
+                    </m:r>
+                    <m:r>
+                      <a:rPr>
+                        <a:latin typeface="Cambria Math" panose="02040503050406030204" pitchFamily="18" charset="0"/>
+                      </a:rPr>
+                      <m:t>0</m:t>
                     </m:r>
                   </m:oMath>
                 </a14:m>
